--- a/Ppt-Andamento.pptx
+++ b/Ppt-Andamento.pptx
@@ -5,7 +5,7 @@
     <p:sldMasterId id="2147483672" r:id="rId1"/>
   </p:sldMasterIdLst>
   <p:notesMasterIdLst>
-    <p:notesMasterId r:id="rId31"/>
+    <p:notesMasterId r:id="rId27"/>
   </p:notesMasterIdLst>
   <p:sldIdLst>
     <p:sldId id="265" r:id="rId2"/>
@@ -27,16 +27,12 @@
     <p:sldId id="272" r:id="rId18"/>
     <p:sldId id="283" r:id="rId19"/>
     <p:sldId id="274" r:id="rId20"/>
-    <p:sldId id="273" r:id="rId21"/>
-    <p:sldId id="275" r:id="rId22"/>
-    <p:sldId id="284" r:id="rId23"/>
-    <p:sldId id="276" r:id="rId24"/>
-    <p:sldId id="277" r:id="rId25"/>
-    <p:sldId id="286" r:id="rId26"/>
-    <p:sldId id="287" r:id="rId27"/>
-    <p:sldId id="288" r:id="rId28"/>
-    <p:sldId id="289" r:id="rId29"/>
-    <p:sldId id="290" r:id="rId30"/>
+    <p:sldId id="275" r:id="rId21"/>
+    <p:sldId id="284" r:id="rId22"/>
+    <p:sldId id="276" r:id="rId23"/>
+    <p:sldId id="293" r:id="rId24"/>
+    <p:sldId id="294" r:id="rId25"/>
+    <p:sldId id="295" r:id="rId26"/>
   </p:sldIdLst>
   <p:sldSz cx="9144000" cy="6858000" type="screen4x3"/>
   <p:notesSz cx="6858000" cy="9144000"/>
@@ -137,7 +133,7 @@
   </p:defaultTextStyle>
   <p:extLst>
     <p:ext uri="{EFAFB233-063F-42B5-8137-9DF3F51BA10A}">
-      <p15:sldGuideLst xmlns:p15="http://schemas.microsoft.com/office/powerpoint/2012/main" xmlns="">
+      <p15:sldGuideLst xmlns="" xmlns:p15="http://schemas.microsoft.com/office/powerpoint/2012/main">
         <p15:guide id="1" orient="horz" pos="2160">
           <p15:clr>
             <a:srgbClr val="A4A3A4"/>
@@ -8106,7 +8102,23 @@
                 <a:schemeClr val="tx1"/>
               </a:solidFill>
             </a:rPr>
-            <a:t>Poucas atividades em Java script</a:t>
+            <a:t>Poucas </a:t>
+          </a:r>
+          <a:r>
+            <a:rPr lang="pt-BR" sz="1600" dirty="0" smtClean="0">
+              <a:solidFill>
+                <a:schemeClr val="tx1"/>
+              </a:solidFill>
+            </a:rPr>
+            <a:t>atividades desenvolvidas </a:t>
+          </a:r>
+          <a:r>
+            <a:rPr lang="pt-BR" sz="1600" dirty="0" smtClean="0">
+              <a:solidFill>
+                <a:schemeClr val="tx1"/>
+              </a:solidFill>
+            </a:rPr>
+            <a:t>em Java script</a:t>
           </a:r>
           <a:endParaRPr lang="pt-BR" sz="1600" dirty="0">
             <a:solidFill>
@@ -8935,7 +8947,7 @@
 <dgm:dataModel xmlns:dgm="http://schemas.openxmlformats.org/drawingml/2006/diagram" xmlns:a="http://schemas.openxmlformats.org/drawingml/2006/main">
   <dgm:ptLst>
     <dgm:pt modelId="{41EDC0B5-5B2E-40F6-A795-26759C403F93}" type="doc">
-      <dgm:prSet loTypeId="urn:microsoft.com/office/officeart/2005/8/layout/target2" loCatId="relationship" qsTypeId="urn:microsoft.com/office/officeart/2005/8/quickstyle/3d4" qsCatId="3D" csTypeId="urn:microsoft.com/office/officeart/2005/8/colors/accent1_2" csCatId="accent1" phldr="1"/>
+      <dgm:prSet loTypeId="urn:microsoft.com/office/officeart/2005/8/layout/target2" loCatId="relationship" qsTypeId="urn:microsoft.com/office/officeart/2009/2/quickstyle/3d8" qsCatId="3D" csTypeId="urn:microsoft.com/office/officeart/2005/8/colors/accent1_2" csCatId="accent1" phldr="1"/>
       <dgm:spPr/>
       <dgm:t>
         <a:bodyPr/>
@@ -9101,8 +9113,8 @@
         <a:lstStyle/>
         <a:p>
           <a:r>
-            <a:rPr lang="pt-BR" dirty="0" smtClean="0"/>
-            <a:t>Webservices</a:t>
+            <a:rPr lang="pt-BR" dirty="0" err="1" smtClean="0"/>
+            <a:t>APIs</a:t>
           </a:r>
           <a:endParaRPr lang="pt-BR" dirty="0"/>
         </a:p>
@@ -9419,18 +9431,22 @@
         </a:p>
       </dgm:t>
     </dgm:pt>
-    <dgm:pt modelId="{AAE061B8-66B1-4EF6-9A14-8DF9C1B027F9}">
-      <dgm:prSet phldrT="[Texto]" phldr="1"/>
+    <dgm:pt modelId="{75B7BF33-8AAF-4FD7-9587-CA0D5E8A58EC}">
+      <dgm:prSet phldrT="[Texto]"/>
       <dgm:spPr/>
       <dgm:t>
         <a:bodyPr/>
         <a:lstStyle/>
         <a:p>
+          <a:r>
+            <a:rPr lang="pt-BR" dirty="0" smtClean="0"/>
+            <a:t>Cliente</a:t>
+          </a:r>
           <a:endParaRPr lang="pt-BR" dirty="0"/>
         </a:p>
       </dgm:t>
     </dgm:pt>
-    <dgm:pt modelId="{86881EF1-C069-47E8-BB28-ACB5208570F6}" type="parTrans" cxnId="{49924C73-89AD-4EE1-B8ED-2B628AE59112}">
+    <dgm:pt modelId="{5DE4C07D-F0DA-4149-85BF-312A32B65653}" type="parTrans" cxnId="{3F318998-8C97-494E-A31C-B3B3D41CBC26}">
       <dgm:prSet/>
       <dgm:spPr/>
       <dgm:t>
@@ -9441,7 +9457,7 @@
         </a:p>
       </dgm:t>
     </dgm:pt>
-    <dgm:pt modelId="{C6852C81-936A-4457-823B-A45AAE0512FE}" type="sibTrans" cxnId="{49924C73-89AD-4EE1-B8ED-2B628AE59112}">
+    <dgm:pt modelId="{9CFC7F9F-ACC1-4E61-9FCC-310A7607FB39}" type="sibTrans" cxnId="{3F318998-8C97-494E-A31C-B3B3D41CBC26}">
       <dgm:prSet/>
       <dgm:spPr/>
       <dgm:t>
@@ -9452,7 +9468,7 @@
         </a:p>
       </dgm:t>
     </dgm:pt>
-    <dgm:pt modelId="{807B4EC0-DBCD-4A0A-8B06-00253A878830}">
+    <dgm:pt modelId="{F7FF83DE-4A98-4D98-88E3-D4B472E51B37}">
       <dgm:prSet phldrT="[Texto]"/>
       <dgm:spPr/>
       <dgm:t>
@@ -9463,7 +9479,7 @@
         </a:p>
       </dgm:t>
     </dgm:pt>
-    <dgm:pt modelId="{2C0DBB5A-C660-45FB-A924-7EE7158F60BE}" type="parTrans" cxnId="{F588288A-658F-4A2E-83A7-74D2DB0AC655}">
+    <dgm:pt modelId="{77F47C2D-8749-48D1-BAA5-FE2905E54005}" type="parTrans" cxnId="{80C5821F-625F-4F7D-BC8A-B6AE91C3934A}">
       <dgm:prSet/>
       <dgm:spPr/>
       <dgm:t>
@@ -9474,7 +9490,7 @@
         </a:p>
       </dgm:t>
     </dgm:pt>
-    <dgm:pt modelId="{E6BD2728-01B4-47C8-BC63-9ABCB0A2F994}" type="sibTrans" cxnId="{F588288A-658F-4A2E-83A7-74D2DB0AC655}">
+    <dgm:pt modelId="{7B7DCFA7-693C-4385-B6BD-78144F3CF178}" type="sibTrans" cxnId="{80C5821F-625F-4F7D-BC8A-B6AE91C3934A}">
       <dgm:prSet/>
       <dgm:spPr/>
       <dgm:t>
@@ -9485,7 +9501,7 @@
         </a:p>
       </dgm:t>
     </dgm:pt>
-    <dgm:pt modelId="{75B7BF33-8AAF-4FD7-9587-CA0D5E8A58EC}">
+    <dgm:pt modelId="{DE0B541D-B1EF-49A8-B1B8-4C73363FC6D4}">
       <dgm:prSet phldrT="[Texto]"/>
       <dgm:spPr/>
       <dgm:t>
@@ -9496,7 +9512,7 @@
         </a:p>
       </dgm:t>
     </dgm:pt>
-    <dgm:pt modelId="{5DE4C07D-F0DA-4149-85BF-312A32B65653}" type="parTrans" cxnId="{3F318998-8C97-494E-A31C-B3B3D41CBC26}">
+    <dgm:pt modelId="{014BC2A4-FD1D-4D42-A01D-5289BAB99708}" type="parTrans" cxnId="{50B29E5C-E3E8-4471-BE2C-0DEE63803713}">
       <dgm:prSet/>
       <dgm:spPr/>
       <dgm:t>
@@ -9507,7 +9523,7 @@
         </a:p>
       </dgm:t>
     </dgm:pt>
-    <dgm:pt modelId="{9CFC7F9F-ACC1-4E61-9FCC-310A7607FB39}" type="sibTrans" cxnId="{3F318998-8C97-494E-A31C-B3B3D41CBC26}">
+    <dgm:pt modelId="{A8AC497A-F722-46F2-B50B-41360A498B18}" type="sibTrans" cxnId="{50B29E5C-E3E8-4471-BE2C-0DEE63803713}">
       <dgm:prSet/>
       <dgm:spPr/>
       <dgm:t>
@@ -9518,7 +9534,7 @@
         </a:p>
       </dgm:t>
     </dgm:pt>
-    <dgm:pt modelId="{F7FF83DE-4A98-4D98-88E3-D4B472E51B37}">
+    <dgm:pt modelId="{66983D87-635D-4AB6-83B7-A56308FCDED8}">
       <dgm:prSet phldrT="[Texto]"/>
       <dgm:spPr/>
       <dgm:t>
@@ -9529,7 +9545,7 @@
         </a:p>
       </dgm:t>
     </dgm:pt>
-    <dgm:pt modelId="{77F47C2D-8749-48D1-BAA5-FE2905E54005}" type="parTrans" cxnId="{80C5821F-625F-4F7D-BC8A-B6AE91C3934A}">
+    <dgm:pt modelId="{9C47322D-F6A7-4719-BB24-C28620ACB50F}" type="parTrans" cxnId="{7EF210E4-D897-4179-9BC5-389EE7AF9059}">
       <dgm:prSet/>
       <dgm:spPr/>
       <dgm:t>
@@ -9540,7 +9556,7 @@
         </a:p>
       </dgm:t>
     </dgm:pt>
-    <dgm:pt modelId="{7B7DCFA7-693C-4385-B6BD-78144F3CF178}" type="sibTrans" cxnId="{80C5821F-625F-4F7D-BC8A-B6AE91C3934A}">
+    <dgm:pt modelId="{5CBF6F54-78E8-4641-B73A-672EE79EAF98}" type="sibTrans" cxnId="{7EF210E4-D897-4179-9BC5-389EE7AF9059}">
       <dgm:prSet/>
       <dgm:spPr/>
       <dgm:t>
@@ -9551,71 +9567,28 @@
         </a:p>
       </dgm:t>
     </dgm:pt>
-    <dgm:pt modelId="{DE0B541D-B1EF-49A8-B1B8-4C73363FC6D4}">
+    <dgm:pt modelId="{5DBA5280-98E5-47AC-BBBB-750253A5FC64}">
       <dgm:prSet phldrT="[Texto]"/>
       <dgm:spPr/>
       <dgm:t>
         <a:bodyPr/>
         <a:lstStyle/>
         <a:p>
+          <a:r>
+            <a:rPr lang="pt-BR" dirty="0" smtClean="0"/>
+            <a:t>Ac</a:t>
+          </a:r>
           <a:endParaRPr lang="pt-BR" dirty="0"/>
         </a:p>
       </dgm:t>
     </dgm:pt>
-    <dgm:pt modelId="{014BC2A4-FD1D-4D42-A01D-5289BAB99708}" type="parTrans" cxnId="{50B29E5C-E3E8-4471-BE2C-0DEE63803713}">
+    <dgm:pt modelId="{78262AD9-3978-41EC-86F9-C198FA302F09}" type="parTrans" cxnId="{61550D8A-A45C-4F6D-8051-691C6FDFC73D}">
       <dgm:prSet/>
       <dgm:spPr/>
-      <dgm:t>
-        <a:bodyPr/>
-        <a:lstStyle/>
-        <a:p>
-          <a:endParaRPr lang="pt-BR"/>
-        </a:p>
-      </dgm:t>
-    </dgm:pt>
-    <dgm:pt modelId="{A8AC497A-F722-46F2-B50B-41360A498B18}" type="sibTrans" cxnId="{50B29E5C-E3E8-4471-BE2C-0DEE63803713}">
+    </dgm:pt>
+    <dgm:pt modelId="{9C68AC1F-8559-4395-A0B3-69F759C9AD8B}" type="sibTrans" cxnId="{61550D8A-A45C-4F6D-8051-691C6FDFC73D}">
       <dgm:prSet/>
       <dgm:spPr/>
-      <dgm:t>
-        <a:bodyPr/>
-        <a:lstStyle/>
-        <a:p>
-          <a:endParaRPr lang="pt-BR"/>
-        </a:p>
-      </dgm:t>
-    </dgm:pt>
-    <dgm:pt modelId="{66983D87-635D-4AB6-83B7-A56308FCDED8}">
-      <dgm:prSet phldrT="[Texto]"/>
-      <dgm:spPr/>
-      <dgm:t>
-        <a:bodyPr/>
-        <a:lstStyle/>
-        <a:p>
-          <a:endParaRPr lang="pt-BR" dirty="0"/>
-        </a:p>
-      </dgm:t>
-    </dgm:pt>
-    <dgm:pt modelId="{9C47322D-F6A7-4719-BB24-C28620ACB50F}" type="parTrans" cxnId="{7EF210E4-D897-4179-9BC5-389EE7AF9059}">
-      <dgm:prSet/>
-      <dgm:spPr/>
-      <dgm:t>
-        <a:bodyPr/>
-        <a:lstStyle/>
-        <a:p>
-          <a:endParaRPr lang="pt-BR"/>
-        </a:p>
-      </dgm:t>
-    </dgm:pt>
-    <dgm:pt modelId="{5CBF6F54-78E8-4641-B73A-672EE79EAF98}" type="sibTrans" cxnId="{7EF210E4-D897-4179-9BC5-389EE7AF9059}">
-      <dgm:prSet/>
-      <dgm:spPr/>
-      <dgm:t>
-        <a:bodyPr/>
-        <a:lstStyle/>
-        <a:p>
-          <a:endParaRPr lang="pt-BR"/>
-        </a:p>
-      </dgm:t>
     </dgm:pt>
     <dgm:pt modelId="{BF2C47A5-22D6-4556-A6BA-700966C15184}" type="pres">
       <dgm:prSet presAssocID="{40B78537-89BA-4099-9B51-D111571F2F51}" presName="Name0" presStyleCnt="0">
@@ -9641,7 +9614,7 @@
       <dgm:spPr/>
     </dgm:pt>
     <dgm:pt modelId="{72A4396F-6C6D-4572-8D0B-0E5A71BA0032}" type="pres">
-      <dgm:prSet presAssocID="{4D80D226-ED49-4F74-A9DC-E6739A1E525A}" presName="txOne" presStyleLbl="node0" presStyleIdx="0" presStyleCnt="1">
+      <dgm:prSet presAssocID="{4D80D226-ED49-4F74-A9DC-E6739A1E525A}" presName="txOne" presStyleLbl="node0" presStyleIdx="0" presStyleCnt="3">
         <dgm:presLayoutVars>
           <dgm:chPref val="3"/>
         </dgm:presLayoutVars>
@@ -9655,20 +9628,20 @@
         </a:p>
       </dgm:t>
     </dgm:pt>
-    <dgm:pt modelId="{343BDA7D-489F-4C5F-974C-44AE7F329B19}" type="pres">
-      <dgm:prSet presAssocID="{4D80D226-ED49-4F74-A9DC-E6739A1E525A}" presName="parTransOne" presStyleCnt="0"/>
-      <dgm:spPr/>
-    </dgm:pt>
     <dgm:pt modelId="{0990B35D-4BC1-49F8-90ED-335ADC34BE47}" type="pres">
       <dgm:prSet presAssocID="{4D80D226-ED49-4F74-A9DC-E6739A1E525A}" presName="horzOne" presStyleCnt="0"/>
       <dgm:spPr/>
     </dgm:pt>
-    <dgm:pt modelId="{C80FD87C-FA3C-4765-84E3-CDDDF49AF84D}" type="pres">
-      <dgm:prSet presAssocID="{AAE061B8-66B1-4EF6-9A14-8DF9C1B027F9}" presName="vertTwo" presStyleCnt="0"/>
-      <dgm:spPr/>
-    </dgm:pt>
-    <dgm:pt modelId="{3E066A3C-E4EF-41FF-A4BF-6B6EAB1AAF61}" type="pres">
-      <dgm:prSet presAssocID="{AAE061B8-66B1-4EF6-9A14-8DF9C1B027F9}" presName="txTwo" presStyleLbl="node2" presStyleIdx="0" presStyleCnt="3">
+    <dgm:pt modelId="{A899947F-FEE9-4089-9321-BF7F2175FCF7}" type="pres">
+      <dgm:prSet presAssocID="{8F1D3AD4-E37D-44D5-B540-57B561A90D25}" presName="sibSpaceOne" presStyleCnt="0"/>
+      <dgm:spPr/>
+    </dgm:pt>
+    <dgm:pt modelId="{D9232D78-11DD-4786-9C29-A5B4528EF04B}" type="pres">
+      <dgm:prSet presAssocID="{75B7BF33-8AAF-4FD7-9587-CA0D5E8A58EC}" presName="vertOne" presStyleCnt="0"/>
+      <dgm:spPr/>
+    </dgm:pt>
+    <dgm:pt modelId="{780CAA7B-AB79-4C42-869F-9115A8AFB23B}" type="pres">
+      <dgm:prSet presAssocID="{75B7BF33-8AAF-4FD7-9587-CA0D5E8A58EC}" presName="txOne" presStyleLbl="node0" presStyleIdx="1" presStyleCnt="3">
         <dgm:presLayoutVars>
           <dgm:chPref val="3"/>
         </dgm:presLayoutVars>
@@ -9682,20 +9655,20 @@
         </a:p>
       </dgm:t>
     </dgm:pt>
-    <dgm:pt modelId="{13BB23AD-A1C1-44BD-8F9F-4B0E06D42A51}" type="pres">
-      <dgm:prSet presAssocID="{AAE061B8-66B1-4EF6-9A14-8DF9C1B027F9}" presName="parTransTwo" presStyleCnt="0"/>
-      <dgm:spPr/>
-    </dgm:pt>
-    <dgm:pt modelId="{A413A88F-6023-4750-9619-B4A3ED106659}" type="pres">
-      <dgm:prSet presAssocID="{AAE061B8-66B1-4EF6-9A14-8DF9C1B027F9}" presName="horzTwo" presStyleCnt="0"/>
-      <dgm:spPr/>
-    </dgm:pt>
-    <dgm:pt modelId="{46561247-6122-42FA-8569-92F1A10A8452}" type="pres">
-      <dgm:prSet presAssocID="{807B4EC0-DBCD-4A0A-8B06-00253A878830}" presName="vertThree" presStyleCnt="0"/>
-      <dgm:spPr/>
-    </dgm:pt>
-    <dgm:pt modelId="{353B51B8-08EC-4BCF-999A-95E8A0758949}" type="pres">
-      <dgm:prSet presAssocID="{807B4EC0-DBCD-4A0A-8B06-00253A878830}" presName="txThree" presStyleLbl="node3" presStyleIdx="0" presStyleCnt="3">
+    <dgm:pt modelId="{C9F9F2C4-1963-403A-8EEA-51AA4BF2417C}" type="pres">
+      <dgm:prSet presAssocID="{75B7BF33-8AAF-4FD7-9587-CA0D5E8A58EC}" presName="horzOne" presStyleCnt="0"/>
+      <dgm:spPr/>
+    </dgm:pt>
+    <dgm:pt modelId="{1D456A0C-117A-43DC-A794-2786273D506C}" type="pres">
+      <dgm:prSet presAssocID="{9CFC7F9F-ACC1-4E61-9FCC-310A7607FB39}" presName="sibSpaceOne" presStyleCnt="0"/>
+      <dgm:spPr/>
+    </dgm:pt>
+    <dgm:pt modelId="{6BECB585-8EA5-47E2-A4F9-DDC25FE8AB1D}" type="pres">
+      <dgm:prSet presAssocID="{5DBA5280-98E5-47AC-BBBB-750253A5FC64}" presName="vertOne" presStyleCnt="0"/>
+      <dgm:spPr/>
+    </dgm:pt>
+    <dgm:pt modelId="{57A6E635-106A-4483-AA4C-35F18026C2B1}" type="pres">
+      <dgm:prSet presAssocID="{5DBA5280-98E5-47AC-BBBB-750253A5FC64}" presName="txOne" presStyleLbl="node0" presStyleIdx="2" presStyleCnt="3">
         <dgm:presLayoutVars>
           <dgm:chPref val="3"/>
         </dgm:presLayoutVars>
@@ -9709,20 +9682,20 @@
         </a:p>
       </dgm:t>
     </dgm:pt>
-    <dgm:pt modelId="{3033286B-0A44-46A4-A85C-705519F62097}" type="pres">
-      <dgm:prSet presAssocID="{807B4EC0-DBCD-4A0A-8B06-00253A878830}" presName="horzThree" presStyleCnt="0"/>
-      <dgm:spPr/>
-    </dgm:pt>
-    <dgm:pt modelId="{C20D08CF-E80E-4DB9-9EAD-9EB96349D12B}" type="pres">
-      <dgm:prSet presAssocID="{C6852C81-936A-4457-823B-A45AAE0512FE}" presName="sibSpaceTwo" presStyleCnt="0"/>
-      <dgm:spPr/>
-    </dgm:pt>
-    <dgm:pt modelId="{4B7B61E8-F73A-43D7-B2E2-DBDD47EAD46F}" type="pres">
-      <dgm:prSet presAssocID="{75B7BF33-8AAF-4FD7-9587-CA0D5E8A58EC}" presName="vertTwo" presStyleCnt="0"/>
-      <dgm:spPr/>
-    </dgm:pt>
-    <dgm:pt modelId="{8969E11C-5CBF-4BF1-A6BC-7B90BACD04C4}" type="pres">
-      <dgm:prSet presAssocID="{75B7BF33-8AAF-4FD7-9587-CA0D5E8A58EC}" presName="txTwo" presStyleLbl="node2" presStyleIdx="1" presStyleCnt="3">
+    <dgm:pt modelId="{27975408-05B6-4AA4-B47D-42EE188473BA}" type="pres">
+      <dgm:prSet presAssocID="{5DBA5280-98E5-47AC-BBBB-750253A5FC64}" presName="parTransOne" presStyleCnt="0"/>
+      <dgm:spPr/>
+    </dgm:pt>
+    <dgm:pt modelId="{C9A1FC35-901B-453F-9791-01D4736343B7}" type="pres">
+      <dgm:prSet presAssocID="{5DBA5280-98E5-47AC-BBBB-750253A5FC64}" presName="horzOne" presStyleCnt="0"/>
+      <dgm:spPr/>
+    </dgm:pt>
+    <dgm:pt modelId="{ED12B6BF-4B5A-4835-B9FD-9D828587FC45}" type="pres">
+      <dgm:prSet presAssocID="{F7FF83DE-4A98-4D98-88E3-D4B472E51B37}" presName="vertTwo" presStyleCnt="0"/>
+      <dgm:spPr/>
+    </dgm:pt>
+    <dgm:pt modelId="{E9A81905-1E17-47AB-8D75-C085926ECAC3}" type="pres">
+      <dgm:prSet presAssocID="{F7FF83DE-4A98-4D98-88E3-D4B472E51B37}" presName="txTwo" presStyleLbl="node2" presStyleIdx="0" presStyleCnt="2">
         <dgm:presLayoutVars>
           <dgm:chPref val="3"/>
         </dgm:presLayoutVars>
@@ -9736,20 +9709,20 @@
         </a:p>
       </dgm:t>
     </dgm:pt>
-    <dgm:pt modelId="{9C78176C-9637-4DF3-8CCD-3DEAC0FB681A}" type="pres">
-      <dgm:prSet presAssocID="{75B7BF33-8AAF-4FD7-9587-CA0D5E8A58EC}" presName="parTransTwo" presStyleCnt="0"/>
-      <dgm:spPr/>
-    </dgm:pt>
-    <dgm:pt modelId="{D69BCBF5-E39B-4EE7-85F6-B4E5E8803DD3}" type="pres">
-      <dgm:prSet presAssocID="{75B7BF33-8AAF-4FD7-9587-CA0D5E8A58EC}" presName="horzTwo" presStyleCnt="0"/>
-      <dgm:spPr/>
-    </dgm:pt>
-    <dgm:pt modelId="{90A4CCD1-8A36-49A7-B62C-8924FA3AEBC9}" type="pres">
-      <dgm:prSet presAssocID="{F7FF83DE-4A98-4D98-88E3-D4B472E51B37}" presName="vertThree" presStyleCnt="0"/>
-      <dgm:spPr/>
-    </dgm:pt>
-    <dgm:pt modelId="{76D2BF23-CE72-48BA-B213-54136EFD1F11}" type="pres">
-      <dgm:prSet presAssocID="{F7FF83DE-4A98-4D98-88E3-D4B472E51B37}" presName="txThree" presStyleLbl="node3" presStyleIdx="1" presStyleCnt="3">
+    <dgm:pt modelId="{011DB028-2D36-43CC-99B2-08602F77B565}" type="pres">
+      <dgm:prSet presAssocID="{F7FF83DE-4A98-4D98-88E3-D4B472E51B37}" presName="horzTwo" presStyleCnt="0"/>
+      <dgm:spPr/>
+    </dgm:pt>
+    <dgm:pt modelId="{369EE91B-A82B-44DA-B596-583FD8A5C238}" type="pres">
+      <dgm:prSet presAssocID="{7B7DCFA7-693C-4385-B6BD-78144F3CF178}" presName="sibSpaceTwo" presStyleCnt="0"/>
+      <dgm:spPr/>
+    </dgm:pt>
+    <dgm:pt modelId="{71754611-90DF-4E08-B7BC-F330D312708E}" type="pres">
+      <dgm:prSet presAssocID="{DE0B541D-B1EF-49A8-B1B8-4C73363FC6D4}" presName="vertTwo" presStyleCnt="0"/>
+      <dgm:spPr/>
+    </dgm:pt>
+    <dgm:pt modelId="{BC688DC5-6F0D-4071-810D-259250BFE46E}" type="pres">
+      <dgm:prSet presAssocID="{DE0B541D-B1EF-49A8-B1B8-4C73363FC6D4}" presName="txTwo" presStyleLbl="node2" presStyleIdx="1" presStyleCnt="2">
         <dgm:presLayoutVars>
           <dgm:chPref val="3"/>
         </dgm:presLayoutVars>
@@ -9763,20 +9736,20 @@
         </a:p>
       </dgm:t>
     </dgm:pt>
-    <dgm:pt modelId="{32CB2186-D4A8-4F6C-A2F1-142F7718754D}" type="pres">
-      <dgm:prSet presAssocID="{F7FF83DE-4A98-4D98-88E3-D4B472E51B37}" presName="horzThree" presStyleCnt="0"/>
-      <dgm:spPr/>
-    </dgm:pt>
-    <dgm:pt modelId="{5AFF4DCF-C5E2-4782-BD30-9801A0AAF994}" type="pres">
-      <dgm:prSet presAssocID="{9CFC7F9F-ACC1-4E61-9FCC-310A7607FB39}" presName="sibSpaceTwo" presStyleCnt="0"/>
-      <dgm:spPr/>
-    </dgm:pt>
-    <dgm:pt modelId="{71754611-90DF-4E08-B7BC-F330D312708E}" type="pres">
-      <dgm:prSet presAssocID="{DE0B541D-B1EF-49A8-B1B8-4C73363FC6D4}" presName="vertTwo" presStyleCnt="0"/>
-      <dgm:spPr/>
-    </dgm:pt>
-    <dgm:pt modelId="{BC688DC5-6F0D-4071-810D-259250BFE46E}" type="pres">
-      <dgm:prSet presAssocID="{DE0B541D-B1EF-49A8-B1B8-4C73363FC6D4}" presName="txTwo" presStyleLbl="node2" presStyleIdx="2" presStyleCnt="3">
+    <dgm:pt modelId="{76FEC23C-78D7-40EF-B926-D0F67C9E63C5}" type="pres">
+      <dgm:prSet presAssocID="{DE0B541D-B1EF-49A8-B1B8-4C73363FC6D4}" presName="parTransTwo" presStyleCnt="0"/>
+      <dgm:spPr/>
+    </dgm:pt>
+    <dgm:pt modelId="{FEF4A5BF-5C2B-478A-8F61-FB03B27BBE8D}" type="pres">
+      <dgm:prSet presAssocID="{DE0B541D-B1EF-49A8-B1B8-4C73363FC6D4}" presName="horzTwo" presStyleCnt="0"/>
+      <dgm:spPr/>
+    </dgm:pt>
+    <dgm:pt modelId="{DB7D0345-FBE7-4E86-9769-C5E686DDF7C8}" type="pres">
+      <dgm:prSet presAssocID="{66983D87-635D-4AB6-83B7-A56308FCDED8}" presName="vertThree" presStyleCnt="0"/>
+      <dgm:spPr/>
+    </dgm:pt>
+    <dgm:pt modelId="{2D6485A9-B159-4B5F-839A-03A4B14DEE84}" type="pres">
+      <dgm:prSet presAssocID="{66983D87-635D-4AB6-83B7-A56308FCDED8}" presName="txThree" presStyleLbl="node3" presStyleIdx="0" presStyleCnt="1">
         <dgm:presLayoutVars>
           <dgm:chPref val="3"/>
         </dgm:presLayoutVars>
@@ -9790,33 +9763,6 @@
         </a:p>
       </dgm:t>
     </dgm:pt>
-    <dgm:pt modelId="{76FEC23C-78D7-40EF-B926-D0F67C9E63C5}" type="pres">
-      <dgm:prSet presAssocID="{DE0B541D-B1EF-49A8-B1B8-4C73363FC6D4}" presName="parTransTwo" presStyleCnt="0"/>
-      <dgm:spPr/>
-    </dgm:pt>
-    <dgm:pt modelId="{FEF4A5BF-5C2B-478A-8F61-FB03B27BBE8D}" type="pres">
-      <dgm:prSet presAssocID="{DE0B541D-B1EF-49A8-B1B8-4C73363FC6D4}" presName="horzTwo" presStyleCnt="0"/>
-      <dgm:spPr/>
-    </dgm:pt>
-    <dgm:pt modelId="{DB7D0345-FBE7-4E86-9769-C5E686DDF7C8}" type="pres">
-      <dgm:prSet presAssocID="{66983D87-635D-4AB6-83B7-A56308FCDED8}" presName="vertThree" presStyleCnt="0"/>
-      <dgm:spPr/>
-    </dgm:pt>
-    <dgm:pt modelId="{2D6485A9-B159-4B5F-839A-03A4B14DEE84}" type="pres">
-      <dgm:prSet presAssocID="{66983D87-635D-4AB6-83B7-A56308FCDED8}" presName="txThree" presStyleLbl="node3" presStyleIdx="2" presStyleCnt="3">
-        <dgm:presLayoutVars>
-          <dgm:chPref val="3"/>
-        </dgm:presLayoutVars>
-      </dgm:prSet>
-      <dgm:spPr/>
-      <dgm:t>
-        <a:bodyPr/>
-        <a:lstStyle/>
-        <a:p>
-          <a:endParaRPr lang="pt-BR"/>
-        </a:p>
-      </dgm:t>
-    </dgm:pt>
     <dgm:pt modelId="{69B76BCF-CB08-4556-A73E-A59CA905F22B}" type="pres">
       <dgm:prSet presAssocID="{66983D87-635D-4AB6-83B7-A56308FCDED8}" presName="horzThree" presStyleCnt="0"/>
       <dgm:spPr/>
@@ -9824,47 +9770,41 @@
   </dgm:ptLst>
   <dgm:cxnLst>
     <dgm:cxn modelId="{2A83E94C-B0A5-43CA-A80E-FDC07FB30C97}" type="presOf" srcId="{4D80D226-ED49-4F74-A9DC-E6739A1E525A}" destId="{72A4396F-6C6D-4572-8D0B-0E5A71BA0032}" srcOrd="0" destOrd="0" presId="urn:microsoft.com/office/officeart/2005/8/layout/hierarchy4"/>
-    <dgm:cxn modelId="{450A96F1-A226-4857-9575-D42BE432BE1B}" type="presOf" srcId="{807B4EC0-DBCD-4A0A-8B06-00253A878830}" destId="{353B51B8-08EC-4BCF-999A-95E8A0758949}" srcOrd="0" destOrd="0" presId="urn:microsoft.com/office/officeart/2005/8/layout/hierarchy4"/>
-    <dgm:cxn modelId="{80C5821F-625F-4F7D-BC8A-B6AE91C3934A}" srcId="{75B7BF33-8AAF-4FD7-9587-CA0D5E8A58EC}" destId="{F7FF83DE-4A98-4D98-88E3-D4B472E51B37}" srcOrd="0" destOrd="0" parTransId="{77F47C2D-8749-48D1-BAA5-FE2905E54005}" sibTransId="{7B7DCFA7-693C-4385-B6BD-78144F3CF178}"/>
+    <dgm:cxn modelId="{80C5821F-625F-4F7D-BC8A-B6AE91C3934A}" srcId="{5DBA5280-98E5-47AC-BBBB-750253A5FC64}" destId="{F7FF83DE-4A98-4D98-88E3-D4B472E51B37}" srcOrd="0" destOrd="0" parTransId="{77F47C2D-8749-48D1-BAA5-FE2905E54005}" sibTransId="{7B7DCFA7-693C-4385-B6BD-78144F3CF178}"/>
     <dgm:cxn modelId="{7EF210E4-D897-4179-9BC5-389EE7AF9059}" srcId="{DE0B541D-B1EF-49A8-B1B8-4C73363FC6D4}" destId="{66983D87-635D-4AB6-83B7-A56308FCDED8}" srcOrd="0" destOrd="0" parTransId="{9C47322D-F6A7-4719-BB24-C28620ACB50F}" sibTransId="{5CBF6F54-78E8-4641-B73A-672EE79EAF98}"/>
-    <dgm:cxn modelId="{F588288A-658F-4A2E-83A7-74D2DB0AC655}" srcId="{AAE061B8-66B1-4EF6-9A14-8DF9C1B027F9}" destId="{807B4EC0-DBCD-4A0A-8B06-00253A878830}" srcOrd="0" destOrd="0" parTransId="{2C0DBB5A-C660-45FB-A924-7EE7158F60BE}" sibTransId="{E6BD2728-01B4-47C8-BC63-9ABCB0A2F994}"/>
-    <dgm:cxn modelId="{5CA8BEC7-66E9-4325-85EB-7144737DB8DB}" type="presOf" srcId="{DE0B541D-B1EF-49A8-B1B8-4C73363FC6D4}" destId="{BC688DC5-6F0D-4071-810D-259250BFE46E}" srcOrd="0" destOrd="0" presId="urn:microsoft.com/office/officeart/2005/8/layout/hierarchy4"/>
-    <dgm:cxn modelId="{A8BD5C5C-6413-49EA-8C96-E43EEEE39C89}" type="presOf" srcId="{AAE061B8-66B1-4EF6-9A14-8DF9C1B027F9}" destId="{3E066A3C-E4EF-41FF-A4BF-6B6EAB1AAF61}" srcOrd="0" destOrd="0" presId="urn:microsoft.com/office/officeart/2005/8/layout/hierarchy4"/>
-    <dgm:cxn modelId="{B5BC5289-EAAE-420F-A0DC-1314614F029B}" type="presOf" srcId="{F7FF83DE-4A98-4D98-88E3-D4B472E51B37}" destId="{76D2BF23-CE72-48BA-B213-54136EFD1F11}" srcOrd="0" destOrd="0" presId="urn:microsoft.com/office/officeart/2005/8/layout/hierarchy4"/>
-    <dgm:cxn modelId="{E0207364-9F49-4CCB-9667-C8ACBE412209}" type="presOf" srcId="{75B7BF33-8AAF-4FD7-9587-CA0D5E8A58EC}" destId="{8969E11C-5CBF-4BF1-A6BC-7B90BACD04C4}" srcOrd="0" destOrd="0" presId="urn:microsoft.com/office/officeart/2005/8/layout/hierarchy4"/>
-    <dgm:cxn modelId="{49924C73-89AD-4EE1-B8ED-2B628AE59112}" srcId="{4D80D226-ED49-4F74-A9DC-E6739A1E525A}" destId="{AAE061B8-66B1-4EF6-9A14-8DF9C1B027F9}" srcOrd="0" destOrd="0" parTransId="{86881EF1-C069-47E8-BB28-ACB5208570F6}" sibTransId="{C6852C81-936A-4457-823B-A45AAE0512FE}"/>
+    <dgm:cxn modelId="{4FADCE70-A9B0-409D-B5AA-29B890E5ED10}" type="presOf" srcId="{75B7BF33-8AAF-4FD7-9587-CA0D5E8A58EC}" destId="{780CAA7B-AB79-4C42-869F-9115A8AFB23B}" srcOrd="0" destOrd="0" presId="urn:microsoft.com/office/officeart/2005/8/layout/hierarchy4"/>
+    <dgm:cxn modelId="{D50BE5EF-C972-474E-A1C3-A8347CAF8C46}" type="presOf" srcId="{5DBA5280-98E5-47AC-BBBB-750253A5FC64}" destId="{57A6E635-106A-4483-AA4C-35F18026C2B1}" srcOrd="0" destOrd="0" presId="urn:microsoft.com/office/officeart/2005/8/layout/hierarchy4"/>
     <dgm:cxn modelId="{7854A23B-DFAF-4932-BC3F-92593C1FF720}" type="presOf" srcId="{40B78537-89BA-4099-9B51-D111571F2F51}" destId="{BF2C47A5-22D6-4556-A6BA-700966C15184}" srcOrd="0" destOrd="0" presId="urn:microsoft.com/office/officeart/2005/8/layout/hierarchy4"/>
-    <dgm:cxn modelId="{3F318998-8C97-494E-A31C-B3B3D41CBC26}" srcId="{4D80D226-ED49-4F74-A9DC-E6739A1E525A}" destId="{75B7BF33-8AAF-4FD7-9587-CA0D5E8A58EC}" srcOrd="1" destOrd="0" parTransId="{5DE4C07D-F0DA-4149-85BF-312A32B65653}" sibTransId="{9CFC7F9F-ACC1-4E61-9FCC-310A7607FB39}"/>
-    <dgm:cxn modelId="{8BFAF09E-8D7B-4CBD-97F1-44E5D272319E}" type="presOf" srcId="{66983D87-635D-4AB6-83B7-A56308FCDED8}" destId="{2D6485A9-B159-4B5F-839A-03A4B14DEE84}" srcOrd="0" destOrd="0" presId="urn:microsoft.com/office/officeart/2005/8/layout/hierarchy4"/>
+    <dgm:cxn modelId="{AAB15D43-D832-464E-B4E7-C75F1A008784}" type="presOf" srcId="{DE0B541D-B1EF-49A8-B1B8-4C73363FC6D4}" destId="{BC688DC5-6F0D-4071-810D-259250BFE46E}" srcOrd="0" destOrd="0" presId="urn:microsoft.com/office/officeart/2005/8/layout/hierarchy4"/>
+    <dgm:cxn modelId="{3F318998-8C97-494E-A31C-B3B3D41CBC26}" srcId="{40B78537-89BA-4099-9B51-D111571F2F51}" destId="{75B7BF33-8AAF-4FD7-9587-CA0D5E8A58EC}" srcOrd="1" destOrd="0" parTransId="{5DE4C07D-F0DA-4149-85BF-312A32B65653}" sibTransId="{9CFC7F9F-ACC1-4E61-9FCC-310A7607FB39}"/>
+    <dgm:cxn modelId="{61550D8A-A45C-4F6D-8051-691C6FDFC73D}" srcId="{40B78537-89BA-4099-9B51-D111571F2F51}" destId="{5DBA5280-98E5-47AC-BBBB-750253A5FC64}" srcOrd="2" destOrd="0" parTransId="{78262AD9-3978-41EC-86F9-C198FA302F09}" sibTransId="{9C68AC1F-8559-4395-A0B3-69F759C9AD8B}"/>
     <dgm:cxn modelId="{0C743358-E86A-4194-9E97-92B32C117A4C}" srcId="{40B78537-89BA-4099-9B51-D111571F2F51}" destId="{4D80D226-ED49-4F74-A9DC-E6739A1E525A}" srcOrd="0" destOrd="0" parTransId="{3DC520C2-745C-44F2-976A-30A225DB0CA5}" sibTransId="{8F1D3AD4-E37D-44D5-B540-57B561A90D25}"/>
-    <dgm:cxn modelId="{50B29E5C-E3E8-4471-BE2C-0DEE63803713}" srcId="{4D80D226-ED49-4F74-A9DC-E6739A1E525A}" destId="{DE0B541D-B1EF-49A8-B1B8-4C73363FC6D4}" srcOrd="2" destOrd="0" parTransId="{014BC2A4-FD1D-4D42-A01D-5289BAB99708}" sibTransId="{A8AC497A-F722-46F2-B50B-41360A498B18}"/>
+    <dgm:cxn modelId="{50B29E5C-E3E8-4471-BE2C-0DEE63803713}" srcId="{5DBA5280-98E5-47AC-BBBB-750253A5FC64}" destId="{DE0B541D-B1EF-49A8-B1B8-4C73363FC6D4}" srcOrd="1" destOrd="0" parTransId="{014BC2A4-FD1D-4D42-A01D-5289BAB99708}" sibTransId="{A8AC497A-F722-46F2-B50B-41360A498B18}"/>
+    <dgm:cxn modelId="{9A47DA91-BCAC-4CC1-BDA7-5FB5452DE84D}" type="presOf" srcId="{66983D87-635D-4AB6-83B7-A56308FCDED8}" destId="{2D6485A9-B159-4B5F-839A-03A4B14DEE84}" srcOrd="0" destOrd="0" presId="urn:microsoft.com/office/officeart/2005/8/layout/hierarchy4"/>
+    <dgm:cxn modelId="{98F3B848-55EC-441D-A02A-2B5CD1A5A03C}" type="presOf" srcId="{F7FF83DE-4A98-4D98-88E3-D4B472E51B37}" destId="{E9A81905-1E17-47AB-8D75-C085926ECAC3}" srcOrd="0" destOrd="0" presId="urn:microsoft.com/office/officeart/2005/8/layout/hierarchy4"/>
     <dgm:cxn modelId="{F449A1B6-4A4C-43BA-BC3B-9ADCA0B1A5B0}" type="presParOf" srcId="{BF2C47A5-22D6-4556-A6BA-700966C15184}" destId="{5B92B76B-FCAA-4BD9-8CC8-517E08C20AB3}" srcOrd="0" destOrd="0" presId="urn:microsoft.com/office/officeart/2005/8/layout/hierarchy4"/>
     <dgm:cxn modelId="{A73F1CA9-A013-4273-86FB-6DDB22853DE1}" type="presParOf" srcId="{5B92B76B-FCAA-4BD9-8CC8-517E08C20AB3}" destId="{72A4396F-6C6D-4572-8D0B-0E5A71BA0032}" srcOrd="0" destOrd="0" presId="urn:microsoft.com/office/officeart/2005/8/layout/hierarchy4"/>
-    <dgm:cxn modelId="{D50D2C29-A996-4DC2-A491-9AFB0402CABC}" type="presParOf" srcId="{5B92B76B-FCAA-4BD9-8CC8-517E08C20AB3}" destId="{343BDA7D-489F-4C5F-974C-44AE7F329B19}" srcOrd="1" destOrd="0" presId="urn:microsoft.com/office/officeart/2005/8/layout/hierarchy4"/>
-    <dgm:cxn modelId="{D4BA1189-0B2A-4CEA-ADED-36E73F1A333B}" type="presParOf" srcId="{5B92B76B-FCAA-4BD9-8CC8-517E08C20AB3}" destId="{0990B35D-4BC1-49F8-90ED-335ADC34BE47}" srcOrd="2" destOrd="0" presId="urn:microsoft.com/office/officeart/2005/8/layout/hierarchy4"/>
-    <dgm:cxn modelId="{74A512FB-BF78-4458-9326-BC1FD6210E7C}" type="presParOf" srcId="{0990B35D-4BC1-49F8-90ED-335ADC34BE47}" destId="{C80FD87C-FA3C-4765-84E3-CDDDF49AF84D}" srcOrd="0" destOrd="0" presId="urn:microsoft.com/office/officeart/2005/8/layout/hierarchy4"/>
-    <dgm:cxn modelId="{9A57F576-624C-4CB2-8DA6-F6D2B4ACDC96}" type="presParOf" srcId="{C80FD87C-FA3C-4765-84E3-CDDDF49AF84D}" destId="{3E066A3C-E4EF-41FF-A4BF-6B6EAB1AAF61}" srcOrd="0" destOrd="0" presId="urn:microsoft.com/office/officeart/2005/8/layout/hierarchy4"/>
-    <dgm:cxn modelId="{FFEA2393-AA12-4847-8EDD-F9357A967DAE}" type="presParOf" srcId="{C80FD87C-FA3C-4765-84E3-CDDDF49AF84D}" destId="{13BB23AD-A1C1-44BD-8F9F-4B0E06D42A51}" srcOrd="1" destOrd="0" presId="urn:microsoft.com/office/officeart/2005/8/layout/hierarchy4"/>
-    <dgm:cxn modelId="{172825A4-56F9-4A49-9F5C-C93E5BBB9560}" type="presParOf" srcId="{C80FD87C-FA3C-4765-84E3-CDDDF49AF84D}" destId="{A413A88F-6023-4750-9619-B4A3ED106659}" srcOrd="2" destOrd="0" presId="urn:microsoft.com/office/officeart/2005/8/layout/hierarchy4"/>
-    <dgm:cxn modelId="{B78B081B-5EB4-49B1-83FD-8B160BE36E67}" type="presParOf" srcId="{A413A88F-6023-4750-9619-B4A3ED106659}" destId="{46561247-6122-42FA-8569-92F1A10A8452}" srcOrd="0" destOrd="0" presId="urn:microsoft.com/office/officeart/2005/8/layout/hierarchy4"/>
-    <dgm:cxn modelId="{2A22478C-2807-4387-B5F7-0D44AB3D6B8A}" type="presParOf" srcId="{46561247-6122-42FA-8569-92F1A10A8452}" destId="{353B51B8-08EC-4BCF-999A-95E8A0758949}" srcOrd="0" destOrd="0" presId="urn:microsoft.com/office/officeart/2005/8/layout/hierarchy4"/>
-    <dgm:cxn modelId="{AA971746-5ECB-4A85-986A-44740DFB3E15}" type="presParOf" srcId="{46561247-6122-42FA-8569-92F1A10A8452}" destId="{3033286B-0A44-46A4-A85C-705519F62097}" srcOrd="1" destOrd="0" presId="urn:microsoft.com/office/officeart/2005/8/layout/hierarchy4"/>
-    <dgm:cxn modelId="{97FB3DC5-D885-4528-B402-BB97A6DCE140}" type="presParOf" srcId="{0990B35D-4BC1-49F8-90ED-335ADC34BE47}" destId="{C20D08CF-E80E-4DB9-9EAD-9EB96349D12B}" srcOrd="1" destOrd="0" presId="urn:microsoft.com/office/officeart/2005/8/layout/hierarchy4"/>
-    <dgm:cxn modelId="{BCFA32E6-5EAA-41FB-93CC-713B86CF993C}" type="presParOf" srcId="{0990B35D-4BC1-49F8-90ED-335ADC34BE47}" destId="{4B7B61E8-F73A-43D7-B2E2-DBDD47EAD46F}" srcOrd="2" destOrd="0" presId="urn:microsoft.com/office/officeart/2005/8/layout/hierarchy4"/>
-    <dgm:cxn modelId="{88AD242F-C977-469F-8EAF-053E8A57F3B0}" type="presParOf" srcId="{4B7B61E8-F73A-43D7-B2E2-DBDD47EAD46F}" destId="{8969E11C-5CBF-4BF1-A6BC-7B90BACD04C4}" srcOrd="0" destOrd="0" presId="urn:microsoft.com/office/officeart/2005/8/layout/hierarchy4"/>
-    <dgm:cxn modelId="{69F3B0BC-D691-4D85-B8B1-D587288959A2}" type="presParOf" srcId="{4B7B61E8-F73A-43D7-B2E2-DBDD47EAD46F}" destId="{9C78176C-9637-4DF3-8CCD-3DEAC0FB681A}" srcOrd="1" destOrd="0" presId="urn:microsoft.com/office/officeart/2005/8/layout/hierarchy4"/>
-    <dgm:cxn modelId="{77439E59-A363-48A0-A7BA-A612F437EFAE}" type="presParOf" srcId="{4B7B61E8-F73A-43D7-B2E2-DBDD47EAD46F}" destId="{D69BCBF5-E39B-4EE7-85F6-B4E5E8803DD3}" srcOrd="2" destOrd="0" presId="urn:microsoft.com/office/officeart/2005/8/layout/hierarchy4"/>
-    <dgm:cxn modelId="{6FC78298-68B1-4274-B22D-48B4763766BF}" type="presParOf" srcId="{D69BCBF5-E39B-4EE7-85F6-B4E5E8803DD3}" destId="{90A4CCD1-8A36-49A7-B62C-8924FA3AEBC9}" srcOrd="0" destOrd="0" presId="urn:microsoft.com/office/officeart/2005/8/layout/hierarchy4"/>
-    <dgm:cxn modelId="{4849C075-1FE7-4747-8895-A7914A680655}" type="presParOf" srcId="{90A4CCD1-8A36-49A7-B62C-8924FA3AEBC9}" destId="{76D2BF23-CE72-48BA-B213-54136EFD1F11}" srcOrd="0" destOrd="0" presId="urn:microsoft.com/office/officeart/2005/8/layout/hierarchy4"/>
-    <dgm:cxn modelId="{6F527E2D-27F7-4D60-9BB5-E424CB36B99D}" type="presParOf" srcId="{90A4CCD1-8A36-49A7-B62C-8924FA3AEBC9}" destId="{32CB2186-D4A8-4F6C-A2F1-142F7718754D}" srcOrd="1" destOrd="0" presId="urn:microsoft.com/office/officeart/2005/8/layout/hierarchy4"/>
-    <dgm:cxn modelId="{408ADFE1-EAB5-4AB6-9320-4186DEB48E3D}" type="presParOf" srcId="{0990B35D-4BC1-49F8-90ED-335ADC34BE47}" destId="{5AFF4DCF-C5E2-4782-BD30-9801A0AAF994}" srcOrd="3" destOrd="0" presId="urn:microsoft.com/office/officeart/2005/8/layout/hierarchy4"/>
-    <dgm:cxn modelId="{B154C9E2-59FF-4A1C-8C64-6B67E6DDA781}" type="presParOf" srcId="{0990B35D-4BC1-49F8-90ED-335ADC34BE47}" destId="{71754611-90DF-4E08-B7BC-F330D312708E}" srcOrd="4" destOrd="0" presId="urn:microsoft.com/office/officeart/2005/8/layout/hierarchy4"/>
-    <dgm:cxn modelId="{63C56A94-A131-4A18-B199-1FDE81EAE45F}" type="presParOf" srcId="{71754611-90DF-4E08-B7BC-F330D312708E}" destId="{BC688DC5-6F0D-4071-810D-259250BFE46E}" srcOrd="0" destOrd="0" presId="urn:microsoft.com/office/officeart/2005/8/layout/hierarchy4"/>
-    <dgm:cxn modelId="{D0AA2DB0-8895-4DCD-B2A2-90B525DE8AEE}" type="presParOf" srcId="{71754611-90DF-4E08-B7BC-F330D312708E}" destId="{76FEC23C-78D7-40EF-B926-D0F67C9E63C5}" srcOrd="1" destOrd="0" presId="urn:microsoft.com/office/officeart/2005/8/layout/hierarchy4"/>
-    <dgm:cxn modelId="{1BA63E8E-9EF3-42DE-A737-FC721A7C1C20}" type="presParOf" srcId="{71754611-90DF-4E08-B7BC-F330D312708E}" destId="{FEF4A5BF-5C2B-478A-8F61-FB03B27BBE8D}" srcOrd="2" destOrd="0" presId="urn:microsoft.com/office/officeart/2005/8/layout/hierarchy4"/>
-    <dgm:cxn modelId="{33FDA3F8-06F9-4048-9264-9DD2D48CE55B}" type="presParOf" srcId="{FEF4A5BF-5C2B-478A-8F61-FB03B27BBE8D}" destId="{DB7D0345-FBE7-4E86-9769-C5E686DDF7C8}" srcOrd="0" destOrd="0" presId="urn:microsoft.com/office/officeart/2005/8/layout/hierarchy4"/>
-    <dgm:cxn modelId="{83203539-BD28-4FEA-8205-FB421F7651F6}" type="presParOf" srcId="{DB7D0345-FBE7-4E86-9769-C5E686DDF7C8}" destId="{2D6485A9-B159-4B5F-839A-03A4B14DEE84}" srcOrd="0" destOrd="0" presId="urn:microsoft.com/office/officeart/2005/8/layout/hierarchy4"/>
-    <dgm:cxn modelId="{D897FFE2-24F3-407E-92C0-34ADFE6308C6}" type="presParOf" srcId="{DB7D0345-FBE7-4E86-9769-C5E686DDF7C8}" destId="{69B76BCF-CB08-4556-A73E-A59CA905F22B}" srcOrd="1" destOrd="0" presId="urn:microsoft.com/office/officeart/2005/8/layout/hierarchy4"/>
+    <dgm:cxn modelId="{D4BA1189-0B2A-4CEA-ADED-36E73F1A333B}" type="presParOf" srcId="{5B92B76B-FCAA-4BD9-8CC8-517E08C20AB3}" destId="{0990B35D-4BC1-49F8-90ED-335ADC34BE47}" srcOrd="1" destOrd="0" presId="urn:microsoft.com/office/officeart/2005/8/layout/hierarchy4"/>
+    <dgm:cxn modelId="{D45EFF0D-EB29-419F-A9A6-F86AB1644FFC}" type="presParOf" srcId="{BF2C47A5-22D6-4556-A6BA-700966C15184}" destId="{A899947F-FEE9-4089-9321-BF7F2175FCF7}" srcOrd="1" destOrd="0" presId="urn:microsoft.com/office/officeart/2005/8/layout/hierarchy4"/>
+    <dgm:cxn modelId="{82CBA352-A3CF-4DDF-AC58-2F5C79E93E13}" type="presParOf" srcId="{BF2C47A5-22D6-4556-A6BA-700966C15184}" destId="{D9232D78-11DD-4786-9C29-A5B4528EF04B}" srcOrd="2" destOrd="0" presId="urn:microsoft.com/office/officeart/2005/8/layout/hierarchy4"/>
+    <dgm:cxn modelId="{15963E5D-493D-42BA-A115-204BA10B84EE}" type="presParOf" srcId="{D9232D78-11DD-4786-9C29-A5B4528EF04B}" destId="{780CAA7B-AB79-4C42-869F-9115A8AFB23B}" srcOrd="0" destOrd="0" presId="urn:microsoft.com/office/officeart/2005/8/layout/hierarchy4"/>
+    <dgm:cxn modelId="{F0ABD81E-BE3F-450F-9349-0D74D738D7C7}" type="presParOf" srcId="{D9232D78-11DD-4786-9C29-A5B4528EF04B}" destId="{C9F9F2C4-1963-403A-8EEA-51AA4BF2417C}" srcOrd="1" destOrd="0" presId="urn:microsoft.com/office/officeart/2005/8/layout/hierarchy4"/>
+    <dgm:cxn modelId="{7E968D42-D088-4402-83C3-6975C7D61DC9}" type="presParOf" srcId="{BF2C47A5-22D6-4556-A6BA-700966C15184}" destId="{1D456A0C-117A-43DC-A794-2786273D506C}" srcOrd="3" destOrd="0" presId="urn:microsoft.com/office/officeart/2005/8/layout/hierarchy4"/>
+    <dgm:cxn modelId="{EA733813-6E30-46A8-902A-E238D187FC05}" type="presParOf" srcId="{BF2C47A5-22D6-4556-A6BA-700966C15184}" destId="{6BECB585-8EA5-47E2-A4F9-DDC25FE8AB1D}" srcOrd="4" destOrd="0" presId="urn:microsoft.com/office/officeart/2005/8/layout/hierarchy4"/>
+    <dgm:cxn modelId="{E16D545B-AF21-41A5-A0AC-546218F706B3}" type="presParOf" srcId="{6BECB585-8EA5-47E2-A4F9-DDC25FE8AB1D}" destId="{57A6E635-106A-4483-AA4C-35F18026C2B1}" srcOrd="0" destOrd="0" presId="urn:microsoft.com/office/officeart/2005/8/layout/hierarchy4"/>
+    <dgm:cxn modelId="{B097848C-71DF-41C2-BA27-C609F212FF95}" type="presParOf" srcId="{6BECB585-8EA5-47E2-A4F9-DDC25FE8AB1D}" destId="{27975408-05B6-4AA4-B47D-42EE188473BA}" srcOrd="1" destOrd="0" presId="urn:microsoft.com/office/officeart/2005/8/layout/hierarchy4"/>
+    <dgm:cxn modelId="{9784E3C9-0457-4244-9BBC-B47E89E73B43}" type="presParOf" srcId="{6BECB585-8EA5-47E2-A4F9-DDC25FE8AB1D}" destId="{C9A1FC35-901B-453F-9791-01D4736343B7}" srcOrd="2" destOrd="0" presId="urn:microsoft.com/office/officeart/2005/8/layout/hierarchy4"/>
+    <dgm:cxn modelId="{952134AE-83E8-44EC-BF99-D814C38F7AC7}" type="presParOf" srcId="{C9A1FC35-901B-453F-9791-01D4736343B7}" destId="{ED12B6BF-4B5A-4835-B9FD-9D828587FC45}" srcOrd="0" destOrd="0" presId="urn:microsoft.com/office/officeart/2005/8/layout/hierarchy4"/>
+    <dgm:cxn modelId="{F41915E9-89C8-4A65-82EB-BFCB14A48FAC}" type="presParOf" srcId="{ED12B6BF-4B5A-4835-B9FD-9D828587FC45}" destId="{E9A81905-1E17-47AB-8D75-C085926ECAC3}" srcOrd="0" destOrd="0" presId="urn:microsoft.com/office/officeart/2005/8/layout/hierarchy4"/>
+    <dgm:cxn modelId="{041B3564-AA8C-4B99-9E76-002B76F4DA5F}" type="presParOf" srcId="{ED12B6BF-4B5A-4835-B9FD-9D828587FC45}" destId="{011DB028-2D36-43CC-99B2-08602F77B565}" srcOrd="1" destOrd="0" presId="urn:microsoft.com/office/officeart/2005/8/layout/hierarchy4"/>
+    <dgm:cxn modelId="{8F0DF3C8-44D2-4D5B-B248-A4398C57709E}" type="presParOf" srcId="{C9A1FC35-901B-453F-9791-01D4736343B7}" destId="{369EE91B-A82B-44DA-B596-583FD8A5C238}" srcOrd="1" destOrd="0" presId="urn:microsoft.com/office/officeart/2005/8/layout/hierarchy4"/>
+    <dgm:cxn modelId="{B81F5167-E3BB-425F-870A-3A70C3FBF73A}" type="presParOf" srcId="{C9A1FC35-901B-453F-9791-01D4736343B7}" destId="{71754611-90DF-4E08-B7BC-F330D312708E}" srcOrd="2" destOrd="0" presId="urn:microsoft.com/office/officeart/2005/8/layout/hierarchy4"/>
+    <dgm:cxn modelId="{417E74DE-4FB4-4F8E-97F3-8C3F78FF8DEF}" type="presParOf" srcId="{71754611-90DF-4E08-B7BC-F330D312708E}" destId="{BC688DC5-6F0D-4071-810D-259250BFE46E}" srcOrd="0" destOrd="0" presId="urn:microsoft.com/office/officeart/2005/8/layout/hierarchy4"/>
+    <dgm:cxn modelId="{AEDC16B5-3981-46C8-BDC6-21DE90679D56}" type="presParOf" srcId="{71754611-90DF-4E08-B7BC-F330D312708E}" destId="{76FEC23C-78D7-40EF-B926-D0F67C9E63C5}" srcOrd="1" destOrd="0" presId="urn:microsoft.com/office/officeart/2005/8/layout/hierarchy4"/>
+    <dgm:cxn modelId="{ABB1A2B3-D7E6-45B8-B2F3-76A76870B6C3}" type="presParOf" srcId="{71754611-90DF-4E08-B7BC-F330D312708E}" destId="{FEF4A5BF-5C2B-478A-8F61-FB03B27BBE8D}" srcOrd="2" destOrd="0" presId="urn:microsoft.com/office/officeart/2005/8/layout/hierarchy4"/>
+    <dgm:cxn modelId="{4DC0F4F5-F4C7-4C0B-AF4B-BB71C3B970A4}" type="presParOf" srcId="{FEF4A5BF-5C2B-478A-8F61-FB03B27BBE8D}" destId="{DB7D0345-FBE7-4E86-9769-C5E686DDF7C8}" srcOrd="0" destOrd="0" presId="urn:microsoft.com/office/officeart/2005/8/layout/hierarchy4"/>
+    <dgm:cxn modelId="{CCAD090A-543F-4E95-8CDD-F2C758E2256C}" type="presParOf" srcId="{DB7D0345-FBE7-4E86-9769-C5E686DDF7C8}" destId="{2D6485A9-B159-4B5F-839A-03A4B14DEE84}" srcOrd="0" destOrd="0" presId="urn:microsoft.com/office/officeart/2005/8/layout/hierarchy4"/>
+    <dgm:cxn modelId="{5521A76D-9B42-44B2-8729-9F734F43A934}" type="presParOf" srcId="{DB7D0345-FBE7-4E86-9769-C5E686DDF7C8}" destId="{69B76BCF-CB08-4556-A73E-A59CA905F22B}" srcOrd="1" destOrd="0" presId="urn:microsoft.com/office/officeart/2005/8/layout/hierarchy4"/>
   </dgm:cxnLst>
   <dgm:bg/>
   <dgm:whole/>
@@ -13809,53 +13749,53 @@
     </dgm:pt>
   </dgm:ptLst>
   <dgm:cxnLst>
-    <dgm:cxn modelId="{18D20495-54B2-41BA-B806-37002FB53632}" type="presOf" srcId="{69705CEA-F570-453E-89C2-BF794F678958}" destId="{BC230F88-AF16-401E-847A-5EB6F35167B5}" srcOrd="0" destOrd="0" presId="urn:microsoft.com/office/officeart/2008/layout/HorizontalMultiLevelHierarchy"/>
-    <dgm:cxn modelId="{E47C819D-D54E-4599-897F-5F05D785E91C}" type="presOf" srcId="{80A8E8CD-E500-4265-9EBD-08F5903454F8}" destId="{4E7B5B8A-E25E-4056-A287-F1501FE9A818}" srcOrd="1" destOrd="0" presId="urn:microsoft.com/office/officeart/2008/layout/HorizontalMultiLevelHierarchy"/>
-    <dgm:cxn modelId="{C91CC287-7190-42C4-97C0-2D91E272BCC3}" type="presOf" srcId="{47DBA1AE-1E15-431B-816E-E3495D91D50D}" destId="{C3B714E9-8D56-4F47-AE83-1B4A1B36E261}" srcOrd="0" destOrd="0" presId="urn:microsoft.com/office/officeart/2008/layout/HorizontalMultiLevelHierarchy"/>
-    <dgm:cxn modelId="{020A2310-5D97-4D7E-9909-51E2CE9FB027}" type="presOf" srcId="{7D4A7BEA-0826-4D7F-9B13-830276B86077}" destId="{175FB72B-84C8-486C-9686-3AA16043A190}" srcOrd="0" destOrd="0" presId="urn:microsoft.com/office/officeart/2008/layout/HorizontalMultiLevelHierarchy"/>
-    <dgm:cxn modelId="{68BEAA0F-F727-404F-A1C3-B6A93BF7DE79}" type="presOf" srcId="{B3A3E97E-B1F5-4285-B3CC-626A9AFB88AF}" destId="{962A20E9-4E8A-4469-B9A9-712648A37A7E}" srcOrd="1" destOrd="0" presId="urn:microsoft.com/office/officeart/2008/layout/HorizontalMultiLevelHierarchy"/>
-    <dgm:cxn modelId="{DC17CFEB-C2B6-4EF4-A568-2436AA4299E9}" type="presOf" srcId="{BCECA982-1209-40D3-90B9-DB39233875A5}" destId="{85116997-987D-40A8-AFCA-C5A54CBB823D}" srcOrd="0" destOrd="0" presId="urn:microsoft.com/office/officeart/2008/layout/HorizontalMultiLevelHierarchy"/>
-    <dgm:cxn modelId="{0E9DAE43-BD16-4A14-9821-2524BC241F48}" srcId="{CE13128E-9149-4B70-91DE-630C4ABBFE00}" destId="{08C55BA2-31D6-43CA-BE8B-18095A33123C}" srcOrd="1" destOrd="0" parTransId="{6DB745CF-1A78-406B-8408-ECE8759E9FA1}" sibTransId="{E3EE3127-9860-436D-80DB-2AE4EBD12F9F}"/>
-    <dgm:cxn modelId="{A67FD952-7E3E-42C2-B9AC-9786F65D1584}" srcId="{08C55BA2-31D6-43CA-BE8B-18095A33123C}" destId="{4A1CE773-3E85-4B37-BA18-CB28DF37705F}" srcOrd="0" destOrd="0" parTransId="{C970C188-F04F-415C-B685-2C4E7AFB148E}" sibTransId="{1EF5A848-6056-46B2-8C3B-F197EDA52614}"/>
-    <dgm:cxn modelId="{A9952C7E-C879-479B-834A-6036B1AB1527}" srcId="{7DF7B6DD-8D79-468E-B015-C667742FBFEB}" destId="{CE13128E-9149-4B70-91DE-630C4ABBFE00}" srcOrd="0" destOrd="0" parTransId="{C6E5B58F-10F1-4A0F-B24B-83ABFC7283E8}" sibTransId="{6CE5C753-8F6C-4D7B-8CBB-35D97C591B3B}"/>
-    <dgm:cxn modelId="{D5162A70-9646-4B9A-9D47-8847B119A36D}" type="presOf" srcId="{DC5DA3D9-0E16-42DE-894D-7A0ACA3BEA89}" destId="{5AE26B0C-D01B-45E0-A33F-6264A326BBFD}" srcOrd="1" destOrd="0" presId="urn:microsoft.com/office/officeart/2008/layout/HorizontalMultiLevelHierarchy"/>
-    <dgm:cxn modelId="{BB8CC356-122F-4E4D-BF7E-874EEDB47A04}" type="presOf" srcId="{C6E5B58F-10F1-4A0F-B24B-83ABFC7283E8}" destId="{E04E75EF-3FF5-4F99-9454-4458B90560B9}" srcOrd="0" destOrd="0" presId="urn:microsoft.com/office/officeart/2008/layout/HorizontalMultiLevelHierarchy"/>
-    <dgm:cxn modelId="{B353EAEA-C1EF-497E-AD8A-EEFA8A1765D1}" type="presOf" srcId="{305D8F76-DE5C-477C-9DE0-661AB94732FF}" destId="{2DB62359-910D-4F81-A286-8DE2D01AD00D}" srcOrd="1" destOrd="0" presId="urn:microsoft.com/office/officeart/2008/layout/HorizontalMultiLevelHierarchy"/>
-    <dgm:cxn modelId="{BB366179-8CB8-48F8-B469-8D59183C75FA}" type="presOf" srcId="{DC5DA3D9-0E16-42DE-894D-7A0ACA3BEA89}" destId="{76804D07-263C-4BFE-886B-E38C63B4A639}" srcOrd="0" destOrd="0" presId="urn:microsoft.com/office/officeart/2008/layout/HorizontalMultiLevelHierarchy"/>
-    <dgm:cxn modelId="{CC33FE3A-2675-4C05-AC2C-C262B46663BD}" type="presOf" srcId="{08C55BA2-31D6-43CA-BE8B-18095A33123C}" destId="{E44A7F6B-CDD6-46D7-8C6D-31E128DCFA9B}" srcOrd="0" destOrd="0" presId="urn:microsoft.com/office/officeart/2008/layout/HorizontalMultiLevelHierarchy"/>
-    <dgm:cxn modelId="{8F03D61F-9583-4BD6-9C0A-EAE164CEDD1E}" srcId="{D24B9365-C298-4D09-9B43-19F1F42CB936}" destId="{9CDE7211-7213-4221-9E18-349FFE24B791}" srcOrd="0" destOrd="0" parTransId="{DC5DA3D9-0E16-42DE-894D-7A0ACA3BEA89}" sibTransId="{29A5C94B-43C5-43DC-83C7-D6A9D3B54949}"/>
-    <dgm:cxn modelId="{4A871634-BAF2-4366-8270-342BEC8E9356}" type="presOf" srcId="{BCECA982-1209-40D3-90B9-DB39233875A5}" destId="{59995DB5-1B81-4758-85FC-551EB375F06C}" srcOrd="1" destOrd="0" presId="urn:microsoft.com/office/officeart/2008/layout/HorizontalMultiLevelHierarchy"/>
-    <dgm:cxn modelId="{1BF0094A-FEFC-422B-B205-AFF45445190D}" type="presOf" srcId="{63FF3E21-F438-42A5-8D7B-E965B1D3812A}" destId="{9539C340-DD91-4CCB-9617-C26D5EA57291}" srcOrd="1" destOrd="0" presId="urn:microsoft.com/office/officeart/2008/layout/HorizontalMultiLevelHierarchy"/>
-    <dgm:cxn modelId="{8E4EFBD5-37F1-443C-8D37-89A4DC4A200B}" type="presOf" srcId="{31A7FA4E-1377-4668-AA4A-F847E0BA75F9}" destId="{64DC2729-4AEE-46FC-A4B3-43AAC41F9DD2}" srcOrd="0" destOrd="0" presId="urn:microsoft.com/office/officeart/2008/layout/HorizontalMultiLevelHierarchy"/>
-    <dgm:cxn modelId="{27FA3CE5-0EFE-4E17-AEF1-7436EA42B042}" srcId="{4A1CE773-3E85-4B37-BA18-CB28DF37705F}" destId="{47DBA1AE-1E15-431B-816E-E3495D91D50D}" srcOrd="0" destOrd="0" parTransId="{DB96E258-2D1C-4B1E-950D-055EBF0AF5CA}" sibTransId="{91669A65-5834-4388-8EB8-E7B6090E317E}"/>
+    <dgm:cxn modelId="{AE1EFA4F-43D7-4B31-9E7F-940D6FCC10FD}" type="presOf" srcId="{7DF7B6DD-8D79-468E-B015-C667742FBFEB}" destId="{85F62DE2-963F-4C4E-96AF-E89F91C81D5C}" srcOrd="0" destOrd="0" presId="urn:microsoft.com/office/officeart/2008/layout/HorizontalMultiLevelHierarchy"/>
+    <dgm:cxn modelId="{B4FD77FA-C77B-48AF-8FBC-9D705ED00DE4}" type="presOf" srcId="{9B0E06C2-4430-4C22-92AF-6D91175F2E8B}" destId="{99E58E7E-BFE3-414B-AF9D-7BB998895FEF}" srcOrd="0" destOrd="0" presId="urn:microsoft.com/office/officeart/2008/layout/HorizontalMultiLevelHierarchy"/>
     <dgm:cxn modelId="{AE4F2E6D-309B-4F80-8E06-C12019005D59}" type="presOf" srcId="{DB96E258-2D1C-4B1E-950D-055EBF0AF5CA}" destId="{1B00757B-AD37-414D-BCDF-A22538F398D1}" srcOrd="1" destOrd="0" presId="urn:microsoft.com/office/officeart/2008/layout/HorizontalMultiLevelHierarchy"/>
-    <dgm:cxn modelId="{F693BDB5-3E8E-4D97-A21C-531C30DC49A7}" type="presOf" srcId="{C00D11A3-9D06-466C-BA99-53F0B6A1B1FC}" destId="{2FAEB9D7-2202-48D6-BEFE-7691405C0023}" srcOrd="0" destOrd="0" presId="urn:microsoft.com/office/officeart/2008/layout/HorizontalMultiLevelHierarchy"/>
-    <dgm:cxn modelId="{B54418A1-3FDE-464D-B17A-A04C569FE824}" type="presOf" srcId="{6DB745CF-1A78-406B-8408-ECE8759E9FA1}" destId="{3E2CFF2C-518D-45AB-95AC-8B2259762694}" srcOrd="1" destOrd="0" presId="urn:microsoft.com/office/officeart/2008/layout/HorizontalMultiLevelHierarchy"/>
-    <dgm:cxn modelId="{82597DAD-63A8-4A76-B9BE-23D8DF04E26F}" type="presOf" srcId="{CE13128E-9149-4B70-91DE-630C4ABBFE00}" destId="{CCC824B9-6D4D-4981-9C76-2E02AF6A080B}" srcOrd="0" destOrd="0" presId="urn:microsoft.com/office/officeart/2008/layout/HorizontalMultiLevelHierarchy"/>
-    <dgm:cxn modelId="{EA349AEE-F38C-4392-A380-76DF0CF9C396}" type="presOf" srcId="{C970C188-F04F-415C-B685-2C4E7AFB148E}" destId="{D9A7ED5D-FF3B-42E9-A95A-82691CE48DCF}" srcOrd="0" destOrd="0" presId="urn:microsoft.com/office/officeart/2008/layout/HorizontalMultiLevelHierarchy"/>
     <dgm:cxn modelId="{9F3DCA4B-DDEA-4D57-A2BE-01EDAA20879E}" srcId="{3D7E4721-08AD-4056-9D97-280A0288FF53}" destId="{7DF7B6DD-8D79-468E-B015-C667742FBFEB}" srcOrd="0" destOrd="0" parTransId="{1B8AF3C6-2F66-4552-8F48-4A75818AB395}" sibTransId="{473ED60A-3384-44E1-AF12-F229B86CAE9E}"/>
     <dgm:cxn modelId="{0911AA29-B75D-4350-AE96-7B3FAD2DFDF5}" type="presOf" srcId="{C00D11A3-9D06-466C-BA99-53F0B6A1B1FC}" destId="{4A7E1716-0151-45F0-9631-89C21FC2D372}" srcOrd="1" destOrd="0" presId="urn:microsoft.com/office/officeart/2008/layout/HorizontalMultiLevelHierarchy"/>
-    <dgm:cxn modelId="{91BB3751-AE35-42E3-9C14-D0C99A4298F0}" srcId="{69705CEA-F570-453E-89C2-BF794F678958}" destId="{7D4A7BEA-0826-4D7F-9B13-830276B86077}" srcOrd="0" destOrd="0" parTransId="{80A8E8CD-E500-4265-9EBD-08F5903454F8}" sibTransId="{652FD5D0-86D7-4337-9B75-D2CD6C870809}"/>
+    <dgm:cxn modelId="{6C19DA65-7600-49E5-A4BA-A0BBEFEC9683}" type="presOf" srcId="{6DB745CF-1A78-406B-8408-ECE8759E9FA1}" destId="{7FF2BF7D-A4BE-4AF2-9EFD-0878EA33F434}" srcOrd="0" destOrd="0" presId="urn:microsoft.com/office/officeart/2008/layout/HorizontalMultiLevelHierarchy"/>
+    <dgm:cxn modelId="{DC17CFEB-C2B6-4EF4-A568-2436AA4299E9}" type="presOf" srcId="{BCECA982-1209-40D3-90B9-DB39233875A5}" destId="{85116997-987D-40A8-AFCA-C5A54CBB823D}" srcOrd="0" destOrd="0" presId="urn:microsoft.com/office/officeart/2008/layout/HorizontalMultiLevelHierarchy"/>
+    <dgm:cxn modelId="{E47C819D-D54E-4599-897F-5F05D785E91C}" type="presOf" srcId="{80A8E8CD-E500-4265-9EBD-08F5903454F8}" destId="{4E7B5B8A-E25E-4056-A287-F1501FE9A818}" srcOrd="1" destOrd="0" presId="urn:microsoft.com/office/officeart/2008/layout/HorizontalMultiLevelHierarchy"/>
     <dgm:cxn modelId="{84BE7329-BE44-40EF-A84C-01DCF7EA027F}" type="presOf" srcId="{0ED25E3A-194B-4DBD-AE05-C5BAB2D4B322}" destId="{FBCAE61C-F8F7-4954-B5B0-98F173752588}" srcOrd="0" destOrd="0" presId="urn:microsoft.com/office/officeart/2008/layout/HorizontalMultiLevelHierarchy"/>
-    <dgm:cxn modelId="{CC6C77C6-FE6E-49D4-86B7-B41D722DE6FD}" srcId="{D24B9365-C298-4D09-9B43-19F1F42CB936}" destId="{31A7FA4E-1377-4668-AA4A-F847E0BA75F9}" srcOrd="1" destOrd="0" parTransId="{BCECA982-1209-40D3-90B9-DB39233875A5}" sibTransId="{84D3DBC8-A14D-46AC-9625-01BC5680C226}"/>
+    <dgm:cxn modelId="{4A871634-BAF2-4366-8270-342BEC8E9356}" type="presOf" srcId="{BCECA982-1209-40D3-90B9-DB39233875A5}" destId="{59995DB5-1B81-4758-85FC-551EB375F06C}" srcOrd="1" destOrd="0" presId="urn:microsoft.com/office/officeart/2008/layout/HorizontalMultiLevelHierarchy"/>
+    <dgm:cxn modelId="{EA349AEE-F38C-4392-A380-76DF0CF9C396}" type="presOf" srcId="{C970C188-F04F-415C-B685-2C4E7AFB148E}" destId="{D9A7ED5D-FF3B-42E9-A95A-82691CE48DCF}" srcOrd="0" destOrd="0" presId="urn:microsoft.com/office/officeart/2008/layout/HorizontalMultiLevelHierarchy"/>
+    <dgm:cxn modelId="{27FA3CE5-0EFE-4E17-AEF1-7436EA42B042}" srcId="{4A1CE773-3E85-4B37-BA18-CB28DF37705F}" destId="{47DBA1AE-1E15-431B-816E-E3495D91D50D}" srcOrd="0" destOrd="0" parTransId="{DB96E258-2D1C-4B1E-950D-055EBF0AF5CA}" sibTransId="{91669A65-5834-4388-8EB8-E7B6090E317E}"/>
+    <dgm:cxn modelId="{B671D779-080D-46B7-806E-9D6D7A129DE5}" type="presOf" srcId="{B3A3E97E-B1F5-4285-B3CC-626A9AFB88AF}" destId="{7F8C45BB-9C92-4B8F-B244-3A92D6C34FF5}" srcOrd="0" destOrd="0" presId="urn:microsoft.com/office/officeart/2008/layout/HorizontalMultiLevelHierarchy"/>
+    <dgm:cxn modelId="{BB8CC356-122F-4E4D-BF7E-874EEDB47A04}" type="presOf" srcId="{C6E5B58F-10F1-4A0F-B24B-83ABFC7283E8}" destId="{E04E75EF-3FF5-4F99-9454-4458B90560B9}" srcOrd="0" destOrd="0" presId="urn:microsoft.com/office/officeart/2008/layout/HorizontalMultiLevelHierarchy"/>
+    <dgm:cxn modelId="{BB366179-8CB8-48F8-B469-8D59183C75FA}" type="presOf" srcId="{DC5DA3D9-0E16-42DE-894D-7A0ACA3BEA89}" destId="{76804D07-263C-4BFE-886B-E38C63B4A639}" srcOrd="0" destOrd="0" presId="urn:microsoft.com/office/officeart/2008/layout/HorizontalMultiLevelHierarchy"/>
+    <dgm:cxn modelId="{A9952C7E-C879-479B-834A-6036B1AB1527}" srcId="{7DF7B6DD-8D79-468E-B015-C667742FBFEB}" destId="{CE13128E-9149-4B70-91DE-630C4ABBFE00}" srcOrd="0" destOrd="0" parTransId="{C6E5B58F-10F1-4A0F-B24B-83ABFC7283E8}" sibTransId="{6CE5C753-8F6C-4D7B-8CBB-35D97C591B3B}"/>
+    <dgm:cxn modelId="{82597DAD-63A8-4A76-B9BE-23D8DF04E26F}" type="presOf" srcId="{CE13128E-9149-4B70-91DE-630C4ABBFE00}" destId="{CCC824B9-6D4D-4981-9C76-2E02AF6A080B}" srcOrd="0" destOrd="0" presId="urn:microsoft.com/office/officeart/2008/layout/HorizontalMultiLevelHierarchy"/>
+    <dgm:cxn modelId="{B54418A1-3FDE-464D-B17A-A04C569FE824}" type="presOf" srcId="{6DB745CF-1A78-406B-8408-ECE8759E9FA1}" destId="{3E2CFF2C-518D-45AB-95AC-8B2259762694}" srcOrd="1" destOrd="0" presId="urn:microsoft.com/office/officeart/2008/layout/HorizontalMultiLevelHierarchy"/>
+    <dgm:cxn modelId="{F693BDB5-3E8E-4D97-A21C-531C30DC49A7}" type="presOf" srcId="{C00D11A3-9D06-466C-BA99-53F0B6A1B1FC}" destId="{2FAEB9D7-2202-48D6-BEFE-7691405C0023}" srcOrd="0" destOrd="0" presId="urn:microsoft.com/office/officeart/2008/layout/HorizontalMultiLevelHierarchy"/>
+    <dgm:cxn modelId="{8F03D61F-9583-4BD6-9C0A-EAE164CEDD1E}" srcId="{D24B9365-C298-4D09-9B43-19F1F42CB936}" destId="{9CDE7211-7213-4221-9E18-349FFE24B791}" srcOrd="0" destOrd="0" parTransId="{DC5DA3D9-0E16-42DE-894D-7A0ACA3BEA89}" sibTransId="{29A5C94B-43C5-43DC-83C7-D6A9D3B54949}"/>
+    <dgm:cxn modelId="{FBC35013-D260-4A4E-A0AB-B35E1343F84D}" srcId="{7D4A7BEA-0826-4D7F-9B13-830276B86077}" destId="{D24B9365-C298-4D09-9B43-19F1F42CB936}" srcOrd="0" destOrd="0" parTransId="{63FF3E21-F438-42A5-8D7B-E965B1D3812A}" sibTransId="{8DD4E92C-112D-485C-B591-98B1A3C4F30E}"/>
+    <dgm:cxn modelId="{020A2310-5D97-4D7E-9909-51E2CE9FB027}" type="presOf" srcId="{7D4A7BEA-0826-4D7F-9B13-830276B86077}" destId="{175FB72B-84C8-486C-9686-3AA16043A190}" srcOrd="0" destOrd="0" presId="urn:microsoft.com/office/officeart/2008/layout/HorizontalMultiLevelHierarchy"/>
+    <dgm:cxn modelId="{100C4F7D-2A1A-4546-B2DC-F10C4BB3C755}" srcId="{7DF7B6DD-8D79-468E-B015-C667742FBFEB}" destId="{69705CEA-F570-453E-89C2-BF794F678958}" srcOrd="1" destOrd="0" parTransId="{C00D11A3-9D06-466C-BA99-53F0B6A1B1FC}" sibTransId="{2CA70043-153C-4528-8CBA-351914359EE1}"/>
+    <dgm:cxn modelId="{788DF614-934B-4CDE-8FF1-17B10ABAAFDA}" type="presOf" srcId="{C970C188-F04F-415C-B685-2C4E7AFB148E}" destId="{C592C0A8-EC42-4A45-91EE-9CDFDF8DA551}" srcOrd="1" destOrd="0" presId="urn:microsoft.com/office/officeart/2008/layout/HorizontalMultiLevelHierarchy"/>
+    <dgm:cxn modelId="{E7A7BC4A-FA59-4FC2-A70C-7826F6D84463}" type="presOf" srcId="{3D7E4721-08AD-4056-9D97-280A0288FF53}" destId="{48EA20E2-9F73-4378-9103-C6F25598EA7F}" srcOrd="0" destOrd="0" presId="urn:microsoft.com/office/officeart/2008/layout/HorizontalMultiLevelHierarchy"/>
+    <dgm:cxn modelId="{C91CC287-7190-42C4-97C0-2D91E272BCC3}" type="presOf" srcId="{47DBA1AE-1E15-431B-816E-E3495D91D50D}" destId="{C3B714E9-8D56-4F47-AE83-1B4A1B36E261}" srcOrd="0" destOrd="0" presId="urn:microsoft.com/office/officeart/2008/layout/HorizontalMultiLevelHierarchy"/>
+    <dgm:cxn modelId="{A9BC8CC8-D9B4-420C-A71C-562C76E994F1}" srcId="{CE13128E-9149-4B70-91DE-630C4ABBFE00}" destId="{0ED25E3A-194B-4DBD-AE05-C5BAB2D4B322}" srcOrd="0" destOrd="0" parTransId="{305D8F76-DE5C-477C-9DE0-661AB94732FF}" sibTransId="{964FDF4F-7DC1-44AC-84EA-F8B8AA5B99EA}"/>
+    <dgm:cxn modelId="{9A780A0D-89E7-413B-80CA-0ADF2A767F6C}" type="presOf" srcId="{D24B9365-C298-4D09-9B43-19F1F42CB936}" destId="{C1F3184D-BED2-4588-91D0-6026066D0495}" srcOrd="0" destOrd="0" presId="urn:microsoft.com/office/officeart/2008/layout/HorizontalMultiLevelHierarchy"/>
     <dgm:cxn modelId="{39F6116F-B56E-4177-8F3B-03B043793E50}" type="presOf" srcId="{DB96E258-2D1C-4B1E-950D-055EBF0AF5CA}" destId="{C0070F97-A64B-4B18-A039-4EA6BBCC45E3}" srcOrd="0" destOrd="0" presId="urn:microsoft.com/office/officeart/2008/layout/HorizontalMultiLevelHierarchy"/>
-    <dgm:cxn modelId="{AE1EFA4F-43D7-4B31-9E7F-940D6FCC10FD}" type="presOf" srcId="{7DF7B6DD-8D79-468E-B015-C667742FBFEB}" destId="{85F62DE2-963F-4C4E-96AF-E89F91C81D5C}" srcOrd="0" destOrd="0" presId="urn:microsoft.com/office/officeart/2008/layout/HorizontalMultiLevelHierarchy"/>
-    <dgm:cxn modelId="{6C19DA65-7600-49E5-A4BA-A0BBEFEC9683}" type="presOf" srcId="{6DB745CF-1A78-406B-8408-ECE8759E9FA1}" destId="{7FF2BF7D-A4BE-4AF2-9EFD-0878EA33F434}" srcOrd="0" destOrd="0" presId="urn:microsoft.com/office/officeart/2008/layout/HorizontalMultiLevelHierarchy"/>
-    <dgm:cxn modelId="{B671D779-080D-46B7-806E-9D6D7A129DE5}" type="presOf" srcId="{B3A3E97E-B1F5-4285-B3CC-626A9AFB88AF}" destId="{7F8C45BB-9C92-4B8F-B244-3A92D6C34FF5}" srcOrd="0" destOrd="0" presId="urn:microsoft.com/office/officeart/2008/layout/HorizontalMultiLevelHierarchy"/>
-    <dgm:cxn modelId="{788DF614-934B-4CDE-8FF1-17B10ABAAFDA}" type="presOf" srcId="{C970C188-F04F-415C-B685-2C4E7AFB148E}" destId="{C592C0A8-EC42-4A45-91EE-9CDFDF8DA551}" srcOrd="1" destOrd="0" presId="urn:microsoft.com/office/officeart/2008/layout/HorizontalMultiLevelHierarchy"/>
-    <dgm:cxn modelId="{1A56D051-FCD1-4ACE-B517-CA53D4CD293A}" type="presOf" srcId="{C6E5B58F-10F1-4A0F-B24B-83ABFC7283E8}" destId="{350094D2-7DCD-4D6D-BF3C-22BADCB8186A}" srcOrd="1" destOrd="0" presId="urn:microsoft.com/office/officeart/2008/layout/HorizontalMultiLevelHierarchy"/>
-    <dgm:cxn modelId="{9A780A0D-89E7-413B-80CA-0ADF2A767F6C}" type="presOf" srcId="{D24B9365-C298-4D09-9B43-19F1F42CB936}" destId="{C1F3184D-BED2-4588-91D0-6026066D0495}" srcOrd="0" destOrd="0" presId="urn:microsoft.com/office/officeart/2008/layout/HorizontalMultiLevelHierarchy"/>
-    <dgm:cxn modelId="{38540718-F67F-4C11-9B24-F182E409F9F7}" srcId="{4A1CE773-3E85-4B37-BA18-CB28DF37705F}" destId="{9B0E06C2-4430-4C22-92AF-6D91175F2E8B}" srcOrd="1" destOrd="0" parTransId="{B3A3E97E-B1F5-4285-B3CC-626A9AFB88AF}" sibTransId="{7EF15AAC-523E-46E8-BCE2-0064739EBD0B}"/>
-    <dgm:cxn modelId="{FBC35013-D260-4A4E-A0AB-B35E1343F84D}" srcId="{7D4A7BEA-0826-4D7F-9B13-830276B86077}" destId="{D24B9365-C298-4D09-9B43-19F1F42CB936}" srcOrd="0" destOrd="0" parTransId="{63FF3E21-F438-42A5-8D7B-E965B1D3812A}" sibTransId="{8DD4E92C-112D-485C-B591-98B1A3C4F30E}"/>
     <dgm:cxn modelId="{D4921EC2-E1FF-4937-9022-063F086BEBF0}" type="presOf" srcId="{305D8F76-DE5C-477C-9DE0-661AB94732FF}" destId="{040CB96B-06C3-4570-9EDB-C32DFC727847}" srcOrd="0" destOrd="0" presId="urn:microsoft.com/office/officeart/2008/layout/HorizontalMultiLevelHierarchy"/>
     <dgm:cxn modelId="{B3194426-8F2C-4599-8334-A77C24E85D70}" type="presOf" srcId="{63FF3E21-F438-42A5-8D7B-E965B1D3812A}" destId="{11F12F7E-0B93-41A3-87BC-24FCC6E0289B}" srcOrd="0" destOrd="0" presId="urn:microsoft.com/office/officeart/2008/layout/HorizontalMultiLevelHierarchy"/>
-    <dgm:cxn modelId="{100C4F7D-2A1A-4546-B2DC-F10C4BB3C755}" srcId="{7DF7B6DD-8D79-468E-B015-C667742FBFEB}" destId="{69705CEA-F570-453E-89C2-BF794F678958}" srcOrd="1" destOrd="0" parTransId="{C00D11A3-9D06-466C-BA99-53F0B6A1B1FC}" sibTransId="{2CA70043-153C-4528-8CBA-351914359EE1}"/>
-    <dgm:cxn modelId="{A9BC8CC8-D9B4-420C-A71C-562C76E994F1}" srcId="{CE13128E-9149-4B70-91DE-630C4ABBFE00}" destId="{0ED25E3A-194B-4DBD-AE05-C5BAB2D4B322}" srcOrd="0" destOrd="0" parTransId="{305D8F76-DE5C-477C-9DE0-661AB94732FF}" sibTransId="{964FDF4F-7DC1-44AC-84EA-F8B8AA5B99EA}"/>
+    <dgm:cxn modelId="{8E4EFBD5-37F1-443C-8D37-89A4DC4A200B}" type="presOf" srcId="{31A7FA4E-1377-4668-AA4A-F847E0BA75F9}" destId="{64DC2729-4AEE-46FC-A4B3-43AAC41F9DD2}" srcOrd="0" destOrd="0" presId="urn:microsoft.com/office/officeart/2008/layout/HorizontalMultiLevelHierarchy"/>
+    <dgm:cxn modelId="{D5162A70-9646-4B9A-9D47-8847B119A36D}" type="presOf" srcId="{DC5DA3D9-0E16-42DE-894D-7A0ACA3BEA89}" destId="{5AE26B0C-D01B-45E0-A33F-6264A326BBFD}" srcOrd="1" destOrd="0" presId="urn:microsoft.com/office/officeart/2008/layout/HorizontalMultiLevelHierarchy"/>
     <dgm:cxn modelId="{C1B85BF8-8C75-4508-BDA6-ED7D32829F8E}" type="presOf" srcId="{9CDE7211-7213-4221-9E18-349FFE24B791}" destId="{9D43B9EB-EF57-4CA9-8875-07E50AC536FE}" srcOrd="0" destOrd="0" presId="urn:microsoft.com/office/officeart/2008/layout/HorizontalMultiLevelHierarchy"/>
+    <dgm:cxn modelId="{38540718-F67F-4C11-9B24-F182E409F9F7}" srcId="{4A1CE773-3E85-4B37-BA18-CB28DF37705F}" destId="{9B0E06C2-4430-4C22-92AF-6D91175F2E8B}" srcOrd="1" destOrd="0" parTransId="{B3A3E97E-B1F5-4285-B3CC-626A9AFB88AF}" sibTransId="{7EF15AAC-523E-46E8-BCE2-0064739EBD0B}"/>
+    <dgm:cxn modelId="{E8E957DC-8B5E-4F8C-B5ED-96F2A805E2A8}" type="presOf" srcId="{4A1CE773-3E85-4B37-BA18-CB28DF37705F}" destId="{08C3CC76-66C0-40DD-B207-18615301AEA6}" srcOrd="0" destOrd="0" presId="urn:microsoft.com/office/officeart/2008/layout/HorizontalMultiLevelHierarchy"/>
+    <dgm:cxn modelId="{91BB3751-AE35-42E3-9C14-D0C99A4298F0}" srcId="{69705CEA-F570-453E-89C2-BF794F678958}" destId="{7D4A7BEA-0826-4D7F-9B13-830276B86077}" srcOrd="0" destOrd="0" parTransId="{80A8E8CD-E500-4265-9EBD-08F5903454F8}" sibTransId="{652FD5D0-86D7-4337-9B75-D2CD6C870809}"/>
+    <dgm:cxn modelId="{18D20495-54B2-41BA-B806-37002FB53632}" type="presOf" srcId="{69705CEA-F570-453E-89C2-BF794F678958}" destId="{BC230F88-AF16-401E-847A-5EB6F35167B5}" srcOrd="0" destOrd="0" presId="urn:microsoft.com/office/officeart/2008/layout/HorizontalMultiLevelHierarchy"/>
+    <dgm:cxn modelId="{1A56D051-FCD1-4ACE-B517-CA53D4CD293A}" type="presOf" srcId="{C6E5B58F-10F1-4A0F-B24B-83ABFC7283E8}" destId="{350094D2-7DCD-4D6D-BF3C-22BADCB8186A}" srcOrd="1" destOrd="0" presId="urn:microsoft.com/office/officeart/2008/layout/HorizontalMultiLevelHierarchy"/>
     <dgm:cxn modelId="{D6CC8C56-3DAD-4CE5-BB65-51B263CD22D9}" type="presOf" srcId="{80A8E8CD-E500-4265-9EBD-08F5903454F8}" destId="{A8088930-A153-477E-9029-C095C3D50AF4}" srcOrd="0" destOrd="0" presId="urn:microsoft.com/office/officeart/2008/layout/HorizontalMultiLevelHierarchy"/>
-    <dgm:cxn modelId="{E7A7BC4A-FA59-4FC2-A70C-7826F6D84463}" type="presOf" srcId="{3D7E4721-08AD-4056-9D97-280A0288FF53}" destId="{48EA20E2-9F73-4378-9103-C6F25598EA7F}" srcOrd="0" destOrd="0" presId="urn:microsoft.com/office/officeart/2008/layout/HorizontalMultiLevelHierarchy"/>
-    <dgm:cxn modelId="{B4FD77FA-C77B-48AF-8FBC-9D705ED00DE4}" type="presOf" srcId="{9B0E06C2-4430-4C22-92AF-6D91175F2E8B}" destId="{99E58E7E-BFE3-414B-AF9D-7BB998895FEF}" srcOrd="0" destOrd="0" presId="urn:microsoft.com/office/officeart/2008/layout/HorizontalMultiLevelHierarchy"/>
-    <dgm:cxn modelId="{E8E957DC-8B5E-4F8C-B5ED-96F2A805E2A8}" type="presOf" srcId="{4A1CE773-3E85-4B37-BA18-CB28DF37705F}" destId="{08C3CC76-66C0-40DD-B207-18615301AEA6}" srcOrd="0" destOrd="0" presId="urn:microsoft.com/office/officeart/2008/layout/HorizontalMultiLevelHierarchy"/>
+    <dgm:cxn modelId="{CC33FE3A-2675-4C05-AC2C-C262B46663BD}" type="presOf" srcId="{08C55BA2-31D6-43CA-BE8B-18095A33123C}" destId="{E44A7F6B-CDD6-46D7-8C6D-31E128DCFA9B}" srcOrd="0" destOrd="0" presId="urn:microsoft.com/office/officeart/2008/layout/HorizontalMultiLevelHierarchy"/>
+    <dgm:cxn modelId="{A67FD952-7E3E-42C2-B9AC-9786F65D1584}" srcId="{08C55BA2-31D6-43CA-BE8B-18095A33123C}" destId="{4A1CE773-3E85-4B37-BA18-CB28DF37705F}" srcOrd="0" destOrd="0" parTransId="{C970C188-F04F-415C-B685-2C4E7AFB148E}" sibTransId="{1EF5A848-6056-46B2-8C3B-F197EDA52614}"/>
+    <dgm:cxn modelId="{CC6C77C6-FE6E-49D4-86B7-B41D722DE6FD}" srcId="{D24B9365-C298-4D09-9B43-19F1F42CB936}" destId="{31A7FA4E-1377-4668-AA4A-F847E0BA75F9}" srcOrd="1" destOrd="0" parTransId="{BCECA982-1209-40D3-90B9-DB39233875A5}" sibTransId="{84D3DBC8-A14D-46AC-9625-01BC5680C226}"/>
+    <dgm:cxn modelId="{1BF0094A-FEFC-422B-B205-AFF45445190D}" type="presOf" srcId="{63FF3E21-F438-42A5-8D7B-E965B1D3812A}" destId="{9539C340-DD91-4CCB-9617-C26D5EA57291}" srcOrd="1" destOrd="0" presId="urn:microsoft.com/office/officeart/2008/layout/HorizontalMultiLevelHierarchy"/>
+    <dgm:cxn modelId="{68BEAA0F-F727-404F-A1C3-B6A93BF7DE79}" type="presOf" srcId="{B3A3E97E-B1F5-4285-B3CC-626A9AFB88AF}" destId="{962A20E9-4E8A-4469-B9A9-712648A37A7E}" srcOrd="1" destOrd="0" presId="urn:microsoft.com/office/officeart/2008/layout/HorizontalMultiLevelHierarchy"/>
+    <dgm:cxn modelId="{0E9DAE43-BD16-4A14-9821-2524BC241F48}" srcId="{CE13128E-9149-4B70-91DE-630C4ABBFE00}" destId="{08C55BA2-31D6-43CA-BE8B-18095A33123C}" srcOrd="1" destOrd="0" parTransId="{6DB745CF-1A78-406B-8408-ECE8759E9FA1}" sibTransId="{E3EE3127-9860-436D-80DB-2AE4EBD12F9F}"/>
+    <dgm:cxn modelId="{B353EAEA-C1EF-497E-AD8A-EEFA8A1765D1}" type="presOf" srcId="{305D8F76-DE5C-477C-9DE0-661AB94732FF}" destId="{2DB62359-910D-4F81-A286-8DE2D01AD00D}" srcOrd="1" destOrd="0" presId="urn:microsoft.com/office/officeart/2008/layout/HorizontalMultiLevelHierarchy"/>
     <dgm:cxn modelId="{E85A5082-869E-40EA-9C36-EDCB529A800C}" type="presParOf" srcId="{48EA20E2-9F73-4378-9103-C6F25598EA7F}" destId="{86C845A6-4E5D-48FE-9B1B-66F63DBF6920}" srcOrd="0" destOrd="0" presId="urn:microsoft.com/office/officeart/2008/layout/HorizontalMultiLevelHierarchy"/>
     <dgm:cxn modelId="{40337B89-9F14-49F4-B9A9-FB9EEE4ADA72}" type="presParOf" srcId="{86C845A6-4E5D-48FE-9B1B-66F63DBF6920}" destId="{85F62DE2-963F-4C4E-96AF-E89F91C81D5C}" srcOrd="0" destOrd="0" presId="urn:microsoft.com/office/officeart/2008/layout/HorizontalMultiLevelHierarchy"/>
     <dgm:cxn modelId="{22D98093-D67B-4619-B710-0A51376D5E73}" type="presParOf" srcId="{86C845A6-4E5D-48FE-9B1B-66F63DBF6920}" destId="{67D192E8-B60F-4363-ADBD-30FA0B008AD7}" srcOrd="1" destOrd="0" presId="urn:microsoft.com/office/officeart/2008/layout/HorizontalMultiLevelHierarchy"/>
@@ -16155,7 +16095,23 @@
                 <a:schemeClr val="tx1"/>
               </a:solidFill>
             </a:rPr>
-            <a:t>Poucas atividades em Java script</a:t>
+            <a:t>Poucas </a:t>
+          </a:r>
+          <a:r>
+            <a:rPr lang="pt-BR" sz="1600" kern="1200" dirty="0" smtClean="0">
+              <a:solidFill>
+                <a:schemeClr val="tx1"/>
+              </a:solidFill>
+            </a:rPr>
+            <a:t>atividades desenvolvidas </a:t>
+          </a:r>
+          <a:r>
+            <a:rPr lang="pt-BR" sz="1600" kern="1200" dirty="0" smtClean="0">
+              <a:solidFill>
+                <a:schemeClr val="tx1"/>
+              </a:solidFill>
+            </a:rPr>
+            <a:t>em Java script</a:t>
           </a:r>
           <a:endParaRPr lang="pt-BR" sz="1600" kern="1200" dirty="0">
             <a:solidFill>
@@ -16589,13 +16545,19 @@
         <a:ln>
           <a:noFill/>
         </a:ln>
-        <a:effectLst/>
-        <a:scene3d>
-          <a:camera prst="orthographicFront"/>
-          <a:lightRig rig="chilly" dir="t"/>
-        </a:scene3d>
-        <a:sp3d prstMaterial="translucentPowder">
-          <a:bevelT w="127000" h="25400" prst="softRound"/>
+        <a:effectLst>
+          <a:outerShdw blurRad="40000" dist="23000" dir="5400000" rotWithShape="0">
+            <a:srgbClr val="000000">
+              <a:alpha val="35000"/>
+            </a:srgbClr>
+          </a:outerShdw>
+        </a:effectLst>
+        <a:sp3d extrusionH="190500" prstMaterial="matte">
+          <a:bevelT w="120650" h="38100" prst="relaxedInset"/>
+          <a:bevelB w="120650" h="57150" prst="relaxedInset"/>
+          <a:contourClr>
+            <a:schemeClr val="bg1"/>
+          </a:contourClr>
         </a:sp3d>
       </dsp:spPr>
       <dsp:style>
@@ -16605,7 +16567,7 @@
         <a:fillRef idx="1">
           <a:scrgbClr r="0" g="0" b="0"/>
         </a:fillRef>
-        <a:effectRef idx="0">
+        <a:effectRef idx="2">
           <a:scrgbClr r="0" g="0" b="0"/>
         </a:effectRef>
         <a:fontRef idx="minor">
@@ -16665,35 +16627,31 @@
             <a:alphaOff val="0"/>
           </a:schemeClr>
         </a:solidFill>
-        <a:ln w="9525" cap="flat" cmpd="sng" algn="ctr">
-          <a:solidFill>
-            <a:schemeClr val="accent1">
-              <a:hueOff val="0"/>
-              <a:satOff val="0"/>
-              <a:lumOff val="0"/>
-              <a:alphaOff val="0"/>
-            </a:schemeClr>
-          </a:solidFill>
-          <a:prstDash val="solid"/>
+        <a:ln>
+          <a:noFill/>
         </a:ln>
-        <a:effectLst/>
-        <a:scene3d>
-          <a:camera prst="orthographicFront"/>
-          <a:lightRig rig="chilly" dir="t"/>
-        </a:scene3d>
-        <a:sp3d z="12700" extrusionH="1700" prstMaterial="dkEdge">
-          <a:bevelT w="25400" h="6350" prst="softRound"/>
-          <a:bevelB w="0" h="0" prst="convex"/>
+        <a:effectLst>
+          <a:outerShdw blurRad="40000" dist="23000" dir="5400000" rotWithShape="0">
+            <a:srgbClr val="000000">
+              <a:alpha val="35000"/>
+            </a:srgbClr>
+          </a:outerShdw>
+        </a:effectLst>
+        <a:sp3d z="152400" extrusionH="63500" prstMaterial="matte">
+          <a:bevelT w="50800" h="19050" prst="relaxedInset"/>
+          <a:contourClr>
+            <a:schemeClr val="bg1"/>
+          </a:contourClr>
         </a:sp3d>
       </dsp:spPr>
       <dsp:style>
-        <a:lnRef idx="1">
+        <a:lnRef idx="0">
           <a:scrgbClr r="0" g="0" b="0"/>
         </a:lnRef>
         <a:fillRef idx="1">
           <a:scrgbClr r="0" g="0" b="0"/>
         </a:fillRef>
-        <a:effectRef idx="0">
+        <a:effectRef idx="2">
           <a:scrgbClr r="0" g="0" b="0"/>
         </a:effectRef>
         <a:fontRef idx="minor"/>
@@ -16753,13 +16711,19 @@
         <a:ln>
           <a:noFill/>
         </a:ln>
-        <a:effectLst/>
-        <a:scene3d>
-          <a:camera prst="orthographicFront"/>
-          <a:lightRig rig="chilly" dir="t"/>
-        </a:scene3d>
-        <a:sp3d prstMaterial="translucentPowder">
-          <a:bevelT w="127000" h="25400" prst="softRound"/>
+        <a:effectLst>
+          <a:outerShdw blurRad="40000" dist="23000" dir="5400000" rotWithShape="0">
+            <a:srgbClr val="000000">
+              <a:alpha val="35000"/>
+            </a:srgbClr>
+          </a:outerShdw>
+        </a:effectLst>
+        <a:sp3d extrusionH="190500" prstMaterial="matte">
+          <a:bevelT w="120650" h="38100" prst="relaxedInset"/>
+          <a:bevelB w="120650" h="57150" prst="relaxedInset"/>
+          <a:contourClr>
+            <a:schemeClr val="bg1"/>
+          </a:contourClr>
         </a:sp3d>
       </dsp:spPr>
       <dsp:style>
@@ -16769,7 +16733,7 @@
         <a:fillRef idx="1">
           <a:scrgbClr r="0" g="0" b="0"/>
         </a:fillRef>
-        <a:effectRef idx="0">
+        <a:effectRef idx="2">
           <a:scrgbClr r="0" g="0" b="0"/>
         </a:effectRef>
         <a:fontRef idx="minor">
@@ -16829,35 +16793,31 @@
             <a:alphaOff val="0"/>
           </a:schemeClr>
         </a:solidFill>
-        <a:ln w="9525" cap="flat" cmpd="sng" algn="ctr">
-          <a:solidFill>
-            <a:schemeClr val="accent1">
-              <a:hueOff val="0"/>
-              <a:satOff val="0"/>
-              <a:lumOff val="0"/>
-              <a:alphaOff val="0"/>
-            </a:schemeClr>
-          </a:solidFill>
-          <a:prstDash val="solid"/>
+        <a:ln>
+          <a:noFill/>
         </a:ln>
-        <a:effectLst/>
-        <a:scene3d>
-          <a:camera prst="orthographicFront"/>
-          <a:lightRig rig="chilly" dir="t"/>
-        </a:scene3d>
-        <a:sp3d z="12700" extrusionH="1700" prstMaterial="dkEdge">
-          <a:bevelT w="25400" h="6350" prst="softRound"/>
-          <a:bevelB w="0" h="0" prst="convex"/>
+        <a:effectLst>
+          <a:outerShdw blurRad="40000" dist="23000" dir="5400000" rotWithShape="0">
+            <a:srgbClr val="000000">
+              <a:alpha val="35000"/>
+            </a:srgbClr>
+          </a:outerShdw>
+        </a:effectLst>
+        <a:sp3d z="152400" extrusionH="63500" prstMaterial="matte">
+          <a:bevelT w="50800" h="19050" prst="relaxedInset"/>
+          <a:contourClr>
+            <a:schemeClr val="bg1"/>
+          </a:contourClr>
         </a:sp3d>
       </dsp:spPr>
       <dsp:style>
-        <a:lnRef idx="1">
+        <a:lnRef idx="0">
           <a:scrgbClr r="0" g="0" b="0"/>
         </a:lnRef>
         <a:fillRef idx="1">
           <a:scrgbClr r="0" g="0" b="0"/>
         </a:fillRef>
-        <a:effectRef idx="0">
+        <a:effectRef idx="2">
           <a:scrgbClr r="0" g="0" b="0"/>
         </a:effectRef>
         <a:fontRef idx="minor"/>
@@ -16917,13 +16877,19 @@
         <a:ln>
           <a:noFill/>
         </a:ln>
-        <a:effectLst/>
-        <a:scene3d>
-          <a:camera prst="orthographicFront"/>
-          <a:lightRig rig="chilly" dir="t"/>
-        </a:scene3d>
-        <a:sp3d prstMaterial="translucentPowder">
-          <a:bevelT w="127000" h="25400" prst="softRound"/>
+        <a:effectLst>
+          <a:outerShdw blurRad="40000" dist="23000" dir="5400000" rotWithShape="0">
+            <a:srgbClr val="000000">
+              <a:alpha val="35000"/>
+            </a:srgbClr>
+          </a:outerShdw>
+        </a:effectLst>
+        <a:sp3d extrusionH="190500" prstMaterial="matte">
+          <a:bevelT w="120650" h="38100" prst="relaxedInset"/>
+          <a:bevelB w="120650" h="57150" prst="relaxedInset"/>
+          <a:contourClr>
+            <a:schemeClr val="bg1"/>
+          </a:contourClr>
         </a:sp3d>
       </dsp:spPr>
       <dsp:style>
@@ -16933,7 +16899,7 @@
         <a:fillRef idx="1">
           <a:scrgbClr r="0" g="0" b="0"/>
         </a:fillRef>
-        <a:effectRef idx="0">
+        <a:effectRef idx="2">
           <a:scrgbClr r="0" g="0" b="0"/>
         </a:effectRef>
         <a:fontRef idx="minor">
@@ -16958,8 +16924,8 @@
             </a:spcAft>
           </a:pPr>
           <a:r>
-            <a:rPr lang="pt-BR" sz="4000" kern="1200" dirty="0" smtClean="0"/>
-            <a:t>Webservices</a:t>
+            <a:rPr lang="pt-BR" sz="4000" kern="1200" dirty="0" err="1" smtClean="0"/>
+            <a:t>APIs</a:t>
           </a:r>
           <a:endParaRPr lang="pt-BR" sz="4000" kern="1200" dirty="0"/>
         </a:p>
@@ -16993,35 +16959,31 @@
             <a:alphaOff val="0"/>
           </a:schemeClr>
         </a:solidFill>
-        <a:ln w="9525" cap="flat" cmpd="sng" algn="ctr">
-          <a:solidFill>
-            <a:schemeClr val="accent1">
-              <a:hueOff val="0"/>
-              <a:satOff val="0"/>
-              <a:lumOff val="0"/>
-              <a:alphaOff val="0"/>
-            </a:schemeClr>
-          </a:solidFill>
-          <a:prstDash val="solid"/>
+        <a:ln>
+          <a:noFill/>
         </a:ln>
-        <a:effectLst/>
-        <a:scene3d>
-          <a:camera prst="orthographicFront"/>
-          <a:lightRig rig="chilly" dir="t"/>
-        </a:scene3d>
-        <a:sp3d z="12700" extrusionH="1700" prstMaterial="dkEdge">
-          <a:bevelT w="25400" h="6350" prst="softRound"/>
-          <a:bevelB w="0" h="0" prst="convex"/>
+        <a:effectLst>
+          <a:outerShdw blurRad="40000" dist="23000" dir="5400000" rotWithShape="0">
+            <a:srgbClr val="000000">
+              <a:alpha val="35000"/>
+            </a:srgbClr>
+          </a:outerShdw>
+        </a:effectLst>
+        <a:sp3d z="152400" extrusionH="63500" prstMaterial="matte">
+          <a:bevelT w="50800" h="19050" prst="relaxedInset"/>
+          <a:contourClr>
+            <a:schemeClr val="bg1"/>
+          </a:contourClr>
         </a:sp3d>
       </dsp:spPr>
       <dsp:style>
-        <a:lnRef idx="1">
+        <a:lnRef idx="0">
           <a:scrgbClr r="0" g="0" b="0"/>
         </a:lnRef>
         <a:fillRef idx="1">
           <a:scrgbClr r="0" g="0" b="0"/>
         </a:fillRef>
-        <a:effectRef idx="0">
+        <a:effectRef idx="2">
           <a:scrgbClr r="0" g="0" b="0"/>
         </a:effectRef>
         <a:fontRef idx="minor"/>
@@ -17074,8 +17036,245 @@
       </dsp:nvSpPr>
       <dsp:spPr>
         <a:xfrm>
-          <a:off x="3182" y="1059"/>
-          <a:ext cx="8850618" cy="1743521"/>
+          <a:off x="3330" y="1059"/>
+          <a:ext cx="2002335" cy="1743521"/>
+        </a:xfrm>
+        <a:prstGeom prst="roundRect">
+          <a:avLst>
+            <a:gd name="adj" fmla="val 10000"/>
+          </a:avLst>
+        </a:prstGeom>
+        <a:solidFill>
+          <a:schemeClr val="accent1">
+            <a:hueOff val="0"/>
+            <a:satOff val="0"/>
+            <a:lumOff val="0"/>
+            <a:alphaOff val="0"/>
+          </a:schemeClr>
+        </a:solidFill>
+        <a:ln w="28575" cap="flat" cmpd="sng" algn="ctr">
+          <a:solidFill>
+            <a:schemeClr val="lt1">
+              <a:hueOff val="0"/>
+              <a:satOff val="0"/>
+              <a:lumOff val="0"/>
+              <a:alphaOff val="0"/>
+            </a:schemeClr>
+          </a:solidFill>
+          <a:prstDash val="solid"/>
+        </a:ln>
+        <a:effectLst/>
+      </dsp:spPr>
+      <dsp:style>
+        <a:lnRef idx="2">
+          <a:scrgbClr r="0" g="0" b="0"/>
+        </a:lnRef>
+        <a:fillRef idx="1">
+          <a:scrgbClr r="0" g="0" b="0"/>
+        </a:fillRef>
+        <a:effectRef idx="0">
+          <a:scrgbClr r="0" g="0" b="0"/>
+        </a:effectRef>
+        <a:fontRef idx="minor">
+          <a:schemeClr val="lt1"/>
+        </a:fontRef>
+      </dsp:style>
+      <dsp:txBody>
+        <a:bodyPr spcFirstLastPara="0" vert="horz" wrap="square" lIns="114300" tIns="114300" rIns="114300" bIns="114300" numCol="1" spcCol="1270" anchor="ctr" anchorCtr="0">
+          <a:noAutofit/>
+        </a:bodyPr>
+        <a:lstStyle/>
+        <a:p>
+          <a:pPr lvl="0" algn="ctr" defTabSz="1333500">
+            <a:lnSpc>
+              <a:spcPct val="90000"/>
+            </a:lnSpc>
+            <a:spcBef>
+              <a:spcPct val="0"/>
+            </a:spcBef>
+            <a:spcAft>
+              <a:spcPct val="35000"/>
+            </a:spcAft>
+          </a:pPr>
+          <a:r>
+            <a:rPr lang="pt-BR" sz="3000" kern="1200" dirty="0" smtClean="0"/>
+            <a:t>Modelo de negócio</a:t>
+          </a:r>
+          <a:endParaRPr lang="pt-BR" sz="3000" kern="1200" dirty="0"/>
+        </a:p>
+      </dsp:txBody>
+      <dsp:txXfrm>
+        <a:off x="54396" y="52125"/>
+        <a:ext cx="1900203" cy="1641389"/>
+      </dsp:txXfrm>
+    </dsp:sp>
+    <dsp:sp modelId="{780CAA7B-AB79-4C42-869F-9115A8AFB23B}">
+      <dsp:nvSpPr>
+        <dsp:cNvPr id="0" name=""/>
+        <dsp:cNvSpPr/>
+      </dsp:nvSpPr>
+      <dsp:spPr>
+        <a:xfrm>
+          <a:off x="2342058" y="1059"/>
+          <a:ext cx="2002335" cy="1743521"/>
+        </a:xfrm>
+        <a:prstGeom prst="roundRect">
+          <a:avLst>
+            <a:gd name="adj" fmla="val 10000"/>
+          </a:avLst>
+        </a:prstGeom>
+        <a:solidFill>
+          <a:schemeClr val="accent1">
+            <a:hueOff val="0"/>
+            <a:satOff val="0"/>
+            <a:lumOff val="0"/>
+            <a:alphaOff val="0"/>
+          </a:schemeClr>
+        </a:solidFill>
+        <a:ln w="28575" cap="flat" cmpd="sng" algn="ctr">
+          <a:solidFill>
+            <a:schemeClr val="lt1">
+              <a:hueOff val="0"/>
+              <a:satOff val="0"/>
+              <a:lumOff val="0"/>
+              <a:alphaOff val="0"/>
+            </a:schemeClr>
+          </a:solidFill>
+          <a:prstDash val="solid"/>
+        </a:ln>
+        <a:effectLst/>
+      </dsp:spPr>
+      <dsp:style>
+        <a:lnRef idx="2">
+          <a:scrgbClr r="0" g="0" b="0"/>
+        </a:lnRef>
+        <a:fillRef idx="1">
+          <a:scrgbClr r="0" g="0" b="0"/>
+        </a:fillRef>
+        <a:effectRef idx="0">
+          <a:scrgbClr r="0" g="0" b="0"/>
+        </a:effectRef>
+        <a:fontRef idx="minor">
+          <a:schemeClr val="lt1"/>
+        </a:fontRef>
+      </dsp:style>
+      <dsp:txBody>
+        <a:bodyPr spcFirstLastPara="0" vert="horz" wrap="square" lIns="114300" tIns="114300" rIns="114300" bIns="114300" numCol="1" spcCol="1270" anchor="ctr" anchorCtr="0">
+          <a:noAutofit/>
+        </a:bodyPr>
+        <a:lstStyle/>
+        <a:p>
+          <a:pPr lvl="0" algn="ctr" defTabSz="1333500">
+            <a:lnSpc>
+              <a:spcPct val="90000"/>
+            </a:lnSpc>
+            <a:spcBef>
+              <a:spcPct val="0"/>
+            </a:spcBef>
+            <a:spcAft>
+              <a:spcPct val="35000"/>
+            </a:spcAft>
+          </a:pPr>
+          <a:r>
+            <a:rPr lang="pt-BR" sz="3000" kern="1200" dirty="0" smtClean="0"/>
+            <a:t>Cliente</a:t>
+          </a:r>
+          <a:endParaRPr lang="pt-BR" sz="3000" kern="1200" dirty="0"/>
+        </a:p>
+      </dsp:txBody>
+      <dsp:txXfrm>
+        <a:off x="2393124" y="52125"/>
+        <a:ext cx="1900203" cy="1641389"/>
+      </dsp:txXfrm>
+    </dsp:sp>
+    <dsp:sp modelId="{57A6E635-106A-4483-AA4C-35F18026C2B1}">
+      <dsp:nvSpPr>
+        <dsp:cNvPr id="0" name=""/>
+        <dsp:cNvSpPr/>
+      </dsp:nvSpPr>
+      <dsp:spPr>
+        <a:xfrm>
+          <a:off x="4680786" y="1059"/>
+          <a:ext cx="4172867" cy="1743521"/>
+        </a:xfrm>
+        <a:prstGeom prst="roundRect">
+          <a:avLst>
+            <a:gd name="adj" fmla="val 10000"/>
+          </a:avLst>
+        </a:prstGeom>
+        <a:solidFill>
+          <a:schemeClr val="accent1">
+            <a:hueOff val="0"/>
+            <a:satOff val="0"/>
+            <a:lumOff val="0"/>
+            <a:alphaOff val="0"/>
+          </a:schemeClr>
+        </a:solidFill>
+        <a:ln w="28575" cap="flat" cmpd="sng" algn="ctr">
+          <a:solidFill>
+            <a:schemeClr val="lt1">
+              <a:hueOff val="0"/>
+              <a:satOff val="0"/>
+              <a:lumOff val="0"/>
+              <a:alphaOff val="0"/>
+            </a:schemeClr>
+          </a:solidFill>
+          <a:prstDash val="solid"/>
+        </a:ln>
+        <a:effectLst/>
+      </dsp:spPr>
+      <dsp:style>
+        <a:lnRef idx="2">
+          <a:scrgbClr r="0" g="0" b="0"/>
+        </a:lnRef>
+        <a:fillRef idx="1">
+          <a:scrgbClr r="0" g="0" b="0"/>
+        </a:fillRef>
+        <a:effectRef idx="0">
+          <a:scrgbClr r="0" g="0" b="0"/>
+        </a:effectRef>
+        <a:fontRef idx="minor">
+          <a:schemeClr val="lt1"/>
+        </a:fontRef>
+      </dsp:style>
+      <dsp:txBody>
+        <a:bodyPr spcFirstLastPara="0" vert="horz" wrap="square" lIns="114300" tIns="114300" rIns="114300" bIns="114300" numCol="1" spcCol="1270" anchor="ctr" anchorCtr="0">
+          <a:noAutofit/>
+        </a:bodyPr>
+        <a:lstStyle/>
+        <a:p>
+          <a:pPr lvl="0" algn="ctr" defTabSz="1333500">
+            <a:lnSpc>
+              <a:spcPct val="90000"/>
+            </a:lnSpc>
+            <a:spcBef>
+              <a:spcPct val="0"/>
+            </a:spcBef>
+            <a:spcAft>
+              <a:spcPct val="35000"/>
+            </a:spcAft>
+          </a:pPr>
+          <a:r>
+            <a:rPr lang="pt-BR" sz="3000" kern="1200" dirty="0" smtClean="0"/>
+            <a:t>Ac</a:t>
+          </a:r>
+          <a:endParaRPr lang="pt-BR" sz="3000" kern="1200" dirty="0"/>
+        </a:p>
+      </dsp:txBody>
+      <dsp:txXfrm>
+        <a:off x="4731852" y="52125"/>
+        <a:ext cx="4070735" cy="1641389"/>
+      </dsp:txXfrm>
+    </dsp:sp>
+    <dsp:sp modelId="{E9A81905-1E17-47AB-8D75-C085926ECAC3}">
+      <dsp:nvSpPr>
+        <dsp:cNvPr id="0" name=""/>
+        <dsp:cNvSpPr/>
+      </dsp:nvSpPr>
+      <dsp:spPr>
+        <a:xfrm>
+          <a:off x="4680786" y="1900547"/>
+          <a:ext cx="2002335" cy="1743521"/>
         </a:xfrm>
         <a:prstGeom prst="roundRect">
           <a:avLst>
@@ -17134,102 +17333,23 @@
               <a:spcPct val="35000"/>
             </a:spcAft>
           </a:pPr>
-          <a:r>
-            <a:rPr lang="pt-BR" sz="6500" kern="1200" dirty="0" smtClean="0"/>
-            <a:t>Modelo de negócio</a:t>
-          </a:r>
           <a:endParaRPr lang="pt-BR" sz="6500" kern="1200" dirty="0"/>
         </a:p>
       </dsp:txBody>
       <dsp:txXfrm>
-        <a:off x="54248" y="52125"/>
-        <a:ext cx="8748486" cy="1641389"/>
+        <a:off x="4731852" y="1951613"/>
+        <a:ext cx="1900203" cy="1641389"/>
       </dsp:txXfrm>
     </dsp:sp>
-    <dsp:sp modelId="{3E066A3C-E4EF-41FF-A4BF-6B6EAB1AAF61}">
+    <dsp:sp modelId="{BC688DC5-6F0D-4071-810D-259250BFE46E}">
       <dsp:nvSpPr>
         <dsp:cNvPr id="0" name=""/>
         <dsp:cNvSpPr/>
       </dsp:nvSpPr>
       <dsp:spPr>
         <a:xfrm>
-          <a:off x="3182" y="1900547"/>
-          <a:ext cx="2793755" cy="1743521"/>
-        </a:xfrm>
-        <a:prstGeom prst="roundRect">
-          <a:avLst>
-            <a:gd name="adj" fmla="val 10000"/>
-          </a:avLst>
-        </a:prstGeom>
-        <a:solidFill>
-          <a:schemeClr val="accent1">
-            <a:hueOff val="0"/>
-            <a:satOff val="0"/>
-            <a:lumOff val="0"/>
-            <a:alphaOff val="0"/>
-          </a:schemeClr>
-        </a:solidFill>
-        <a:ln w="28575" cap="flat" cmpd="sng" algn="ctr">
-          <a:solidFill>
-            <a:schemeClr val="lt1">
-              <a:hueOff val="0"/>
-              <a:satOff val="0"/>
-              <a:lumOff val="0"/>
-              <a:alphaOff val="0"/>
-            </a:schemeClr>
-          </a:solidFill>
-          <a:prstDash val="solid"/>
-        </a:ln>
-        <a:effectLst/>
-      </dsp:spPr>
-      <dsp:style>
-        <a:lnRef idx="2">
-          <a:scrgbClr r="0" g="0" b="0"/>
-        </a:lnRef>
-        <a:fillRef idx="1">
-          <a:scrgbClr r="0" g="0" b="0"/>
-        </a:fillRef>
-        <a:effectRef idx="0">
-          <a:scrgbClr r="0" g="0" b="0"/>
-        </a:effectRef>
-        <a:fontRef idx="minor">
-          <a:schemeClr val="lt1"/>
-        </a:fontRef>
-      </dsp:style>
-      <dsp:txBody>
-        <a:bodyPr spcFirstLastPara="0" vert="horz" wrap="square" lIns="213360" tIns="213360" rIns="213360" bIns="213360" numCol="1" spcCol="1270" anchor="ctr" anchorCtr="0">
-          <a:noAutofit/>
-        </a:bodyPr>
-        <a:lstStyle/>
-        <a:p>
-          <a:pPr lvl="0" algn="ctr" defTabSz="2489200">
-            <a:lnSpc>
-              <a:spcPct val="90000"/>
-            </a:lnSpc>
-            <a:spcBef>
-              <a:spcPct val="0"/>
-            </a:spcBef>
-            <a:spcAft>
-              <a:spcPct val="35000"/>
-            </a:spcAft>
-          </a:pPr>
-          <a:endParaRPr lang="pt-BR" sz="5600" kern="1200" dirty="0"/>
-        </a:p>
-      </dsp:txBody>
-      <dsp:txXfrm>
-        <a:off x="54248" y="1951613"/>
-        <a:ext cx="2691623" cy="1641389"/>
-      </dsp:txXfrm>
-    </dsp:sp>
-    <dsp:sp modelId="{353B51B8-08EC-4BCF-999A-95E8A0758949}">
-      <dsp:nvSpPr>
-        <dsp:cNvPr id="0" name=""/>
-        <dsp:cNvSpPr/>
-      </dsp:nvSpPr>
-      <dsp:spPr>
-        <a:xfrm>
-          <a:off x="3182" y="3800034"/>
-          <a:ext cx="2793755" cy="1743521"/>
+          <a:off x="6851318" y="1900547"/>
+          <a:ext cx="2002335" cy="1743521"/>
         </a:xfrm>
         <a:prstGeom prst="roundRect">
           <a:avLst>
@@ -17292,19 +17412,19 @@
         </a:p>
       </dsp:txBody>
       <dsp:txXfrm>
-        <a:off x="54248" y="3851100"/>
-        <a:ext cx="2691623" cy="1641389"/>
+        <a:off x="6902384" y="1951613"/>
+        <a:ext cx="1900203" cy="1641389"/>
       </dsp:txXfrm>
     </dsp:sp>
-    <dsp:sp modelId="{8969E11C-5CBF-4BF1-A6BC-7B90BACD04C4}">
+    <dsp:sp modelId="{2D6485A9-B159-4B5F-839A-03A4B14DEE84}">
       <dsp:nvSpPr>
         <dsp:cNvPr id="0" name=""/>
         <dsp:cNvSpPr/>
       </dsp:nvSpPr>
       <dsp:spPr>
         <a:xfrm>
-          <a:off x="3031614" y="1900547"/>
-          <a:ext cx="2793755" cy="1743521"/>
+          <a:off x="6851318" y="3800034"/>
+          <a:ext cx="2002335" cy="1743521"/>
         </a:xfrm>
         <a:prstGeom prst="roundRect">
           <a:avLst>
@@ -17347,12 +17467,12 @@
         </a:fontRef>
       </dsp:style>
       <dsp:txBody>
-        <a:bodyPr spcFirstLastPara="0" vert="horz" wrap="square" lIns="247650" tIns="247650" rIns="247650" bIns="247650" numCol="1" spcCol="1270" anchor="ctr" anchorCtr="0">
+        <a:bodyPr spcFirstLastPara="0" vert="horz" wrap="square" lIns="114300" tIns="114300" rIns="114300" bIns="114300" numCol="1" spcCol="1270" anchor="ctr" anchorCtr="0">
           <a:noAutofit/>
         </a:bodyPr>
         <a:lstStyle/>
         <a:p>
-          <a:pPr lvl="0" algn="ctr" defTabSz="2889250">
+          <a:pPr lvl="0" algn="ctr" defTabSz="1333500">
             <a:lnSpc>
               <a:spcPct val="90000"/>
             </a:lnSpc>
@@ -17363,237 +17483,12 @@
               <a:spcPct val="35000"/>
             </a:spcAft>
           </a:pPr>
-          <a:endParaRPr lang="pt-BR" sz="6500" kern="1200" dirty="0"/>
+          <a:endParaRPr lang="pt-BR" sz="3000" kern="1200" dirty="0"/>
         </a:p>
       </dsp:txBody>
       <dsp:txXfrm>
-        <a:off x="3082680" y="1951613"/>
-        <a:ext cx="2691623" cy="1641389"/>
-      </dsp:txXfrm>
-    </dsp:sp>
-    <dsp:sp modelId="{76D2BF23-CE72-48BA-B213-54136EFD1F11}">
-      <dsp:nvSpPr>
-        <dsp:cNvPr id="0" name=""/>
-        <dsp:cNvSpPr/>
-      </dsp:nvSpPr>
-      <dsp:spPr>
-        <a:xfrm>
-          <a:off x="3031614" y="3800034"/>
-          <a:ext cx="2793755" cy="1743521"/>
-        </a:xfrm>
-        <a:prstGeom prst="roundRect">
-          <a:avLst>
-            <a:gd name="adj" fmla="val 10000"/>
-          </a:avLst>
-        </a:prstGeom>
-        <a:solidFill>
-          <a:schemeClr val="accent1">
-            <a:hueOff val="0"/>
-            <a:satOff val="0"/>
-            <a:lumOff val="0"/>
-            <a:alphaOff val="0"/>
-          </a:schemeClr>
-        </a:solidFill>
-        <a:ln w="28575" cap="flat" cmpd="sng" algn="ctr">
-          <a:solidFill>
-            <a:schemeClr val="lt1">
-              <a:hueOff val="0"/>
-              <a:satOff val="0"/>
-              <a:lumOff val="0"/>
-              <a:alphaOff val="0"/>
-            </a:schemeClr>
-          </a:solidFill>
-          <a:prstDash val="solid"/>
-        </a:ln>
-        <a:effectLst/>
-      </dsp:spPr>
-      <dsp:style>
-        <a:lnRef idx="2">
-          <a:scrgbClr r="0" g="0" b="0"/>
-        </a:lnRef>
-        <a:fillRef idx="1">
-          <a:scrgbClr r="0" g="0" b="0"/>
-        </a:fillRef>
-        <a:effectRef idx="0">
-          <a:scrgbClr r="0" g="0" b="0"/>
-        </a:effectRef>
-        <a:fontRef idx="minor">
-          <a:schemeClr val="lt1"/>
-        </a:fontRef>
-      </dsp:style>
-      <dsp:txBody>
-        <a:bodyPr spcFirstLastPara="0" vert="horz" wrap="square" lIns="247650" tIns="247650" rIns="247650" bIns="247650" numCol="1" spcCol="1270" anchor="ctr" anchorCtr="0">
-          <a:noAutofit/>
-        </a:bodyPr>
-        <a:lstStyle/>
-        <a:p>
-          <a:pPr lvl="0" algn="ctr" defTabSz="2889250">
-            <a:lnSpc>
-              <a:spcPct val="90000"/>
-            </a:lnSpc>
-            <a:spcBef>
-              <a:spcPct val="0"/>
-            </a:spcBef>
-            <a:spcAft>
-              <a:spcPct val="35000"/>
-            </a:spcAft>
-          </a:pPr>
-          <a:endParaRPr lang="pt-BR" sz="6500" kern="1200" dirty="0"/>
-        </a:p>
-      </dsp:txBody>
-      <dsp:txXfrm>
-        <a:off x="3082680" y="3851100"/>
-        <a:ext cx="2691623" cy="1641389"/>
-      </dsp:txXfrm>
-    </dsp:sp>
-    <dsp:sp modelId="{BC688DC5-6F0D-4071-810D-259250BFE46E}">
-      <dsp:nvSpPr>
-        <dsp:cNvPr id="0" name=""/>
-        <dsp:cNvSpPr/>
-      </dsp:nvSpPr>
-      <dsp:spPr>
-        <a:xfrm>
-          <a:off x="6060045" y="1900547"/>
-          <a:ext cx="2793755" cy="1743521"/>
-        </a:xfrm>
-        <a:prstGeom prst="roundRect">
-          <a:avLst>
-            <a:gd name="adj" fmla="val 10000"/>
-          </a:avLst>
-        </a:prstGeom>
-        <a:solidFill>
-          <a:schemeClr val="accent1">
-            <a:hueOff val="0"/>
-            <a:satOff val="0"/>
-            <a:lumOff val="0"/>
-            <a:alphaOff val="0"/>
-          </a:schemeClr>
-        </a:solidFill>
-        <a:ln w="28575" cap="flat" cmpd="sng" algn="ctr">
-          <a:solidFill>
-            <a:schemeClr val="lt1">
-              <a:hueOff val="0"/>
-              <a:satOff val="0"/>
-              <a:lumOff val="0"/>
-              <a:alphaOff val="0"/>
-            </a:schemeClr>
-          </a:solidFill>
-          <a:prstDash val="solid"/>
-        </a:ln>
-        <a:effectLst/>
-      </dsp:spPr>
-      <dsp:style>
-        <a:lnRef idx="2">
-          <a:scrgbClr r="0" g="0" b="0"/>
-        </a:lnRef>
-        <a:fillRef idx="1">
-          <a:scrgbClr r="0" g="0" b="0"/>
-        </a:fillRef>
-        <a:effectRef idx="0">
-          <a:scrgbClr r="0" g="0" b="0"/>
-        </a:effectRef>
-        <a:fontRef idx="minor">
-          <a:schemeClr val="lt1"/>
-        </a:fontRef>
-      </dsp:style>
-      <dsp:txBody>
-        <a:bodyPr spcFirstLastPara="0" vert="horz" wrap="square" lIns="247650" tIns="247650" rIns="247650" bIns="247650" numCol="1" spcCol="1270" anchor="ctr" anchorCtr="0">
-          <a:noAutofit/>
-        </a:bodyPr>
-        <a:lstStyle/>
-        <a:p>
-          <a:pPr lvl="0" algn="ctr" defTabSz="2889250">
-            <a:lnSpc>
-              <a:spcPct val="90000"/>
-            </a:lnSpc>
-            <a:spcBef>
-              <a:spcPct val="0"/>
-            </a:spcBef>
-            <a:spcAft>
-              <a:spcPct val="35000"/>
-            </a:spcAft>
-          </a:pPr>
-          <a:endParaRPr lang="pt-BR" sz="6500" kern="1200" dirty="0"/>
-        </a:p>
-      </dsp:txBody>
-      <dsp:txXfrm>
-        <a:off x="6111111" y="1951613"/>
-        <a:ext cx="2691623" cy="1641389"/>
-      </dsp:txXfrm>
-    </dsp:sp>
-    <dsp:sp modelId="{2D6485A9-B159-4B5F-839A-03A4B14DEE84}">
-      <dsp:nvSpPr>
-        <dsp:cNvPr id="0" name=""/>
-        <dsp:cNvSpPr/>
-      </dsp:nvSpPr>
-      <dsp:spPr>
-        <a:xfrm>
-          <a:off x="6060045" y="3800034"/>
-          <a:ext cx="2793755" cy="1743521"/>
-        </a:xfrm>
-        <a:prstGeom prst="roundRect">
-          <a:avLst>
-            <a:gd name="adj" fmla="val 10000"/>
-          </a:avLst>
-        </a:prstGeom>
-        <a:solidFill>
-          <a:schemeClr val="accent1">
-            <a:hueOff val="0"/>
-            <a:satOff val="0"/>
-            <a:lumOff val="0"/>
-            <a:alphaOff val="0"/>
-          </a:schemeClr>
-        </a:solidFill>
-        <a:ln w="28575" cap="flat" cmpd="sng" algn="ctr">
-          <a:solidFill>
-            <a:schemeClr val="lt1">
-              <a:hueOff val="0"/>
-              <a:satOff val="0"/>
-              <a:lumOff val="0"/>
-              <a:alphaOff val="0"/>
-            </a:schemeClr>
-          </a:solidFill>
-          <a:prstDash val="solid"/>
-        </a:ln>
-        <a:effectLst/>
-      </dsp:spPr>
-      <dsp:style>
-        <a:lnRef idx="2">
-          <a:scrgbClr r="0" g="0" b="0"/>
-        </a:lnRef>
-        <a:fillRef idx="1">
-          <a:scrgbClr r="0" g="0" b="0"/>
-        </a:fillRef>
-        <a:effectRef idx="0">
-          <a:scrgbClr r="0" g="0" b="0"/>
-        </a:effectRef>
-        <a:fontRef idx="minor">
-          <a:schemeClr val="lt1"/>
-        </a:fontRef>
-      </dsp:style>
-      <dsp:txBody>
-        <a:bodyPr spcFirstLastPara="0" vert="horz" wrap="square" lIns="247650" tIns="247650" rIns="247650" bIns="247650" numCol="1" spcCol="1270" anchor="ctr" anchorCtr="0">
-          <a:noAutofit/>
-        </a:bodyPr>
-        <a:lstStyle/>
-        <a:p>
-          <a:pPr lvl="0" algn="ctr" defTabSz="2889250">
-            <a:lnSpc>
-              <a:spcPct val="90000"/>
-            </a:lnSpc>
-            <a:spcBef>
-              <a:spcPct val="0"/>
-            </a:spcBef>
-            <a:spcAft>
-              <a:spcPct val="35000"/>
-            </a:spcAft>
-          </a:pPr>
-          <a:endParaRPr lang="pt-BR" sz="6500" kern="1200" dirty="0"/>
-        </a:p>
-      </dsp:txBody>
-      <dsp:txXfrm>
-        <a:off x="6111111" y="3851100"/>
-        <a:ext cx="2691623" cy="1641389"/>
+        <a:off x="6902384" y="3851100"/>
+        <a:ext cx="1900203" cy="1641389"/>
       </dsp:txXfrm>
     </dsp:sp>
   </dsp:spTree>
@@ -30731,23 +30626,31 @@
 </file>
 
 <file path=ppt/diagrams/quickStyle10.xml><?xml version="1.0" encoding="utf-8"?>
-<dgm:styleDef xmlns:dgm="http://schemas.openxmlformats.org/drawingml/2006/diagram" xmlns:a="http://schemas.openxmlformats.org/drawingml/2006/main" uniqueId="urn:microsoft.com/office/officeart/2005/8/quickstyle/3d4">
+<dgm:styleDef xmlns:dgm="http://schemas.openxmlformats.org/drawingml/2006/diagram" xmlns:a="http://schemas.openxmlformats.org/drawingml/2006/main" uniqueId="urn:microsoft.com/office/officeart/2009/2/quickstyle/3d8">
   <dgm:title val=""/>
   <dgm:desc val=""/>
   <dgm:catLst>
-    <dgm:cat type="3D" pri="11400"/>
+    <dgm:cat type="3D" pri="11800"/>
   </dgm:catLst>
   <dgm:scene3d>
-    <a:camera prst="orthographicFront"/>
-    <a:lightRig rig="threePt" dir="t"/>
+    <a:camera prst="perspectiveHeroicExtremeRightFacing" zoom="82000">
+      <a:rot lat="21300000" lon="20400000" rev="180000"/>
+    </a:camera>
+    <a:lightRig rig="morning" dir="t">
+      <a:rot lat="0" lon="0" rev="20400000"/>
+    </a:lightRig>
   </dgm:scene3d>
   <dgm:styleLbl name="node0">
     <dgm:scene3d>
       <a:camera prst="orthographicFront"/>
-      <a:lightRig rig="chilly" dir="t"/>
+      <a:lightRig rig="threePt" dir="t"/>
     </dgm:scene3d>
-    <dgm:sp3d prstMaterial="translucentPowder">
-      <a:bevelT w="127000" h="25400" prst="softRound"/>
+    <dgm:sp3d extrusionH="190500" prstMaterial="matte">
+      <a:bevelT w="120650" h="38100" prst="relaxedInset"/>
+      <a:bevelB w="120650" h="57150" prst="relaxedInset"/>
+      <a:contourClr>
+        <a:schemeClr val="bg1"/>
+      </a:contourClr>
     </dgm:sp3d>
     <dgm:txPr/>
     <dgm:style>
@@ -30757,7 +30660,7 @@
       <a:fillRef idx="1">
         <a:scrgbClr r="0" g="0" b="0"/>
       </a:fillRef>
-      <a:effectRef idx="0">
+      <a:effectRef idx="2">
         <a:scrgbClr r="0" g="0" b="0"/>
       </a:effectRef>
       <a:fontRef idx="minor">
@@ -30768,10 +30671,14 @@
   <dgm:styleLbl name="lnNode1">
     <dgm:scene3d>
       <a:camera prst="orthographicFront"/>
-      <a:lightRig rig="chilly" dir="t"/>
+      <a:lightRig rig="threePt" dir="t"/>
     </dgm:scene3d>
-    <dgm:sp3d prstMaterial="translucentPowder">
-      <a:bevelT w="127000" h="25400" prst="softRound"/>
+    <dgm:sp3d extrusionH="190500" prstMaterial="matte">
+      <a:bevelT w="120650" h="38100" prst="relaxedInset"/>
+      <a:bevelB w="120650" h="57150" prst="relaxedInset"/>
+      <a:contourClr>
+        <a:schemeClr val="bg1"/>
+      </a:contourClr>
     </dgm:sp3d>
     <dgm:txPr/>
     <dgm:style>
@@ -30781,7 +30688,7 @@
       <a:fillRef idx="1">
         <a:scrgbClr r="0" g="0" b="0"/>
       </a:fillRef>
-      <a:effectRef idx="0">
+      <a:effectRef idx="2">
         <a:scrgbClr r="0" g="0" b="0"/>
       </a:effectRef>
       <a:fontRef idx="minor">
@@ -30792,10 +30699,14 @@
   <dgm:styleLbl name="vennNode1">
     <dgm:scene3d>
       <a:camera prst="orthographicFront"/>
-      <a:lightRig rig="chilly" dir="t"/>
+      <a:lightRig rig="threePt" dir="t"/>
     </dgm:scene3d>
-    <dgm:sp3d prstMaterial="translucentPowder">
-      <a:bevelT w="127000" h="25400" prst="softRound"/>
+    <dgm:sp3d extrusionH="190500" prstMaterial="matte">
+      <a:bevelT w="120650" h="38100" prst="relaxedInset"/>
+      <a:bevelB w="120650" h="57150" prst="relaxedInset"/>
+      <a:contourClr>
+        <a:schemeClr val="bg1"/>
+      </a:contourClr>
     </dgm:sp3d>
     <dgm:txPr/>
     <dgm:style>
@@ -30805,7 +30716,7 @@
       <a:fillRef idx="1">
         <a:scrgbClr r="0" g="0" b="0"/>
       </a:fillRef>
-      <a:effectRef idx="0">
+      <a:effectRef idx="2">
         <a:scrgbClr r="0" g="0" b="0"/>
       </a:effectRef>
       <a:fontRef idx="minor">
@@ -30816,20 +30727,24 @@
   <dgm:styleLbl name="alignNode1">
     <dgm:scene3d>
       <a:camera prst="orthographicFront"/>
-      <a:lightRig rig="chilly" dir="t"/>
+      <a:lightRig rig="threePt" dir="t"/>
     </dgm:scene3d>
-    <dgm:sp3d prstMaterial="translucentPowder">
-      <a:bevelT w="127000" h="25400" prst="softRound"/>
+    <dgm:sp3d extrusionH="190500" prstMaterial="matte">
+      <a:bevelT w="120650" h="38100" prst="relaxedInset"/>
+      <a:bevelB w="120650" h="57150" prst="relaxedInset"/>
+      <a:contourClr>
+        <a:schemeClr val="bg1"/>
+      </a:contourClr>
     </dgm:sp3d>
     <dgm:txPr/>
     <dgm:style>
-      <a:lnRef idx="1">
+      <a:lnRef idx="0">
         <a:scrgbClr r="0" g="0" b="0"/>
       </a:lnRef>
       <a:fillRef idx="1">
         <a:scrgbClr r="0" g="0" b="0"/>
       </a:fillRef>
-      <a:effectRef idx="0">
+      <a:effectRef idx="2">
         <a:scrgbClr r="0" g="0" b="0"/>
       </a:effectRef>
       <a:fontRef idx="minor">
@@ -30840,10 +30755,14 @@
   <dgm:styleLbl name="node1">
     <dgm:scene3d>
       <a:camera prst="orthographicFront"/>
-      <a:lightRig rig="chilly" dir="t"/>
+      <a:lightRig rig="threePt" dir="t"/>
     </dgm:scene3d>
-    <dgm:sp3d prstMaterial="translucentPowder">
-      <a:bevelT w="127000" h="25400" prst="softRound"/>
+    <dgm:sp3d extrusionH="190500" prstMaterial="matte">
+      <a:bevelT w="120650" h="38100" prst="relaxedInset"/>
+      <a:bevelB w="120650" h="57150" prst="relaxedInset"/>
+      <a:contourClr>
+        <a:schemeClr val="bg1"/>
+      </a:contourClr>
     </dgm:sp3d>
     <dgm:txPr/>
     <dgm:style>
@@ -30853,7 +30772,7 @@
       <a:fillRef idx="1">
         <a:scrgbClr r="0" g="0" b="0"/>
       </a:fillRef>
-      <a:effectRef idx="0">
+      <a:effectRef idx="2">
         <a:scrgbClr r="0" g="0" b="0"/>
       </a:effectRef>
       <a:fontRef idx="minor">
@@ -30864,10 +30783,14 @@
   <dgm:styleLbl name="node2">
     <dgm:scene3d>
       <a:camera prst="orthographicFront"/>
-      <a:lightRig rig="chilly" dir="t"/>
+      <a:lightRig rig="threePt" dir="t"/>
     </dgm:scene3d>
-    <dgm:sp3d prstMaterial="translucentPowder">
-      <a:bevelT w="127000" h="25400" prst="softRound"/>
+    <dgm:sp3d extrusionH="190500" prstMaterial="matte">
+      <a:bevelT w="120650" h="38100" prst="relaxedInset"/>
+      <a:bevelB w="120650" h="57150" prst="relaxedInset"/>
+      <a:contourClr>
+        <a:schemeClr val="bg1"/>
+      </a:contourClr>
     </dgm:sp3d>
     <dgm:txPr/>
     <dgm:style>
@@ -30877,7 +30800,7 @@
       <a:fillRef idx="1">
         <a:scrgbClr r="0" g="0" b="0"/>
       </a:fillRef>
-      <a:effectRef idx="0">
+      <a:effectRef idx="2">
         <a:scrgbClr r="0" g="0" b="0"/>
       </a:effectRef>
       <a:fontRef idx="minor">
@@ -30888,10 +30811,14 @@
   <dgm:styleLbl name="node3">
     <dgm:scene3d>
       <a:camera prst="orthographicFront"/>
-      <a:lightRig rig="chilly" dir="t"/>
+      <a:lightRig rig="threePt" dir="t"/>
     </dgm:scene3d>
-    <dgm:sp3d prstMaterial="translucentPowder">
-      <a:bevelT w="127000" h="25400" prst="softRound"/>
+    <dgm:sp3d extrusionH="190500" prstMaterial="matte">
+      <a:bevelT w="120650" h="38100" prst="relaxedInset"/>
+      <a:bevelB w="120650" h="57150" prst="relaxedInset"/>
+      <a:contourClr>
+        <a:schemeClr val="bg1"/>
+      </a:contourClr>
     </dgm:sp3d>
     <dgm:txPr/>
     <dgm:style>
@@ -30901,7 +30828,7 @@
       <a:fillRef idx="1">
         <a:scrgbClr r="0" g="0" b="0"/>
       </a:fillRef>
-      <a:effectRef idx="0">
+      <a:effectRef idx="2">
         <a:scrgbClr r="0" g="0" b="0"/>
       </a:effectRef>
       <a:fontRef idx="minor">
@@ -30912,10 +30839,14 @@
   <dgm:styleLbl name="node4">
     <dgm:scene3d>
       <a:camera prst="orthographicFront"/>
-      <a:lightRig rig="chilly" dir="t"/>
+      <a:lightRig rig="threePt" dir="t"/>
     </dgm:scene3d>
-    <dgm:sp3d prstMaterial="translucentPowder">
-      <a:bevelT w="127000" h="25400" prst="softRound"/>
+    <dgm:sp3d extrusionH="190500" prstMaterial="matte">
+      <a:bevelT w="120650" h="38100" prst="relaxedInset"/>
+      <a:bevelB w="120650" h="57150" prst="relaxedInset"/>
+      <a:contourClr>
+        <a:schemeClr val="bg1"/>
+      </a:contourClr>
     </dgm:sp3d>
     <dgm:txPr/>
     <dgm:style>
@@ -30925,7 +30856,7 @@
       <a:fillRef idx="1">
         <a:scrgbClr r="0" g="0" b="0"/>
       </a:fillRef>
-      <a:effectRef idx="0">
+      <a:effectRef idx="2">
         <a:scrgbClr r="0" g="0" b="0"/>
       </a:effectRef>
       <a:fontRef idx="minor">
@@ -30936,11 +30867,13 @@
   <dgm:styleLbl name="fgImgPlace1">
     <dgm:scene3d>
       <a:camera prst="orthographicFront"/>
-      <a:lightRig rig="chilly" dir="t"/>
+      <a:lightRig rig="threePt" dir="t"/>
     </dgm:scene3d>
-    <dgm:sp3d z="12700" extrusionH="12700" prstMaterial="translucentPowder">
-      <a:bevelT w="25400" h="6350" prst="softRound"/>
-      <a:bevelB w="0" h="0" prst="convex"/>
+    <dgm:sp3d z="152400" extrusionH="63500" prstMaterial="matte">
+      <a:bevelT w="50800" h="19050" prst="relaxedInset"/>
+      <a:contourClr>
+        <a:schemeClr val="bg1"/>
+      </a:contourClr>
     </dgm:sp3d>
     <dgm:txPr/>
     <dgm:style>
@@ -30959,33 +30892,9 @@
   <dgm:styleLbl name="alignImgPlace1">
     <dgm:scene3d>
       <a:camera prst="orthographicFront"/>
-      <a:lightRig rig="chilly" dir="t"/>
+      <a:lightRig rig="threePt" dir="t"/>
     </dgm:scene3d>
-    <dgm:sp3d prstMaterial="translucentPowder">
-      <a:bevelT w="127000" h="25400" prst="softRound"/>
-    </dgm:sp3d>
-    <dgm:txPr/>
-    <dgm:style>
-      <a:lnRef idx="0">
-        <a:scrgbClr r="0" g="0" b="0"/>
-      </a:lnRef>
-      <a:fillRef idx="1">
-        <a:scrgbClr r="0" g="0" b="0"/>
-      </a:fillRef>
-      <a:effectRef idx="0">
-        <a:scrgbClr r="0" g="0" b="0"/>
-      </a:effectRef>
-      <a:fontRef idx="minor">
-        <a:schemeClr val="lt1"/>
-      </a:fontRef>
-    </dgm:style>
-  </dgm:styleLbl>
-  <dgm:styleLbl name="bgImgPlace1">
-    <dgm:scene3d>
-      <a:camera prst="orthographicFront"/>
-      <a:lightRig rig="chilly" dir="t"/>
-    </dgm:scene3d>
-    <dgm:sp3d z="-25700" extrusionH="63500" contourW="12700" prstMaterial="matte">
+    <dgm:sp3d extrusionH="63500" contourW="12700" prstMaterial="matte">
       <a:contourClr>
         <a:schemeClr val="lt1"/>
       </a:contourClr>
@@ -31004,14 +30913,16 @@
       <a:fontRef idx="minor"/>
     </dgm:style>
   </dgm:styleLbl>
-  <dgm:styleLbl name="sibTrans2D1">
+  <dgm:styleLbl name="bgImgPlace1">
     <dgm:scene3d>
       <a:camera prst="orthographicFront"/>
-      <a:lightRig rig="chilly" dir="t"/>
+      <a:lightRig rig="threePt" dir="t"/>
     </dgm:scene3d>
-    <dgm:sp3d z="-70000" extrusionH="1700" prstMaterial="translucentPowder">
-      <a:bevelT w="25400" h="6350" prst="softRound"/>
-      <a:bevelB w="0" h="0" prst="convex"/>
+    <dgm:sp3d z="-302400" extrusionH="63500" prstMaterial="matte">
+      <a:bevelT w="50800" h="19050" prst="relaxedInset"/>
+      <a:contourClr>
+        <a:schemeClr val="bg1"/>
+      </a:contourClr>
     </dgm:sp3d>
     <dgm:txPr/>
     <dgm:style>
@@ -31022,6 +30933,31 @@
         <a:scrgbClr r="0" g="0" b="0"/>
       </a:fillRef>
       <a:effectRef idx="0">
+        <a:scrgbClr r="0" g="0" b="0"/>
+      </a:effectRef>
+      <a:fontRef idx="minor"/>
+    </dgm:style>
+  </dgm:styleLbl>
+  <dgm:styleLbl name="sibTrans2D1">
+    <dgm:scene3d>
+      <a:camera prst="orthographicFront"/>
+      <a:lightRig rig="threePt" dir="t"/>
+    </dgm:scene3d>
+    <dgm:sp3d z="-60000" extrusionH="63500" prstMaterial="matte">
+      <a:bevelT w="50800" h="19050" prst="relaxedInset"/>
+      <a:contourClr>
+        <a:schemeClr val="bg1"/>
+      </a:contourClr>
+    </dgm:sp3d>
+    <dgm:txPr/>
+    <dgm:style>
+      <a:lnRef idx="0">
+        <a:scrgbClr r="0" g="0" b="0"/>
+      </a:lnRef>
+      <a:fillRef idx="1">
+        <a:scrgbClr r="0" g="0" b="0"/>
+      </a:fillRef>
+      <a:effectRef idx="2">
         <a:scrgbClr r="0" g="0" b="0"/>
       </a:effectRef>
       <a:fontRef idx="minor">
@@ -31032,11 +30968,13 @@
   <dgm:styleLbl name="fgSibTrans2D1">
     <dgm:scene3d>
       <a:camera prst="orthographicFront"/>
-      <a:lightRig rig="chilly" dir="t"/>
+      <a:lightRig rig="threePt" dir="t"/>
     </dgm:scene3d>
-    <dgm:sp3d z="12700" extrusionH="1700" prstMaterial="translucentPowder">
-      <a:bevelT w="25400" h="6350" prst="softRound"/>
-      <a:bevelB w="0" h="0" prst="convex"/>
+    <dgm:sp3d z="63500" extrusionH="63500" prstMaterial="matte">
+      <a:bevelT w="50800" h="19050" prst="relaxedInset"/>
+      <a:contourClr>
+        <a:schemeClr val="bg1"/>
+      </a:contourClr>
     </dgm:sp3d>
     <dgm:txPr/>
     <dgm:style>
@@ -31046,20 +30984,24 @@
       <a:fillRef idx="1">
         <a:scrgbClr r="0" g="0" b="0"/>
       </a:fillRef>
-      <a:effectRef idx="0">
+      <a:effectRef idx="2">
         <a:scrgbClr r="0" g="0" b="0"/>
       </a:effectRef>
-      <a:fontRef idx="minor"/>
+      <a:fontRef idx="minor">
+        <a:schemeClr val="lt1"/>
+      </a:fontRef>
     </dgm:style>
   </dgm:styleLbl>
   <dgm:styleLbl name="bgSibTrans2D1">
     <dgm:scene3d>
       <a:camera prst="orthographicFront"/>
-      <a:lightRig rig="chilly" dir="t"/>
+      <a:lightRig rig="threePt" dir="t"/>
     </dgm:scene3d>
-    <dgm:sp3d z="-25700" extrusionH="1700" prstMaterial="translucentPowder">
-      <a:bevelT w="25400" h="6350" prst="softRound"/>
-      <a:bevelB w="0" h="0" prst="convex"/>
+    <dgm:sp3d z="-152000" extrusionH="63500" prstMaterial="matte">
+      <a:bevelT w="50800" h="19050" prst="relaxedInset"/>
+      <a:contourClr>
+        <a:schemeClr val="bg1"/>
+      </a:contourClr>
     </dgm:sp3d>
     <dgm:txPr/>
     <dgm:style>
@@ -31069,16 +31011,18 @@
       <a:fillRef idx="1">
         <a:scrgbClr r="0" g="0" b="0"/>
       </a:fillRef>
-      <a:effectRef idx="0">
+      <a:effectRef idx="2">
         <a:scrgbClr r="0" g="0" b="0"/>
       </a:effectRef>
-      <a:fontRef idx="minor"/>
+      <a:fontRef idx="minor">
+        <a:schemeClr val="lt1"/>
+      </a:fontRef>
     </dgm:style>
   </dgm:styleLbl>
   <dgm:styleLbl name="sibTrans1D1">
     <dgm:scene3d>
       <a:camera prst="orthographicFront"/>
-      <a:lightRig rig="chilly" dir="t"/>
+      <a:lightRig rig="threePt" dir="t"/>
     </dgm:scene3d>
     <dgm:sp3d z="-40000" prstMaterial="matte"/>
     <dgm:txPr/>
@@ -31098,7 +31042,7 @@
   <dgm:styleLbl name="callout">
     <dgm:scene3d>
       <a:camera prst="orthographicFront"/>
-      <a:lightRig rig="chilly" dir="t"/>
+      <a:lightRig rig="threePt" dir="t"/>
     </dgm:scene3d>
     <dgm:sp3d z="127000" prstMaterial="matte"/>
     <dgm:txPr/>
@@ -31118,10 +31062,14 @@
   <dgm:styleLbl name="asst0">
     <dgm:scene3d>
       <a:camera prst="orthographicFront"/>
-      <a:lightRig rig="chilly" dir="t"/>
+      <a:lightRig rig="threePt" dir="t"/>
     </dgm:scene3d>
-    <dgm:sp3d prstMaterial="translucentPowder">
-      <a:bevelT w="127000" h="25400" prst="softRound"/>
+    <dgm:sp3d extrusionH="190500" prstMaterial="matte">
+      <a:bevelT w="120650" h="38100" prst="relaxedInset"/>
+      <a:bevelB w="120650" h="57150" prst="relaxedInset"/>
+      <a:contourClr>
+        <a:schemeClr val="bg1"/>
+      </a:contourClr>
     </dgm:sp3d>
     <dgm:txPr/>
     <dgm:style>
@@ -31131,7 +31079,7 @@
       <a:fillRef idx="1">
         <a:scrgbClr r="0" g="0" b="0"/>
       </a:fillRef>
-      <a:effectRef idx="0">
+      <a:effectRef idx="2">
         <a:scrgbClr r="0" g="0" b="0"/>
       </a:effectRef>
       <a:fontRef idx="minor">
@@ -31142,10 +31090,14 @@
   <dgm:styleLbl name="asst1">
     <dgm:scene3d>
       <a:camera prst="orthographicFront"/>
-      <a:lightRig rig="chilly" dir="t"/>
+      <a:lightRig rig="threePt" dir="t"/>
     </dgm:scene3d>
-    <dgm:sp3d prstMaterial="translucentPowder">
-      <a:bevelT w="127000" h="25400" prst="softRound"/>
+    <dgm:sp3d extrusionH="190500" prstMaterial="matte">
+      <a:bevelT w="120650" h="38100" prst="relaxedInset"/>
+      <a:bevelB w="120650" h="57150" prst="relaxedInset"/>
+      <a:contourClr>
+        <a:schemeClr val="bg1"/>
+      </a:contourClr>
     </dgm:sp3d>
     <dgm:txPr/>
     <dgm:style>
@@ -31155,7 +31107,7 @@
       <a:fillRef idx="1">
         <a:scrgbClr r="0" g="0" b="0"/>
       </a:fillRef>
-      <a:effectRef idx="0">
+      <a:effectRef idx="2">
         <a:scrgbClr r="0" g="0" b="0"/>
       </a:effectRef>
       <a:fontRef idx="minor">
@@ -31166,10 +31118,14 @@
   <dgm:styleLbl name="asst2">
     <dgm:scene3d>
       <a:camera prst="orthographicFront"/>
-      <a:lightRig rig="chilly" dir="t"/>
+      <a:lightRig rig="threePt" dir="t"/>
     </dgm:scene3d>
-    <dgm:sp3d prstMaterial="translucentPowder">
-      <a:bevelT w="127000" h="25400" prst="softRound"/>
+    <dgm:sp3d extrusionH="190500" prstMaterial="matte">
+      <a:bevelT w="120650" h="38100" prst="relaxedInset"/>
+      <a:bevelB w="120650" h="57150" prst="relaxedInset"/>
+      <a:contourClr>
+        <a:schemeClr val="bg1"/>
+      </a:contourClr>
     </dgm:sp3d>
     <dgm:txPr/>
     <dgm:style>
@@ -31179,7 +31135,7 @@
       <a:fillRef idx="1">
         <a:scrgbClr r="0" g="0" b="0"/>
       </a:fillRef>
-      <a:effectRef idx="0">
+      <a:effectRef idx="2">
         <a:scrgbClr r="0" g="0" b="0"/>
       </a:effectRef>
       <a:fontRef idx="minor">
@@ -31190,10 +31146,14 @@
   <dgm:styleLbl name="asst3">
     <dgm:scene3d>
       <a:camera prst="orthographicFront"/>
-      <a:lightRig rig="chilly" dir="t"/>
+      <a:lightRig rig="threePt" dir="t"/>
     </dgm:scene3d>
-    <dgm:sp3d prstMaterial="translucentPowder">
-      <a:bevelT w="127000" h="25400" prst="softRound"/>
+    <dgm:sp3d extrusionH="190500" prstMaterial="matte">
+      <a:bevelT w="120650" h="38100" prst="relaxedInset"/>
+      <a:bevelB w="120650" h="57150" prst="relaxedInset"/>
+      <a:contourClr>
+        <a:schemeClr val="bg1"/>
+      </a:contourClr>
     </dgm:sp3d>
     <dgm:txPr/>
     <dgm:style>
@@ -31203,7 +31163,7 @@
       <a:fillRef idx="1">
         <a:scrgbClr r="0" g="0" b="0"/>
       </a:fillRef>
-      <a:effectRef idx="0">
+      <a:effectRef idx="2">
         <a:scrgbClr r="0" g="0" b="0"/>
       </a:effectRef>
       <a:fontRef idx="minor">
@@ -31214,11 +31174,13 @@
   <dgm:styleLbl name="parChTrans2D1">
     <dgm:scene3d>
       <a:camera prst="orthographicFront"/>
-      <a:lightRig rig="chilly" dir="t"/>
+      <a:lightRig rig="threePt" dir="t"/>
     </dgm:scene3d>
-    <dgm:sp3d z="1700" extrusionH="1700" prstMaterial="translucentPowder">
-      <a:bevelT w="25400" h="6350" prst="softRound"/>
-      <a:bevelB w="0" h="0" prst="convex"/>
+    <dgm:sp3d extrusionH="63500" prstMaterial="matte">
+      <a:bevelT w="50800" h="19050" prst="relaxedInset"/>
+      <a:contourClr>
+        <a:schemeClr val="bg1"/>
+      </a:contourClr>
     </dgm:sp3d>
     <dgm:txPr/>
     <dgm:style>
@@ -31228,20 +31190,24 @@
       <a:fillRef idx="1">
         <a:scrgbClr r="0" g="0" b="0"/>
       </a:fillRef>
-      <a:effectRef idx="0">
+      <a:effectRef idx="2">
         <a:scrgbClr r="0" g="0" b="0"/>
       </a:effectRef>
-      <a:fontRef idx="minor"/>
+      <a:fontRef idx="minor">
+        <a:schemeClr val="lt1"/>
+      </a:fontRef>
     </dgm:style>
   </dgm:styleLbl>
   <dgm:styleLbl name="parChTrans2D2">
     <dgm:scene3d>
       <a:camera prst="orthographicFront"/>
-      <a:lightRig rig="chilly" dir="t"/>
+      <a:lightRig rig="threePt" dir="t"/>
     </dgm:scene3d>
-    <dgm:sp3d z="1700" extrusionH="1700" prstMaterial="translucentPowder">
-      <a:bevelT w="25400" h="6350" prst="softRound"/>
-      <a:bevelB w="0" h="0" prst="convex"/>
+    <dgm:sp3d extrusionH="63500" prstMaterial="matte">
+      <a:bevelT w="50800" h="19050" prst="relaxedInset"/>
+      <a:contourClr>
+        <a:schemeClr val="bg1"/>
+      </a:contourClr>
     </dgm:sp3d>
     <dgm:txPr/>
     <dgm:style>
@@ -31254,59 +31220,65 @@
       <a:effectRef idx="0">
         <a:scrgbClr r="0" g="0" b="0"/>
       </a:effectRef>
-      <a:fontRef idx="minor"/>
+      <a:fontRef idx="minor">
+        <a:schemeClr val="lt1"/>
+      </a:fontRef>
     </dgm:style>
   </dgm:styleLbl>
   <dgm:styleLbl name="parChTrans2D3">
     <dgm:scene3d>
       <a:camera prst="orthographicFront"/>
-      <a:lightRig rig="chilly" dir="t"/>
+      <a:lightRig rig="threePt" dir="t"/>
     </dgm:scene3d>
-    <dgm:sp3d extrusionH="1700" prstMaterial="translucentPowder">
-      <a:bevelT w="25400" h="6350" prst="softRound"/>
-      <a:bevelB w="0" h="0" prst="convex"/>
+    <dgm:sp3d z="60000" prstMaterial="flat">
+      <a:bevelT w="120900" h="88900"/>
+      <a:bevelB w="88900" h="31750" prst="angle"/>
     </dgm:sp3d>
     <dgm:txPr/>
     <dgm:style>
       <a:lnRef idx="0">
         <a:scrgbClr r="0" g="0" b="0"/>
       </a:lnRef>
-      <a:fillRef idx="1">
+      <a:fillRef idx="3">
         <a:scrgbClr r="0" g="0" b="0"/>
       </a:fillRef>
-      <a:effectRef idx="0">
+      <a:effectRef idx="1">
         <a:scrgbClr r="0" g="0" b="0"/>
       </a:effectRef>
-      <a:fontRef idx="minor"/>
+      <a:fontRef idx="minor">
+        <a:schemeClr val="lt1"/>
+      </a:fontRef>
     </dgm:style>
   </dgm:styleLbl>
   <dgm:styleLbl name="parChTrans2D4">
     <dgm:scene3d>
       <a:camera prst="orthographicFront"/>
-      <a:lightRig rig="chilly" dir="t"/>
+      <a:lightRig rig="threePt" dir="t"/>
     </dgm:scene3d>
-    <dgm:sp3d extrusionH="1700" prstMaterial="translucentPowder">
-      <a:bevelT w="25400" h="6350" prst="softRound"/>
-      <a:bevelB w="0" h="0" prst="convex"/>
+    <dgm:sp3d z="60000" prstMaterial="flat">
+      <a:bevelT w="120900" h="88900"/>
+      <a:bevelB w="88900" h="31750" prst="angle"/>
     </dgm:sp3d>
     <dgm:txPr/>
     <dgm:style>
       <a:lnRef idx="0">
         <a:scrgbClr r="0" g="0" b="0"/>
       </a:lnRef>
-      <a:fillRef idx="1">
+      <a:fillRef idx="3">
         <a:scrgbClr r="0" g="0" b="0"/>
       </a:fillRef>
-      <a:effectRef idx="0">
+      <a:effectRef idx="1">
         <a:scrgbClr r="0" g="0" b="0"/>
       </a:effectRef>
-      <a:fontRef idx="minor"/>
+      <a:fontRef idx="minor">
+        <a:schemeClr val="lt1"/>
+      </a:fontRef>
     </dgm:style>
   </dgm:styleLbl>
   <dgm:styleLbl name="parChTrans1D1">
     <dgm:scene3d>
       <a:camera prst="orthographicFront"/>
-      <a:lightRig rig="chilly" dir="t"/>
+      <a:lightRig rig="threePt" dir="t"/>
     </dgm:scene3d>
     <dgm:sp3d z="-40000" prstMaterial="matte"/>
     <dgm:txPr/>
@@ -31346,7 +31318,7 @@
   <dgm:styleLbl name="parChTrans1D3">
     <dgm:scene3d>
       <a:camera prst="orthographicFront"/>
-      <a:lightRig rig="chilly" dir="t"/>
+      <a:lightRig rig="threePt" dir="t"/>
     </dgm:scene3d>
     <dgm:sp3d z="-40000" prstMaterial="matte"/>
     <dgm:txPr/>
@@ -31366,7 +31338,7 @@
   <dgm:styleLbl name="parChTrans1D4">
     <dgm:scene3d>
       <a:camera prst="orthographicFront"/>
-      <a:lightRig rig="chilly" dir="t"/>
+      <a:lightRig rig="threePt" dir="t"/>
     </dgm:scene3d>
     <dgm:sp3d z="-40000" prstMaterial="matte"/>
     <dgm:txPr/>
@@ -31386,21 +31358,23 @@
   <dgm:styleLbl name="fgAcc1">
     <dgm:scene3d>
       <a:camera prst="orthographicFront"/>
-      <a:lightRig rig="chilly" dir="t"/>
+      <a:lightRig rig="threePt" dir="t"/>
     </dgm:scene3d>
-    <dgm:sp3d z="12700" extrusionH="1700" prstMaterial="dkEdge">
-      <a:bevelT w="25400" h="6350" prst="softRound"/>
-      <a:bevelB w="0" h="0" prst="convex"/>
+    <dgm:sp3d z="152400" extrusionH="63500" prstMaterial="matte">
+      <a:bevelT w="50800" h="19050" prst="relaxedInset"/>
+      <a:contourClr>
+        <a:schemeClr val="bg1"/>
+      </a:contourClr>
     </dgm:sp3d>
     <dgm:txPr/>
     <dgm:style>
-      <a:lnRef idx="1">
+      <a:lnRef idx="0">
         <a:scrgbClr r="0" g="0" b="0"/>
       </a:lnRef>
       <a:fillRef idx="1">
         <a:scrgbClr r="0" g="0" b="0"/>
       </a:fillRef>
-      <a:effectRef idx="0">
+      <a:effectRef idx="2">
         <a:scrgbClr r="0" g="0" b="0"/>
       </a:effectRef>
       <a:fontRef idx="minor"/>
@@ -31409,15 +31383,17 @@
   <dgm:styleLbl name="conFgAcc1">
     <dgm:scene3d>
       <a:camera prst="orthographicFront"/>
-      <a:lightRig rig="chilly" dir="t"/>
+      <a:lightRig rig="threePt" dir="t"/>
     </dgm:scene3d>
-    <dgm:sp3d z="12700" extrusionH="1700" prstMaterial="dkEdge">
-      <a:bevelT w="25400" h="6350" prst="softRound"/>
-      <a:bevelB w="0" h="0" prst="convex"/>
+    <dgm:sp3d z="-152400" extrusionH="63500" prstMaterial="matte">
+      <a:bevelT w="44450" h="6350" prst="relaxedInset"/>
+      <a:contourClr>
+        <a:schemeClr val="bg1"/>
+      </a:contourClr>
     </dgm:sp3d>
     <dgm:txPr/>
     <dgm:style>
-      <a:lnRef idx="1">
+      <a:lnRef idx="0">
         <a:scrgbClr r="0" g="0" b="0"/>
       </a:lnRef>
       <a:fillRef idx="1">
@@ -31432,21 +31408,24 @@
   <dgm:styleLbl name="alignAcc1">
     <dgm:scene3d>
       <a:camera prst="orthographicFront"/>
-      <a:lightRig rig="chilly" dir="t"/>
+      <a:lightRig rig="threePt" dir="t"/>
     </dgm:scene3d>
-    <dgm:sp3d prstMaterial="dkEdge">
-      <a:bevelT w="25400" h="6350" prst="softRound"/>
-      <a:bevelB w="0" h="0" prst="convex"/>
+    <dgm:sp3d extrusionH="190500" prstMaterial="matte">
+      <a:bevelT w="120650" h="38100" prst="relaxedInset"/>
+      <a:bevelB w="120650" h="57150" prst="relaxedInset"/>
+      <a:contourClr>
+        <a:schemeClr val="bg1"/>
+      </a:contourClr>
     </dgm:sp3d>
     <dgm:txPr/>
     <dgm:style>
-      <a:lnRef idx="1">
+      <a:lnRef idx="0">
         <a:scrgbClr r="0" g="0" b="0"/>
       </a:lnRef>
       <a:fillRef idx="1">
         <a:scrgbClr r="0" g="0" b="0"/>
       </a:fillRef>
-      <a:effectRef idx="0">
+      <a:effectRef idx="2">
         <a:scrgbClr r="0" g="0" b="0"/>
       </a:effectRef>
       <a:fontRef idx="minor"/>
@@ -31455,20 +31434,352 @@
   <dgm:styleLbl name="trAlignAcc1">
     <dgm:scene3d>
       <a:camera prst="orthographicFront"/>
-      <a:lightRig rig="chilly" dir="t"/>
+      <a:lightRig rig="threePt" dir="t"/>
     </dgm:scene3d>
-    <dgm:sp3d prstMaterial="dkEdge">
-      <a:bevelT w="127000" h="25400"/>
+    <dgm:sp3d extrusionH="190500" prstMaterial="matte">
+      <a:bevelT w="120650" h="38100"/>
+      <a:bevelB w="120650" h="57150" prst="relaxedInset"/>
+      <a:contourClr>
+        <a:schemeClr val="bg1"/>
+      </a:contourClr>
     </dgm:sp3d>
     <dgm:txPr/>
     <dgm:style>
-      <a:lnRef idx="1">
+      <a:lnRef idx="0">
         <a:scrgbClr r="0" g="0" b="0"/>
       </a:lnRef>
       <a:fillRef idx="1">
         <a:scrgbClr r="0" g="0" b="0"/>
       </a:fillRef>
+      <a:effectRef idx="2">
+        <a:scrgbClr r="0" g="0" b="0"/>
+      </a:effectRef>
+      <a:fontRef idx="minor"/>
+    </dgm:style>
+  </dgm:styleLbl>
+  <dgm:styleLbl name="bgAcc1">
+    <dgm:scene3d>
+      <a:camera prst="orthographicFront"/>
+      <a:lightRig rig="threePt" dir="t"/>
+    </dgm:scene3d>
+    <dgm:sp3d z="-152400" extrusionH="63500" prstMaterial="matte">
+      <a:bevelT w="44450" h="6350" prst="relaxedInset"/>
+      <a:contourClr>
+        <a:schemeClr val="bg1"/>
+      </a:contourClr>
+    </dgm:sp3d>
+    <dgm:txPr/>
+    <dgm:style>
+      <a:lnRef idx="0">
+        <a:scrgbClr r="0" g="0" b="0"/>
+      </a:lnRef>
+      <a:fillRef idx="1">
+        <a:scrgbClr r="0" g="0" b="0"/>
+      </a:fillRef>
       <a:effectRef idx="0">
+        <a:scrgbClr r="0" g="0" b="0"/>
+      </a:effectRef>
+      <a:fontRef idx="minor"/>
+    </dgm:style>
+  </dgm:styleLbl>
+  <dgm:styleLbl name="solidFgAcc1">
+    <dgm:scene3d>
+      <a:camera prst="orthographicFront"/>
+      <a:lightRig rig="threePt" dir="t"/>
+    </dgm:scene3d>
+    <dgm:sp3d z="152400" extrusionH="63500" prstMaterial="matte">
+      <a:bevelT w="50800" h="19050" prst="relaxedInset"/>
+      <a:contourClr>
+        <a:schemeClr val="bg1"/>
+      </a:contourClr>
+    </dgm:sp3d>
+    <dgm:txPr/>
+    <dgm:style>
+      <a:lnRef idx="0">
+        <a:scrgbClr r="0" g="0" b="0"/>
+      </a:lnRef>
+      <a:fillRef idx="1">
+        <a:scrgbClr r="0" g="0" b="0"/>
+      </a:fillRef>
+      <a:effectRef idx="2">
+        <a:scrgbClr r="0" g="0" b="0"/>
+      </a:effectRef>
+      <a:fontRef idx="minor"/>
+    </dgm:style>
+  </dgm:styleLbl>
+  <dgm:styleLbl name="solidAlignAcc1">
+    <dgm:scene3d>
+      <a:camera prst="orthographicFront"/>
+      <a:lightRig rig="threePt" dir="t"/>
+    </dgm:scene3d>
+    <dgm:sp3d extrusionH="190500" prstMaterial="matte">
+      <a:bevelT w="120650" h="38100" prst="relaxedInset"/>
+      <a:bevelB w="120650" h="57150" prst="relaxedInset"/>
+      <a:contourClr>
+        <a:schemeClr val="bg1"/>
+      </a:contourClr>
+    </dgm:sp3d>
+    <dgm:txPr/>
+    <dgm:style>
+      <a:lnRef idx="0">
+        <a:scrgbClr r="0" g="0" b="0"/>
+      </a:lnRef>
+      <a:fillRef idx="1">
+        <a:scrgbClr r="0" g="0" b="0"/>
+      </a:fillRef>
+      <a:effectRef idx="2">
+        <a:scrgbClr r="0" g="0" b="0"/>
+      </a:effectRef>
+      <a:fontRef idx="minor"/>
+    </dgm:style>
+  </dgm:styleLbl>
+  <dgm:styleLbl name="solidBgAcc1">
+    <dgm:scene3d>
+      <a:camera prst="orthographicFront"/>
+      <a:lightRig rig="threePt" dir="t"/>
+    </dgm:scene3d>
+    <dgm:sp3d z="-152400" extrusionH="63500" prstMaterial="matte">
+      <a:bevelT w="44450" h="6350" prst="relaxedInset"/>
+      <a:contourClr>
+        <a:schemeClr val="bg1"/>
+      </a:contourClr>
+    </dgm:sp3d>
+    <dgm:txPr/>
+    <dgm:style>
+      <a:lnRef idx="0">
+        <a:scrgbClr r="0" g="0" b="0"/>
+      </a:lnRef>
+      <a:fillRef idx="1">
+        <a:scrgbClr r="0" g="0" b="0"/>
+      </a:fillRef>
+      <a:effectRef idx="0">
+        <a:scrgbClr r="0" g="0" b="0"/>
+      </a:effectRef>
+      <a:fontRef idx="minor"/>
+    </dgm:style>
+  </dgm:styleLbl>
+  <dgm:styleLbl name="fgAccFollowNode1">
+    <dgm:scene3d>
+      <a:camera prst="orthographicFront"/>
+      <a:lightRig rig="threePt" dir="t"/>
+    </dgm:scene3d>
+    <dgm:sp3d z="152400" extrusionH="63500" prstMaterial="matte">
+      <a:bevelT w="50800" h="19050" prst="relaxedInset"/>
+      <a:contourClr>
+        <a:schemeClr val="bg1"/>
+      </a:contourClr>
+    </dgm:sp3d>
+    <dgm:txPr/>
+    <dgm:style>
+      <a:lnRef idx="0">
+        <a:scrgbClr r="0" g="0" b="0"/>
+      </a:lnRef>
+      <a:fillRef idx="1">
+        <a:scrgbClr r="0" g="0" b="0"/>
+      </a:fillRef>
+      <a:effectRef idx="0">
+        <a:scrgbClr r="0" g="0" b="0"/>
+      </a:effectRef>
+      <a:fontRef idx="minor"/>
+    </dgm:style>
+  </dgm:styleLbl>
+  <dgm:styleLbl name="alignAccFollowNode1">
+    <dgm:scene3d>
+      <a:camera prst="orthographicFront"/>
+      <a:lightRig rig="threePt" dir="t"/>
+    </dgm:scene3d>
+    <dgm:sp3d extrusionH="190500" prstMaterial="matte">
+      <a:bevelT w="120650" h="38100" prst="relaxedInset"/>
+      <a:bevelB w="120650" h="57150" prst="relaxedInset"/>
+      <a:contourClr>
+        <a:schemeClr val="bg1"/>
+      </a:contourClr>
+    </dgm:sp3d>
+    <dgm:txPr/>
+    <dgm:style>
+      <a:lnRef idx="0">
+        <a:scrgbClr r="0" g="0" b="0"/>
+      </a:lnRef>
+      <a:fillRef idx="1">
+        <a:scrgbClr r="0" g="0" b="0"/>
+      </a:fillRef>
+      <a:effectRef idx="2">
+        <a:scrgbClr r="0" g="0" b="0"/>
+      </a:effectRef>
+      <a:fontRef idx="minor"/>
+    </dgm:style>
+  </dgm:styleLbl>
+  <dgm:styleLbl name="bgAccFollowNode1">
+    <dgm:scene3d>
+      <a:camera prst="orthographicFront"/>
+      <a:lightRig rig="threePt" dir="t"/>
+    </dgm:scene3d>
+    <dgm:sp3d z="-152400" extrusionH="63500" prstMaterial="matte">
+      <a:bevelT w="44450" h="6350" prst="relaxedInset"/>
+      <a:contourClr>
+        <a:schemeClr val="bg1"/>
+      </a:contourClr>
+    </dgm:sp3d>
+    <dgm:txPr/>
+    <dgm:style>
+      <a:lnRef idx="0">
+        <a:scrgbClr r="0" g="0" b="0"/>
+      </a:lnRef>
+      <a:fillRef idx="1">
+        <a:scrgbClr r="0" g="0" b="0"/>
+      </a:fillRef>
+      <a:effectRef idx="2">
+        <a:scrgbClr r="0" g="0" b="0"/>
+      </a:effectRef>
+      <a:fontRef idx="minor"/>
+    </dgm:style>
+  </dgm:styleLbl>
+  <dgm:styleLbl name="fgAcc0">
+    <dgm:scene3d>
+      <a:camera prst="orthographicFront"/>
+      <a:lightRig rig="threePt" dir="t"/>
+    </dgm:scene3d>
+    <dgm:sp3d z="152400" extrusionH="63500" prstMaterial="matte">
+      <a:bevelT w="50800" h="19050" prst="relaxedInset"/>
+      <a:contourClr>
+        <a:schemeClr val="bg1"/>
+      </a:contourClr>
+    </dgm:sp3d>
+    <dgm:txPr/>
+    <dgm:style>
+      <a:lnRef idx="0">
+        <a:scrgbClr r="0" g="0" b="0"/>
+      </a:lnRef>
+      <a:fillRef idx="1">
+        <a:scrgbClr r="0" g="0" b="0"/>
+      </a:fillRef>
+      <a:effectRef idx="0">
+        <a:scrgbClr r="0" g="0" b="0"/>
+      </a:effectRef>
+      <a:fontRef idx="minor"/>
+    </dgm:style>
+  </dgm:styleLbl>
+  <dgm:styleLbl name="fgAcc2">
+    <dgm:scene3d>
+      <a:camera prst="orthographicFront"/>
+      <a:lightRig rig="threePt" dir="t"/>
+    </dgm:scene3d>
+    <dgm:sp3d z="152400" extrusionH="63500" prstMaterial="matte">
+      <a:bevelT w="50800" h="19050" prst="relaxedInset"/>
+      <a:contourClr>
+        <a:schemeClr val="bg1"/>
+      </a:contourClr>
+    </dgm:sp3d>
+    <dgm:txPr/>
+    <dgm:style>
+      <a:lnRef idx="0">
+        <a:scrgbClr r="0" g="0" b="0"/>
+      </a:lnRef>
+      <a:fillRef idx="1">
+        <a:scrgbClr r="0" g="0" b="0"/>
+      </a:fillRef>
+      <a:effectRef idx="0">
+        <a:scrgbClr r="0" g="0" b="0"/>
+      </a:effectRef>
+      <a:fontRef idx="minor"/>
+    </dgm:style>
+  </dgm:styleLbl>
+  <dgm:styleLbl name="fgAcc3">
+    <dgm:scene3d>
+      <a:camera prst="orthographicFront"/>
+      <a:lightRig rig="threePt" dir="t"/>
+    </dgm:scene3d>
+    <dgm:sp3d z="152400" extrusionH="63500" prstMaterial="matte">
+      <a:bevelT w="50800" h="19050" prst="relaxedInset"/>
+      <a:contourClr>
+        <a:schemeClr val="bg1"/>
+      </a:contourClr>
+    </dgm:sp3d>
+    <dgm:txPr/>
+    <dgm:style>
+      <a:lnRef idx="0">
+        <a:scrgbClr r="0" g="0" b="0"/>
+      </a:lnRef>
+      <a:fillRef idx="1">
+        <a:scrgbClr r="0" g="0" b="0"/>
+      </a:fillRef>
+      <a:effectRef idx="0">
+        <a:scrgbClr r="0" g="0" b="0"/>
+      </a:effectRef>
+      <a:fontRef idx="minor"/>
+    </dgm:style>
+  </dgm:styleLbl>
+  <dgm:styleLbl name="fgAcc4">
+    <dgm:scene3d>
+      <a:camera prst="orthographicFront"/>
+      <a:lightRig rig="threePt" dir="t"/>
+    </dgm:scene3d>
+    <dgm:sp3d z="152400" extrusionH="63500" prstMaterial="matte">
+      <a:bevelT w="50800" h="19050" prst="relaxedInset"/>
+      <a:contourClr>
+        <a:schemeClr val="bg1"/>
+      </a:contourClr>
+    </dgm:sp3d>
+    <dgm:txPr/>
+    <dgm:style>
+      <a:lnRef idx="0">
+        <a:scrgbClr r="0" g="0" b="0"/>
+      </a:lnRef>
+      <a:fillRef idx="1">
+        <a:scrgbClr r="0" g="0" b="0"/>
+      </a:fillRef>
+      <a:effectRef idx="0">
+        <a:scrgbClr r="0" g="0" b="0"/>
+      </a:effectRef>
+      <a:fontRef idx="minor"/>
+    </dgm:style>
+  </dgm:styleLbl>
+  <dgm:styleLbl name="bgShp">
+    <dgm:scene3d>
+      <a:camera prst="orthographicFront"/>
+      <a:lightRig rig="threePt" dir="t"/>
+    </dgm:scene3d>
+    <dgm:sp3d z="-152400" extrusionH="63500" prstMaterial="matte">
+      <a:bevelT w="44450" h="6350" prst="relaxedInset"/>
+      <a:contourClr>
+        <a:schemeClr val="bg1"/>
+      </a:contourClr>
+    </dgm:sp3d>
+    <dgm:txPr/>
+    <dgm:style>
+      <a:lnRef idx="0">
+        <a:scrgbClr r="0" g="0" b="0"/>
+      </a:lnRef>
+      <a:fillRef idx="1">
+        <a:scrgbClr r="0" g="0" b="0"/>
+      </a:fillRef>
+      <a:effectRef idx="0">
+        <a:scrgbClr r="0" g="0" b="0"/>
+      </a:effectRef>
+      <a:fontRef idx="minor"/>
+    </dgm:style>
+  </dgm:styleLbl>
+  <dgm:styleLbl name="dkBgShp">
+    <dgm:scene3d>
+      <a:camera prst="orthographicFront"/>
+      <a:lightRig rig="threePt" dir="t"/>
+    </dgm:scene3d>
+    <dgm:sp3d extrusionH="190500" prstMaterial="matte">
+      <a:bevelT w="120650" h="38100" prst="relaxedInset"/>
+      <a:bevelB w="120650" h="57150" prst="relaxedInset"/>
+      <a:contourClr>
+        <a:schemeClr val="bg1"/>
+      </a:contourClr>
+    </dgm:sp3d>
+    <dgm:txPr/>
+    <dgm:style>
+      <a:lnRef idx="0">
+        <a:scrgbClr r="0" g="0" b="0"/>
+      </a:lnRef>
+      <a:fillRef idx="1">
+        <a:scrgbClr r="0" g="0" b="0"/>
+      </a:fillRef>
+      <a:effectRef idx="2">
         <a:scrgbClr r="0" g="0" b="0"/>
       </a:effectRef>
       <a:fontRef idx="minor">
@@ -31476,309 +31787,10 @@
       </a:fontRef>
     </dgm:style>
   </dgm:styleLbl>
-  <dgm:styleLbl name="bgAcc1">
-    <dgm:scene3d>
-      <a:camera prst="orthographicFront"/>
-      <a:lightRig rig="chilly" dir="t"/>
-    </dgm:scene3d>
-    <dgm:sp3d z="-12700" extrusionH="1700" prstMaterial="dkEdge">
-      <a:bevelT w="25400" h="6350" prst="softRound"/>
-      <a:bevelB w="0" h="0" prst="convex"/>
-    </dgm:sp3d>
-    <dgm:txPr/>
-    <dgm:style>
-      <a:lnRef idx="1">
-        <a:scrgbClr r="0" g="0" b="0"/>
-      </a:lnRef>
-      <a:fillRef idx="1">
-        <a:scrgbClr r="0" g="0" b="0"/>
-      </a:fillRef>
-      <a:effectRef idx="0">
-        <a:scrgbClr r="0" g="0" b="0"/>
-      </a:effectRef>
-      <a:fontRef idx="minor"/>
-    </dgm:style>
-  </dgm:styleLbl>
-  <dgm:styleLbl name="solidFgAcc1">
-    <dgm:scene3d>
-      <a:camera prst="orthographicFront"/>
-      <a:lightRig rig="chilly" dir="t"/>
-    </dgm:scene3d>
-    <dgm:sp3d z="12700" extrusionH="1700" prstMaterial="dkEdge">
-      <a:bevelT w="25400" h="6350" prst="softRound"/>
-      <a:bevelB w="0" h="0" prst="convex"/>
-    </dgm:sp3d>
-    <dgm:txPr/>
-    <dgm:style>
-      <a:lnRef idx="1">
-        <a:scrgbClr r="0" g="0" b="0"/>
-      </a:lnRef>
-      <a:fillRef idx="1">
-        <a:scrgbClr r="0" g="0" b="0"/>
-      </a:fillRef>
-      <a:effectRef idx="0">
-        <a:scrgbClr r="0" g="0" b="0"/>
-      </a:effectRef>
-      <a:fontRef idx="minor"/>
-    </dgm:style>
-  </dgm:styleLbl>
-  <dgm:styleLbl name="solidAlignAcc1">
-    <dgm:scene3d>
-      <a:camera prst="orthographicFront"/>
-      <a:lightRig rig="chilly" dir="t"/>
-    </dgm:scene3d>
-    <dgm:sp3d extrusionH="1700" prstMaterial="dkEdge">
-      <a:bevelT w="25400" h="6350" prst="softRound"/>
-      <a:bevelB w="0" h="0" prst="convex"/>
-    </dgm:sp3d>
-    <dgm:txPr/>
-    <dgm:style>
-      <a:lnRef idx="1">
-        <a:scrgbClr r="0" g="0" b="0"/>
-      </a:lnRef>
-      <a:fillRef idx="1">
-        <a:scrgbClr r="0" g="0" b="0"/>
-      </a:fillRef>
-      <a:effectRef idx="0">
-        <a:scrgbClr r="0" g="0" b="0"/>
-      </a:effectRef>
-      <a:fontRef idx="minor"/>
-    </dgm:style>
-  </dgm:styleLbl>
-  <dgm:styleLbl name="solidBgAcc1">
-    <dgm:scene3d>
-      <a:camera prst="orthographicFront"/>
-      <a:lightRig rig="chilly" dir="t"/>
-    </dgm:scene3d>
-    <dgm:sp3d z="-12700" extrusionH="1700" prstMaterial="dkEdge">
-      <a:bevelT w="25400" h="6350" prst="softRound"/>
-      <a:bevelB w="0" h="0" prst="convex"/>
-    </dgm:sp3d>
-    <dgm:txPr/>
-    <dgm:style>
-      <a:lnRef idx="1">
-        <a:scrgbClr r="0" g="0" b="0"/>
-      </a:lnRef>
-      <a:fillRef idx="1">
-        <a:scrgbClr r="0" g="0" b="0"/>
-      </a:fillRef>
-      <a:effectRef idx="0">
-        <a:scrgbClr r="0" g="0" b="0"/>
-      </a:effectRef>
-      <a:fontRef idx="minor"/>
-    </dgm:style>
-  </dgm:styleLbl>
-  <dgm:styleLbl name="fgAccFollowNode1">
-    <dgm:scene3d>
-      <a:camera prst="orthographicFront"/>
-      <a:lightRig rig="chilly" dir="t"/>
-    </dgm:scene3d>
-    <dgm:sp3d z="12700" extrusionH="1700" prstMaterial="dkEdge">
-      <a:bevelT w="25400" h="6350" prst="softRound"/>
-      <a:bevelB w="0" h="0" prst="convex"/>
-    </dgm:sp3d>
-    <dgm:txPr/>
-    <dgm:style>
-      <a:lnRef idx="1">
-        <a:scrgbClr r="0" g="0" b="0"/>
-      </a:lnRef>
-      <a:fillRef idx="1">
-        <a:scrgbClr r="0" g="0" b="0"/>
-      </a:fillRef>
-      <a:effectRef idx="0">
-        <a:scrgbClr r="0" g="0" b="0"/>
-      </a:effectRef>
-      <a:fontRef idx="minor"/>
-    </dgm:style>
-  </dgm:styleLbl>
-  <dgm:styleLbl name="alignAccFollowNode1">
-    <dgm:scene3d>
-      <a:camera prst="orthographicFront"/>
-      <a:lightRig rig="chilly" dir="t"/>
-    </dgm:scene3d>
-    <dgm:sp3d extrusionH="1700" prstMaterial="dkEdge">
-      <a:bevelT w="25400" h="6350" prst="softRound"/>
-      <a:bevelB w="0" h="0" prst="convex"/>
-    </dgm:sp3d>
-    <dgm:txPr/>
-    <dgm:style>
-      <a:lnRef idx="1">
-        <a:scrgbClr r="0" g="0" b="0"/>
-      </a:lnRef>
-      <a:fillRef idx="1">
-        <a:scrgbClr r="0" g="0" b="0"/>
-      </a:fillRef>
-      <a:effectRef idx="0">
-        <a:scrgbClr r="0" g="0" b="0"/>
-      </a:effectRef>
-      <a:fontRef idx="minor"/>
-    </dgm:style>
-  </dgm:styleLbl>
-  <dgm:styleLbl name="bgAccFollowNode1">
-    <dgm:scene3d>
-      <a:camera prst="orthographicFront"/>
-      <a:lightRig rig="chilly" dir="t"/>
-    </dgm:scene3d>
-    <dgm:sp3d z="-12700" extrusionH="1700" prstMaterial="dkEdge">
-      <a:bevelT w="25400" h="6350" prst="softRound"/>
-      <a:bevelB w="0" h="0" prst="convex"/>
-    </dgm:sp3d>
-    <dgm:txPr/>
-    <dgm:style>
-      <a:lnRef idx="1">
-        <a:scrgbClr r="0" g="0" b="0"/>
-      </a:lnRef>
-      <a:fillRef idx="1">
-        <a:scrgbClr r="0" g="0" b="0"/>
-      </a:fillRef>
-      <a:effectRef idx="0">
-        <a:scrgbClr r="0" g="0" b="0"/>
-      </a:effectRef>
-      <a:fontRef idx="minor"/>
-    </dgm:style>
-  </dgm:styleLbl>
-  <dgm:styleLbl name="fgAcc0">
-    <dgm:scene3d>
-      <a:camera prst="orthographicFront"/>
-      <a:lightRig rig="chilly" dir="t"/>
-    </dgm:scene3d>
-    <dgm:sp3d z="12700" extrusionH="1700" prstMaterial="dkEdge">
-      <a:bevelT w="25400" h="6350" prst="softRound"/>
-      <a:bevelB w="0" h="0" prst="convex"/>
-    </dgm:sp3d>
-    <dgm:txPr/>
-    <dgm:style>
-      <a:lnRef idx="1">
-        <a:scrgbClr r="0" g="0" b="0"/>
-      </a:lnRef>
-      <a:fillRef idx="1">
-        <a:scrgbClr r="0" g="0" b="0"/>
-      </a:fillRef>
-      <a:effectRef idx="0">
-        <a:scrgbClr r="0" g="0" b="0"/>
-      </a:effectRef>
-      <a:fontRef idx="minor"/>
-    </dgm:style>
-  </dgm:styleLbl>
-  <dgm:styleLbl name="fgAcc2">
-    <dgm:scene3d>
-      <a:camera prst="orthographicFront"/>
-      <a:lightRig rig="chilly" dir="t"/>
-    </dgm:scene3d>
-    <dgm:sp3d z="12700" extrusionH="1700" prstMaterial="dkEdge">
-      <a:bevelT w="25400" h="6350" prst="softRound"/>
-      <a:bevelB w="0" h="0" prst="convex"/>
-    </dgm:sp3d>
-    <dgm:txPr/>
-    <dgm:style>
-      <a:lnRef idx="1">
-        <a:scrgbClr r="0" g="0" b="0"/>
-      </a:lnRef>
-      <a:fillRef idx="1">
-        <a:scrgbClr r="0" g="0" b="0"/>
-      </a:fillRef>
-      <a:effectRef idx="0">
-        <a:scrgbClr r="0" g="0" b="0"/>
-      </a:effectRef>
-      <a:fontRef idx="minor"/>
-    </dgm:style>
-  </dgm:styleLbl>
-  <dgm:styleLbl name="fgAcc3">
-    <dgm:scene3d>
-      <a:camera prst="orthographicFront"/>
-      <a:lightRig rig="chilly" dir="t"/>
-    </dgm:scene3d>
-    <dgm:sp3d z="12700" extrusionH="1700" prstMaterial="dkEdge">
-      <a:bevelT w="25400" h="6350" prst="softRound"/>
-      <a:bevelB w="0" h="0" prst="convex"/>
-    </dgm:sp3d>
-    <dgm:txPr/>
-    <dgm:style>
-      <a:lnRef idx="1">
-        <a:scrgbClr r="0" g="0" b="0"/>
-      </a:lnRef>
-      <a:fillRef idx="1">
-        <a:scrgbClr r="0" g="0" b="0"/>
-      </a:fillRef>
-      <a:effectRef idx="0">
-        <a:scrgbClr r="0" g="0" b="0"/>
-      </a:effectRef>
-      <a:fontRef idx="minor"/>
-    </dgm:style>
-  </dgm:styleLbl>
-  <dgm:styleLbl name="fgAcc4">
-    <dgm:scene3d>
-      <a:camera prst="orthographicFront"/>
-      <a:lightRig rig="chilly" dir="t"/>
-    </dgm:scene3d>
-    <dgm:sp3d z="12700" extrusionH="1700" prstMaterial="dkEdge">
-      <a:bevelT w="25400" h="6350" prst="softRound"/>
-      <a:bevelB w="0" h="0" prst="convex"/>
-    </dgm:sp3d>
-    <dgm:txPr/>
-    <dgm:style>
-      <a:lnRef idx="1">
-        <a:scrgbClr r="0" g="0" b="0"/>
-      </a:lnRef>
-      <a:fillRef idx="1">
-        <a:scrgbClr r="0" g="0" b="0"/>
-      </a:fillRef>
-      <a:effectRef idx="0">
-        <a:scrgbClr r="0" g="0" b="0"/>
-      </a:effectRef>
-      <a:fontRef idx="minor"/>
-    </dgm:style>
-  </dgm:styleLbl>
-  <dgm:styleLbl name="bgShp">
-    <dgm:scene3d>
-      <a:camera prst="orthographicFront"/>
-      <a:lightRig rig="chilly" dir="t"/>
-    </dgm:scene3d>
-    <dgm:sp3d z="-12700" extrusionH="1700" prstMaterial="translucentPowder">
-      <a:bevelT w="25400" h="6350" prst="softRound"/>
-      <a:bevelB w="0" h="0" prst="convex"/>
-    </dgm:sp3d>
-    <dgm:txPr/>
-    <dgm:style>
-      <a:lnRef idx="0">
-        <a:scrgbClr r="0" g="0" b="0"/>
-      </a:lnRef>
-      <a:fillRef idx="1">
-        <a:scrgbClr r="0" g="0" b="0"/>
-      </a:fillRef>
-      <a:effectRef idx="0">
-        <a:scrgbClr r="0" g="0" b="0"/>
-      </a:effectRef>
-      <a:fontRef idx="minor"/>
-    </dgm:style>
-  </dgm:styleLbl>
-  <dgm:styleLbl name="dkBgShp">
-    <dgm:scene3d>
-      <a:camera prst="orthographicFront"/>
-      <a:lightRig rig="chilly" dir="t"/>
-    </dgm:scene3d>
-    <dgm:sp3d extrusionH="1700" prstMaterial="translucentPowder">
-      <a:bevelT w="25400" h="6350" prst="softRound"/>
-      <a:bevelB w="0" h="0" prst="convex"/>
-    </dgm:sp3d>
-    <dgm:txPr/>
-    <dgm:style>
-      <a:lnRef idx="0">
-        <a:scrgbClr r="0" g="0" b="0"/>
-      </a:lnRef>
-      <a:fillRef idx="1">
-        <a:scrgbClr r="0" g="0" b="0"/>
-      </a:fillRef>
-      <a:effectRef idx="0">
-        <a:scrgbClr r="0" g="0" b="0"/>
-      </a:effectRef>
-      <a:fontRef idx="minor"/>
-    </dgm:style>
-  </dgm:styleLbl>
   <dgm:styleLbl name="trBgShp">
     <dgm:scene3d>
       <a:camera prst="orthographicFront"/>
-      <a:lightRig rig="chilly" dir="t"/>
+      <a:lightRig rig="threePt" dir="t"/>
     </dgm:scene3d>
     <dgm:sp3d z="-152400" prstMaterial="matte"/>
     <dgm:txPr/>
@@ -31798,11 +31810,13 @@
   <dgm:styleLbl name="fgShp">
     <dgm:scene3d>
       <a:camera prst="orthographicFront"/>
-      <a:lightRig rig="chilly" dir="t"/>
+      <a:lightRig rig="threePt" dir="t"/>
     </dgm:scene3d>
-    <dgm:sp3d z="12700" extrusionH="1700" prstMaterial="translucentPowder">
-      <a:bevelT w="25400" h="6350" prst="softRound"/>
-      <a:bevelB w="0" h="0" prst="convex"/>
+    <dgm:sp3d z="152400" extrusionH="63500" prstMaterial="matte">
+      <a:bevelT w="50800" h="19050" prst="relaxedInset"/>
+      <a:contourClr>
+        <a:schemeClr val="bg1"/>
+      </a:contourClr>
     </dgm:sp3d>
     <dgm:txPr/>
     <dgm:style>
@@ -31812,10 +31826,12 @@
       <a:fillRef idx="1">
         <a:scrgbClr r="0" g="0" b="0"/>
       </a:fillRef>
-      <a:effectRef idx="0">
+      <a:effectRef idx="2">
         <a:scrgbClr r="0" g="0" b="0"/>
       </a:effectRef>
-      <a:fontRef idx="minor"/>
+      <a:fontRef idx="minor">
+        <a:schemeClr val="lt1"/>
+      </a:fontRef>
     </dgm:style>
   </dgm:styleLbl>
   <dgm:styleLbl name="revTx">
@@ -40299,7 +40315,7 @@
           <a:p>
             <a:fld id="{3F5D9F91-5035-469D-968F-FE3C304D0282}" type="datetimeFigureOut">
               <a:rPr lang="pt-BR" smtClean="0"/>
-              <a:t>10/10/2018</a:t>
+              <a:t>22/10/2018</a:t>
             </a:fld>
             <a:endParaRPr lang="pt-BR"/>
           </a:p>
@@ -40843,7 +40859,7 @@
           <a:p>
             <a:fld id="{6170734A-4B5A-4F3B-B573-1E93A2DEC51B}" type="datetimeFigureOut">
               <a:rPr lang="pt-BR" smtClean="0"/>
-              <a:t>10/10/2018</a:t>
+              <a:t>22/10/2018</a:t>
             </a:fld>
             <a:endParaRPr lang="pt-BR"/>
           </a:p>
@@ -41008,7 +41024,7 @@
           <a:p>
             <a:fld id="{6170734A-4B5A-4F3B-B573-1E93A2DEC51B}" type="datetimeFigureOut">
               <a:rPr lang="pt-BR" smtClean="0"/>
-              <a:t>10/10/2018</a:t>
+              <a:t>22/10/2018</a:t>
             </a:fld>
             <a:endParaRPr lang="pt-BR"/>
           </a:p>
@@ -41183,7 +41199,7 @@
           <a:p>
             <a:fld id="{6170734A-4B5A-4F3B-B573-1E93A2DEC51B}" type="datetimeFigureOut">
               <a:rPr lang="pt-BR" smtClean="0"/>
-              <a:t>10/10/2018</a:t>
+              <a:t>22/10/2018</a:t>
             </a:fld>
             <a:endParaRPr lang="pt-BR"/>
           </a:p>
@@ -41366,7 +41382,7 @@
           <a:p>
             <a:fld id="{6170734A-4B5A-4F3B-B573-1E93A2DEC51B}" type="datetimeFigureOut">
               <a:rPr lang="pt-BR" smtClean="0"/>
-              <a:t>10/10/2018</a:t>
+              <a:t>22/10/2018</a:t>
             </a:fld>
             <a:endParaRPr lang="pt-BR"/>
           </a:p>
@@ -41628,7 +41644,7 @@
           <a:p>
             <a:fld id="{6170734A-4B5A-4F3B-B573-1E93A2DEC51B}" type="datetimeFigureOut">
               <a:rPr lang="pt-BR" smtClean="0"/>
-              <a:t>10/10/2018</a:t>
+              <a:t>22/10/2018</a:t>
             </a:fld>
             <a:endParaRPr lang="pt-BR"/>
           </a:p>
@@ -41976,7 +41992,7 @@
           <a:p>
             <a:fld id="{6170734A-4B5A-4F3B-B573-1E93A2DEC51B}" type="datetimeFigureOut">
               <a:rPr lang="pt-BR" smtClean="0"/>
-              <a:t>10/10/2018</a:t>
+              <a:t>22/10/2018</a:t>
             </a:fld>
             <a:endParaRPr lang="pt-BR"/>
           </a:p>
@@ -42284,7 +42300,7 @@
           <a:p>
             <a:fld id="{6170734A-4B5A-4F3B-B573-1E93A2DEC51B}" type="datetimeFigureOut">
               <a:rPr lang="pt-BR" smtClean="0"/>
-              <a:t>10/10/2018</a:t>
+              <a:t>22/10/2018</a:t>
             </a:fld>
             <a:endParaRPr lang="pt-BR"/>
           </a:p>
@@ -42511,7 +42527,7 @@
           <a:p>
             <a:fld id="{6170734A-4B5A-4F3B-B573-1E93A2DEC51B}" type="datetimeFigureOut">
               <a:rPr lang="pt-BR" smtClean="0"/>
-              <a:t>10/10/2018</a:t>
+              <a:t>22/10/2018</a:t>
             </a:fld>
             <a:endParaRPr lang="pt-BR"/>
           </a:p>
@@ -42601,7 +42617,7 @@
           <a:p>
             <a:fld id="{6170734A-4B5A-4F3B-B573-1E93A2DEC51B}" type="datetimeFigureOut">
               <a:rPr lang="pt-BR" smtClean="0"/>
-              <a:t>10/10/2018</a:t>
+              <a:t>22/10/2018</a:t>
             </a:fld>
             <a:endParaRPr lang="pt-BR"/>
           </a:p>
@@ -42889,7 +42905,7 @@
           <a:p>
             <a:fld id="{6170734A-4B5A-4F3B-B573-1E93A2DEC51B}" type="datetimeFigureOut">
               <a:rPr lang="pt-BR" smtClean="0"/>
-              <a:t>10/10/2018</a:t>
+              <a:t>22/10/2018</a:t>
             </a:fld>
             <a:endParaRPr lang="pt-BR"/>
           </a:p>
@@ -43158,7 +43174,7 @@
           <a:p>
             <a:fld id="{6170734A-4B5A-4F3B-B573-1E93A2DEC51B}" type="datetimeFigureOut">
               <a:rPr lang="pt-BR" smtClean="0"/>
-              <a:t>10/10/2018</a:t>
+              <a:t>22/10/2018</a:t>
             </a:fld>
             <a:endParaRPr lang="pt-BR"/>
           </a:p>
@@ -43368,7 +43384,7 @@
           <a:p>
             <a:fld id="{6170734A-4B5A-4F3B-B573-1E93A2DEC51B}" type="datetimeFigureOut">
               <a:rPr lang="pt-BR" smtClean="0"/>
-              <a:t>10/10/2018</a:t>
+              <a:t>22/10/2018</a:t>
             </a:fld>
             <a:endParaRPr lang="pt-BR"/>
           </a:p>
@@ -44263,19 +44279,20 @@
         </p:nvSpPr>
         <p:spPr>
           <a:xfrm>
-            <a:off x="457200" y="0"/>
-            <a:ext cx="8686800" cy="908720"/>
+            <a:off x="827584" y="246530"/>
+            <a:ext cx="8316416" cy="662189"/>
           </a:xfrm>
         </p:spPr>
         <p:txBody>
           <a:bodyPr/>
           <a:lstStyle/>
           <a:p>
+            <a:pPr algn="l"/>
             <a:r>
-              <a:rPr lang="pt-BR" sz="4400" dirty="0" smtClean="0"/>
+              <a:rPr lang="pt-BR" sz="3200" dirty="0" smtClean="0"/>
               <a:t>Aplicação serviço ao usuário</a:t>
             </a:r>
-            <a:endParaRPr lang="pt-BR" sz="4400" dirty="0"/>
+            <a:endParaRPr lang="pt-BR" sz="3200" dirty="0"/>
           </a:p>
         </p:txBody>
       </p:sp>
@@ -44593,19 +44610,20 @@
         </p:nvSpPr>
         <p:spPr>
           <a:xfrm>
-            <a:off x="449600" y="31656"/>
-            <a:ext cx="8229600" cy="1052736"/>
+            <a:off x="827584" y="134652"/>
+            <a:ext cx="7851616" cy="837861"/>
           </a:xfrm>
         </p:spPr>
         <p:txBody>
           <a:bodyPr/>
           <a:lstStyle/>
           <a:p>
+            <a:pPr algn="l"/>
             <a:r>
-              <a:rPr lang="pt-BR" sz="4400" dirty="0" smtClean="0"/>
+              <a:rPr lang="pt-BR" sz="3200" dirty="0" smtClean="0"/>
               <a:t>Disparo da notificação</a:t>
             </a:r>
-            <a:endParaRPr lang="pt-BR" sz="4400" dirty="0"/>
+            <a:endParaRPr lang="pt-BR" sz="3200" dirty="0"/>
           </a:p>
         </p:txBody>
       </p:sp>
@@ -44823,31 +44841,32 @@
         </p:nvSpPr>
         <p:spPr>
           <a:xfrm>
-            <a:off x="449600" y="31656"/>
-            <a:ext cx="8229600" cy="877064"/>
+            <a:off x="827584" y="-3342"/>
+            <a:ext cx="7859216" cy="768046"/>
           </a:xfrm>
         </p:spPr>
         <p:txBody>
           <a:bodyPr/>
           <a:lstStyle/>
           <a:p>
+            <a:pPr algn="l"/>
             <a:r>
-              <a:rPr lang="pt-BR" sz="4400" dirty="0" smtClean="0"/>
+              <a:rPr lang="pt-BR" sz="3200" dirty="0" smtClean="0"/>
               <a:t>Project </a:t>
             </a:r>
             <a:r>
-              <a:rPr lang="pt-BR" sz="4400" dirty="0" err="1" smtClean="0"/>
+              <a:rPr lang="pt-BR" sz="3200" dirty="0" err="1" smtClean="0"/>
               <a:t>model</a:t>
             </a:r>
             <a:r>
-              <a:rPr lang="pt-BR" sz="4400" dirty="0" smtClean="0"/>
+              <a:rPr lang="pt-BR" sz="3200" dirty="0" smtClean="0"/>
               <a:t> </a:t>
             </a:r>
             <a:r>
-              <a:rPr lang="pt-BR" sz="4400" dirty="0" err="1" smtClean="0"/>
+              <a:rPr lang="pt-BR" sz="3200" dirty="0" err="1" smtClean="0"/>
               <a:t>Canvas</a:t>
             </a:r>
-            <a:endParaRPr lang="pt-BR" sz="4400" dirty="0"/>
+            <a:endParaRPr lang="pt-BR" sz="3200" dirty="0"/>
           </a:p>
         </p:txBody>
       </p:sp>
@@ -45017,10 +45036,10 @@
           <a:lstStyle/>
           <a:p>
             <a:r>
-              <a:rPr lang="pt-BR" dirty="0" smtClean="0"/>
+              <a:rPr lang="pt-BR" sz="3200" dirty="0" smtClean="0"/>
               <a:t>Planejamento</a:t>
             </a:r>
-            <a:endParaRPr lang="pt-BR" dirty="0"/>
+            <a:endParaRPr lang="pt-BR" sz="3200" dirty="0"/>
           </a:p>
         </p:txBody>
       </p:sp>
@@ -45161,23 +45180,24 @@
         </p:nvSpPr>
         <p:spPr>
           <a:xfrm>
-            <a:off x="437024" y="171231"/>
-            <a:ext cx="8229600" cy="764704"/>
+            <a:off x="827584" y="44624"/>
+            <a:ext cx="7839040" cy="764704"/>
           </a:xfrm>
         </p:spPr>
         <p:txBody>
           <a:bodyPr/>
           <a:lstStyle/>
           <a:p>
+            <a:pPr algn="l"/>
             <a:r>
-              <a:rPr lang="pt-BR" dirty="0" smtClean="0"/>
+              <a:rPr lang="pt-BR" sz="3200" dirty="0" smtClean="0"/>
               <a:t>Produto </a:t>
             </a:r>
             <a:r>
-              <a:rPr lang="pt-BR" dirty="0" err="1" smtClean="0"/>
+              <a:rPr lang="pt-BR" sz="3200" dirty="0" err="1" smtClean="0"/>
               <a:t>baklog</a:t>
             </a:r>
-            <a:endParaRPr lang="pt-BR" dirty="0"/>
+            <a:endParaRPr lang="pt-BR" sz="3200" dirty="0"/>
           </a:p>
         </p:txBody>
       </p:sp>
@@ -45254,35 +45274,35 @@
                 <a:gridCol w="558501">
                   <a:extLst>
                     <a:ext uri="{9D8B030D-6E8A-4147-A177-3AD203B41FA5}">
-                      <a16:colId xmlns:a16="http://schemas.microsoft.com/office/drawing/2014/main" xmlns="" val="20000"/>
+                      <a16:colId xmlns="" xmlns:a16="http://schemas.microsoft.com/office/drawing/2014/main" val="20000"/>
                     </a:ext>
                   </a:extLst>
                 </a:gridCol>
                 <a:gridCol w="5238155">
                   <a:extLst>
                     <a:ext uri="{9D8B030D-6E8A-4147-A177-3AD203B41FA5}">
-                      <a16:colId xmlns:a16="http://schemas.microsoft.com/office/drawing/2014/main" xmlns="" val="20001"/>
+                      <a16:colId xmlns="" xmlns:a16="http://schemas.microsoft.com/office/drawing/2014/main" val="20001"/>
                     </a:ext>
                   </a:extLst>
                 </a:gridCol>
                 <a:gridCol w="703633">
                   <a:extLst>
                     <a:ext uri="{9D8B030D-6E8A-4147-A177-3AD203B41FA5}">
-                      <a16:colId xmlns:a16="http://schemas.microsoft.com/office/drawing/2014/main" xmlns="" val="20002"/>
+                      <a16:colId xmlns="" xmlns:a16="http://schemas.microsoft.com/office/drawing/2014/main" val="20002"/>
                     </a:ext>
                   </a:extLst>
                 </a:gridCol>
                 <a:gridCol w="1563628">
                   <a:extLst>
                     <a:ext uri="{9D8B030D-6E8A-4147-A177-3AD203B41FA5}">
-                      <a16:colId xmlns:a16="http://schemas.microsoft.com/office/drawing/2014/main" xmlns="" val="20003"/>
+                      <a16:colId xmlns="" xmlns:a16="http://schemas.microsoft.com/office/drawing/2014/main" val="20003"/>
                     </a:ext>
                   </a:extLst>
                 </a:gridCol>
                 <a:gridCol w="871226">
                   <a:extLst>
                     <a:ext uri="{9D8B030D-6E8A-4147-A177-3AD203B41FA5}">
-                      <a16:colId xmlns:a16="http://schemas.microsoft.com/office/drawing/2014/main" xmlns="" val="20004"/>
+                      <a16:colId xmlns="" xmlns:a16="http://schemas.microsoft.com/office/drawing/2014/main" val="20004"/>
                     </a:ext>
                   </a:extLst>
                 </a:gridCol>
@@ -45397,7 +45417,7 @@
                 </a:tc>
                 <a:extLst>
                   <a:ext uri="{0D108BD9-81ED-4DB2-BD59-A6C34878D82A}">
-                    <a16:rowId xmlns:a16="http://schemas.microsoft.com/office/drawing/2014/main" xmlns="" val="10000"/>
+                    <a16:rowId xmlns="" xmlns:a16="http://schemas.microsoft.com/office/drawing/2014/main" val="10000"/>
                   </a:ext>
                 </a:extLst>
               </a:tr>
@@ -45504,7 +45524,7 @@
                 </a:tc>
                 <a:extLst>
                   <a:ext uri="{0D108BD9-81ED-4DB2-BD59-A6C34878D82A}">
-                    <a16:rowId xmlns:a16="http://schemas.microsoft.com/office/drawing/2014/main" xmlns="" val="10001"/>
+                    <a16:rowId xmlns="" xmlns:a16="http://schemas.microsoft.com/office/drawing/2014/main" val="10001"/>
                   </a:ext>
                 </a:extLst>
               </a:tr>
@@ -45611,7 +45631,7 @@
                 </a:tc>
                 <a:extLst>
                   <a:ext uri="{0D108BD9-81ED-4DB2-BD59-A6C34878D82A}">
-                    <a16:rowId xmlns:a16="http://schemas.microsoft.com/office/drawing/2014/main" xmlns="" val="10002"/>
+                    <a16:rowId xmlns="" xmlns:a16="http://schemas.microsoft.com/office/drawing/2014/main" val="10002"/>
                   </a:ext>
                 </a:extLst>
               </a:tr>
@@ -45718,7 +45738,7 @@
                 </a:tc>
                 <a:extLst>
                   <a:ext uri="{0D108BD9-81ED-4DB2-BD59-A6C34878D82A}">
-                    <a16:rowId xmlns:a16="http://schemas.microsoft.com/office/drawing/2014/main" xmlns="" val="10003"/>
+                    <a16:rowId xmlns="" xmlns:a16="http://schemas.microsoft.com/office/drawing/2014/main" val="10003"/>
                   </a:ext>
                 </a:extLst>
               </a:tr>
@@ -45832,7 +45852,7 @@
                 </a:tc>
                 <a:extLst>
                   <a:ext uri="{0D108BD9-81ED-4DB2-BD59-A6C34878D82A}">
-                    <a16:rowId xmlns:a16="http://schemas.microsoft.com/office/drawing/2014/main" xmlns="" val="10004"/>
+                    <a16:rowId xmlns="" xmlns:a16="http://schemas.microsoft.com/office/drawing/2014/main" val="10004"/>
                   </a:ext>
                 </a:extLst>
               </a:tr>
@@ -45939,7 +45959,7 @@
                 </a:tc>
                 <a:extLst>
                   <a:ext uri="{0D108BD9-81ED-4DB2-BD59-A6C34878D82A}">
-                    <a16:rowId xmlns:a16="http://schemas.microsoft.com/office/drawing/2014/main" xmlns="" val="10005"/>
+                    <a16:rowId xmlns="" xmlns:a16="http://schemas.microsoft.com/office/drawing/2014/main" val="10005"/>
                   </a:ext>
                 </a:extLst>
               </a:tr>
@@ -46046,7 +46066,7 @@
                 </a:tc>
                 <a:extLst>
                   <a:ext uri="{0D108BD9-81ED-4DB2-BD59-A6C34878D82A}">
-                    <a16:rowId xmlns:a16="http://schemas.microsoft.com/office/drawing/2014/main" xmlns="" val="10006"/>
+                    <a16:rowId xmlns="" xmlns:a16="http://schemas.microsoft.com/office/drawing/2014/main" val="10006"/>
                   </a:ext>
                 </a:extLst>
               </a:tr>
@@ -46153,7 +46173,7 @@
                 </a:tc>
                 <a:extLst>
                   <a:ext uri="{0D108BD9-81ED-4DB2-BD59-A6C34878D82A}">
-                    <a16:rowId xmlns:a16="http://schemas.microsoft.com/office/drawing/2014/main" xmlns="" val="10007"/>
+                    <a16:rowId xmlns="" xmlns:a16="http://schemas.microsoft.com/office/drawing/2014/main" val="10007"/>
                   </a:ext>
                 </a:extLst>
               </a:tr>
@@ -46260,7 +46280,7 @@
                 </a:tc>
                 <a:extLst>
                   <a:ext uri="{0D108BD9-81ED-4DB2-BD59-A6C34878D82A}">
-                    <a16:rowId xmlns:a16="http://schemas.microsoft.com/office/drawing/2014/main" xmlns="" val="10008"/>
+                    <a16:rowId xmlns="" xmlns:a16="http://schemas.microsoft.com/office/drawing/2014/main" val="10008"/>
                   </a:ext>
                 </a:extLst>
               </a:tr>
@@ -46317,7 +46337,7 @@
                 </a:tc>
                 <a:extLst>
                   <a:ext uri="{0D108BD9-81ED-4DB2-BD59-A6C34878D82A}">
-                    <a16:rowId xmlns:a16="http://schemas.microsoft.com/office/drawing/2014/main" xmlns="" val="10009"/>
+                    <a16:rowId xmlns="" xmlns:a16="http://schemas.microsoft.com/office/drawing/2014/main" val="10009"/>
                   </a:ext>
                 </a:extLst>
               </a:tr>
@@ -46421,38 +46441,38 @@
           <a:lstStyle/>
           <a:p>
             <a:r>
-              <a:rPr lang="pt-BR" sz="4400" dirty="0" smtClean="0"/>
+              <a:rPr lang="pt-BR" sz="3200" dirty="0" smtClean="0"/>
               <a:t>Priorização</a:t>
             </a:r>
             <a:r>
-              <a:rPr lang="pt-BR" sz="4400" baseline="0" dirty="0" smtClean="0"/>
+              <a:rPr lang="pt-BR" sz="3200" baseline="0" dirty="0" smtClean="0"/>
               <a:t> de </a:t>
             </a:r>
             <a:r>
-              <a:rPr lang="pt-BR" sz="4400" baseline="0" dirty="0" err="1" smtClean="0"/>
+              <a:rPr lang="pt-BR" sz="3200" baseline="0" dirty="0" err="1" smtClean="0"/>
               <a:t>Users</a:t>
             </a:r>
             <a:r>
-              <a:rPr lang="pt-BR" sz="4400" baseline="0" dirty="0" smtClean="0"/>
+              <a:rPr lang="pt-BR" sz="3200" baseline="0" dirty="0" smtClean="0"/>
               <a:t> </a:t>
             </a:r>
             <a:r>
-              <a:rPr lang="pt-BR" sz="4400" baseline="0" dirty="0" err="1" smtClean="0"/>
+              <a:rPr lang="pt-BR" sz="3200" baseline="0" dirty="0" err="1" smtClean="0"/>
               <a:t>Stories</a:t>
             </a:r>
             <a:r>
-              <a:rPr lang="pt-BR" sz="4400" baseline="0" dirty="0" smtClean="0"/>
+              <a:rPr lang="pt-BR" sz="3200" baseline="0" dirty="0" smtClean="0"/>
               <a:t> T-</a:t>
             </a:r>
             <a:r>
-              <a:rPr lang="pt-BR" sz="4400" baseline="0" dirty="0" err="1" smtClean="0"/>
+              <a:rPr lang="pt-BR" sz="3200" baseline="0" dirty="0" err="1" smtClean="0"/>
               <a:t>shirt</a:t>
             </a:r>
             <a:r>
-              <a:rPr lang="pt-BR" sz="4400" baseline="0" dirty="0" smtClean="0"/>
+              <a:rPr lang="pt-BR" sz="3200" baseline="0" dirty="0" smtClean="0"/>
               <a:t>, valor do MV</a:t>
             </a:r>
-            <a:endParaRPr lang="pt-BR" sz="4400" dirty="0"/>
+            <a:endParaRPr lang="pt-BR" sz="3200" dirty="0"/>
           </a:p>
         </p:txBody>
       </p:sp>
@@ -46827,19 +46847,20 @@
         </p:nvSpPr>
         <p:spPr>
           <a:xfrm>
-            <a:off x="457200" y="246531"/>
-            <a:ext cx="8229600" cy="806206"/>
+            <a:off x="827584" y="246531"/>
+            <a:ext cx="7859216" cy="806206"/>
           </a:xfrm>
         </p:spPr>
         <p:txBody>
           <a:bodyPr/>
           <a:lstStyle/>
           <a:p>
+            <a:pPr algn="l"/>
             <a:r>
-              <a:rPr lang="pt-BR" dirty="0" err="1" smtClean="0"/>
+              <a:rPr lang="pt-BR" sz="3200" dirty="0" err="1" smtClean="0"/>
               <a:t>Trello</a:t>
             </a:r>
-            <a:endParaRPr lang="pt-BR" dirty="0"/>
+            <a:endParaRPr lang="pt-BR" sz="3200" dirty="0"/>
           </a:p>
         </p:txBody>
       </p:sp>
@@ -46998,23 +47019,24 @@
         </p:nvSpPr>
         <p:spPr>
           <a:xfrm>
-            <a:off x="0" y="265611"/>
-            <a:ext cx="8932872" cy="1046617"/>
+            <a:off x="827584" y="246531"/>
+            <a:ext cx="8105288" cy="844710"/>
           </a:xfrm>
         </p:spPr>
         <p:txBody>
           <a:bodyPr/>
           <a:lstStyle/>
           <a:p>
+            <a:pPr algn="l"/>
             <a:r>
-              <a:rPr lang="pt-BR" sz="4400" dirty="0" smtClean="0"/>
+              <a:rPr lang="pt-BR" sz="3200" dirty="0" smtClean="0"/>
               <a:t>Metodologia de</a:t>
             </a:r>
             <a:r>
-              <a:rPr lang="pt-BR" sz="4400" baseline="0" dirty="0" smtClean="0"/>
+              <a:rPr lang="pt-BR" sz="3200" baseline="0" dirty="0" smtClean="0"/>
               <a:t> desenvolvimento</a:t>
             </a:r>
-            <a:endParaRPr lang="pt-BR" sz="4400" dirty="0"/>
+            <a:endParaRPr lang="pt-BR" sz="3200" dirty="0"/>
           </a:p>
         </p:txBody>
       </p:sp>
@@ -47191,11 +47213,12 @@
           <a:bodyPr/>
           <a:lstStyle/>
           <a:p>
+            <a:pPr algn="ctr"/>
             <a:r>
-              <a:rPr lang="pt-BR" dirty="0" smtClean="0"/>
+              <a:rPr lang="pt-BR" sz="3200" dirty="0" smtClean="0"/>
               <a:t>Arquitetura/Sistema</a:t>
             </a:r>
-            <a:endParaRPr lang="pt-BR" dirty="0"/>
+            <a:endParaRPr lang="pt-BR" sz="3200" dirty="0"/>
           </a:p>
         </p:txBody>
       </p:sp>
@@ -47336,19 +47359,20 @@
         </p:nvSpPr>
         <p:spPr>
           <a:xfrm>
-            <a:off x="457200" y="0"/>
-            <a:ext cx="8229600" cy="1196752"/>
+            <a:off x="827584" y="116632"/>
+            <a:ext cx="7859216" cy="1080120"/>
           </a:xfrm>
         </p:spPr>
         <p:txBody>
           <a:bodyPr/>
           <a:lstStyle/>
           <a:p>
+            <a:pPr algn="l"/>
             <a:r>
-              <a:rPr lang="pt-BR" dirty="0" smtClean="0"/>
+              <a:rPr lang="pt-BR" sz="3200" dirty="0" smtClean="0"/>
               <a:t>Modelo (camadas)</a:t>
             </a:r>
-            <a:endParaRPr lang="pt-BR" dirty="0"/>
+            <a:endParaRPr lang="pt-BR" sz="3200" dirty="0"/>
           </a:p>
         </p:txBody>
       </p:sp>
@@ -47362,7 +47386,7 @@
             <p:ph idx="1"/>
             <p:extLst>
               <p:ext uri="{D42A27DB-BD31-4B8C-83A1-F6EECF244321}">
-                <p14:modId xmlns:p14="http://schemas.microsoft.com/office/powerpoint/2010/main" val="1693257145"/>
+                <p14:modId xmlns:p14="http://schemas.microsoft.com/office/powerpoint/2010/main" val="3454708397"/>
               </p:ext>
             </p:extLst>
           </p:nvPr>
@@ -47479,14 +47503,14 @@
           <a:lstStyle/>
           <a:p>
             <a:r>
-              <a:rPr lang="pt-BR" dirty="0" smtClean="0"/>
+              <a:rPr lang="pt-BR" sz="3200" dirty="0" smtClean="0"/>
               <a:t>Modelagem</a:t>
             </a:r>
             <a:r>
-              <a:rPr lang="pt-BR" baseline="0" dirty="0" smtClean="0"/>
+              <a:rPr lang="pt-BR" sz="3200" baseline="0" dirty="0" smtClean="0"/>
               <a:t> de negócio</a:t>
             </a:r>
-            <a:endParaRPr lang="pt-BR" dirty="0"/>
+            <a:endParaRPr lang="pt-BR" sz="3200" dirty="0"/>
           </a:p>
         </p:txBody>
       </p:sp>
@@ -47625,148 +47649,22 @@
             <p:ph type="title"/>
           </p:nvPr>
         </p:nvSpPr>
-        <p:spPr/>
-        <p:txBody>
-          <a:bodyPr/>
-          <a:lstStyle/>
-          <a:p>
-            <a:r>
-              <a:rPr lang="pt-BR" dirty="0" smtClean="0"/>
-              <a:t>Algo </a:t>
-            </a:r>
-            <a:r>
-              <a:rPr lang="pt-BR" dirty="0" err="1" smtClean="0"/>
-              <a:t>aaS</a:t>
-            </a:r>
-            <a:endParaRPr lang="pt-BR" dirty="0"/>
-          </a:p>
-        </p:txBody>
-      </p:sp>
-      <p:sp>
-        <p:nvSpPr>
-          <p:cNvPr id="3" name="Espaço Reservado para Conteúdo 2"/>
-          <p:cNvSpPr>
-            <a:spLocks noGrp="1"/>
-          </p:cNvSpPr>
-          <p:nvPr>
-            <p:ph idx="1"/>
-          </p:nvPr>
-        </p:nvSpPr>
-        <p:spPr/>
-        <p:txBody>
-          <a:bodyPr/>
-          <a:lstStyle/>
-          <a:p>
-            <a:endParaRPr lang="pt-BR"/>
-          </a:p>
-        </p:txBody>
-      </p:sp>
-      <p:pic>
-        <p:nvPicPr>
-          <p:cNvPr id="4" name="Picture 2" descr="https://cdn-images-1.medium.com/max/600/1*YHKQVfSqFafrXvGcc5wUuQ.png"/>
-          <p:cNvPicPr>
-            <a:picLocks noChangeAspect="1" noChangeArrowheads="1"/>
-          </p:cNvPicPr>
-          <p:nvPr/>
-        </p:nvPicPr>
-        <p:blipFill rotWithShape="1">
-          <a:blip r:embed="rId2">
-            <a:extLst>
-              <a:ext uri="{28A0092B-C50C-407E-A947-70E740481C1C}">
-                <a14:useLocalDpi xmlns:a14="http://schemas.microsoft.com/office/drawing/2010/main" val="0"/>
-              </a:ext>
-            </a:extLst>
-          </a:blip>
-          <a:srcRect b="11346"/>
-          <a:stretch/>
-        </p:blipFill>
-        <p:spPr bwMode="auto">
-          <a:xfrm>
-            <a:off x="0" y="-60521"/>
-            <a:ext cx="827584" cy="614104"/>
-          </a:xfrm>
-          <a:prstGeom prst="rect">
-            <a:avLst/>
-          </a:prstGeom>
-          <a:ln>
-            <a:noFill/>
-          </a:ln>
-          <a:effectLst>
-            <a:softEdge rad="112500"/>
-          </a:effectLst>
-          <a:extLst>
-            <a:ext uri="{909E8E84-426E-40DD-AFC4-6F175D3DCCD1}">
-              <a14:hiddenFill xmlns:a14="http://schemas.microsoft.com/office/drawing/2010/main">
-                <a:solidFill>
-                  <a:srgbClr val="FFFFFF"/>
-                </a:solidFill>
-              </a14:hiddenFill>
-            </a:ext>
-          </a:extLst>
-        </p:spPr>
-      </p:pic>
-    </p:spTree>
-    <p:extLst>
-      <p:ext uri="{BB962C8B-B14F-4D97-AF65-F5344CB8AC3E}">
-        <p14:creationId xmlns:p14="http://schemas.microsoft.com/office/powerpoint/2010/main" val="2088152242"/>
-      </p:ext>
-    </p:extLst>
-  </p:cSld>
-  <p:clrMapOvr>
-    <a:masterClrMapping/>
-  </p:clrMapOvr>
-  <p:timing>
-    <p:tnLst>
-      <p:par>
-        <p:cTn id="1" dur="indefinite" restart="never" nodeType="tmRoot"/>
-      </p:par>
-    </p:tnLst>
-  </p:timing>
-</p:sld>
-</file>
-
-<file path=ppt/slides/slide21.xml><?xml version="1.0" encoding="utf-8"?>
-<p:sld xmlns:a="http://schemas.openxmlformats.org/drawingml/2006/main" xmlns:r="http://schemas.openxmlformats.org/officeDocument/2006/relationships" xmlns:p="http://schemas.openxmlformats.org/presentationml/2006/main">
-  <p:cSld>
-    <p:spTree>
-      <p:nvGrpSpPr>
-        <p:cNvPr id="1" name=""/>
-        <p:cNvGrpSpPr/>
-        <p:nvPr/>
-      </p:nvGrpSpPr>
-      <p:grpSpPr>
-        <a:xfrm>
-          <a:off x="0" y="0"/>
-          <a:ext cx="0" cy="0"/>
-          <a:chOff x="0" y="0"/>
-          <a:chExt cx="0" cy="0"/>
-        </a:xfrm>
-      </p:grpSpPr>
-      <p:sp>
-        <p:nvSpPr>
-          <p:cNvPr id="2" name="Título 1"/>
-          <p:cNvSpPr>
-            <a:spLocks noGrp="1"/>
-          </p:cNvSpPr>
-          <p:nvPr>
-            <p:ph type="title"/>
-          </p:nvPr>
-        </p:nvSpPr>
         <p:spPr>
           <a:xfrm>
-            <a:off x="457200" y="0"/>
-            <a:ext cx="8229600" cy="1124744"/>
+            <a:off x="827584" y="114476"/>
+            <a:ext cx="7859216" cy="878213"/>
           </a:xfrm>
         </p:spPr>
         <p:txBody>
           <a:bodyPr/>
           <a:lstStyle/>
           <a:p>
+            <a:pPr algn="l"/>
             <a:r>
-              <a:rPr lang="pt-BR" dirty="0" smtClean="0"/>
+              <a:rPr lang="pt-BR" sz="3200" dirty="0" smtClean="0"/>
               <a:t>Diagramas  ER</a:t>
             </a:r>
-            <a:endParaRPr lang="pt-BR" dirty="0"/>
+            <a:endParaRPr lang="pt-BR" sz="3200" dirty="0"/>
           </a:p>
         </p:txBody>
       </p:sp>
@@ -47863,7 +47761,7 @@
 </p:sld>
 </file>
 
-<file path=ppt/slides/slide22.xml><?xml version="1.0" encoding="utf-8"?>
+<file path=ppt/slides/slide21.xml><?xml version="1.0" encoding="utf-8"?>
 <p:sld xmlns:a="http://schemas.openxmlformats.org/drawingml/2006/main" xmlns:r="http://schemas.openxmlformats.org/officeDocument/2006/relationships" xmlns:p="http://schemas.openxmlformats.org/presentationml/2006/main">
   <p:cSld>
     <p:spTree>
@@ -47901,10 +47799,10 @@
           <a:lstStyle/>
           <a:p>
             <a:r>
-              <a:rPr lang="pt-BR" dirty="0" smtClean="0"/>
+              <a:rPr lang="pt-BR" sz="3200" dirty="0" smtClean="0"/>
               <a:t>Desenvolvimento</a:t>
             </a:r>
-            <a:endParaRPr lang="pt-BR" dirty="0"/>
+            <a:endParaRPr lang="pt-BR" sz="3200" dirty="0"/>
           </a:p>
         </p:txBody>
       </p:sp>
@@ -48018,253 +47916,7 @@
 </p:sld>
 </file>
 
-<file path=ppt/slides/slide23.xml><?xml version="1.0" encoding="utf-8"?>
-<p:sld xmlns:a="http://schemas.openxmlformats.org/drawingml/2006/main" xmlns:r="http://schemas.openxmlformats.org/officeDocument/2006/relationships" xmlns:p="http://schemas.openxmlformats.org/presentationml/2006/main">
-  <p:cSld>
-    <p:spTree>
-      <p:nvGrpSpPr>
-        <p:cNvPr id="1" name=""/>
-        <p:cNvGrpSpPr/>
-        <p:nvPr/>
-      </p:nvGrpSpPr>
-      <p:grpSpPr>
-        <a:xfrm>
-          <a:off x="0" y="0"/>
-          <a:ext cx="0" cy="0"/>
-          <a:chOff x="0" y="0"/>
-          <a:chExt cx="0" cy="0"/>
-        </a:xfrm>
-      </p:grpSpPr>
-      <p:sp>
-        <p:nvSpPr>
-          <p:cNvPr id="2" name="Título 1"/>
-          <p:cNvSpPr>
-            <a:spLocks noGrp="1"/>
-          </p:cNvSpPr>
-          <p:nvPr>
-            <p:ph type="title"/>
-          </p:nvPr>
-        </p:nvSpPr>
-        <p:spPr/>
-        <p:txBody>
-          <a:bodyPr/>
-          <a:lstStyle/>
-          <a:p>
-            <a:r>
-              <a:rPr lang="pt-BR" dirty="0" smtClean="0"/>
-              <a:t>Protótipos</a:t>
-            </a:r>
-            <a:endParaRPr lang="pt-BR" dirty="0"/>
-          </a:p>
-        </p:txBody>
-      </p:sp>
-      <p:sp>
-        <p:nvSpPr>
-          <p:cNvPr id="3" name="Espaço Reservado para Conteúdo 2"/>
-          <p:cNvSpPr>
-            <a:spLocks noGrp="1"/>
-          </p:cNvSpPr>
-          <p:nvPr>
-            <p:ph idx="1"/>
-          </p:nvPr>
-        </p:nvSpPr>
-        <p:spPr/>
-        <p:txBody>
-          <a:bodyPr/>
-          <a:lstStyle/>
-          <a:p>
-            <a:endParaRPr lang="pt-BR"/>
-          </a:p>
-        </p:txBody>
-      </p:sp>
-      <p:pic>
-        <p:nvPicPr>
-          <p:cNvPr id="4" name="Picture 2" descr="https://cdn-images-1.medium.com/max/600/1*YHKQVfSqFafrXvGcc5wUuQ.png"/>
-          <p:cNvPicPr>
-            <a:picLocks noChangeAspect="1" noChangeArrowheads="1"/>
-          </p:cNvPicPr>
-          <p:nvPr/>
-        </p:nvPicPr>
-        <p:blipFill rotWithShape="1">
-          <a:blip r:embed="rId2">
-            <a:extLst>
-              <a:ext uri="{28A0092B-C50C-407E-A947-70E740481C1C}">
-                <a14:useLocalDpi xmlns:a14="http://schemas.microsoft.com/office/drawing/2010/main" val="0"/>
-              </a:ext>
-            </a:extLst>
-          </a:blip>
-          <a:srcRect b="11346"/>
-          <a:stretch/>
-        </p:blipFill>
-        <p:spPr bwMode="auto">
-          <a:xfrm>
-            <a:off x="0" y="-60521"/>
-            <a:ext cx="827584" cy="614104"/>
-          </a:xfrm>
-          <a:prstGeom prst="rect">
-            <a:avLst/>
-          </a:prstGeom>
-          <a:ln>
-            <a:noFill/>
-          </a:ln>
-          <a:effectLst>
-            <a:softEdge rad="112500"/>
-          </a:effectLst>
-          <a:extLst>
-            <a:ext uri="{909E8E84-426E-40DD-AFC4-6F175D3DCCD1}">
-              <a14:hiddenFill xmlns:a14="http://schemas.microsoft.com/office/drawing/2010/main">
-                <a:solidFill>
-                  <a:srgbClr val="FFFFFF"/>
-                </a:solidFill>
-              </a14:hiddenFill>
-            </a:ext>
-          </a:extLst>
-        </p:spPr>
-      </p:pic>
-    </p:spTree>
-    <p:extLst>
-      <p:ext uri="{BB962C8B-B14F-4D97-AF65-F5344CB8AC3E}">
-        <p14:creationId xmlns:p14="http://schemas.microsoft.com/office/powerpoint/2010/main" val="386714111"/>
-      </p:ext>
-    </p:extLst>
-  </p:cSld>
-  <p:clrMapOvr>
-    <a:masterClrMapping/>
-  </p:clrMapOvr>
-  <p:timing>
-    <p:tnLst>
-      <p:par>
-        <p:cTn id="1" dur="indefinite" restart="never" nodeType="tmRoot"/>
-      </p:par>
-    </p:tnLst>
-  </p:timing>
-</p:sld>
-</file>
-
-<file path=ppt/slides/slide24.xml><?xml version="1.0" encoding="utf-8"?>
-<p:sld xmlns:a="http://schemas.openxmlformats.org/drawingml/2006/main" xmlns:r="http://schemas.openxmlformats.org/officeDocument/2006/relationships" xmlns:p="http://schemas.openxmlformats.org/presentationml/2006/main">
-  <p:cSld>
-    <p:spTree>
-      <p:nvGrpSpPr>
-        <p:cNvPr id="1" name=""/>
-        <p:cNvGrpSpPr/>
-        <p:nvPr/>
-      </p:nvGrpSpPr>
-      <p:grpSpPr>
-        <a:xfrm>
-          <a:off x="0" y="0"/>
-          <a:ext cx="0" cy="0"/>
-          <a:chOff x="0" y="0"/>
-          <a:chExt cx="0" cy="0"/>
-        </a:xfrm>
-      </p:grpSpPr>
-      <p:sp>
-        <p:nvSpPr>
-          <p:cNvPr id="2" name="Título 1"/>
-          <p:cNvSpPr>
-            <a:spLocks noGrp="1"/>
-          </p:cNvSpPr>
-          <p:nvPr>
-            <p:ph type="title"/>
-          </p:nvPr>
-        </p:nvSpPr>
-        <p:spPr/>
-        <p:txBody>
-          <a:bodyPr/>
-          <a:lstStyle/>
-          <a:p>
-            <a:r>
-              <a:rPr lang="pt-BR" dirty="0" smtClean="0"/>
-              <a:t>Release</a:t>
-            </a:r>
-            <a:endParaRPr lang="pt-BR" dirty="0"/>
-          </a:p>
-        </p:txBody>
-      </p:sp>
-      <p:sp>
-        <p:nvSpPr>
-          <p:cNvPr id="3" name="Espaço Reservado para Conteúdo 2"/>
-          <p:cNvSpPr>
-            <a:spLocks noGrp="1"/>
-          </p:cNvSpPr>
-          <p:nvPr>
-            <p:ph idx="1"/>
-          </p:nvPr>
-        </p:nvSpPr>
-        <p:spPr/>
-        <p:txBody>
-          <a:bodyPr/>
-          <a:lstStyle/>
-          <a:p>
-            <a:endParaRPr lang="pt-BR"/>
-          </a:p>
-        </p:txBody>
-      </p:sp>
-      <p:pic>
-        <p:nvPicPr>
-          <p:cNvPr id="5" name="Picture 2" descr="https://cdn-images-1.medium.com/max/600/1*YHKQVfSqFafrXvGcc5wUuQ.png"/>
-          <p:cNvPicPr>
-            <a:picLocks noChangeAspect="1" noChangeArrowheads="1"/>
-          </p:cNvPicPr>
-          <p:nvPr/>
-        </p:nvPicPr>
-        <p:blipFill rotWithShape="1">
-          <a:blip r:embed="rId2">
-            <a:extLst>
-              <a:ext uri="{28A0092B-C50C-407E-A947-70E740481C1C}">
-                <a14:useLocalDpi xmlns:a14="http://schemas.microsoft.com/office/drawing/2010/main" val="0"/>
-              </a:ext>
-            </a:extLst>
-          </a:blip>
-          <a:srcRect b="11346"/>
-          <a:stretch/>
-        </p:blipFill>
-        <p:spPr bwMode="auto">
-          <a:xfrm>
-            <a:off x="0" y="-60521"/>
-            <a:ext cx="827584" cy="614104"/>
-          </a:xfrm>
-          <a:prstGeom prst="rect">
-            <a:avLst/>
-          </a:prstGeom>
-          <a:ln>
-            <a:noFill/>
-          </a:ln>
-          <a:effectLst>
-            <a:softEdge rad="112500"/>
-          </a:effectLst>
-          <a:extLst>
-            <a:ext uri="{909E8E84-426E-40DD-AFC4-6F175D3DCCD1}">
-              <a14:hiddenFill xmlns:a14="http://schemas.microsoft.com/office/drawing/2010/main">
-                <a:solidFill>
-                  <a:srgbClr val="FFFFFF"/>
-                </a:solidFill>
-              </a14:hiddenFill>
-            </a:ext>
-          </a:extLst>
-        </p:spPr>
-      </p:pic>
-    </p:spTree>
-    <p:extLst>
-      <p:ext uri="{BB962C8B-B14F-4D97-AF65-F5344CB8AC3E}">
-        <p14:creationId xmlns:p14="http://schemas.microsoft.com/office/powerpoint/2010/main" val="3763421115"/>
-      </p:ext>
-    </p:extLst>
-  </p:cSld>
-  <p:clrMapOvr>
-    <a:masterClrMapping/>
-  </p:clrMapOvr>
-  <p:timing>
-    <p:tnLst>
-      <p:par>
-        <p:cTn id="1" dur="indefinite" restart="never" nodeType="tmRoot"/>
-      </p:par>
-    </p:tnLst>
-  </p:timing>
-</p:sld>
-</file>
-
-<file path=ppt/slides/slide25.xml><?xml version="1.0" encoding="utf-8"?>
+<file path=ppt/slides/slide22.xml><?xml version="1.0" encoding="utf-8"?>
 <p:sld xmlns:a="http://schemas.openxmlformats.org/drawingml/2006/main" xmlns:r="http://schemas.openxmlformats.org/officeDocument/2006/relationships" xmlns:p="http://schemas.openxmlformats.org/presentationml/2006/main">
   <p:cSld>
     <p:spTree>
@@ -48293,19 +47945,20 @@
         </p:nvSpPr>
         <p:spPr>
           <a:xfrm>
-            <a:off x="179512" y="4273749"/>
-            <a:ext cx="8784976" cy="1368152"/>
+            <a:off x="827584" y="123986"/>
+            <a:ext cx="8089654" cy="859194"/>
           </a:xfrm>
         </p:spPr>
         <p:txBody>
           <a:bodyPr/>
           <a:lstStyle/>
           <a:p>
+            <a:pPr algn="l"/>
             <a:r>
-              <a:rPr lang="pt-BR" dirty="0" smtClean="0"/>
-              <a:t>Testar/Validar</a:t>
+              <a:rPr lang="pt-BR" sz="3200" dirty="0" smtClean="0"/>
+              <a:t>Home usuário</a:t>
             </a:r>
-            <a:endParaRPr lang="pt-BR" dirty="0"/>
+            <a:endParaRPr lang="pt-BR" sz="3200" dirty="0"/>
           </a:p>
         </p:txBody>
       </p:sp>
@@ -48355,13 +48008,13 @@
       </p:pic>
       <p:pic>
         <p:nvPicPr>
-          <p:cNvPr id="6146" name="Picture 2" descr="Imagem relacionada"/>
+          <p:cNvPr id="5" name="Picture 2"/>
           <p:cNvPicPr>
             <a:picLocks noChangeAspect="1" noChangeArrowheads="1"/>
           </p:cNvPicPr>
           <p:nvPr/>
         </p:nvPicPr>
-        <p:blipFill>
+        <p:blipFill rotWithShape="1">
           <a:blip r:embed="rId3">
             <a:extLst>
               <a:ext uri="{28A0092B-C50C-407E-A947-70E740481C1C}">
@@ -48369,17 +48022,15 @@
               </a:ext>
             </a:extLst>
           </a:blip>
-          <a:srcRect/>
-          <a:stretch>
-            <a:fillRect/>
-          </a:stretch>
+          <a:srcRect r="42883"/>
+          <a:stretch/>
         </p:blipFill>
         <p:spPr bwMode="auto">
           <a:xfrm>
-            <a:off x="2555776" y="1628800"/>
-            <a:ext cx="3888432" cy="2793132"/>
+            <a:off x="260255" y="980728"/>
+            <a:ext cx="8776241" cy="5654784"/>
           </a:xfrm>
-          <a:prstGeom prst="ellipse">
+          <a:prstGeom prst="rect">
             <a:avLst/>
           </a:prstGeom>
           <a:ln>
@@ -48392,9 +48043,28 @@
             <a:ext uri="{909E8E84-426E-40DD-AFC4-6F175D3DCCD1}">
               <a14:hiddenFill xmlns:a14="http://schemas.microsoft.com/office/drawing/2010/main">
                 <a:solidFill>
-                  <a:srgbClr val="FFFFFF"/>
+                  <a:schemeClr val="accent1"/>
                 </a:solidFill>
               </a14:hiddenFill>
+            </a:ext>
+            <a:ext uri="{91240B29-F687-4F45-9708-019B960494DF}">
+              <a14:hiddenLine xmlns:a14="http://schemas.microsoft.com/office/drawing/2010/main" w="9525">
+                <a:solidFill>
+                  <a:schemeClr val="tx1"/>
+                </a:solidFill>
+                <a:miter lim="800000"/>
+                <a:headEnd/>
+                <a:tailEnd/>
+              </a14:hiddenLine>
+            </a:ext>
+            <a:ext uri="{AF507438-7753-43E0-B8FC-AC1667EBCBE1}">
+              <a14:hiddenEffects xmlns:a14="http://schemas.microsoft.com/office/drawing/2010/main">
+                <a:effectLst>
+                  <a:outerShdw dist="35921" dir="2700000" algn="ctr" rotWithShape="0">
+                    <a:schemeClr val="bg2"/>
+                  </a:outerShdw>
+                </a:effectLst>
+              </a14:hiddenEffects>
             </a:ext>
           </a:extLst>
         </p:spPr>
@@ -48402,7 +48072,7 @@
     </p:spTree>
     <p:extLst>
       <p:ext uri="{BB962C8B-B14F-4D97-AF65-F5344CB8AC3E}">
-        <p14:creationId xmlns:p14="http://schemas.microsoft.com/office/powerpoint/2010/main" val="3658565139"/>
+        <p14:creationId xmlns:p14="http://schemas.microsoft.com/office/powerpoint/2010/main" val="386714111"/>
       </p:ext>
     </p:extLst>
   </p:cSld>
@@ -48419,7 +48089,7 @@
 </p:sld>
 </file>
 
-<file path=ppt/slides/slide26.xml><?xml version="1.0" encoding="utf-8"?>
+<file path=ppt/slides/slide23.xml><?xml version="1.0" encoding="utf-8"?>
 <p:sld xmlns:a="http://schemas.openxmlformats.org/drawingml/2006/main" xmlns:r="http://schemas.openxmlformats.org/officeDocument/2006/relationships" xmlns:p="http://schemas.openxmlformats.org/presentationml/2006/main">
   <p:cSld>
     <p:spTree>
@@ -48446,35 +48116,22 @@
             <p:ph type="title"/>
           </p:nvPr>
         </p:nvSpPr>
-        <p:spPr/>
+        <p:spPr>
+          <a:xfrm>
+            <a:off x="827584" y="123986"/>
+            <a:ext cx="8089654" cy="859194"/>
+          </a:xfrm>
+        </p:spPr>
         <p:txBody>
           <a:bodyPr/>
           <a:lstStyle/>
           <a:p>
+            <a:pPr algn="l"/>
             <a:r>
-              <a:rPr lang="pt-BR" dirty="0" smtClean="0"/>
-              <a:t>Testes unitários</a:t>
+              <a:rPr lang="pt-BR" sz="3200" dirty="0" smtClean="0"/>
+              <a:t>Tela de decisão</a:t>
             </a:r>
-            <a:endParaRPr lang="pt-BR" dirty="0"/>
-          </a:p>
-        </p:txBody>
-      </p:sp>
-      <p:sp>
-        <p:nvSpPr>
-          <p:cNvPr id="3" name="Espaço Reservado para Conteúdo 2"/>
-          <p:cNvSpPr>
-            <a:spLocks noGrp="1"/>
-          </p:cNvSpPr>
-          <p:nvPr>
-            <p:ph idx="1"/>
-          </p:nvPr>
-        </p:nvSpPr>
-        <p:spPr/>
-        <p:txBody>
-          <a:bodyPr/>
-          <a:lstStyle/>
-          <a:p>
-            <a:endParaRPr lang="pt-BR"/>
+            <a:endParaRPr lang="pt-BR" sz="3200" dirty="0"/>
           </a:p>
         </p:txBody>
       </p:sp>
@@ -48522,10 +48179,73 @@
           </a:extLst>
         </p:spPr>
       </p:pic>
+      <p:pic>
+        <p:nvPicPr>
+          <p:cNvPr id="2050" name="Picture 2"/>
+          <p:cNvPicPr>
+            <a:picLocks noChangeAspect="1" noChangeArrowheads="1"/>
+          </p:cNvPicPr>
+          <p:nvPr/>
+        </p:nvPicPr>
+        <p:blipFill rotWithShape="1">
+          <a:blip r:embed="rId3">
+            <a:extLst>
+              <a:ext uri="{28A0092B-C50C-407E-A947-70E740481C1C}">
+                <a14:useLocalDpi xmlns:a14="http://schemas.microsoft.com/office/drawing/2010/main" val="0"/>
+              </a:ext>
+            </a:extLst>
+          </a:blip>
+          <a:srcRect r="43074" b="14401"/>
+          <a:stretch/>
+        </p:blipFill>
+        <p:spPr bwMode="auto">
+          <a:xfrm>
+            <a:off x="122352" y="1268760"/>
+            <a:ext cx="8784976" cy="5040560"/>
+          </a:xfrm>
+          <a:prstGeom prst="rect">
+            <a:avLst/>
+          </a:prstGeom>
+          <a:ln>
+            <a:noFill/>
+          </a:ln>
+          <a:effectLst>
+            <a:softEdge rad="112500"/>
+          </a:effectLst>
+          <a:extLst>
+            <a:ext uri="{909E8E84-426E-40DD-AFC4-6F175D3DCCD1}">
+              <a14:hiddenFill xmlns:a14="http://schemas.microsoft.com/office/drawing/2010/main">
+                <a:solidFill>
+                  <a:schemeClr val="accent1"/>
+                </a:solidFill>
+              </a14:hiddenFill>
+            </a:ext>
+            <a:ext uri="{91240B29-F687-4F45-9708-019B960494DF}">
+              <a14:hiddenLine xmlns:a14="http://schemas.microsoft.com/office/drawing/2010/main" w="9525">
+                <a:solidFill>
+                  <a:schemeClr val="tx1"/>
+                </a:solidFill>
+                <a:miter lim="800000"/>
+                <a:headEnd/>
+                <a:tailEnd/>
+              </a14:hiddenLine>
+            </a:ext>
+            <a:ext uri="{AF507438-7753-43E0-B8FC-AC1667EBCBE1}">
+              <a14:hiddenEffects xmlns:a14="http://schemas.microsoft.com/office/drawing/2010/main">
+                <a:effectLst>
+                  <a:outerShdw dist="35921" dir="2700000" algn="ctr" rotWithShape="0">
+                    <a:schemeClr val="bg2"/>
+                  </a:outerShdw>
+                </a:effectLst>
+              </a14:hiddenEffects>
+            </a:ext>
+          </a:extLst>
+        </p:spPr>
+      </p:pic>
     </p:spTree>
     <p:extLst>
       <p:ext uri="{BB962C8B-B14F-4D97-AF65-F5344CB8AC3E}">
-        <p14:creationId xmlns:p14="http://schemas.microsoft.com/office/powerpoint/2010/main" val="3297088560"/>
+        <p14:creationId xmlns:p14="http://schemas.microsoft.com/office/powerpoint/2010/main" val="1473367542"/>
       </p:ext>
     </p:extLst>
   </p:cSld>
@@ -48542,7 +48262,7 @@
 </p:sld>
 </file>
 
-<file path=ppt/slides/slide27.xml><?xml version="1.0" encoding="utf-8"?>
+<file path=ppt/slides/slide24.xml><?xml version="1.0" encoding="utf-8"?>
 <p:sld xmlns:a="http://schemas.openxmlformats.org/drawingml/2006/main" xmlns:r="http://schemas.openxmlformats.org/officeDocument/2006/relationships" xmlns:p="http://schemas.openxmlformats.org/presentationml/2006/main">
   <p:cSld>
     <p:spTree>
@@ -48569,35 +48289,22 @@
             <p:ph type="title"/>
           </p:nvPr>
         </p:nvSpPr>
-        <p:spPr/>
+        <p:spPr>
+          <a:xfrm>
+            <a:off x="827584" y="123986"/>
+            <a:ext cx="8089654" cy="859194"/>
+          </a:xfrm>
+        </p:spPr>
         <p:txBody>
           <a:bodyPr/>
           <a:lstStyle/>
           <a:p>
+            <a:pPr algn="l"/>
             <a:r>
-              <a:rPr lang="pt-BR" dirty="0" smtClean="0"/>
-              <a:t>Loja</a:t>
+              <a:rPr lang="pt-BR" sz="3200" dirty="0" smtClean="0"/>
+              <a:t>Postagem de notas</a:t>
             </a:r>
-            <a:endParaRPr lang="pt-BR" dirty="0"/>
-          </a:p>
-        </p:txBody>
-      </p:sp>
-      <p:sp>
-        <p:nvSpPr>
-          <p:cNvPr id="3" name="Espaço Reservado para Conteúdo 2"/>
-          <p:cNvSpPr>
-            <a:spLocks noGrp="1"/>
-          </p:cNvSpPr>
-          <p:nvPr>
-            <p:ph idx="1"/>
-          </p:nvPr>
-        </p:nvSpPr>
-        <p:spPr/>
-        <p:txBody>
-          <a:bodyPr/>
-          <a:lstStyle/>
-          <a:p>
-            <a:endParaRPr lang="pt-BR"/>
+            <a:endParaRPr lang="pt-BR" sz="3200" dirty="0"/>
           </a:p>
         </p:txBody>
       </p:sp>
@@ -48645,10 +48352,73 @@
           </a:extLst>
         </p:spPr>
       </p:pic>
+      <p:pic>
+        <p:nvPicPr>
+          <p:cNvPr id="3074" name="Picture 2"/>
+          <p:cNvPicPr>
+            <a:picLocks noChangeAspect="1" noChangeArrowheads="1"/>
+          </p:cNvPicPr>
+          <p:nvPr/>
+        </p:nvPicPr>
+        <p:blipFill rotWithShape="1">
+          <a:blip r:embed="rId3">
+            <a:extLst>
+              <a:ext uri="{28A0092B-C50C-407E-A947-70E740481C1C}">
+                <a14:useLocalDpi xmlns:a14="http://schemas.microsoft.com/office/drawing/2010/main" val="0"/>
+              </a:ext>
+            </a:extLst>
+          </a:blip>
+          <a:srcRect l="-1" r="42983"/>
+          <a:stretch/>
+        </p:blipFill>
+        <p:spPr bwMode="auto">
+          <a:xfrm>
+            <a:off x="299200" y="1052736"/>
+            <a:ext cx="8521272" cy="4968552"/>
+          </a:xfrm>
+          <a:prstGeom prst="rect">
+            <a:avLst/>
+          </a:prstGeom>
+          <a:ln>
+            <a:noFill/>
+          </a:ln>
+          <a:effectLst>
+            <a:softEdge rad="112500"/>
+          </a:effectLst>
+          <a:extLst>
+            <a:ext uri="{909E8E84-426E-40DD-AFC4-6F175D3DCCD1}">
+              <a14:hiddenFill xmlns:a14="http://schemas.microsoft.com/office/drawing/2010/main">
+                <a:solidFill>
+                  <a:schemeClr val="accent1"/>
+                </a:solidFill>
+              </a14:hiddenFill>
+            </a:ext>
+            <a:ext uri="{91240B29-F687-4F45-9708-019B960494DF}">
+              <a14:hiddenLine xmlns:a14="http://schemas.microsoft.com/office/drawing/2010/main" w="9525">
+                <a:solidFill>
+                  <a:schemeClr val="tx1"/>
+                </a:solidFill>
+                <a:miter lim="800000"/>
+                <a:headEnd/>
+                <a:tailEnd/>
+              </a14:hiddenLine>
+            </a:ext>
+            <a:ext uri="{AF507438-7753-43E0-B8FC-AC1667EBCBE1}">
+              <a14:hiddenEffects xmlns:a14="http://schemas.microsoft.com/office/drawing/2010/main">
+                <a:effectLst>
+                  <a:outerShdw dist="35921" dir="2700000" algn="ctr" rotWithShape="0">
+                    <a:schemeClr val="bg2"/>
+                  </a:outerShdw>
+                </a:effectLst>
+              </a14:hiddenEffects>
+            </a:ext>
+          </a:extLst>
+        </p:spPr>
+      </p:pic>
     </p:spTree>
     <p:extLst>
       <p:ext uri="{BB962C8B-B14F-4D97-AF65-F5344CB8AC3E}">
-        <p14:creationId xmlns:p14="http://schemas.microsoft.com/office/powerpoint/2010/main" val="492277659"/>
+        <p14:creationId xmlns:p14="http://schemas.microsoft.com/office/powerpoint/2010/main" val="2863209315"/>
       </p:ext>
     </p:extLst>
   </p:cSld>
@@ -48665,7 +48435,7 @@
 </p:sld>
 </file>
 
-<file path=ppt/slides/slide28.xml><?xml version="1.0" encoding="utf-8"?>
+<file path=ppt/slides/slide25.xml><?xml version="1.0" encoding="utf-8"?>
 <p:sld xmlns:a="http://schemas.openxmlformats.org/drawingml/2006/main" xmlns:r="http://schemas.openxmlformats.org/officeDocument/2006/relationships" xmlns:p="http://schemas.openxmlformats.org/presentationml/2006/main">
   <p:cSld>
     <p:spTree>
@@ -48692,35 +48462,22 @@
             <p:ph type="title"/>
           </p:nvPr>
         </p:nvSpPr>
-        <p:spPr/>
+        <p:spPr>
+          <a:xfrm>
+            <a:off x="827584" y="123986"/>
+            <a:ext cx="8089654" cy="859194"/>
+          </a:xfrm>
+        </p:spPr>
         <p:txBody>
           <a:bodyPr/>
           <a:lstStyle/>
           <a:p>
+            <a:pPr algn="l"/>
             <a:r>
-              <a:rPr lang="pt-BR" dirty="0" smtClean="0"/>
-              <a:t>Usuário</a:t>
+              <a:rPr lang="pt-BR" sz="3200" dirty="0" smtClean="0"/>
+              <a:t>Demonstração do MVP</a:t>
             </a:r>
-            <a:endParaRPr lang="pt-BR" dirty="0"/>
-          </a:p>
-        </p:txBody>
-      </p:sp>
-      <p:sp>
-        <p:nvSpPr>
-          <p:cNvPr id="3" name="Espaço Reservado para Conteúdo 2"/>
-          <p:cNvSpPr>
-            <a:spLocks noGrp="1"/>
-          </p:cNvSpPr>
-          <p:nvPr>
-            <p:ph idx="1"/>
-          </p:nvPr>
-        </p:nvSpPr>
-        <p:spPr/>
-        <p:txBody>
-          <a:bodyPr/>
-          <a:lstStyle/>
-          <a:p>
-            <a:endParaRPr lang="pt-BR"/>
+            <a:endParaRPr lang="pt-BR" sz="3200" dirty="0"/>
           </a:p>
         </p:txBody>
       </p:sp>
@@ -48768,118 +48525,77 @@
           </a:extLst>
         </p:spPr>
       </p:pic>
-    </p:spTree>
-    <p:extLst>
-      <p:ext uri="{BB962C8B-B14F-4D97-AF65-F5344CB8AC3E}">
-        <p14:creationId xmlns:p14="http://schemas.microsoft.com/office/powerpoint/2010/main" val="125819721"/>
-      </p:ext>
-    </p:extLst>
-  </p:cSld>
-  <p:clrMapOvr>
-    <a:masterClrMapping/>
-  </p:clrMapOvr>
-  <p:timing>
-    <p:tnLst>
-      <p:par>
-        <p:cTn id="1" dur="indefinite" restart="never" nodeType="tmRoot"/>
-      </p:par>
-    </p:tnLst>
-  </p:timing>
-</p:sld>
-</file>
-
-<file path=ppt/slides/slide29.xml><?xml version="1.0" encoding="utf-8"?>
-<p:sld xmlns:a="http://schemas.openxmlformats.org/drawingml/2006/main" xmlns:r="http://schemas.openxmlformats.org/officeDocument/2006/relationships" xmlns:p="http://schemas.openxmlformats.org/presentationml/2006/main">
-  <p:cSld>
-    <p:spTree>
-      <p:nvGrpSpPr>
-        <p:cNvPr id="1" name=""/>
-        <p:cNvGrpSpPr/>
-        <p:nvPr/>
-      </p:nvGrpSpPr>
-      <p:grpSpPr>
-        <a:xfrm>
-          <a:off x="0" y="0"/>
-          <a:ext cx="0" cy="0"/>
-          <a:chOff x="0" y="0"/>
-          <a:chExt cx="0" cy="0"/>
-        </a:xfrm>
-      </p:grpSpPr>
-      <p:sp>
-        <p:nvSpPr>
-          <p:cNvPr id="2" name="Título 1"/>
-          <p:cNvSpPr>
-            <a:spLocks noGrp="1"/>
-          </p:cNvSpPr>
-          <p:nvPr>
-            <p:ph type="title"/>
-          </p:nvPr>
-        </p:nvSpPr>
-        <p:spPr/>
-        <p:txBody>
-          <a:bodyPr/>
-          <a:lstStyle/>
-          <a:p>
-            <a:r>
-              <a:rPr lang="pt-BR" dirty="0" smtClean="0"/>
-              <a:t>PO</a:t>
-            </a:r>
-            <a:endParaRPr lang="pt-BR" dirty="0"/>
-          </a:p>
-        </p:txBody>
-      </p:sp>
-      <p:sp>
-        <p:nvSpPr>
-          <p:cNvPr id="3" name="Espaço Reservado para Conteúdo 2"/>
-          <p:cNvSpPr>
-            <a:spLocks noGrp="1"/>
-          </p:cNvSpPr>
-          <p:nvPr>
-            <p:ph idx="1"/>
-          </p:nvPr>
-        </p:nvSpPr>
-        <p:spPr/>
-        <p:txBody>
-          <a:bodyPr/>
-          <a:lstStyle/>
-          <a:p>
-            <a:endParaRPr lang="pt-BR"/>
-          </a:p>
-        </p:txBody>
-      </p:sp>
       <p:pic>
         <p:nvPicPr>
-          <p:cNvPr id="4" name="Picture 2" descr="https://cdn-images-1.medium.com/max/600/1*YHKQVfSqFafrXvGcc5wUuQ.png"/>
+          <p:cNvPr id="4100" name="Picture 4" descr="Imagem relacionada"/>
           <p:cNvPicPr>
             <a:picLocks noChangeAspect="1" noChangeArrowheads="1"/>
           </p:cNvPicPr>
           <p:nvPr/>
         </p:nvPicPr>
-        <p:blipFill rotWithShape="1">
-          <a:blip r:embed="rId2">
+        <p:blipFill>
+          <a:blip r:embed="rId3">
             <a:extLst>
               <a:ext uri="{28A0092B-C50C-407E-A947-70E740481C1C}">
                 <a14:useLocalDpi xmlns:a14="http://schemas.microsoft.com/office/drawing/2010/main" val="0"/>
               </a:ext>
             </a:extLst>
           </a:blip>
-          <a:srcRect b="11346"/>
-          <a:stretch/>
+          <a:srcRect/>
+          <a:stretch>
+            <a:fillRect/>
+          </a:stretch>
         </p:blipFill>
         <p:spPr bwMode="auto">
           <a:xfrm>
-            <a:off x="0" y="-60521"/>
-            <a:ext cx="827584" cy="614104"/>
+            <a:off x="2699792" y="2715209"/>
+            <a:ext cx="4824536" cy="3240360"/>
           </a:xfrm>
           <a:prstGeom prst="rect">
             <a:avLst/>
           </a:prstGeom>
-          <a:ln>
-            <a:noFill/>
-          </a:ln>
-          <a:effectLst>
-            <a:softEdge rad="112500"/>
-          </a:effectLst>
+          <a:noFill/>
+          <a:extLst>
+            <a:ext uri="{909E8E84-426E-40DD-AFC4-6F175D3DCCD1}">
+              <a14:hiddenFill xmlns:a14="http://schemas.microsoft.com/office/drawing/2010/main">
+                <a:solidFill>
+                  <a:srgbClr val="FFFFFF"/>
+                </a:solidFill>
+              </a14:hiddenFill>
+            </a:ext>
+          </a:extLst>
+        </p:spPr>
+      </p:pic>
+      <p:pic>
+        <p:nvPicPr>
+          <p:cNvPr id="4102" name="Picture 6" descr="Imagem relacionada"/>
+          <p:cNvPicPr>
+            <a:picLocks noChangeAspect="1" noChangeArrowheads="1"/>
+          </p:cNvPicPr>
+          <p:nvPr/>
+        </p:nvPicPr>
+        <p:blipFill>
+          <a:blip r:embed="rId4">
+            <a:extLst>
+              <a:ext uri="{28A0092B-C50C-407E-A947-70E740481C1C}">
+                <a14:useLocalDpi xmlns:a14="http://schemas.microsoft.com/office/drawing/2010/main" val="0"/>
+              </a:ext>
+            </a:extLst>
+          </a:blip>
+          <a:srcRect/>
+          <a:stretch>
+            <a:fillRect/>
+          </a:stretch>
+        </p:blipFill>
+        <p:spPr bwMode="auto">
+          <a:xfrm>
+            <a:off x="1331640" y="1988840"/>
+            <a:ext cx="1512168" cy="1452739"/>
+          </a:xfrm>
+          <a:prstGeom prst="rect">
+            <a:avLst/>
+          </a:prstGeom>
+          <a:noFill/>
           <a:extLst>
             <a:ext uri="{909E8E84-426E-40DD-AFC4-6F175D3DCCD1}">
               <a14:hiddenFill xmlns:a14="http://schemas.microsoft.com/office/drawing/2010/main">
@@ -48894,7 +48610,7 @@
     </p:spTree>
     <p:extLst>
       <p:ext uri="{BB962C8B-B14F-4D97-AF65-F5344CB8AC3E}">
-        <p14:creationId xmlns:p14="http://schemas.microsoft.com/office/powerpoint/2010/main" val="861388649"/>
+        <p14:creationId xmlns:p14="http://schemas.microsoft.com/office/powerpoint/2010/main" val="420509842"/>
       </p:ext>
     </p:extLst>
   </p:cSld>
@@ -48940,19 +48656,20 @@
         </p:nvSpPr>
         <p:spPr>
           <a:xfrm>
-            <a:off x="448464" y="246531"/>
-            <a:ext cx="8229600" cy="687793"/>
+            <a:off x="827584" y="246531"/>
+            <a:ext cx="7850480" cy="687793"/>
           </a:xfrm>
         </p:spPr>
         <p:txBody>
           <a:bodyPr/>
           <a:lstStyle/>
           <a:p>
+            <a:pPr algn="l"/>
             <a:r>
-              <a:rPr lang="pt-BR" dirty="0" smtClean="0"/>
+              <a:rPr lang="pt-BR" sz="3200" dirty="0" smtClean="0"/>
               <a:t>Sistemas correlatos</a:t>
             </a:r>
-            <a:endParaRPr lang="pt-BR" dirty="0"/>
+            <a:endParaRPr lang="pt-BR" sz="3200" dirty="0"/>
           </a:p>
         </p:txBody>
       </p:sp>
@@ -48985,35 +48702,35 @@
                 <a:gridCol w="3111033">
                   <a:extLst>
                     <a:ext uri="{9D8B030D-6E8A-4147-A177-3AD203B41FA5}">
-                      <a16:colId xmlns:a16="http://schemas.microsoft.com/office/drawing/2014/main" xmlns="" val="20000"/>
+                      <a16:colId xmlns="" xmlns:a16="http://schemas.microsoft.com/office/drawing/2014/main" val="20000"/>
                     </a:ext>
                   </a:extLst>
                 </a:gridCol>
                 <a:gridCol w="993424">
                   <a:extLst>
                     <a:ext uri="{9D8B030D-6E8A-4147-A177-3AD203B41FA5}">
-                      <a16:colId xmlns:a16="http://schemas.microsoft.com/office/drawing/2014/main" xmlns="" val="20001"/>
+                      <a16:colId xmlns="" xmlns:a16="http://schemas.microsoft.com/office/drawing/2014/main" val="20001"/>
                     </a:ext>
                   </a:extLst>
                 </a:gridCol>
                 <a:gridCol w="1368152">
                   <a:extLst>
                     <a:ext uri="{9D8B030D-6E8A-4147-A177-3AD203B41FA5}">
-                      <a16:colId xmlns:a16="http://schemas.microsoft.com/office/drawing/2014/main" xmlns="" val="20002"/>
+                      <a16:colId xmlns="" xmlns:a16="http://schemas.microsoft.com/office/drawing/2014/main" val="20002"/>
                     </a:ext>
                   </a:extLst>
                 </a:gridCol>
                 <a:gridCol w="1512168">
                   <a:extLst>
                     <a:ext uri="{9D8B030D-6E8A-4147-A177-3AD203B41FA5}">
-                      <a16:colId xmlns:a16="http://schemas.microsoft.com/office/drawing/2014/main" xmlns="" val="20003"/>
+                      <a16:colId xmlns="" xmlns:a16="http://schemas.microsoft.com/office/drawing/2014/main" val="20003"/>
                     </a:ext>
                   </a:extLst>
                 </a:gridCol>
                 <a:gridCol w="1872207">
                   <a:extLst>
                     <a:ext uri="{9D8B030D-6E8A-4147-A177-3AD203B41FA5}">
-                      <a16:colId xmlns:a16="http://schemas.microsoft.com/office/drawing/2014/main" xmlns="" val="20004"/>
+                      <a16:colId xmlns="" xmlns:a16="http://schemas.microsoft.com/office/drawing/2014/main" val="20004"/>
                     </a:ext>
                   </a:extLst>
                 </a:gridCol>
@@ -49176,7 +48893,7 @@
                 </a:tc>
                 <a:extLst>
                   <a:ext uri="{0D108BD9-81ED-4DB2-BD59-A6C34878D82A}">
-                    <a16:rowId xmlns:a16="http://schemas.microsoft.com/office/drawing/2014/main" xmlns="" val="10000"/>
+                    <a16:rowId xmlns="" xmlns:a16="http://schemas.microsoft.com/office/drawing/2014/main" val="10000"/>
                   </a:ext>
                 </a:extLst>
               </a:tr>
@@ -49347,7 +49064,7 @@
                 </a:tc>
                 <a:extLst>
                   <a:ext uri="{0D108BD9-81ED-4DB2-BD59-A6C34878D82A}">
-                    <a16:rowId xmlns:a16="http://schemas.microsoft.com/office/drawing/2014/main" xmlns="" val="10001"/>
+                    <a16:rowId xmlns="" xmlns:a16="http://schemas.microsoft.com/office/drawing/2014/main" val="10001"/>
                   </a:ext>
                 </a:extLst>
               </a:tr>
@@ -49515,7 +49232,7 @@
                 </a:tc>
                 <a:extLst>
                   <a:ext uri="{0D108BD9-81ED-4DB2-BD59-A6C34878D82A}">
-                    <a16:rowId xmlns:a16="http://schemas.microsoft.com/office/drawing/2014/main" xmlns="" val="10002"/>
+                    <a16:rowId xmlns="" xmlns:a16="http://schemas.microsoft.com/office/drawing/2014/main" val="10002"/>
                   </a:ext>
                 </a:extLst>
               </a:tr>
@@ -49683,7 +49400,7 @@
                 </a:tc>
                 <a:extLst>
                   <a:ext uri="{0D108BD9-81ED-4DB2-BD59-A6C34878D82A}">
-                    <a16:rowId xmlns:a16="http://schemas.microsoft.com/office/drawing/2014/main" xmlns="" val="10003"/>
+                    <a16:rowId xmlns="" xmlns:a16="http://schemas.microsoft.com/office/drawing/2014/main" val="10003"/>
                   </a:ext>
                 </a:extLst>
               </a:tr>
@@ -49842,7 +49559,7 @@
                 </a:tc>
                 <a:extLst>
                   <a:ext uri="{0D108BD9-81ED-4DB2-BD59-A6C34878D82A}">
-                    <a16:rowId xmlns:a16="http://schemas.microsoft.com/office/drawing/2014/main" xmlns="" val="10004"/>
+                    <a16:rowId xmlns="" xmlns:a16="http://schemas.microsoft.com/office/drawing/2014/main" val="10004"/>
                   </a:ext>
                 </a:extLst>
               </a:tr>
@@ -50010,7 +49727,7 @@
                 </a:tc>
                 <a:extLst>
                   <a:ext uri="{0D108BD9-81ED-4DB2-BD59-A6C34878D82A}">
-                    <a16:rowId xmlns:a16="http://schemas.microsoft.com/office/drawing/2014/main" xmlns="" val="10005"/>
+                    <a16:rowId xmlns="" xmlns:a16="http://schemas.microsoft.com/office/drawing/2014/main" val="10005"/>
                   </a:ext>
                 </a:extLst>
               </a:tr>
@@ -50169,7 +49886,7 @@
                 </a:tc>
                 <a:extLst>
                   <a:ext uri="{0D108BD9-81ED-4DB2-BD59-A6C34878D82A}">
-                    <a16:rowId xmlns:a16="http://schemas.microsoft.com/office/drawing/2014/main" xmlns="" val="10006"/>
+                    <a16:rowId xmlns="" xmlns:a16="http://schemas.microsoft.com/office/drawing/2014/main" val="10006"/>
                   </a:ext>
                 </a:extLst>
               </a:tr>
@@ -50340,7 +50057,7 @@
                 </a:tc>
                 <a:extLst>
                   <a:ext uri="{0D108BD9-81ED-4DB2-BD59-A6C34878D82A}">
-                    <a16:rowId xmlns:a16="http://schemas.microsoft.com/office/drawing/2014/main" xmlns="" val="10007"/>
+                    <a16:rowId xmlns="" xmlns:a16="http://schemas.microsoft.com/office/drawing/2014/main" val="10007"/>
                   </a:ext>
                 </a:extLst>
               </a:tr>
@@ -50520,7 +50237,7 @@
                 </a:tc>
                 <a:extLst>
                   <a:ext uri="{0D108BD9-81ED-4DB2-BD59-A6C34878D82A}">
-                    <a16:rowId xmlns:a16="http://schemas.microsoft.com/office/drawing/2014/main" xmlns="" val="10008"/>
+                    <a16:rowId xmlns="" xmlns:a16="http://schemas.microsoft.com/office/drawing/2014/main" val="10008"/>
                   </a:ext>
                 </a:extLst>
               </a:tr>
@@ -50691,7 +50408,7 @@
                 </a:tc>
                 <a:extLst>
                   <a:ext uri="{0D108BD9-81ED-4DB2-BD59-A6C34878D82A}">
-                    <a16:rowId xmlns:a16="http://schemas.microsoft.com/office/drawing/2014/main" xmlns="" val="10009"/>
+                    <a16:rowId xmlns="" xmlns:a16="http://schemas.microsoft.com/office/drawing/2014/main" val="10009"/>
                   </a:ext>
                 </a:extLst>
               </a:tr>
@@ -50792,8 +50509,8 @@
         </p:nvSpPr>
         <p:spPr>
           <a:xfrm>
-            <a:off x="457200" y="0"/>
-            <a:ext cx="8229600" cy="980728"/>
+            <a:off x="827584" y="246530"/>
+            <a:ext cx="7859216" cy="734197"/>
           </a:xfrm>
         </p:spPr>
         <p:txBody>
@@ -50801,14 +50518,14 @@
           <a:lstStyle/>
           <a:p>
             <a:r>
-              <a:rPr lang="pt-BR" dirty="0" smtClean="0"/>
+              <a:rPr lang="pt-BR" sz="3200" dirty="0" smtClean="0"/>
               <a:t>Analise</a:t>
             </a:r>
             <a:r>
-              <a:rPr lang="pt-BR" baseline="0" dirty="0" smtClean="0"/>
+              <a:rPr lang="pt-BR" sz="3200" baseline="0" dirty="0" smtClean="0"/>
               <a:t> SWOT</a:t>
             </a:r>
-            <a:endParaRPr lang="pt-BR" dirty="0"/>
+            <a:endParaRPr lang="pt-BR" sz="3200" dirty="0"/>
           </a:p>
         </p:txBody>
       </p:sp>
@@ -50822,7 +50539,7 @@
             <p:ph idx="1"/>
             <p:extLst>
               <p:ext uri="{D42A27DB-BD31-4B8C-83A1-F6EECF244321}">
-                <p14:modId xmlns:p14="http://schemas.microsoft.com/office/powerpoint/2010/main" val="3011637011"/>
+                <p14:modId xmlns:p14="http://schemas.microsoft.com/office/powerpoint/2010/main" val="270313840"/>
               </p:ext>
             </p:extLst>
           </p:nvPr>
@@ -50939,10 +50656,10 @@
           <a:lstStyle/>
           <a:p>
             <a:r>
-              <a:rPr lang="pt-BR" dirty="0" smtClean="0"/>
+              <a:rPr lang="pt-BR" sz="3200" dirty="0" smtClean="0"/>
               <a:t>Plano de negócio</a:t>
             </a:r>
-            <a:endParaRPr lang="pt-BR" dirty="0"/>
+            <a:endParaRPr lang="pt-BR" sz="3200" dirty="0"/>
           </a:p>
         </p:txBody>
       </p:sp>
@@ -50956,7 +50673,7 @@
             <p:ph idx="1"/>
             <p:extLst>
               <p:ext uri="{D42A27DB-BD31-4B8C-83A1-F6EECF244321}">
-                <p14:modId xmlns:p14="http://schemas.microsoft.com/office/powerpoint/2010/main" val="3154052518"/>
+                <p14:modId xmlns:p14="http://schemas.microsoft.com/office/powerpoint/2010/main" val="4176086639"/>
               </p:ext>
             </p:extLst>
           </p:nvPr>
@@ -51065,20 +50782,21 @@
         <p:spPr>
           <a:xfrm>
             <a:off x="307975" y="274638"/>
-            <a:ext cx="8728521" cy="1143000"/>
+            <a:ext cx="8728521" cy="778098"/>
           </a:xfrm>
         </p:spPr>
         <p:txBody>
           <a:bodyPr>
-            <a:normAutofit/>
+            <a:normAutofit fontScale="90000"/>
           </a:bodyPr>
           <a:lstStyle/>
           <a:p>
+            <a:pPr algn="l"/>
             <a:r>
-              <a:rPr lang="pt-BR" sz="1400" dirty="0" smtClean="0"/>
+              <a:rPr lang="pt-BR" sz="3200" dirty="0" smtClean="0"/>
               <a:t>Visão geral do produto</a:t>
             </a:r>
-            <a:endParaRPr lang="pt-BR" sz="1400" dirty="0"/>
+            <a:endParaRPr lang="pt-BR" sz="3200" dirty="0"/>
           </a:p>
         </p:txBody>
       </p:sp>
@@ -51632,22 +51350,23 @@
         <p:spPr>
           <a:xfrm>
             <a:off x="458296" y="529999"/>
-            <a:ext cx="8229600" cy="1143000"/>
+            <a:ext cx="8229600" cy="810769"/>
           </a:xfrm>
         </p:spPr>
         <p:txBody>
           <a:bodyPr/>
           <a:lstStyle/>
           <a:p>
+            <a:pPr algn="l"/>
             <a:r>
-              <a:rPr lang="pt-BR" sz="1600" dirty="0" smtClean="0"/>
+              <a:rPr lang="pt-BR" sz="3200" dirty="0" smtClean="0"/>
               <a:t>Conceito</a:t>
             </a:r>
             <a:r>
-              <a:rPr lang="pt-BR" sz="1600" baseline="0" dirty="0" smtClean="0"/>
+              <a:rPr lang="pt-BR" sz="3200" baseline="0" dirty="0" smtClean="0"/>
               <a:t> do serviço</a:t>
             </a:r>
-            <a:endParaRPr lang="pt-BR" sz="1600" dirty="0"/>
+            <a:endParaRPr lang="pt-BR" sz="3200" dirty="0"/>
           </a:p>
         </p:txBody>
       </p:sp>
@@ -52218,19 +51937,20 @@
         </p:nvSpPr>
         <p:spPr>
           <a:xfrm>
-            <a:off x="683568" y="332656"/>
-            <a:ext cx="7772400" cy="821953"/>
+            <a:off x="827584" y="332656"/>
+            <a:ext cx="7628384" cy="821953"/>
           </a:xfrm>
         </p:spPr>
         <p:txBody>
           <a:bodyPr/>
           <a:lstStyle/>
           <a:p>
+            <a:pPr algn="l"/>
             <a:r>
-              <a:rPr lang="pt-BR" sz="4400" dirty="0" smtClean="0"/>
+              <a:rPr lang="pt-BR" sz="3200" dirty="0" smtClean="0"/>
               <a:t>Regras de negócio</a:t>
             </a:r>
-            <a:endParaRPr lang="pt-BR" sz="4400" dirty="0"/>
+            <a:endParaRPr lang="pt-BR" sz="3200" dirty="0"/>
           </a:p>
         </p:txBody>
       </p:sp>
@@ -52449,19 +52169,20 @@
         </p:nvSpPr>
         <p:spPr>
           <a:xfrm>
-            <a:off x="457200" y="116632"/>
-            <a:ext cx="8229600" cy="1008112"/>
+            <a:off x="827584" y="116632"/>
+            <a:ext cx="7859216" cy="1008112"/>
           </a:xfrm>
         </p:spPr>
         <p:txBody>
           <a:bodyPr/>
           <a:lstStyle/>
           <a:p>
+            <a:pPr algn="l"/>
             <a:r>
-              <a:rPr lang="pt-BR" sz="4400" dirty="0" smtClean="0"/>
+              <a:rPr lang="pt-BR" sz="3200" dirty="0" smtClean="0"/>
               <a:t>MVP </a:t>
             </a:r>
-            <a:endParaRPr lang="pt-BR" sz="4400" dirty="0"/>
+            <a:endParaRPr lang="pt-BR" sz="3200" dirty="0"/>
           </a:p>
         </p:txBody>
       </p:sp>

--- a/Ppt-Andamento.pptx
+++ b/Ppt-Andamento.pptx
@@ -12236,7 +12236,7 @@
 <dgm:dataModel xmlns:dgm="http://schemas.openxmlformats.org/drawingml/2006/diagram" xmlns:a="http://schemas.openxmlformats.org/drawingml/2006/main">
   <dgm:ptLst>
     <dgm:pt modelId="{41EDC0B5-5B2E-40F6-A795-26759C403F93}" type="doc">
-      <dgm:prSet loTypeId="urn:microsoft.com/office/officeart/2005/8/layout/target2" loCatId="relationship" qsTypeId="urn:microsoft.com/office/officeart/2009/2/quickstyle/3d8" qsCatId="3D" csTypeId="urn:microsoft.com/office/officeart/2005/8/colors/accent1_2" csCatId="accent1" phldr="1"/>
+      <dgm:prSet loTypeId="urn:microsoft.com/office/officeart/2005/8/layout/target2" loCatId="relationship" qsTypeId="urn:microsoft.com/office/officeart/2005/8/quickstyle/3d2" qsCatId="3D" csTypeId="urn:microsoft.com/office/officeart/2005/8/colors/accent1_2" csCatId="accent1" phldr="1"/>
       <dgm:spPr/>
       <dgm:t>
         <a:bodyPr/>
@@ -20223,14 +20223,41 @@
             <a:gd name="adj" fmla="val 8500"/>
           </a:avLst>
         </a:prstGeom>
-        <a:solidFill>
-          <a:schemeClr val="accent1">
-            <a:hueOff val="0"/>
-            <a:satOff val="0"/>
-            <a:lumOff val="0"/>
-            <a:alphaOff val="0"/>
-          </a:schemeClr>
-        </a:solidFill>
+        <a:gradFill rotWithShape="0">
+          <a:gsLst>
+            <a:gs pos="0">
+              <a:schemeClr val="accent1">
+                <a:hueOff val="0"/>
+                <a:satOff val="0"/>
+                <a:lumOff val="0"/>
+                <a:alphaOff val="0"/>
+                <a:shade val="51000"/>
+                <a:satMod val="130000"/>
+              </a:schemeClr>
+            </a:gs>
+            <a:gs pos="80000">
+              <a:schemeClr val="accent1">
+                <a:hueOff val="0"/>
+                <a:satOff val="0"/>
+                <a:lumOff val="0"/>
+                <a:alphaOff val="0"/>
+                <a:shade val="93000"/>
+                <a:satMod val="130000"/>
+              </a:schemeClr>
+            </a:gs>
+            <a:gs pos="100000">
+              <a:schemeClr val="accent1">
+                <a:hueOff val="0"/>
+                <a:satOff val="0"/>
+                <a:lumOff val="0"/>
+                <a:alphaOff val="0"/>
+                <a:shade val="94000"/>
+                <a:satMod val="135000"/>
+              </a:schemeClr>
+            </a:gs>
+          </a:gsLst>
+          <a:lin ang="16200000" scaled="0"/>
+        </a:gradFill>
         <a:ln>
           <a:noFill/>
         </a:ln>
@@ -20241,19 +20268,21 @@
             </a:srgbClr>
           </a:outerShdw>
         </a:effectLst>
-        <a:sp3d extrusionH="190500" prstMaterial="matte">
-          <a:bevelT w="120650" h="38100" prst="relaxedInset"/>
-          <a:bevelB w="120650" h="57150" prst="relaxedInset"/>
-          <a:contourClr>
-            <a:schemeClr val="bg1"/>
-          </a:contourClr>
+        <a:scene3d>
+          <a:camera prst="orthographicFront"/>
+          <a:lightRig rig="threePt" dir="t">
+            <a:rot lat="0" lon="0" rev="7500000"/>
+          </a:lightRig>
+        </a:scene3d>
+        <a:sp3d prstMaterial="plastic">
+          <a:bevelT w="127000" h="25400" prst="relaxedInset"/>
         </a:sp3d>
       </dsp:spPr>
       <dsp:style>
         <a:lnRef idx="0">
           <a:scrgbClr r="0" g="0" b="0"/>
         </a:lnRef>
-        <a:fillRef idx="1">
+        <a:fillRef idx="3">
           <a:scrgbClr r="0" g="0" b="0"/>
         </a:fillRef>
         <a:effectRef idx="2">
@@ -20316,8 +20345,16 @@
             <a:alphaOff val="0"/>
           </a:schemeClr>
         </a:solidFill>
-        <a:ln>
-          <a:noFill/>
+        <a:ln w="9525" cap="flat" cmpd="sng" algn="ctr">
+          <a:solidFill>
+            <a:schemeClr val="accent1">
+              <a:hueOff val="0"/>
+              <a:satOff val="0"/>
+              <a:lumOff val="0"/>
+              <a:alphaOff val="0"/>
+            </a:schemeClr>
+          </a:solidFill>
+          <a:prstDash val="solid"/>
         </a:ln>
         <a:effectLst>
           <a:outerShdw blurRad="40000" dist="23000" dir="5400000" rotWithShape="0">
@@ -20326,15 +20363,21 @@
             </a:srgbClr>
           </a:outerShdw>
         </a:effectLst>
-        <a:sp3d z="152400" extrusionH="63500" prstMaterial="matte">
-          <a:bevelT w="50800" h="19050" prst="relaxedInset"/>
+        <a:scene3d>
+          <a:camera prst="orthographicFront"/>
+          <a:lightRig rig="threePt" dir="t">
+            <a:rot lat="0" lon="0" rev="7500000"/>
+          </a:lightRig>
+        </a:scene3d>
+        <a:sp3d z="152400" extrusionH="63500" prstMaterial="dkEdge">
+          <a:bevelT w="135400" h="16350" prst="relaxedInset"/>
           <a:contourClr>
             <a:schemeClr val="bg1"/>
           </a:contourClr>
         </a:sp3d>
       </dsp:spPr>
       <dsp:style>
-        <a:lnRef idx="0">
+        <a:lnRef idx="1">
           <a:scrgbClr r="0" g="0" b="0"/>
         </a:lnRef>
         <a:fillRef idx="1">
@@ -20389,14 +20432,41 @@
             <a:gd name="adj" fmla="val 10500"/>
           </a:avLst>
         </a:prstGeom>
-        <a:solidFill>
-          <a:schemeClr val="accent1">
-            <a:hueOff val="0"/>
-            <a:satOff val="0"/>
-            <a:lumOff val="0"/>
-            <a:alphaOff val="0"/>
-          </a:schemeClr>
-        </a:solidFill>
+        <a:gradFill rotWithShape="0">
+          <a:gsLst>
+            <a:gs pos="0">
+              <a:schemeClr val="accent1">
+                <a:hueOff val="0"/>
+                <a:satOff val="0"/>
+                <a:lumOff val="0"/>
+                <a:alphaOff val="0"/>
+                <a:shade val="51000"/>
+                <a:satMod val="130000"/>
+              </a:schemeClr>
+            </a:gs>
+            <a:gs pos="80000">
+              <a:schemeClr val="accent1">
+                <a:hueOff val="0"/>
+                <a:satOff val="0"/>
+                <a:lumOff val="0"/>
+                <a:alphaOff val="0"/>
+                <a:shade val="93000"/>
+                <a:satMod val="130000"/>
+              </a:schemeClr>
+            </a:gs>
+            <a:gs pos="100000">
+              <a:schemeClr val="accent1">
+                <a:hueOff val="0"/>
+                <a:satOff val="0"/>
+                <a:lumOff val="0"/>
+                <a:alphaOff val="0"/>
+                <a:shade val="94000"/>
+                <a:satMod val="135000"/>
+              </a:schemeClr>
+            </a:gs>
+          </a:gsLst>
+          <a:lin ang="16200000" scaled="0"/>
+        </a:gradFill>
         <a:ln>
           <a:noFill/>
         </a:ln>
@@ -20407,19 +20477,21 @@
             </a:srgbClr>
           </a:outerShdw>
         </a:effectLst>
-        <a:sp3d extrusionH="190500" prstMaterial="matte">
-          <a:bevelT w="120650" h="38100" prst="relaxedInset"/>
-          <a:bevelB w="120650" h="57150" prst="relaxedInset"/>
-          <a:contourClr>
-            <a:schemeClr val="bg1"/>
-          </a:contourClr>
+        <a:scene3d>
+          <a:camera prst="orthographicFront"/>
+          <a:lightRig rig="threePt" dir="t">
+            <a:rot lat="0" lon="0" rev="7500000"/>
+          </a:lightRig>
+        </a:scene3d>
+        <a:sp3d prstMaterial="plastic">
+          <a:bevelT w="127000" h="25400" prst="relaxedInset"/>
         </a:sp3d>
       </dsp:spPr>
       <dsp:style>
         <a:lnRef idx="0">
           <a:scrgbClr r="0" g="0" b="0"/>
         </a:lnRef>
-        <a:fillRef idx="1">
+        <a:fillRef idx="3">
           <a:scrgbClr r="0" g="0" b="0"/>
         </a:fillRef>
         <a:effectRef idx="2">
@@ -20482,8 +20554,16 @@
             <a:alphaOff val="0"/>
           </a:schemeClr>
         </a:solidFill>
-        <a:ln>
-          <a:noFill/>
+        <a:ln w="9525" cap="flat" cmpd="sng" algn="ctr">
+          <a:solidFill>
+            <a:schemeClr val="accent1">
+              <a:hueOff val="0"/>
+              <a:satOff val="0"/>
+              <a:lumOff val="0"/>
+              <a:alphaOff val="0"/>
+            </a:schemeClr>
+          </a:solidFill>
+          <a:prstDash val="solid"/>
         </a:ln>
         <a:effectLst>
           <a:outerShdw blurRad="40000" dist="23000" dir="5400000" rotWithShape="0">
@@ -20492,15 +20572,21 @@
             </a:srgbClr>
           </a:outerShdw>
         </a:effectLst>
-        <a:sp3d z="152400" extrusionH="63500" prstMaterial="matte">
-          <a:bevelT w="50800" h="19050" prst="relaxedInset"/>
+        <a:scene3d>
+          <a:camera prst="orthographicFront"/>
+          <a:lightRig rig="threePt" dir="t">
+            <a:rot lat="0" lon="0" rev="7500000"/>
+          </a:lightRig>
+        </a:scene3d>
+        <a:sp3d z="152400" extrusionH="63500" prstMaterial="dkEdge">
+          <a:bevelT w="135400" h="16350" prst="relaxedInset"/>
           <a:contourClr>
             <a:schemeClr val="bg1"/>
           </a:contourClr>
         </a:sp3d>
       </dsp:spPr>
       <dsp:style>
-        <a:lnRef idx="0">
+        <a:lnRef idx="1">
           <a:scrgbClr r="0" g="0" b="0"/>
         </a:lnRef>
         <a:fillRef idx="1">
@@ -20555,14 +20641,41 @@
             <a:gd name="adj" fmla="val 10500"/>
           </a:avLst>
         </a:prstGeom>
-        <a:solidFill>
-          <a:schemeClr val="accent1">
-            <a:hueOff val="0"/>
-            <a:satOff val="0"/>
-            <a:lumOff val="0"/>
-            <a:alphaOff val="0"/>
-          </a:schemeClr>
-        </a:solidFill>
+        <a:gradFill rotWithShape="0">
+          <a:gsLst>
+            <a:gs pos="0">
+              <a:schemeClr val="accent1">
+                <a:hueOff val="0"/>
+                <a:satOff val="0"/>
+                <a:lumOff val="0"/>
+                <a:alphaOff val="0"/>
+                <a:shade val="51000"/>
+                <a:satMod val="130000"/>
+              </a:schemeClr>
+            </a:gs>
+            <a:gs pos="80000">
+              <a:schemeClr val="accent1">
+                <a:hueOff val="0"/>
+                <a:satOff val="0"/>
+                <a:lumOff val="0"/>
+                <a:alphaOff val="0"/>
+                <a:shade val="93000"/>
+                <a:satMod val="130000"/>
+              </a:schemeClr>
+            </a:gs>
+            <a:gs pos="100000">
+              <a:schemeClr val="accent1">
+                <a:hueOff val="0"/>
+                <a:satOff val="0"/>
+                <a:lumOff val="0"/>
+                <a:alphaOff val="0"/>
+                <a:shade val="94000"/>
+                <a:satMod val="135000"/>
+              </a:schemeClr>
+            </a:gs>
+          </a:gsLst>
+          <a:lin ang="16200000" scaled="0"/>
+        </a:gradFill>
         <a:ln>
           <a:noFill/>
         </a:ln>
@@ -20573,19 +20686,21 @@
             </a:srgbClr>
           </a:outerShdw>
         </a:effectLst>
-        <a:sp3d extrusionH="190500" prstMaterial="matte">
-          <a:bevelT w="120650" h="38100" prst="relaxedInset"/>
-          <a:bevelB w="120650" h="57150" prst="relaxedInset"/>
-          <a:contourClr>
-            <a:schemeClr val="bg1"/>
-          </a:contourClr>
+        <a:scene3d>
+          <a:camera prst="orthographicFront"/>
+          <a:lightRig rig="threePt" dir="t">
+            <a:rot lat="0" lon="0" rev="7500000"/>
+          </a:lightRig>
+        </a:scene3d>
+        <a:sp3d prstMaterial="plastic">
+          <a:bevelT w="127000" h="25400" prst="relaxedInset"/>
         </a:sp3d>
       </dsp:spPr>
       <dsp:style>
         <a:lnRef idx="0">
           <a:scrgbClr r="0" g="0" b="0"/>
         </a:lnRef>
-        <a:fillRef idx="1">
+        <a:fillRef idx="3">
           <a:scrgbClr r="0" g="0" b="0"/>
         </a:fillRef>
         <a:effectRef idx="2">
@@ -20648,8 +20763,16 @@
             <a:alphaOff val="0"/>
           </a:schemeClr>
         </a:solidFill>
-        <a:ln>
-          <a:noFill/>
+        <a:ln w="9525" cap="flat" cmpd="sng" algn="ctr">
+          <a:solidFill>
+            <a:schemeClr val="accent1">
+              <a:hueOff val="0"/>
+              <a:satOff val="0"/>
+              <a:lumOff val="0"/>
+              <a:alphaOff val="0"/>
+            </a:schemeClr>
+          </a:solidFill>
+          <a:prstDash val="solid"/>
         </a:ln>
         <a:effectLst>
           <a:outerShdw blurRad="40000" dist="23000" dir="5400000" rotWithShape="0">
@@ -20658,15 +20781,21 @@
             </a:srgbClr>
           </a:outerShdw>
         </a:effectLst>
-        <a:sp3d z="152400" extrusionH="63500" prstMaterial="matte">
-          <a:bevelT w="50800" h="19050" prst="relaxedInset"/>
+        <a:scene3d>
+          <a:camera prst="orthographicFront"/>
+          <a:lightRig rig="threePt" dir="t">
+            <a:rot lat="0" lon="0" rev="7500000"/>
+          </a:lightRig>
+        </a:scene3d>
+        <a:sp3d z="152400" extrusionH="63500" prstMaterial="dkEdge">
+          <a:bevelT w="135400" h="16350" prst="relaxedInset"/>
           <a:contourClr>
             <a:schemeClr val="bg1"/>
           </a:contourClr>
         </a:sp3d>
       </dsp:spPr>
       <dsp:style>
-        <a:lnRef idx="0">
+        <a:lnRef idx="1">
           <a:scrgbClr r="0" g="0" b="0"/>
         </a:lnRef>
         <a:fillRef idx="1">
@@ -31800,38 +31929,32 @@
 </file>
 
 <file path=ppt/diagrams/quickStyle8.xml><?xml version="1.0" encoding="utf-8"?>
-<dgm:styleDef xmlns:dgm="http://schemas.openxmlformats.org/drawingml/2006/diagram" xmlns:a="http://schemas.openxmlformats.org/drawingml/2006/main" uniqueId="urn:microsoft.com/office/officeart/2009/2/quickstyle/3d8">
+<dgm:styleDef xmlns:dgm="http://schemas.openxmlformats.org/drawingml/2006/diagram" xmlns:a="http://schemas.openxmlformats.org/drawingml/2006/main" uniqueId="urn:microsoft.com/office/officeart/2005/8/quickstyle/3d2">
   <dgm:title val=""/>
   <dgm:desc val=""/>
   <dgm:catLst>
-    <dgm:cat type="3D" pri="11800"/>
+    <dgm:cat type="3D" pri="11200"/>
   </dgm:catLst>
   <dgm:scene3d>
-    <a:camera prst="perspectiveHeroicExtremeRightFacing" zoom="82000">
-      <a:rot lat="21300000" lon="20400000" rev="180000"/>
-    </a:camera>
-    <a:lightRig rig="morning" dir="t">
-      <a:rot lat="0" lon="0" rev="20400000"/>
-    </a:lightRig>
+    <a:camera prst="orthographicFront"/>
+    <a:lightRig rig="threePt" dir="t"/>
   </dgm:scene3d>
   <dgm:styleLbl name="node0">
     <dgm:scene3d>
       <a:camera prst="orthographicFront"/>
-      <a:lightRig rig="threePt" dir="t"/>
+      <a:lightRig rig="threePt" dir="t">
+        <a:rot lat="0" lon="0" rev="7500000"/>
+      </a:lightRig>
     </dgm:scene3d>
-    <dgm:sp3d extrusionH="190500" prstMaterial="matte">
-      <a:bevelT w="120650" h="38100" prst="relaxedInset"/>
-      <a:bevelB w="120650" h="57150" prst="relaxedInset"/>
-      <a:contourClr>
-        <a:schemeClr val="bg1"/>
-      </a:contourClr>
+    <dgm:sp3d prstMaterial="plastic">
+      <a:bevelT w="127000" h="25400" prst="relaxedInset"/>
     </dgm:sp3d>
     <dgm:txPr/>
     <dgm:style>
       <a:lnRef idx="0">
         <a:scrgbClr r="0" g="0" b="0"/>
       </a:lnRef>
-      <a:fillRef idx="1">
+      <a:fillRef idx="3">
         <a:scrgbClr r="0" g="0" b="0"/>
       </a:fillRef>
       <a:effectRef idx="2">
@@ -31845,21 +31968,19 @@
   <dgm:styleLbl name="lnNode1">
     <dgm:scene3d>
       <a:camera prst="orthographicFront"/>
-      <a:lightRig rig="threePt" dir="t"/>
+      <a:lightRig rig="threePt" dir="t">
+        <a:rot lat="0" lon="0" rev="7500000"/>
+      </a:lightRig>
     </dgm:scene3d>
-    <dgm:sp3d extrusionH="190500" prstMaterial="matte">
-      <a:bevelT w="120650" h="38100" prst="relaxedInset"/>
-      <a:bevelB w="120650" h="57150" prst="relaxedInset"/>
-      <a:contourClr>
-        <a:schemeClr val="bg1"/>
-      </a:contourClr>
+    <dgm:sp3d prstMaterial="plastic">
+      <a:bevelT w="127000" h="25400" prst="relaxedInset"/>
     </dgm:sp3d>
     <dgm:txPr/>
     <dgm:style>
-      <a:lnRef idx="0">
+      <a:lnRef idx="1">
         <a:scrgbClr r="0" g="0" b="0"/>
       </a:lnRef>
-      <a:fillRef idx="1">
+      <a:fillRef idx="3">
         <a:scrgbClr r="0" g="0" b="0"/>
       </a:fillRef>
       <a:effectRef idx="2">
@@ -31873,21 +31994,19 @@
   <dgm:styleLbl name="vennNode1">
     <dgm:scene3d>
       <a:camera prst="orthographicFront"/>
-      <a:lightRig rig="threePt" dir="t"/>
+      <a:lightRig rig="threePt" dir="t">
+        <a:rot lat="0" lon="0" rev="7500000"/>
+      </a:lightRig>
     </dgm:scene3d>
-    <dgm:sp3d extrusionH="190500" prstMaterial="matte">
-      <a:bevelT w="120650" h="38100" prst="relaxedInset"/>
-      <a:bevelB w="120650" h="57150" prst="relaxedInset"/>
-      <a:contourClr>
-        <a:schemeClr val="bg1"/>
-      </a:contourClr>
+    <dgm:sp3d prstMaterial="plastic">
+      <a:bevelT w="127000" h="25400" prst="relaxedInset"/>
     </dgm:sp3d>
     <dgm:txPr/>
     <dgm:style>
       <a:lnRef idx="0">
         <a:scrgbClr r="0" g="0" b="0"/>
       </a:lnRef>
-      <a:fillRef idx="1">
+      <a:fillRef idx="3">
         <a:scrgbClr r="0" g="0" b="0"/>
       </a:fillRef>
       <a:effectRef idx="2">
@@ -31898,24 +32017,22 @@
       </a:fontRef>
     </dgm:style>
   </dgm:styleLbl>
-  <dgm:styleLbl name="alignNode1">
+  <dgm:styleLbl name="alingNode1">
     <dgm:scene3d>
       <a:camera prst="orthographicFront"/>
-      <a:lightRig rig="threePt" dir="t"/>
+      <a:lightRig rig="threePt" dir="t">
+        <a:rot lat="0" lon="0" rev="7500000"/>
+      </a:lightRig>
     </dgm:scene3d>
-    <dgm:sp3d extrusionH="190500" prstMaterial="matte">
-      <a:bevelT w="120650" h="38100" prst="relaxedInset"/>
-      <a:bevelB w="120650" h="57150" prst="relaxedInset"/>
-      <a:contourClr>
-        <a:schemeClr val="bg1"/>
-      </a:contourClr>
+    <dgm:sp3d prstMaterial="plastic">
+      <a:bevelT w="127000" h="25400" prst="relaxedInset"/>
     </dgm:sp3d>
     <dgm:txPr/>
     <dgm:style>
       <a:lnRef idx="0">
         <a:scrgbClr r="0" g="0" b="0"/>
       </a:lnRef>
-      <a:fillRef idx="1">
+      <a:fillRef idx="3">
         <a:scrgbClr r="0" g="0" b="0"/>
       </a:fillRef>
       <a:effectRef idx="2">
@@ -31929,21 +32046,19 @@
   <dgm:styleLbl name="node1">
     <dgm:scene3d>
       <a:camera prst="orthographicFront"/>
-      <a:lightRig rig="threePt" dir="t"/>
+      <a:lightRig rig="threePt" dir="t">
+        <a:rot lat="0" lon="0" rev="7500000"/>
+      </a:lightRig>
     </dgm:scene3d>
-    <dgm:sp3d extrusionH="190500" prstMaterial="matte">
-      <a:bevelT w="120650" h="38100" prst="relaxedInset"/>
-      <a:bevelB w="120650" h="57150" prst="relaxedInset"/>
-      <a:contourClr>
-        <a:schemeClr val="bg1"/>
-      </a:contourClr>
+    <dgm:sp3d prstMaterial="plastic">
+      <a:bevelT w="127000" h="25400" prst="relaxedInset"/>
     </dgm:sp3d>
     <dgm:txPr/>
     <dgm:style>
       <a:lnRef idx="0">
         <a:scrgbClr r="0" g="0" b="0"/>
       </a:lnRef>
-      <a:fillRef idx="1">
+      <a:fillRef idx="3">
         <a:scrgbClr r="0" g="0" b="0"/>
       </a:fillRef>
       <a:effectRef idx="2">
@@ -31957,21 +32072,19 @@
   <dgm:styleLbl name="node2">
     <dgm:scene3d>
       <a:camera prst="orthographicFront"/>
-      <a:lightRig rig="threePt" dir="t"/>
+      <a:lightRig rig="threePt" dir="t">
+        <a:rot lat="0" lon="0" rev="7500000"/>
+      </a:lightRig>
     </dgm:scene3d>
-    <dgm:sp3d extrusionH="190500" prstMaterial="matte">
-      <a:bevelT w="120650" h="38100" prst="relaxedInset"/>
-      <a:bevelB w="120650" h="57150" prst="relaxedInset"/>
-      <a:contourClr>
-        <a:schemeClr val="bg1"/>
-      </a:contourClr>
+    <dgm:sp3d prstMaterial="plastic">
+      <a:bevelT w="127000" h="25400" prst="relaxedInset"/>
     </dgm:sp3d>
     <dgm:txPr/>
     <dgm:style>
       <a:lnRef idx="0">
         <a:scrgbClr r="0" g="0" b="0"/>
       </a:lnRef>
-      <a:fillRef idx="1">
+      <a:fillRef idx="3">
         <a:scrgbClr r="0" g="0" b="0"/>
       </a:fillRef>
       <a:effectRef idx="2">
@@ -31985,21 +32098,19 @@
   <dgm:styleLbl name="node3">
     <dgm:scene3d>
       <a:camera prst="orthographicFront"/>
-      <a:lightRig rig="threePt" dir="t"/>
+      <a:lightRig rig="threePt" dir="t">
+        <a:rot lat="0" lon="0" rev="7500000"/>
+      </a:lightRig>
     </dgm:scene3d>
-    <dgm:sp3d extrusionH="190500" prstMaterial="matte">
-      <a:bevelT w="120650" h="38100" prst="relaxedInset"/>
-      <a:bevelB w="120650" h="57150" prst="relaxedInset"/>
-      <a:contourClr>
-        <a:schemeClr val="bg1"/>
-      </a:contourClr>
+    <dgm:sp3d prstMaterial="plastic">
+      <a:bevelT w="127000" h="25400" prst="relaxedInset"/>
     </dgm:sp3d>
     <dgm:txPr/>
     <dgm:style>
       <a:lnRef idx="0">
         <a:scrgbClr r="0" g="0" b="0"/>
       </a:lnRef>
-      <a:fillRef idx="1">
+      <a:fillRef idx="3">
         <a:scrgbClr r="0" g="0" b="0"/>
       </a:fillRef>
       <a:effectRef idx="2">
@@ -32013,21 +32124,19 @@
   <dgm:styleLbl name="node4">
     <dgm:scene3d>
       <a:camera prst="orthographicFront"/>
-      <a:lightRig rig="threePt" dir="t"/>
+      <a:lightRig rig="threePt" dir="t">
+        <a:rot lat="0" lon="0" rev="7500000"/>
+      </a:lightRig>
     </dgm:scene3d>
-    <dgm:sp3d extrusionH="190500" prstMaterial="matte">
-      <a:bevelT w="120650" h="38100" prst="relaxedInset"/>
-      <a:bevelB w="120650" h="57150" prst="relaxedInset"/>
-      <a:contourClr>
-        <a:schemeClr val="bg1"/>
-      </a:contourClr>
+    <dgm:sp3d prstMaterial="plastic">
+      <a:bevelT w="127000" h="25400" prst="relaxedInset"/>
     </dgm:sp3d>
     <dgm:txPr/>
     <dgm:style>
       <a:lnRef idx="0">
         <a:scrgbClr r="0" g="0" b="0"/>
       </a:lnRef>
-      <a:fillRef idx="1">
+      <a:fillRef idx="3">
         <a:scrgbClr r="0" g="0" b="0"/>
       </a:fillRef>
       <a:effectRef idx="2">
@@ -32041,7 +32150,9 @@
   <dgm:styleLbl name="fgImgPlace1">
     <dgm:scene3d>
       <a:camera prst="orthographicFront"/>
-      <a:lightRig rig="threePt" dir="t"/>
+      <a:lightRig rig="threePt" dir="t">
+        <a:rot lat="0" lon="0" rev="7500000"/>
+      </a:lightRig>
     </dgm:scene3d>
     <dgm:sp3d z="152400" extrusionH="63500" prstMaterial="matte">
       <a:bevelT w="50800" h="19050" prst="relaxedInset"/>
@@ -32066,9 +32177,11 @@
   <dgm:styleLbl name="alignImgPlace1">
     <dgm:scene3d>
       <a:camera prst="orthographicFront"/>
-      <a:lightRig rig="threePt" dir="t"/>
+      <a:lightRig rig="threePt" dir="t">
+        <a:rot lat="0" lon="0" rev="7500000"/>
+      </a:lightRig>
     </dgm:scene3d>
-    <dgm:sp3d extrusionH="63500" contourW="12700" prstMaterial="matte">
+    <dgm:sp3d z="254000" extrusionH="63500" contourW="12700" prstMaterial="matte">
       <a:contourClr>
         <a:schemeClr val="lt1"/>
       </a:contourClr>
@@ -32090,10 +32203,38 @@
   <dgm:styleLbl name="bgImgPlace1">
     <dgm:scene3d>
       <a:camera prst="orthographicFront"/>
-      <a:lightRig rig="threePt" dir="t"/>
+      <a:lightRig rig="threePt" dir="t">
+        <a:rot lat="0" lon="0" rev="7500000"/>
+      </a:lightRig>
     </dgm:scene3d>
-    <dgm:sp3d z="-302400" extrusionH="63500" prstMaterial="matte">
-      <a:bevelT w="50800" h="19050" prst="relaxedInset"/>
+    <dgm:sp3d z="-152400" extrusionH="63500" contourW="12700" prstMaterial="matte">
+      <a:contourClr>
+        <a:schemeClr val="lt1"/>
+      </a:contourClr>
+    </dgm:sp3d>
+    <dgm:txPr/>
+    <dgm:style>
+      <a:lnRef idx="0">
+        <a:scrgbClr r="0" g="0" b="0"/>
+      </a:lnRef>
+      <a:fillRef idx="1">
+        <a:scrgbClr r="0" g="0" b="0"/>
+      </a:fillRef>
+      <a:effectRef idx="0">
+        <a:scrgbClr r="0" g="0" b="0"/>
+      </a:effectRef>
+      <a:fontRef idx="minor"/>
+    </dgm:style>
+  </dgm:styleLbl>
+  <dgm:styleLbl name="sibTrans2D1">
+    <dgm:scene3d>
+      <a:camera prst="orthographicFront"/>
+      <a:lightRig rig="threePt" dir="t">
+        <a:rot lat="0" lon="0" rev="7500000"/>
+      </a:lightRig>
+    </dgm:scene3d>
+    <dgm:sp3d z="-70000" extrusionH="63500" prstMaterial="matte">
+      <a:bevelT w="25400" h="6350" prst="relaxedInset"/>
       <a:contourClr>
         <a:schemeClr val="bg1"/>
       </a:contourClr>
@@ -32106,19 +32247,23 @@
       <a:fillRef idx="1">
         <a:scrgbClr r="0" g="0" b="0"/>
       </a:fillRef>
-      <a:effectRef idx="0">
+      <a:effectRef idx="2">
         <a:scrgbClr r="0" g="0" b="0"/>
       </a:effectRef>
-      <a:fontRef idx="minor"/>
+      <a:fontRef idx="minor">
+        <a:schemeClr val="lt1"/>
+      </a:fontRef>
     </dgm:style>
   </dgm:styleLbl>
-  <dgm:styleLbl name="sibTrans2D1">
+  <dgm:styleLbl name="fgSibTrans2D1">
     <dgm:scene3d>
       <a:camera prst="orthographicFront"/>
-      <a:lightRig rig="threePt" dir="t"/>
+      <a:lightRig rig="threePt" dir="t">
+        <a:rot lat="0" lon="0" rev="7500000"/>
+      </a:lightRig>
     </dgm:scene3d>
-    <dgm:sp3d z="-60000" extrusionH="63500" prstMaterial="matte">
-      <a:bevelT w="50800" h="19050" prst="relaxedInset"/>
+    <dgm:sp3d z="152400" extrusionH="63500" prstMaterial="matte">
+      <a:bevelT w="25400" h="6350" prst="relaxedInset"/>
       <a:contourClr>
         <a:schemeClr val="bg1"/>
       </a:contourClr>
@@ -32139,13 +32284,15 @@
       </a:fontRef>
     </dgm:style>
   </dgm:styleLbl>
-  <dgm:styleLbl name="fgSibTrans2D1">
+  <dgm:styleLbl name="bgSibTrans2D1">
     <dgm:scene3d>
       <a:camera prst="orthographicFront"/>
-      <a:lightRig rig="threePt" dir="t"/>
+      <a:lightRig rig="threePt" dir="t">
+        <a:rot lat="0" lon="0" rev="7500000"/>
+      </a:lightRig>
     </dgm:scene3d>
-    <dgm:sp3d z="63500" extrusionH="63500" prstMaterial="matte">
-      <a:bevelT w="50800" h="19050" prst="relaxedInset"/>
+    <dgm:sp3d z="-152400" extrusionH="63500" prstMaterial="matte">
+      <a:bevelT w="25400" h="6350" prst="relaxedInset"/>
       <a:contourClr>
         <a:schemeClr val="bg1"/>
       </a:contourClr>
@@ -32166,23 +32313,66 @@
       </a:fontRef>
     </dgm:style>
   </dgm:styleLbl>
-  <dgm:styleLbl name="bgSibTrans2D1">
+  <dgm:styleLbl name="sibTrans1D1">
     <dgm:scene3d>
       <a:camera prst="orthographicFront"/>
-      <a:lightRig rig="threePt" dir="t"/>
+      <a:lightRig rig="threePt" dir="t">
+        <a:rot lat="0" lon="0" rev="7500000"/>
+      </a:lightRig>
     </dgm:scene3d>
-    <dgm:sp3d z="-152000" extrusionH="63500" prstMaterial="matte">
-      <a:bevelT w="50800" h="19050" prst="relaxedInset"/>
-      <a:contourClr>
-        <a:schemeClr val="bg1"/>
-      </a:contourClr>
+    <dgm:sp3d z="-40000" prstMaterial="matte"/>
+    <dgm:txPr/>
+    <dgm:style>
+      <a:lnRef idx="1">
+        <a:scrgbClr r="0" g="0" b="0"/>
+      </a:lnRef>
+      <a:fillRef idx="0">
+        <a:scrgbClr r="0" g="0" b="0"/>
+      </a:fillRef>
+      <a:effectRef idx="0">
+        <a:scrgbClr r="0" g="0" b="0"/>
+      </a:effectRef>
+      <a:fontRef idx="minor"/>
+    </dgm:style>
+  </dgm:styleLbl>
+  <dgm:styleLbl name="callout">
+    <dgm:scene3d>
+      <a:camera prst="orthographicFront"/>
+      <a:lightRig rig="threePt" dir="t">
+        <a:rot lat="0" lon="0" rev="7500000"/>
+      </a:lightRig>
+    </dgm:scene3d>
+    <dgm:sp3d z="127000" prstMaterial="matte"/>
+    <dgm:txPr/>
+    <dgm:style>
+      <a:lnRef idx="2">
+        <a:scrgbClr r="0" g="0" b="0"/>
+      </a:lnRef>
+      <a:fillRef idx="1">
+        <a:scrgbClr r="0" g="0" b="0"/>
+      </a:fillRef>
+      <a:effectRef idx="0">
+        <a:scrgbClr r="0" g="0" b="0"/>
+      </a:effectRef>
+      <a:fontRef idx="minor"/>
+    </dgm:style>
+  </dgm:styleLbl>
+  <dgm:styleLbl name="asst0">
+    <dgm:scene3d>
+      <a:camera prst="orthographicFront"/>
+      <a:lightRig rig="threePt" dir="t">
+        <a:rot lat="0" lon="0" rev="7500000"/>
+      </a:lightRig>
+    </dgm:scene3d>
+    <dgm:sp3d prstMaterial="plastic">
+      <a:bevelT w="127000" h="25400" prst="relaxedInset"/>
     </dgm:sp3d>
     <dgm:txPr/>
     <dgm:style>
       <a:lnRef idx="0">
         <a:scrgbClr r="0" g="0" b="0"/>
       </a:lnRef>
-      <a:fillRef idx="1">
+      <a:fillRef idx="3">
         <a:scrgbClr r="0" g="0" b="0"/>
       </a:fillRef>
       <a:effectRef idx="2">
@@ -32193,64 +32383,22 @@
       </a:fontRef>
     </dgm:style>
   </dgm:styleLbl>
-  <dgm:styleLbl name="sibTrans1D1">
+  <dgm:styleLbl name="asst1">
     <dgm:scene3d>
       <a:camera prst="orthographicFront"/>
-      <a:lightRig rig="threePt" dir="t"/>
+      <a:lightRig rig="threePt" dir="t">
+        <a:rot lat="0" lon="0" rev="7500000"/>
+      </a:lightRig>
     </dgm:scene3d>
-    <dgm:sp3d z="-40000" prstMaterial="matte"/>
-    <dgm:txPr/>
-    <dgm:style>
-      <a:lnRef idx="1">
-        <a:scrgbClr r="0" g="0" b="0"/>
-      </a:lnRef>
-      <a:fillRef idx="0">
-        <a:scrgbClr r="0" g="0" b="0"/>
-      </a:fillRef>
-      <a:effectRef idx="0">
-        <a:scrgbClr r="0" g="0" b="0"/>
-      </a:effectRef>
-      <a:fontRef idx="minor"/>
-    </dgm:style>
-  </dgm:styleLbl>
-  <dgm:styleLbl name="callout">
-    <dgm:scene3d>
-      <a:camera prst="orthographicFront"/>
-      <a:lightRig rig="threePt" dir="t"/>
-    </dgm:scene3d>
-    <dgm:sp3d z="127000" prstMaterial="matte"/>
-    <dgm:txPr/>
-    <dgm:style>
-      <a:lnRef idx="2">
-        <a:scrgbClr r="0" g="0" b="0"/>
-      </a:lnRef>
-      <a:fillRef idx="1">
-        <a:scrgbClr r="0" g="0" b="0"/>
-      </a:fillRef>
-      <a:effectRef idx="0">
-        <a:scrgbClr r="0" g="0" b="0"/>
-      </a:effectRef>
-      <a:fontRef idx="minor"/>
-    </dgm:style>
-  </dgm:styleLbl>
-  <dgm:styleLbl name="asst0">
-    <dgm:scene3d>
-      <a:camera prst="orthographicFront"/>
-      <a:lightRig rig="threePt" dir="t"/>
-    </dgm:scene3d>
-    <dgm:sp3d extrusionH="190500" prstMaterial="matte">
-      <a:bevelT w="120650" h="38100" prst="relaxedInset"/>
-      <a:bevelB w="120650" h="57150" prst="relaxedInset"/>
-      <a:contourClr>
-        <a:schemeClr val="bg1"/>
-      </a:contourClr>
+    <dgm:sp3d prstMaterial="plastic">
+      <a:bevelT w="127000" h="25400" prst="relaxedInset"/>
     </dgm:sp3d>
     <dgm:txPr/>
     <dgm:style>
       <a:lnRef idx="0">
         <a:scrgbClr r="0" g="0" b="0"/>
       </a:lnRef>
-      <a:fillRef idx="1">
+      <a:fillRef idx="3">
         <a:scrgbClr r="0" g="0" b="0"/>
       </a:fillRef>
       <a:effectRef idx="2">
@@ -32261,24 +32409,22 @@
       </a:fontRef>
     </dgm:style>
   </dgm:styleLbl>
-  <dgm:styleLbl name="asst1">
+  <dgm:styleLbl name="asst2">
     <dgm:scene3d>
       <a:camera prst="orthographicFront"/>
-      <a:lightRig rig="threePt" dir="t"/>
+      <a:lightRig rig="threePt" dir="t">
+        <a:rot lat="0" lon="0" rev="7500000"/>
+      </a:lightRig>
     </dgm:scene3d>
-    <dgm:sp3d extrusionH="190500" prstMaterial="matte">
-      <a:bevelT w="120650" h="38100" prst="relaxedInset"/>
-      <a:bevelB w="120650" h="57150" prst="relaxedInset"/>
-      <a:contourClr>
-        <a:schemeClr val="bg1"/>
-      </a:contourClr>
+    <dgm:sp3d prstMaterial="plastic">
+      <a:bevelT w="127000" h="25400" prst="relaxedInset"/>
     </dgm:sp3d>
     <dgm:txPr/>
     <dgm:style>
       <a:lnRef idx="0">
         <a:scrgbClr r="0" g="0" b="0"/>
       </a:lnRef>
-      <a:fillRef idx="1">
+      <a:fillRef idx="3">
         <a:scrgbClr r="0" g="0" b="0"/>
       </a:fillRef>
       <a:effectRef idx="2">
@@ -32289,24 +32435,22 @@
       </a:fontRef>
     </dgm:style>
   </dgm:styleLbl>
-  <dgm:styleLbl name="asst2">
+  <dgm:styleLbl name="asst3">
     <dgm:scene3d>
       <a:camera prst="orthographicFront"/>
-      <a:lightRig rig="threePt" dir="t"/>
+      <a:lightRig rig="threePt" dir="t">
+        <a:rot lat="0" lon="0" rev="7500000"/>
+      </a:lightRig>
     </dgm:scene3d>
-    <dgm:sp3d extrusionH="190500" prstMaterial="matte">
-      <a:bevelT w="120650" h="38100" prst="relaxedInset"/>
-      <a:bevelB w="120650" h="57150" prst="relaxedInset"/>
-      <a:contourClr>
-        <a:schemeClr val="bg1"/>
-      </a:contourClr>
+    <dgm:sp3d prstMaterial="plastic">
+      <a:bevelT w="127000" h="25400" prst="relaxedInset"/>
     </dgm:sp3d>
     <dgm:txPr/>
     <dgm:style>
       <a:lnRef idx="0">
         <a:scrgbClr r="0" g="0" b="0"/>
       </a:lnRef>
-      <a:fillRef idx="1">
+      <a:fillRef idx="3">
         <a:scrgbClr r="0" g="0" b="0"/>
       </a:fillRef>
       <a:effectRef idx="2">
@@ -32317,38 +32461,12 @@
       </a:fontRef>
     </dgm:style>
   </dgm:styleLbl>
-  <dgm:styleLbl name="asst3">
-    <dgm:scene3d>
-      <a:camera prst="orthographicFront"/>
-      <a:lightRig rig="threePt" dir="t"/>
-    </dgm:scene3d>
-    <dgm:sp3d extrusionH="190500" prstMaterial="matte">
-      <a:bevelT w="120650" h="38100" prst="relaxedInset"/>
-      <a:bevelB w="120650" h="57150" prst="relaxedInset"/>
-      <a:contourClr>
-        <a:schemeClr val="bg1"/>
-      </a:contourClr>
-    </dgm:sp3d>
-    <dgm:txPr/>
-    <dgm:style>
-      <a:lnRef idx="0">
-        <a:scrgbClr r="0" g="0" b="0"/>
-      </a:lnRef>
-      <a:fillRef idx="1">
-        <a:scrgbClr r="0" g="0" b="0"/>
-      </a:fillRef>
-      <a:effectRef idx="2">
-        <a:scrgbClr r="0" g="0" b="0"/>
-      </a:effectRef>
-      <a:fontRef idx="minor">
-        <a:schemeClr val="lt1"/>
-      </a:fontRef>
-    </dgm:style>
-  </dgm:styleLbl>
   <dgm:styleLbl name="parChTrans2D1">
     <dgm:scene3d>
       <a:camera prst="orthographicFront"/>
-      <a:lightRig rig="threePt" dir="t"/>
+      <a:lightRig rig="threePt" dir="t">
+        <a:rot lat="0" lon="0" rev="7500000"/>
+      </a:lightRig>
     </dgm:scene3d>
     <dgm:sp3d extrusionH="63500" prstMaterial="matte">
       <a:bevelT w="50800" h="19050" prst="relaxedInset"/>
@@ -32375,7 +32493,9 @@
   <dgm:styleLbl name="parChTrans2D2">
     <dgm:scene3d>
       <a:camera prst="orthographicFront"/>
-      <a:lightRig rig="threePt" dir="t"/>
+      <a:lightRig rig="threePt" dir="t">
+        <a:rot lat="0" lon="0" rev="7500000"/>
+      </a:lightRig>
     </dgm:scene3d>
     <dgm:sp3d extrusionH="63500" prstMaterial="matte">
       <a:bevelT w="50800" h="19050" prst="relaxedInset"/>
@@ -32402,11 +32522,12 @@
   <dgm:styleLbl name="parChTrans2D3">
     <dgm:scene3d>
       <a:camera prst="orthographicFront"/>
-      <a:lightRig rig="threePt" dir="t"/>
+      <a:lightRig rig="threePt" dir="t">
+        <a:rot lat="0" lon="0" rev="7500000"/>
+      </a:lightRig>
     </dgm:scene3d>
     <dgm:sp3d z="60000" prstMaterial="flat">
       <a:bevelT w="120900" h="88900"/>
-      <a:bevelB w="88900" h="31750" prst="angle"/>
     </dgm:sp3d>
     <dgm:txPr/>
     <dgm:style>
@@ -32427,11 +32548,12 @@
   <dgm:styleLbl name="parChTrans2D4">
     <dgm:scene3d>
       <a:camera prst="orthographicFront"/>
-      <a:lightRig rig="threePt" dir="t"/>
+      <a:lightRig rig="threePt" dir="t">
+        <a:rot lat="0" lon="0" rev="7500000"/>
+      </a:lightRig>
     </dgm:scene3d>
     <dgm:sp3d z="60000" prstMaterial="flat">
       <a:bevelT w="120900" h="88900"/>
-      <a:bevelB w="88900" h="31750" prst="angle"/>
     </dgm:sp3d>
     <dgm:txPr/>
     <dgm:style>
@@ -32452,7 +32574,9 @@
   <dgm:styleLbl name="parChTrans1D1">
     <dgm:scene3d>
       <a:camera prst="orthographicFront"/>
-      <a:lightRig rig="threePt" dir="t"/>
+      <a:lightRig rig="threePt" dir="t">
+        <a:rot lat="0" lon="0" rev="7500000"/>
+      </a:lightRig>
     </dgm:scene3d>
     <dgm:sp3d z="-40000" prstMaterial="matte"/>
     <dgm:txPr/>
@@ -32472,7 +32596,9 @@
   <dgm:styleLbl name="parChTrans1D2">
     <dgm:scene3d>
       <a:camera prst="orthographicFront"/>
-      <a:lightRig rig="threePt" dir="t"/>
+      <a:lightRig rig="threePt" dir="t">
+        <a:rot lat="0" lon="0" rev="7500000"/>
+      </a:lightRig>
     </dgm:scene3d>
     <dgm:sp3d z="-40000" prstMaterial="matte"/>
     <dgm:txPr/>
@@ -32492,7 +32618,9 @@
   <dgm:styleLbl name="parChTrans1D3">
     <dgm:scene3d>
       <a:camera prst="orthographicFront"/>
-      <a:lightRig rig="threePt" dir="t"/>
+      <a:lightRig rig="threePt" dir="t">
+        <a:rot lat="0" lon="0" rev="7500000"/>
+      </a:lightRig>
     </dgm:scene3d>
     <dgm:sp3d z="-40000" prstMaterial="matte"/>
     <dgm:txPr/>
@@ -32512,7 +32640,9 @@
   <dgm:styleLbl name="parChTrans1D4">
     <dgm:scene3d>
       <a:camera prst="orthographicFront"/>
-      <a:lightRig rig="threePt" dir="t"/>
+      <a:lightRig rig="threePt" dir="t">
+        <a:rot lat="0" lon="0" rev="7500000"/>
+      </a:lightRig>
     </dgm:scene3d>
     <dgm:sp3d z="-40000" prstMaterial="matte"/>
     <dgm:txPr/>
@@ -32532,17 +32662,19 @@
   <dgm:styleLbl name="fgAcc1">
     <dgm:scene3d>
       <a:camera prst="orthographicFront"/>
-      <a:lightRig rig="threePt" dir="t"/>
+      <a:lightRig rig="threePt" dir="t">
+        <a:rot lat="0" lon="0" rev="7500000"/>
+      </a:lightRig>
     </dgm:scene3d>
-    <dgm:sp3d z="152400" extrusionH="63500" prstMaterial="matte">
-      <a:bevelT w="50800" h="19050" prst="relaxedInset"/>
+    <dgm:sp3d z="152400" extrusionH="63500" prstMaterial="dkEdge">
+      <a:bevelT w="135400" h="16350" prst="relaxedInset"/>
       <a:contourClr>
         <a:schemeClr val="bg1"/>
       </a:contourClr>
     </dgm:sp3d>
     <dgm:txPr/>
     <dgm:style>
-      <a:lnRef idx="0">
+      <a:lnRef idx="1">
         <a:scrgbClr r="0" g="0" b="0"/>
       </a:lnRef>
       <a:fillRef idx="1">
@@ -32557,23 +32689,25 @@
   <dgm:styleLbl name="conFgAcc1">
     <dgm:scene3d>
       <a:camera prst="orthographicFront"/>
-      <a:lightRig rig="threePt" dir="t"/>
+      <a:lightRig rig="threePt" dir="t">
+        <a:rot lat="0" lon="0" rev="7500000"/>
+      </a:lightRig>
     </dgm:scene3d>
-    <dgm:sp3d z="-152400" extrusionH="63500" prstMaterial="matte">
-      <a:bevelT w="44450" h="6350" prst="relaxedInset"/>
+    <dgm:sp3d z="152400" extrusionH="63500" prstMaterial="dkEdge">
+      <a:bevelT w="135400" h="16350" prst="relaxedInset"/>
       <a:contourClr>
         <a:schemeClr val="bg1"/>
       </a:contourClr>
     </dgm:sp3d>
     <dgm:txPr/>
     <dgm:style>
-      <a:lnRef idx="0">
+      <a:lnRef idx="1">
         <a:scrgbClr r="0" g="0" b="0"/>
       </a:lnRef>
       <a:fillRef idx="1">
         <a:scrgbClr r="0" g="0" b="0"/>
       </a:fillRef>
-      <a:effectRef idx="0">
+      <a:effectRef idx="2">
         <a:scrgbClr r="0" g="0" b="0"/>
       </a:effectRef>
       <a:fontRef idx="minor"/>
@@ -32582,9 +32716,199 @@
   <dgm:styleLbl name="alignAcc1">
     <dgm:scene3d>
       <a:camera prst="orthographicFront"/>
-      <a:lightRig rig="threePt" dir="t"/>
+      <a:lightRig rig="threePt" dir="t">
+        <a:rot lat="0" lon="0" rev="7500000"/>
+      </a:lightRig>
     </dgm:scene3d>
-    <dgm:sp3d extrusionH="190500" prstMaterial="matte">
+    <dgm:sp3d extrusionH="190500" prstMaterial="dkEdge">
+      <a:bevelT w="135400" h="16350" prst="relaxedInset"/>
+      <a:contourClr>
+        <a:schemeClr val="bg1"/>
+      </a:contourClr>
+    </dgm:sp3d>
+    <dgm:txPr/>
+    <dgm:style>
+      <a:lnRef idx="1">
+        <a:scrgbClr r="0" g="0" b="0"/>
+      </a:lnRef>
+      <a:fillRef idx="1">
+        <a:scrgbClr r="0" g="0" b="0"/>
+      </a:fillRef>
+      <a:effectRef idx="2">
+        <a:scrgbClr r="0" g="0" b="0"/>
+      </a:effectRef>
+      <a:fontRef idx="minor"/>
+    </dgm:style>
+  </dgm:styleLbl>
+  <dgm:styleLbl name="trAlignAcc1">
+    <dgm:scene3d>
+      <a:camera prst="orthographicFront"/>
+      <a:lightRig rig="threePt" dir="t">
+        <a:rot lat="0" lon="0" rev="7500000"/>
+      </a:lightRig>
+    </dgm:scene3d>
+    <dgm:sp3d prstMaterial="plastic">
+      <a:bevelT w="127000" h="35400"/>
+    </dgm:sp3d>
+    <dgm:txPr/>
+    <dgm:style>
+      <a:lnRef idx="1">
+        <a:scrgbClr r="0" g="0" b="0"/>
+      </a:lnRef>
+      <a:fillRef idx="1">
+        <a:scrgbClr r="0" g="0" b="0"/>
+      </a:fillRef>
+      <a:effectRef idx="2">
+        <a:scrgbClr r="0" g="0" b="0"/>
+      </a:effectRef>
+      <a:fontRef idx="minor">
+        <a:schemeClr val="lt1"/>
+      </a:fontRef>
+    </dgm:style>
+  </dgm:styleLbl>
+  <dgm:styleLbl name="bgAcc1">
+    <dgm:scene3d>
+      <a:camera prst="orthographicFront"/>
+      <a:lightRig rig="threePt" dir="t">
+        <a:rot lat="0" lon="0" rev="7500000"/>
+      </a:lightRig>
+    </dgm:scene3d>
+    <dgm:sp3d z="-152400" extrusionH="63500" prstMaterial="dkEdge">
+      <a:bevelT w="124450" h="16350" prst="relaxedInset"/>
+      <a:contourClr>
+        <a:schemeClr val="bg1"/>
+      </a:contourClr>
+    </dgm:sp3d>
+    <dgm:txPr/>
+    <dgm:style>
+      <a:lnRef idx="1">
+        <a:scrgbClr r="0" g="0" b="0"/>
+      </a:lnRef>
+      <a:fillRef idx="1">
+        <a:scrgbClr r="0" g="0" b="0"/>
+      </a:fillRef>
+      <a:effectRef idx="0">
+        <a:scrgbClr r="0" g="0" b="0"/>
+      </a:effectRef>
+      <a:fontRef idx="minor"/>
+    </dgm:style>
+  </dgm:styleLbl>
+  <dgm:styleLbl name="solidFgAcc1">
+    <dgm:scene3d>
+      <a:camera prst="orthographicFront"/>
+      <a:lightRig rig="threePt" dir="t">
+        <a:rot lat="0" lon="0" rev="7500000"/>
+      </a:lightRig>
+    </dgm:scene3d>
+    <dgm:sp3d z="152400" extrusionH="63500" prstMaterial="dkEdge">
+      <a:bevelT w="120800" h="19050" prst="relaxedInset"/>
+      <a:contourClr>
+        <a:schemeClr val="bg1"/>
+      </a:contourClr>
+    </dgm:sp3d>
+    <dgm:txPr/>
+    <dgm:style>
+      <a:lnRef idx="1">
+        <a:scrgbClr r="0" g="0" b="0"/>
+      </a:lnRef>
+      <a:fillRef idx="1">
+        <a:scrgbClr r="0" g="0" b="0"/>
+      </a:fillRef>
+      <a:effectRef idx="2">
+        <a:scrgbClr r="0" g="0" b="0"/>
+      </a:effectRef>
+      <a:fontRef idx="minor"/>
+    </dgm:style>
+  </dgm:styleLbl>
+  <dgm:styleLbl name="solidAlignAcc1">
+    <dgm:scene3d>
+      <a:camera prst="orthographicFront"/>
+      <a:lightRig rig="threePt" dir="t">
+        <a:rot lat="0" lon="0" rev="7500000"/>
+      </a:lightRig>
+    </dgm:scene3d>
+    <dgm:sp3d extrusionH="190500" prstMaterial="dkEdge">
+      <a:bevelT w="120650" h="38100" prst="relaxedInset"/>
+      <a:contourClr>
+        <a:schemeClr val="bg1"/>
+      </a:contourClr>
+    </dgm:sp3d>
+    <dgm:txPr/>
+    <dgm:style>
+      <a:lnRef idx="1">
+        <a:scrgbClr r="0" g="0" b="0"/>
+      </a:lnRef>
+      <a:fillRef idx="1">
+        <a:scrgbClr r="0" g="0" b="0"/>
+      </a:fillRef>
+      <a:effectRef idx="2">
+        <a:scrgbClr r="0" g="0" b="0"/>
+      </a:effectRef>
+      <a:fontRef idx="minor"/>
+    </dgm:style>
+  </dgm:styleLbl>
+  <dgm:styleLbl name="solidBgAcc1">
+    <dgm:scene3d>
+      <a:camera prst="orthographicFront"/>
+      <a:lightRig rig="threePt" dir="t">
+        <a:rot lat="0" lon="0" rev="7500000"/>
+      </a:lightRig>
+    </dgm:scene3d>
+    <dgm:sp3d z="-152400" extrusionH="63500" prstMaterial="dkEdge">
+      <a:bevelT w="144450" h="36350" prst="relaxedInset"/>
+      <a:contourClr>
+        <a:schemeClr val="bg1"/>
+      </a:contourClr>
+    </dgm:sp3d>
+    <dgm:txPr/>
+    <dgm:style>
+      <a:lnRef idx="1">
+        <a:scrgbClr r="0" g="0" b="0"/>
+      </a:lnRef>
+      <a:fillRef idx="1">
+        <a:scrgbClr r="0" g="0" b="0"/>
+      </a:fillRef>
+      <a:effectRef idx="0">
+        <a:scrgbClr r="0" g="0" b="0"/>
+      </a:effectRef>
+      <a:fontRef idx="minor"/>
+    </dgm:style>
+  </dgm:styleLbl>
+  <dgm:styleLbl name="fgAccFollowNode1">
+    <dgm:scene3d>
+      <a:camera prst="orthographicFront"/>
+      <a:lightRig rig="threePt" dir="t">
+        <a:rot lat="0" lon="0" rev="7500000"/>
+      </a:lightRig>
+    </dgm:scene3d>
+    <dgm:sp3d z="152400" extrusionH="63500" prstMaterial="dkEdge">
+      <a:bevelT w="125400" h="36350" prst="relaxedInset"/>
+      <a:contourClr>
+        <a:schemeClr val="bg1"/>
+      </a:contourClr>
+    </dgm:sp3d>
+    <dgm:txPr/>
+    <dgm:style>
+      <a:lnRef idx="1">
+        <a:scrgbClr r="0" g="0" b="0"/>
+      </a:lnRef>
+      <a:fillRef idx="1">
+        <a:scrgbClr r="0" g="0" b="0"/>
+      </a:fillRef>
+      <a:effectRef idx="0">
+        <a:scrgbClr r="0" g="0" b="0"/>
+      </a:effectRef>
+      <a:fontRef idx="minor"/>
+    </dgm:style>
+  </dgm:styleLbl>
+  <dgm:styleLbl name="alignAccFollowNode1">
+    <dgm:scene3d>
+      <a:camera prst="orthographicFront"/>
+      <a:lightRig rig="threePt" dir="t">
+        <a:rot lat="0" lon="0" rev="7500000"/>
+      </a:lightRig>
+    </dgm:scene3d>
+    <dgm:sp3d extrusionH="190500" prstMaterial="dkEdge">
       <a:bevelT w="120650" h="38100" prst="relaxedInset"/>
       <a:bevelB w="120650" h="57150" prst="relaxedInset"/>
       <a:contourClr>
@@ -32593,7 +32917,7 @@
     </dgm:sp3d>
     <dgm:txPr/>
     <dgm:style>
-      <a:lnRef idx="0">
+      <a:lnRef idx="1">
         <a:scrgbClr r="0" g="0" b="0"/>
       </a:lnRef>
       <a:fillRef idx="1">
@@ -32605,14 +32929,150 @@
       <a:fontRef idx="minor"/>
     </dgm:style>
   </dgm:styleLbl>
-  <dgm:styleLbl name="trAlignAcc1">
+  <dgm:styleLbl name="bgAccFollowNode1">
     <dgm:scene3d>
       <a:camera prst="orthographicFront"/>
-      <a:lightRig rig="threePt" dir="t"/>
+      <a:lightRig rig="threePt" dir="t">
+        <a:rot lat="0" lon="0" rev="7500000"/>
+      </a:lightRig>
     </dgm:scene3d>
-    <dgm:sp3d extrusionH="190500" prstMaterial="matte">
-      <a:bevelT w="120650" h="38100"/>
-      <a:bevelB w="120650" h="57150" prst="relaxedInset"/>
+    <dgm:sp3d z="-152400" extrusionH="63500" prstMaterial="dkEdge">
+      <a:bevelT w="144450" h="36350" prst="relaxedInset"/>
+      <a:contourClr>
+        <a:schemeClr val="bg1"/>
+      </a:contourClr>
+    </dgm:sp3d>
+    <dgm:txPr/>
+    <dgm:style>
+      <a:lnRef idx="1">
+        <a:scrgbClr r="0" g="0" b="0"/>
+      </a:lnRef>
+      <a:fillRef idx="1">
+        <a:scrgbClr r="0" g="0" b="0"/>
+      </a:fillRef>
+      <a:effectRef idx="2">
+        <a:scrgbClr r="0" g="0" b="0"/>
+      </a:effectRef>
+      <a:fontRef idx="minor"/>
+    </dgm:style>
+  </dgm:styleLbl>
+  <dgm:styleLbl name="fgAcc0">
+    <dgm:scene3d>
+      <a:camera prst="orthographicFront"/>
+      <a:lightRig rig="threePt" dir="t">
+        <a:rot lat="0" lon="0" rev="7500000"/>
+      </a:lightRig>
+    </dgm:scene3d>
+    <dgm:sp3d z="152400" extrusionH="63500" prstMaterial="dkEdge">
+      <a:bevelT w="125400" h="36350" prst="relaxedInset"/>
+      <a:contourClr>
+        <a:schemeClr val="bg1"/>
+      </a:contourClr>
+    </dgm:sp3d>
+    <dgm:txPr/>
+    <dgm:style>
+      <a:lnRef idx="1">
+        <a:scrgbClr r="0" g="0" b="0"/>
+      </a:lnRef>
+      <a:fillRef idx="1">
+        <a:scrgbClr r="0" g="0" b="0"/>
+      </a:fillRef>
+      <a:effectRef idx="2">
+        <a:scrgbClr r="0" g="0" b="0"/>
+      </a:effectRef>
+      <a:fontRef idx="minor"/>
+    </dgm:style>
+  </dgm:styleLbl>
+  <dgm:styleLbl name="fgAcc2">
+    <dgm:scene3d>
+      <a:camera prst="orthographicFront"/>
+      <a:lightRig rig="threePt" dir="t">
+        <a:rot lat="0" lon="0" rev="7500000"/>
+      </a:lightRig>
+    </dgm:scene3d>
+    <dgm:sp3d z="152400" extrusionH="63500" prstMaterial="dkEdge">
+      <a:bevelT w="125400" h="36350" prst="relaxedInset"/>
+      <a:contourClr>
+        <a:schemeClr val="bg1"/>
+      </a:contourClr>
+    </dgm:sp3d>
+    <dgm:txPr/>
+    <dgm:style>
+      <a:lnRef idx="1">
+        <a:scrgbClr r="0" g="0" b="0"/>
+      </a:lnRef>
+      <a:fillRef idx="1">
+        <a:scrgbClr r="0" g="0" b="0"/>
+      </a:fillRef>
+      <a:effectRef idx="2">
+        <a:scrgbClr r="0" g="0" b="0"/>
+      </a:effectRef>
+      <a:fontRef idx="minor"/>
+    </dgm:style>
+  </dgm:styleLbl>
+  <dgm:styleLbl name="fgAcc3">
+    <dgm:scene3d>
+      <a:camera prst="orthographicFront"/>
+      <a:lightRig rig="threePt" dir="t">
+        <a:rot lat="0" lon="0" rev="7500000"/>
+      </a:lightRig>
+    </dgm:scene3d>
+    <dgm:sp3d z="152400" extrusionH="63500" prstMaterial="dkEdge">
+      <a:bevelT w="125400" h="36350" prst="relaxedInset"/>
+      <a:contourClr>
+        <a:schemeClr val="bg1"/>
+      </a:contourClr>
+    </dgm:sp3d>
+    <dgm:txPr/>
+    <dgm:style>
+      <a:lnRef idx="1">
+        <a:scrgbClr r="0" g="0" b="0"/>
+      </a:lnRef>
+      <a:fillRef idx="1">
+        <a:scrgbClr r="0" g="0" b="0"/>
+      </a:fillRef>
+      <a:effectRef idx="2">
+        <a:scrgbClr r="0" g="0" b="0"/>
+      </a:effectRef>
+      <a:fontRef idx="minor"/>
+    </dgm:style>
+  </dgm:styleLbl>
+  <dgm:styleLbl name="fgAcc4">
+    <dgm:scene3d>
+      <a:camera prst="orthographicFront"/>
+      <a:lightRig rig="threePt" dir="t">
+        <a:rot lat="0" lon="0" rev="7500000"/>
+      </a:lightRig>
+    </dgm:scene3d>
+    <dgm:sp3d z="152400" extrusionH="63500" prstMaterial="dkEdge">
+      <a:bevelT w="125400" h="36350" prst="relaxedInset"/>
+      <a:contourClr>
+        <a:schemeClr val="bg1"/>
+      </a:contourClr>
+    </dgm:sp3d>
+    <dgm:txPr/>
+    <dgm:style>
+      <a:lnRef idx="1">
+        <a:scrgbClr r="0" g="0" b="0"/>
+      </a:lnRef>
+      <a:fillRef idx="1">
+        <a:scrgbClr r="0" g="0" b="0"/>
+      </a:fillRef>
+      <a:effectRef idx="2">
+        <a:scrgbClr r="0" g="0" b="0"/>
+      </a:effectRef>
+      <a:fontRef idx="minor"/>
+    </dgm:style>
+  </dgm:styleLbl>
+  <dgm:styleLbl name="bgShp">
+    <dgm:scene3d>
+      <a:camera prst="orthographicFront"/>
+      <a:lightRig rig="threePt" dir="t">
+        <a:rot lat="0" lon="0" rev="7500000"/>
+      </a:lightRig>
+    </dgm:scene3d>
+    <dgm:sp3d z="-152400" extrusionH="63500" prstMaterial="matte">
+      <a:bevelT w="144450" h="6350" prst="relaxedInset"/>
       <a:contourClr>
         <a:schemeClr val="bg1"/>
       </a:contourClr>
@@ -32622,328 +33082,25 @@
       <a:lnRef idx="0">
         <a:scrgbClr r="0" g="0" b="0"/>
       </a:lnRef>
-      <a:fillRef idx="1">
+      <a:fillRef idx="3">
         <a:scrgbClr r="0" g="0" b="0"/>
       </a:fillRef>
-      <a:effectRef idx="2">
+      <a:effectRef idx="0">
         <a:scrgbClr r="0" g="0" b="0"/>
       </a:effectRef>
       <a:fontRef idx="minor"/>
     </dgm:style>
   </dgm:styleLbl>
-  <dgm:styleLbl name="bgAcc1">
-    <dgm:scene3d>
-      <a:camera prst="orthographicFront"/>
-      <a:lightRig rig="threePt" dir="t"/>
-    </dgm:scene3d>
-    <dgm:sp3d z="-152400" extrusionH="63500" prstMaterial="matte">
-      <a:bevelT w="44450" h="6350" prst="relaxedInset"/>
-      <a:contourClr>
-        <a:schemeClr val="bg1"/>
-      </a:contourClr>
-    </dgm:sp3d>
-    <dgm:txPr/>
-    <dgm:style>
-      <a:lnRef idx="0">
-        <a:scrgbClr r="0" g="0" b="0"/>
-      </a:lnRef>
-      <a:fillRef idx="1">
-        <a:scrgbClr r="0" g="0" b="0"/>
-      </a:fillRef>
-      <a:effectRef idx="0">
-        <a:scrgbClr r="0" g="0" b="0"/>
-      </a:effectRef>
-      <a:fontRef idx="minor"/>
-    </dgm:style>
-  </dgm:styleLbl>
-  <dgm:styleLbl name="solidFgAcc1">
-    <dgm:scene3d>
-      <a:camera prst="orthographicFront"/>
-      <a:lightRig rig="threePt" dir="t"/>
-    </dgm:scene3d>
-    <dgm:sp3d z="152400" extrusionH="63500" prstMaterial="matte">
-      <a:bevelT w="50800" h="19050" prst="relaxedInset"/>
-      <a:contourClr>
-        <a:schemeClr val="bg1"/>
-      </a:contourClr>
-    </dgm:sp3d>
-    <dgm:txPr/>
-    <dgm:style>
-      <a:lnRef idx="0">
-        <a:scrgbClr r="0" g="0" b="0"/>
-      </a:lnRef>
-      <a:fillRef idx="1">
-        <a:scrgbClr r="0" g="0" b="0"/>
-      </a:fillRef>
-      <a:effectRef idx="2">
-        <a:scrgbClr r="0" g="0" b="0"/>
-      </a:effectRef>
-      <a:fontRef idx="minor"/>
-    </dgm:style>
-  </dgm:styleLbl>
-  <dgm:styleLbl name="solidAlignAcc1">
-    <dgm:scene3d>
-      <a:camera prst="orthographicFront"/>
-      <a:lightRig rig="threePt" dir="t"/>
-    </dgm:scene3d>
-    <dgm:sp3d extrusionH="190500" prstMaterial="matte">
-      <a:bevelT w="120650" h="38100" prst="relaxedInset"/>
-      <a:bevelB w="120650" h="57150" prst="relaxedInset"/>
-      <a:contourClr>
-        <a:schemeClr val="bg1"/>
-      </a:contourClr>
-    </dgm:sp3d>
-    <dgm:txPr/>
-    <dgm:style>
-      <a:lnRef idx="0">
-        <a:scrgbClr r="0" g="0" b="0"/>
-      </a:lnRef>
-      <a:fillRef idx="1">
-        <a:scrgbClr r="0" g="0" b="0"/>
-      </a:fillRef>
-      <a:effectRef idx="2">
-        <a:scrgbClr r="0" g="0" b="0"/>
-      </a:effectRef>
-      <a:fontRef idx="minor"/>
-    </dgm:style>
-  </dgm:styleLbl>
-  <dgm:styleLbl name="solidBgAcc1">
-    <dgm:scene3d>
-      <a:camera prst="orthographicFront"/>
-      <a:lightRig rig="threePt" dir="t"/>
-    </dgm:scene3d>
-    <dgm:sp3d z="-152400" extrusionH="63500" prstMaterial="matte">
-      <a:bevelT w="44450" h="6350" prst="relaxedInset"/>
-      <a:contourClr>
-        <a:schemeClr val="bg1"/>
-      </a:contourClr>
-    </dgm:sp3d>
-    <dgm:txPr/>
-    <dgm:style>
-      <a:lnRef idx="0">
-        <a:scrgbClr r="0" g="0" b="0"/>
-      </a:lnRef>
-      <a:fillRef idx="1">
-        <a:scrgbClr r="0" g="0" b="0"/>
-      </a:fillRef>
-      <a:effectRef idx="0">
-        <a:scrgbClr r="0" g="0" b="0"/>
-      </a:effectRef>
-      <a:fontRef idx="minor"/>
-    </dgm:style>
-  </dgm:styleLbl>
-  <dgm:styleLbl name="fgAccFollowNode1">
-    <dgm:scene3d>
-      <a:camera prst="orthographicFront"/>
-      <a:lightRig rig="threePt" dir="t"/>
-    </dgm:scene3d>
-    <dgm:sp3d z="152400" extrusionH="63500" prstMaterial="matte">
-      <a:bevelT w="50800" h="19050" prst="relaxedInset"/>
-      <a:contourClr>
-        <a:schemeClr val="bg1"/>
-      </a:contourClr>
-    </dgm:sp3d>
-    <dgm:txPr/>
-    <dgm:style>
-      <a:lnRef idx="0">
-        <a:scrgbClr r="0" g="0" b="0"/>
-      </a:lnRef>
-      <a:fillRef idx="1">
-        <a:scrgbClr r="0" g="0" b="0"/>
-      </a:fillRef>
-      <a:effectRef idx="0">
-        <a:scrgbClr r="0" g="0" b="0"/>
-      </a:effectRef>
-      <a:fontRef idx="minor"/>
-    </dgm:style>
-  </dgm:styleLbl>
-  <dgm:styleLbl name="alignAccFollowNode1">
-    <dgm:scene3d>
-      <a:camera prst="orthographicFront"/>
-      <a:lightRig rig="threePt" dir="t"/>
-    </dgm:scene3d>
-    <dgm:sp3d extrusionH="190500" prstMaterial="matte">
-      <a:bevelT w="120650" h="38100" prst="relaxedInset"/>
-      <a:bevelB w="120650" h="57150" prst="relaxedInset"/>
-      <a:contourClr>
-        <a:schemeClr val="bg1"/>
-      </a:contourClr>
-    </dgm:sp3d>
-    <dgm:txPr/>
-    <dgm:style>
-      <a:lnRef idx="0">
-        <a:scrgbClr r="0" g="0" b="0"/>
-      </a:lnRef>
-      <a:fillRef idx="1">
-        <a:scrgbClr r="0" g="0" b="0"/>
-      </a:fillRef>
-      <a:effectRef idx="2">
-        <a:scrgbClr r="0" g="0" b="0"/>
-      </a:effectRef>
-      <a:fontRef idx="minor"/>
-    </dgm:style>
-  </dgm:styleLbl>
-  <dgm:styleLbl name="bgAccFollowNode1">
-    <dgm:scene3d>
-      <a:camera prst="orthographicFront"/>
-      <a:lightRig rig="threePt" dir="t"/>
-    </dgm:scene3d>
-    <dgm:sp3d z="-152400" extrusionH="63500" prstMaterial="matte">
-      <a:bevelT w="44450" h="6350" prst="relaxedInset"/>
-      <a:contourClr>
-        <a:schemeClr val="bg1"/>
-      </a:contourClr>
-    </dgm:sp3d>
-    <dgm:txPr/>
-    <dgm:style>
-      <a:lnRef idx="0">
-        <a:scrgbClr r="0" g="0" b="0"/>
-      </a:lnRef>
-      <a:fillRef idx="1">
-        <a:scrgbClr r="0" g="0" b="0"/>
-      </a:fillRef>
-      <a:effectRef idx="2">
-        <a:scrgbClr r="0" g="0" b="0"/>
-      </a:effectRef>
-      <a:fontRef idx="minor"/>
-    </dgm:style>
-  </dgm:styleLbl>
-  <dgm:styleLbl name="fgAcc0">
-    <dgm:scene3d>
-      <a:camera prst="orthographicFront"/>
-      <a:lightRig rig="threePt" dir="t"/>
-    </dgm:scene3d>
-    <dgm:sp3d z="152400" extrusionH="63500" prstMaterial="matte">
-      <a:bevelT w="50800" h="19050" prst="relaxedInset"/>
-      <a:contourClr>
-        <a:schemeClr val="bg1"/>
-      </a:contourClr>
-    </dgm:sp3d>
-    <dgm:txPr/>
-    <dgm:style>
-      <a:lnRef idx="0">
-        <a:scrgbClr r="0" g="0" b="0"/>
-      </a:lnRef>
-      <a:fillRef idx="1">
-        <a:scrgbClr r="0" g="0" b="0"/>
-      </a:fillRef>
-      <a:effectRef idx="0">
-        <a:scrgbClr r="0" g="0" b="0"/>
-      </a:effectRef>
-      <a:fontRef idx="minor"/>
-    </dgm:style>
-  </dgm:styleLbl>
-  <dgm:styleLbl name="fgAcc2">
-    <dgm:scene3d>
-      <a:camera prst="orthographicFront"/>
-      <a:lightRig rig="threePt" dir="t"/>
-    </dgm:scene3d>
-    <dgm:sp3d z="152400" extrusionH="63500" prstMaterial="matte">
-      <a:bevelT w="50800" h="19050" prst="relaxedInset"/>
-      <a:contourClr>
-        <a:schemeClr val="bg1"/>
-      </a:contourClr>
-    </dgm:sp3d>
-    <dgm:txPr/>
-    <dgm:style>
-      <a:lnRef idx="0">
-        <a:scrgbClr r="0" g="0" b="0"/>
-      </a:lnRef>
-      <a:fillRef idx="1">
-        <a:scrgbClr r="0" g="0" b="0"/>
-      </a:fillRef>
-      <a:effectRef idx="0">
-        <a:scrgbClr r="0" g="0" b="0"/>
-      </a:effectRef>
-      <a:fontRef idx="minor"/>
-    </dgm:style>
-  </dgm:styleLbl>
-  <dgm:styleLbl name="fgAcc3">
-    <dgm:scene3d>
-      <a:camera prst="orthographicFront"/>
-      <a:lightRig rig="threePt" dir="t"/>
-    </dgm:scene3d>
-    <dgm:sp3d z="152400" extrusionH="63500" prstMaterial="matte">
-      <a:bevelT w="50800" h="19050" prst="relaxedInset"/>
-      <a:contourClr>
-        <a:schemeClr val="bg1"/>
-      </a:contourClr>
-    </dgm:sp3d>
-    <dgm:txPr/>
-    <dgm:style>
-      <a:lnRef idx="0">
-        <a:scrgbClr r="0" g="0" b="0"/>
-      </a:lnRef>
-      <a:fillRef idx="1">
-        <a:scrgbClr r="0" g="0" b="0"/>
-      </a:fillRef>
-      <a:effectRef idx="0">
-        <a:scrgbClr r="0" g="0" b="0"/>
-      </a:effectRef>
-      <a:fontRef idx="minor"/>
-    </dgm:style>
-  </dgm:styleLbl>
-  <dgm:styleLbl name="fgAcc4">
-    <dgm:scene3d>
-      <a:camera prst="orthographicFront"/>
-      <a:lightRig rig="threePt" dir="t"/>
-    </dgm:scene3d>
-    <dgm:sp3d z="152400" extrusionH="63500" prstMaterial="matte">
-      <a:bevelT w="50800" h="19050" prst="relaxedInset"/>
-      <a:contourClr>
-        <a:schemeClr val="bg1"/>
-      </a:contourClr>
-    </dgm:sp3d>
-    <dgm:txPr/>
-    <dgm:style>
-      <a:lnRef idx="0">
-        <a:scrgbClr r="0" g="0" b="0"/>
-      </a:lnRef>
-      <a:fillRef idx="1">
-        <a:scrgbClr r="0" g="0" b="0"/>
-      </a:fillRef>
-      <a:effectRef idx="0">
-        <a:scrgbClr r="0" g="0" b="0"/>
-      </a:effectRef>
-      <a:fontRef idx="minor"/>
-    </dgm:style>
-  </dgm:styleLbl>
-  <dgm:styleLbl name="bgShp">
-    <dgm:scene3d>
-      <a:camera prst="orthographicFront"/>
-      <a:lightRig rig="threePt" dir="t"/>
-    </dgm:scene3d>
-    <dgm:sp3d z="-152400" extrusionH="63500" prstMaterial="matte">
-      <a:bevelT w="44450" h="6350" prst="relaxedInset"/>
-      <a:contourClr>
-        <a:schemeClr val="bg1"/>
-      </a:contourClr>
-    </dgm:sp3d>
-    <dgm:txPr/>
-    <dgm:style>
-      <a:lnRef idx="0">
-        <a:scrgbClr r="0" g="0" b="0"/>
-      </a:lnRef>
-      <a:fillRef idx="1">
-        <a:scrgbClr r="0" g="0" b="0"/>
-      </a:fillRef>
-      <a:effectRef idx="0">
-        <a:scrgbClr r="0" g="0" b="0"/>
-      </a:effectRef>
-      <a:fontRef idx="minor"/>
-    </dgm:style>
-  </dgm:styleLbl>
   <dgm:styleLbl name="dkBgShp">
     <dgm:scene3d>
       <a:camera prst="orthographicFront"/>
-      <a:lightRig rig="threePt" dir="t"/>
+      <a:lightRig rig="threePt" dir="t">
+        <a:rot lat="0" lon="0" rev="7500000"/>
+      </a:lightRig>
     </dgm:scene3d>
-    <dgm:sp3d extrusionH="190500" prstMaterial="matte">
-      <a:bevelT w="120650" h="38100" prst="relaxedInset"/>
-      <a:bevelB w="120650" h="57150" prst="relaxedInset"/>
-      <a:contourClr>
-        <a:schemeClr val="bg1"/>
-      </a:contourClr>
+    <dgm:sp3d prstMaterial="plastic">
+      <a:bevelT w="127000" h="25400" prst="relaxedInset"/>
+      <a:bevelB w="88900" h="121750" prst="angle"/>
     </dgm:sp3d>
     <dgm:txPr/>
     <dgm:style>
@@ -32984,7 +33141,9 @@
   <dgm:styleLbl name="fgShp">
     <dgm:scene3d>
       <a:camera prst="orthographicFront"/>
-      <a:lightRig rig="threePt" dir="t"/>
+      <a:lightRig rig="threePt" dir="t">
+        <a:rot lat="0" lon="0" rev="7500000"/>
+      </a:lightRig>
     </dgm:scene3d>
     <dgm:sp3d z="152400" extrusionH="63500" prstMaterial="matte">
       <a:bevelT w="50800" h="19050" prst="relaxedInset"/>
@@ -37447,7 +37606,7 @@
             <p:ph idx="1"/>
             <p:extLst>
               <p:ext uri="{D42A27DB-BD31-4B8C-83A1-F6EECF244321}">
-                <p14:modId xmlns:p14="http://schemas.microsoft.com/office/powerpoint/2010/main" val="3454708397"/>
+                <p14:modId xmlns:p14="http://schemas.microsoft.com/office/powerpoint/2010/main" val="121883132"/>
               </p:ext>
             </p:extLst>
           </p:nvPr>
@@ -37834,6 +37993,52 @@
           </a:extLst>
         </p:spPr>
       </p:pic>
+      <p:sp>
+        <p:nvSpPr>
+          <p:cNvPr id="6" name="Elipse 5"/>
+          <p:cNvSpPr/>
+          <p:nvPr/>
+        </p:nvSpPr>
+        <p:spPr>
+          <a:xfrm>
+            <a:off x="6228184" y="4869160"/>
+            <a:ext cx="3384376" cy="1988840"/>
+          </a:xfrm>
+          <a:prstGeom prst="ellipse">
+            <a:avLst/>
+          </a:prstGeom>
+          <a:noFill/>
+          <a:ln>
+            <a:solidFill>
+              <a:srgbClr val="C00000"/>
+            </a:solidFill>
+          </a:ln>
+        </p:spPr>
+        <p:style>
+          <a:lnRef idx="2">
+            <a:schemeClr val="accent1">
+              <a:shade val="50000"/>
+            </a:schemeClr>
+          </a:lnRef>
+          <a:fillRef idx="1">
+            <a:schemeClr val="accent1"/>
+          </a:fillRef>
+          <a:effectRef idx="0">
+            <a:schemeClr val="accent1"/>
+          </a:effectRef>
+          <a:fontRef idx="minor">
+            <a:schemeClr val="lt1"/>
+          </a:fontRef>
+        </p:style>
+        <p:txBody>
+          <a:bodyPr rtlCol="0" anchor="ctr"/>
+          <a:lstStyle/>
+          <a:p>
+            <a:pPr algn="ctr"/>
+            <a:endParaRPr lang="pt-BR"/>
+          </a:p>
+        </p:txBody>
+      </p:sp>
     </p:spTree>
     <p:extLst>
       <p:ext uri="{BB962C8B-B14F-4D97-AF65-F5344CB8AC3E}">
@@ -40749,7 +40954,7 @@
             </a:pPr>
             <a:r>
               <a:rPr lang="pt-BR" b="1" dirty="0" err="1" smtClean="0"/>
-              <a:t>Heroko</a:t>
+              <a:t>Heroku</a:t>
             </a:r>
             <a:endParaRPr lang="pt-BR" b="1" dirty="0" smtClean="0"/>
           </a:p>
@@ -41612,17 +41817,7 @@
                   </a:schemeClr>
                 </a:solidFill>
               </a:rPr>
-              <a:t>Obs. Os quadros em verde destacam ações de usuário (</a:t>
-            </a:r>
-            <a:r>
-              <a:rPr lang="pt-BR" dirty="0" smtClean="0">
-                <a:solidFill>
-                  <a:schemeClr val="accent5">
-                    <a:lumMod val="75000"/>
-                  </a:schemeClr>
-                </a:solidFill>
-              </a:rPr>
-              <a:t>Clicks)</a:t>
+              <a:t>Obs. Os quadros em verde destacam ações de usuário (Clicks)</a:t>
             </a:r>
             <a:endParaRPr lang="pt-BR" dirty="0">
               <a:solidFill>

--- a/Ppt-Andamento.pptx
+++ b/Ppt-Andamento.pptx
@@ -126,7 +126,7 @@
   </p:defaultTextStyle>
   <p:extLst>
     <p:ext uri="{EFAFB233-063F-42B5-8137-9DF3F51BA10A}">
-      <p15:sldGuideLst xmlns:p15="http://schemas.microsoft.com/office/powerpoint/2012/main" xmlns="">
+      <p15:sldGuideLst xmlns:p15="http://schemas.microsoft.com/office/powerpoint/2012/main">
         <p15:guide id="1" orient="horz" pos="2160">
           <p15:clr>
             <a:srgbClr val="A4A3A4"/>
@@ -12116,53 +12116,53 @@
     </dgm:pt>
   </dgm:ptLst>
   <dgm:cxnLst>
-    <dgm:cxn modelId="{18D20495-54B2-41BA-B806-37002FB53632}" type="presOf" srcId="{69705CEA-F570-453E-89C2-BF794F678958}" destId="{BC230F88-AF16-401E-847A-5EB6F35167B5}" srcOrd="0" destOrd="0" presId="urn:microsoft.com/office/officeart/2008/layout/HorizontalMultiLevelHierarchy"/>
-    <dgm:cxn modelId="{E47C819D-D54E-4599-897F-5F05D785E91C}" type="presOf" srcId="{80A8E8CD-E500-4265-9EBD-08F5903454F8}" destId="{4E7B5B8A-E25E-4056-A287-F1501FE9A818}" srcOrd="1" destOrd="0" presId="urn:microsoft.com/office/officeart/2008/layout/HorizontalMultiLevelHierarchy"/>
-    <dgm:cxn modelId="{C91CC287-7190-42C4-97C0-2D91E272BCC3}" type="presOf" srcId="{47DBA1AE-1E15-431B-816E-E3495D91D50D}" destId="{C3B714E9-8D56-4F47-AE83-1B4A1B36E261}" srcOrd="0" destOrd="0" presId="urn:microsoft.com/office/officeart/2008/layout/HorizontalMultiLevelHierarchy"/>
-    <dgm:cxn modelId="{020A2310-5D97-4D7E-9909-51E2CE9FB027}" type="presOf" srcId="{7D4A7BEA-0826-4D7F-9B13-830276B86077}" destId="{175FB72B-84C8-486C-9686-3AA16043A190}" srcOrd="0" destOrd="0" presId="urn:microsoft.com/office/officeart/2008/layout/HorizontalMultiLevelHierarchy"/>
-    <dgm:cxn modelId="{68BEAA0F-F727-404F-A1C3-B6A93BF7DE79}" type="presOf" srcId="{B3A3E97E-B1F5-4285-B3CC-626A9AFB88AF}" destId="{962A20E9-4E8A-4469-B9A9-712648A37A7E}" srcOrd="1" destOrd="0" presId="urn:microsoft.com/office/officeart/2008/layout/HorizontalMultiLevelHierarchy"/>
-    <dgm:cxn modelId="{DC17CFEB-C2B6-4EF4-A568-2436AA4299E9}" type="presOf" srcId="{BCECA982-1209-40D3-90B9-DB39233875A5}" destId="{85116997-987D-40A8-AFCA-C5A54CBB823D}" srcOrd="0" destOrd="0" presId="urn:microsoft.com/office/officeart/2008/layout/HorizontalMultiLevelHierarchy"/>
-    <dgm:cxn modelId="{0E9DAE43-BD16-4A14-9821-2524BC241F48}" srcId="{CE13128E-9149-4B70-91DE-630C4ABBFE00}" destId="{08C55BA2-31D6-43CA-BE8B-18095A33123C}" srcOrd="1" destOrd="0" parTransId="{6DB745CF-1A78-406B-8408-ECE8759E9FA1}" sibTransId="{E3EE3127-9860-436D-80DB-2AE4EBD12F9F}"/>
-    <dgm:cxn modelId="{A67FD952-7E3E-42C2-B9AC-9786F65D1584}" srcId="{08C55BA2-31D6-43CA-BE8B-18095A33123C}" destId="{4A1CE773-3E85-4B37-BA18-CB28DF37705F}" srcOrd="0" destOrd="0" parTransId="{C970C188-F04F-415C-B685-2C4E7AFB148E}" sibTransId="{1EF5A848-6056-46B2-8C3B-F197EDA52614}"/>
-    <dgm:cxn modelId="{A9952C7E-C879-479B-834A-6036B1AB1527}" srcId="{7DF7B6DD-8D79-468E-B015-C667742FBFEB}" destId="{CE13128E-9149-4B70-91DE-630C4ABBFE00}" srcOrd="0" destOrd="0" parTransId="{C6E5B58F-10F1-4A0F-B24B-83ABFC7283E8}" sibTransId="{6CE5C753-8F6C-4D7B-8CBB-35D97C591B3B}"/>
-    <dgm:cxn modelId="{D5162A70-9646-4B9A-9D47-8847B119A36D}" type="presOf" srcId="{DC5DA3D9-0E16-42DE-894D-7A0ACA3BEA89}" destId="{5AE26B0C-D01B-45E0-A33F-6264A326BBFD}" srcOrd="1" destOrd="0" presId="urn:microsoft.com/office/officeart/2008/layout/HorizontalMultiLevelHierarchy"/>
-    <dgm:cxn modelId="{BB8CC356-122F-4E4D-BF7E-874EEDB47A04}" type="presOf" srcId="{C6E5B58F-10F1-4A0F-B24B-83ABFC7283E8}" destId="{E04E75EF-3FF5-4F99-9454-4458B90560B9}" srcOrd="0" destOrd="0" presId="urn:microsoft.com/office/officeart/2008/layout/HorizontalMultiLevelHierarchy"/>
-    <dgm:cxn modelId="{B353EAEA-C1EF-497E-AD8A-EEFA8A1765D1}" type="presOf" srcId="{305D8F76-DE5C-477C-9DE0-661AB94732FF}" destId="{2DB62359-910D-4F81-A286-8DE2D01AD00D}" srcOrd="1" destOrd="0" presId="urn:microsoft.com/office/officeart/2008/layout/HorizontalMultiLevelHierarchy"/>
-    <dgm:cxn modelId="{BB366179-8CB8-48F8-B469-8D59183C75FA}" type="presOf" srcId="{DC5DA3D9-0E16-42DE-894D-7A0ACA3BEA89}" destId="{76804D07-263C-4BFE-886B-E38C63B4A639}" srcOrd="0" destOrd="0" presId="urn:microsoft.com/office/officeart/2008/layout/HorizontalMultiLevelHierarchy"/>
-    <dgm:cxn modelId="{CC33FE3A-2675-4C05-AC2C-C262B46663BD}" type="presOf" srcId="{08C55BA2-31D6-43CA-BE8B-18095A33123C}" destId="{E44A7F6B-CDD6-46D7-8C6D-31E128DCFA9B}" srcOrd="0" destOrd="0" presId="urn:microsoft.com/office/officeart/2008/layout/HorizontalMultiLevelHierarchy"/>
-    <dgm:cxn modelId="{8F03D61F-9583-4BD6-9C0A-EAE164CEDD1E}" srcId="{D24B9365-C298-4D09-9B43-19F1F42CB936}" destId="{9CDE7211-7213-4221-9E18-349FFE24B791}" srcOrd="0" destOrd="0" parTransId="{DC5DA3D9-0E16-42DE-894D-7A0ACA3BEA89}" sibTransId="{29A5C94B-43C5-43DC-83C7-D6A9D3B54949}"/>
-    <dgm:cxn modelId="{4A871634-BAF2-4366-8270-342BEC8E9356}" type="presOf" srcId="{BCECA982-1209-40D3-90B9-DB39233875A5}" destId="{59995DB5-1B81-4758-85FC-551EB375F06C}" srcOrd="1" destOrd="0" presId="urn:microsoft.com/office/officeart/2008/layout/HorizontalMultiLevelHierarchy"/>
-    <dgm:cxn modelId="{1BF0094A-FEFC-422B-B205-AFF45445190D}" type="presOf" srcId="{63FF3E21-F438-42A5-8D7B-E965B1D3812A}" destId="{9539C340-DD91-4CCB-9617-C26D5EA57291}" srcOrd="1" destOrd="0" presId="urn:microsoft.com/office/officeart/2008/layout/HorizontalMultiLevelHierarchy"/>
-    <dgm:cxn modelId="{8E4EFBD5-37F1-443C-8D37-89A4DC4A200B}" type="presOf" srcId="{31A7FA4E-1377-4668-AA4A-F847E0BA75F9}" destId="{64DC2729-4AEE-46FC-A4B3-43AAC41F9DD2}" srcOrd="0" destOrd="0" presId="urn:microsoft.com/office/officeart/2008/layout/HorizontalMultiLevelHierarchy"/>
-    <dgm:cxn modelId="{27FA3CE5-0EFE-4E17-AEF1-7436EA42B042}" srcId="{4A1CE773-3E85-4B37-BA18-CB28DF37705F}" destId="{47DBA1AE-1E15-431B-816E-E3495D91D50D}" srcOrd="0" destOrd="0" parTransId="{DB96E258-2D1C-4B1E-950D-055EBF0AF5CA}" sibTransId="{91669A65-5834-4388-8EB8-E7B6090E317E}"/>
+    <dgm:cxn modelId="{AE1EFA4F-43D7-4B31-9E7F-940D6FCC10FD}" type="presOf" srcId="{7DF7B6DD-8D79-468E-B015-C667742FBFEB}" destId="{85F62DE2-963F-4C4E-96AF-E89F91C81D5C}" srcOrd="0" destOrd="0" presId="urn:microsoft.com/office/officeart/2008/layout/HorizontalMultiLevelHierarchy"/>
+    <dgm:cxn modelId="{B4FD77FA-C77B-48AF-8FBC-9D705ED00DE4}" type="presOf" srcId="{9B0E06C2-4430-4C22-92AF-6D91175F2E8B}" destId="{99E58E7E-BFE3-414B-AF9D-7BB998895FEF}" srcOrd="0" destOrd="0" presId="urn:microsoft.com/office/officeart/2008/layout/HorizontalMultiLevelHierarchy"/>
     <dgm:cxn modelId="{AE4F2E6D-309B-4F80-8E06-C12019005D59}" type="presOf" srcId="{DB96E258-2D1C-4B1E-950D-055EBF0AF5CA}" destId="{1B00757B-AD37-414D-BCDF-A22538F398D1}" srcOrd="1" destOrd="0" presId="urn:microsoft.com/office/officeart/2008/layout/HorizontalMultiLevelHierarchy"/>
-    <dgm:cxn modelId="{F693BDB5-3E8E-4D97-A21C-531C30DC49A7}" type="presOf" srcId="{C00D11A3-9D06-466C-BA99-53F0B6A1B1FC}" destId="{2FAEB9D7-2202-48D6-BEFE-7691405C0023}" srcOrd="0" destOrd="0" presId="urn:microsoft.com/office/officeart/2008/layout/HorizontalMultiLevelHierarchy"/>
-    <dgm:cxn modelId="{B54418A1-3FDE-464D-B17A-A04C569FE824}" type="presOf" srcId="{6DB745CF-1A78-406B-8408-ECE8759E9FA1}" destId="{3E2CFF2C-518D-45AB-95AC-8B2259762694}" srcOrd="1" destOrd="0" presId="urn:microsoft.com/office/officeart/2008/layout/HorizontalMultiLevelHierarchy"/>
-    <dgm:cxn modelId="{82597DAD-63A8-4A76-B9BE-23D8DF04E26F}" type="presOf" srcId="{CE13128E-9149-4B70-91DE-630C4ABBFE00}" destId="{CCC824B9-6D4D-4981-9C76-2E02AF6A080B}" srcOrd="0" destOrd="0" presId="urn:microsoft.com/office/officeart/2008/layout/HorizontalMultiLevelHierarchy"/>
-    <dgm:cxn modelId="{EA349AEE-F38C-4392-A380-76DF0CF9C396}" type="presOf" srcId="{C970C188-F04F-415C-B685-2C4E7AFB148E}" destId="{D9A7ED5D-FF3B-42E9-A95A-82691CE48DCF}" srcOrd="0" destOrd="0" presId="urn:microsoft.com/office/officeart/2008/layout/HorizontalMultiLevelHierarchy"/>
     <dgm:cxn modelId="{9F3DCA4B-DDEA-4D57-A2BE-01EDAA20879E}" srcId="{3D7E4721-08AD-4056-9D97-280A0288FF53}" destId="{7DF7B6DD-8D79-468E-B015-C667742FBFEB}" srcOrd="0" destOrd="0" parTransId="{1B8AF3C6-2F66-4552-8F48-4A75818AB395}" sibTransId="{473ED60A-3384-44E1-AF12-F229B86CAE9E}"/>
     <dgm:cxn modelId="{0911AA29-B75D-4350-AE96-7B3FAD2DFDF5}" type="presOf" srcId="{C00D11A3-9D06-466C-BA99-53F0B6A1B1FC}" destId="{4A7E1716-0151-45F0-9631-89C21FC2D372}" srcOrd="1" destOrd="0" presId="urn:microsoft.com/office/officeart/2008/layout/HorizontalMultiLevelHierarchy"/>
-    <dgm:cxn modelId="{91BB3751-AE35-42E3-9C14-D0C99A4298F0}" srcId="{69705CEA-F570-453E-89C2-BF794F678958}" destId="{7D4A7BEA-0826-4D7F-9B13-830276B86077}" srcOrd="0" destOrd="0" parTransId="{80A8E8CD-E500-4265-9EBD-08F5903454F8}" sibTransId="{652FD5D0-86D7-4337-9B75-D2CD6C870809}"/>
+    <dgm:cxn modelId="{6C19DA65-7600-49E5-A4BA-A0BBEFEC9683}" type="presOf" srcId="{6DB745CF-1A78-406B-8408-ECE8759E9FA1}" destId="{7FF2BF7D-A4BE-4AF2-9EFD-0878EA33F434}" srcOrd="0" destOrd="0" presId="urn:microsoft.com/office/officeart/2008/layout/HorizontalMultiLevelHierarchy"/>
+    <dgm:cxn modelId="{DC17CFEB-C2B6-4EF4-A568-2436AA4299E9}" type="presOf" srcId="{BCECA982-1209-40D3-90B9-DB39233875A5}" destId="{85116997-987D-40A8-AFCA-C5A54CBB823D}" srcOrd="0" destOrd="0" presId="urn:microsoft.com/office/officeart/2008/layout/HorizontalMultiLevelHierarchy"/>
+    <dgm:cxn modelId="{E47C819D-D54E-4599-897F-5F05D785E91C}" type="presOf" srcId="{80A8E8CD-E500-4265-9EBD-08F5903454F8}" destId="{4E7B5B8A-E25E-4056-A287-F1501FE9A818}" srcOrd="1" destOrd="0" presId="urn:microsoft.com/office/officeart/2008/layout/HorizontalMultiLevelHierarchy"/>
     <dgm:cxn modelId="{84BE7329-BE44-40EF-A84C-01DCF7EA027F}" type="presOf" srcId="{0ED25E3A-194B-4DBD-AE05-C5BAB2D4B322}" destId="{FBCAE61C-F8F7-4954-B5B0-98F173752588}" srcOrd="0" destOrd="0" presId="urn:microsoft.com/office/officeart/2008/layout/HorizontalMultiLevelHierarchy"/>
-    <dgm:cxn modelId="{CC6C77C6-FE6E-49D4-86B7-B41D722DE6FD}" srcId="{D24B9365-C298-4D09-9B43-19F1F42CB936}" destId="{31A7FA4E-1377-4668-AA4A-F847E0BA75F9}" srcOrd="1" destOrd="0" parTransId="{BCECA982-1209-40D3-90B9-DB39233875A5}" sibTransId="{84D3DBC8-A14D-46AC-9625-01BC5680C226}"/>
+    <dgm:cxn modelId="{4A871634-BAF2-4366-8270-342BEC8E9356}" type="presOf" srcId="{BCECA982-1209-40D3-90B9-DB39233875A5}" destId="{59995DB5-1B81-4758-85FC-551EB375F06C}" srcOrd="1" destOrd="0" presId="urn:microsoft.com/office/officeart/2008/layout/HorizontalMultiLevelHierarchy"/>
+    <dgm:cxn modelId="{EA349AEE-F38C-4392-A380-76DF0CF9C396}" type="presOf" srcId="{C970C188-F04F-415C-B685-2C4E7AFB148E}" destId="{D9A7ED5D-FF3B-42E9-A95A-82691CE48DCF}" srcOrd="0" destOrd="0" presId="urn:microsoft.com/office/officeart/2008/layout/HorizontalMultiLevelHierarchy"/>
+    <dgm:cxn modelId="{27FA3CE5-0EFE-4E17-AEF1-7436EA42B042}" srcId="{4A1CE773-3E85-4B37-BA18-CB28DF37705F}" destId="{47DBA1AE-1E15-431B-816E-E3495D91D50D}" srcOrd="0" destOrd="0" parTransId="{DB96E258-2D1C-4B1E-950D-055EBF0AF5CA}" sibTransId="{91669A65-5834-4388-8EB8-E7B6090E317E}"/>
+    <dgm:cxn modelId="{B671D779-080D-46B7-806E-9D6D7A129DE5}" type="presOf" srcId="{B3A3E97E-B1F5-4285-B3CC-626A9AFB88AF}" destId="{7F8C45BB-9C92-4B8F-B244-3A92D6C34FF5}" srcOrd="0" destOrd="0" presId="urn:microsoft.com/office/officeart/2008/layout/HorizontalMultiLevelHierarchy"/>
+    <dgm:cxn modelId="{BB8CC356-122F-4E4D-BF7E-874EEDB47A04}" type="presOf" srcId="{C6E5B58F-10F1-4A0F-B24B-83ABFC7283E8}" destId="{E04E75EF-3FF5-4F99-9454-4458B90560B9}" srcOrd="0" destOrd="0" presId="urn:microsoft.com/office/officeart/2008/layout/HorizontalMultiLevelHierarchy"/>
+    <dgm:cxn modelId="{BB366179-8CB8-48F8-B469-8D59183C75FA}" type="presOf" srcId="{DC5DA3D9-0E16-42DE-894D-7A0ACA3BEA89}" destId="{76804D07-263C-4BFE-886B-E38C63B4A639}" srcOrd="0" destOrd="0" presId="urn:microsoft.com/office/officeart/2008/layout/HorizontalMultiLevelHierarchy"/>
+    <dgm:cxn modelId="{A9952C7E-C879-479B-834A-6036B1AB1527}" srcId="{7DF7B6DD-8D79-468E-B015-C667742FBFEB}" destId="{CE13128E-9149-4B70-91DE-630C4ABBFE00}" srcOrd="0" destOrd="0" parTransId="{C6E5B58F-10F1-4A0F-B24B-83ABFC7283E8}" sibTransId="{6CE5C753-8F6C-4D7B-8CBB-35D97C591B3B}"/>
+    <dgm:cxn modelId="{82597DAD-63A8-4A76-B9BE-23D8DF04E26F}" type="presOf" srcId="{CE13128E-9149-4B70-91DE-630C4ABBFE00}" destId="{CCC824B9-6D4D-4981-9C76-2E02AF6A080B}" srcOrd="0" destOrd="0" presId="urn:microsoft.com/office/officeart/2008/layout/HorizontalMultiLevelHierarchy"/>
+    <dgm:cxn modelId="{B54418A1-3FDE-464D-B17A-A04C569FE824}" type="presOf" srcId="{6DB745CF-1A78-406B-8408-ECE8759E9FA1}" destId="{3E2CFF2C-518D-45AB-95AC-8B2259762694}" srcOrd="1" destOrd="0" presId="urn:microsoft.com/office/officeart/2008/layout/HorizontalMultiLevelHierarchy"/>
+    <dgm:cxn modelId="{F693BDB5-3E8E-4D97-A21C-531C30DC49A7}" type="presOf" srcId="{C00D11A3-9D06-466C-BA99-53F0B6A1B1FC}" destId="{2FAEB9D7-2202-48D6-BEFE-7691405C0023}" srcOrd="0" destOrd="0" presId="urn:microsoft.com/office/officeart/2008/layout/HorizontalMultiLevelHierarchy"/>
+    <dgm:cxn modelId="{8F03D61F-9583-4BD6-9C0A-EAE164CEDD1E}" srcId="{D24B9365-C298-4D09-9B43-19F1F42CB936}" destId="{9CDE7211-7213-4221-9E18-349FFE24B791}" srcOrd="0" destOrd="0" parTransId="{DC5DA3D9-0E16-42DE-894D-7A0ACA3BEA89}" sibTransId="{29A5C94B-43C5-43DC-83C7-D6A9D3B54949}"/>
+    <dgm:cxn modelId="{FBC35013-D260-4A4E-A0AB-B35E1343F84D}" srcId="{7D4A7BEA-0826-4D7F-9B13-830276B86077}" destId="{D24B9365-C298-4D09-9B43-19F1F42CB936}" srcOrd="0" destOrd="0" parTransId="{63FF3E21-F438-42A5-8D7B-E965B1D3812A}" sibTransId="{8DD4E92C-112D-485C-B591-98B1A3C4F30E}"/>
+    <dgm:cxn modelId="{020A2310-5D97-4D7E-9909-51E2CE9FB027}" type="presOf" srcId="{7D4A7BEA-0826-4D7F-9B13-830276B86077}" destId="{175FB72B-84C8-486C-9686-3AA16043A190}" srcOrd="0" destOrd="0" presId="urn:microsoft.com/office/officeart/2008/layout/HorizontalMultiLevelHierarchy"/>
+    <dgm:cxn modelId="{100C4F7D-2A1A-4546-B2DC-F10C4BB3C755}" srcId="{7DF7B6DD-8D79-468E-B015-C667742FBFEB}" destId="{69705CEA-F570-453E-89C2-BF794F678958}" srcOrd="1" destOrd="0" parTransId="{C00D11A3-9D06-466C-BA99-53F0B6A1B1FC}" sibTransId="{2CA70043-153C-4528-8CBA-351914359EE1}"/>
+    <dgm:cxn modelId="{788DF614-934B-4CDE-8FF1-17B10ABAAFDA}" type="presOf" srcId="{C970C188-F04F-415C-B685-2C4E7AFB148E}" destId="{C592C0A8-EC42-4A45-91EE-9CDFDF8DA551}" srcOrd="1" destOrd="0" presId="urn:microsoft.com/office/officeart/2008/layout/HorizontalMultiLevelHierarchy"/>
+    <dgm:cxn modelId="{E7A7BC4A-FA59-4FC2-A70C-7826F6D84463}" type="presOf" srcId="{3D7E4721-08AD-4056-9D97-280A0288FF53}" destId="{48EA20E2-9F73-4378-9103-C6F25598EA7F}" srcOrd="0" destOrd="0" presId="urn:microsoft.com/office/officeart/2008/layout/HorizontalMultiLevelHierarchy"/>
+    <dgm:cxn modelId="{C91CC287-7190-42C4-97C0-2D91E272BCC3}" type="presOf" srcId="{47DBA1AE-1E15-431B-816E-E3495D91D50D}" destId="{C3B714E9-8D56-4F47-AE83-1B4A1B36E261}" srcOrd="0" destOrd="0" presId="urn:microsoft.com/office/officeart/2008/layout/HorizontalMultiLevelHierarchy"/>
+    <dgm:cxn modelId="{A9BC8CC8-D9B4-420C-A71C-562C76E994F1}" srcId="{CE13128E-9149-4B70-91DE-630C4ABBFE00}" destId="{0ED25E3A-194B-4DBD-AE05-C5BAB2D4B322}" srcOrd="0" destOrd="0" parTransId="{305D8F76-DE5C-477C-9DE0-661AB94732FF}" sibTransId="{964FDF4F-7DC1-44AC-84EA-F8B8AA5B99EA}"/>
+    <dgm:cxn modelId="{9A780A0D-89E7-413B-80CA-0ADF2A767F6C}" type="presOf" srcId="{D24B9365-C298-4D09-9B43-19F1F42CB936}" destId="{C1F3184D-BED2-4588-91D0-6026066D0495}" srcOrd="0" destOrd="0" presId="urn:microsoft.com/office/officeart/2008/layout/HorizontalMultiLevelHierarchy"/>
     <dgm:cxn modelId="{39F6116F-B56E-4177-8F3B-03B043793E50}" type="presOf" srcId="{DB96E258-2D1C-4B1E-950D-055EBF0AF5CA}" destId="{C0070F97-A64B-4B18-A039-4EA6BBCC45E3}" srcOrd="0" destOrd="0" presId="urn:microsoft.com/office/officeart/2008/layout/HorizontalMultiLevelHierarchy"/>
-    <dgm:cxn modelId="{AE1EFA4F-43D7-4B31-9E7F-940D6FCC10FD}" type="presOf" srcId="{7DF7B6DD-8D79-468E-B015-C667742FBFEB}" destId="{85F62DE2-963F-4C4E-96AF-E89F91C81D5C}" srcOrd="0" destOrd="0" presId="urn:microsoft.com/office/officeart/2008/layout/HorizontalMultiLevelHierarchy"/>
-    <dgm:cxn modelId="{6C19DA65-7600-49E5-A4BA-A0BBEFEC9683}" type="presOf" srcId="{6DB745CF-1A78-406B-8408-ECE8759E9FA1}" destId="{7FF2BF7D-A4BE-4AF2-9EFD-0878EA33F434}" srcOrd="0" destOrd="0" presId="urn:microsoft.com/office/officeart/2008/layout/HorizontalMultiLevelHierarchy"/>
-    <dgm:cxn modelId="{B671D779-080D-46B7-806E-9D6D7A129DE5}" type="presOf" srcId="{B3A3E97E-B1F5-4285-B3CC-626A9AFB88AF}" destId="{7F8C45BB-9C92-4B8F-B244-3A92D6C34FF5}" srcOrd="0" destOrd="0" presId="urn:microsoft.com/office/officeart/2008/layout/HorizontalMultiLevelHierarchy"/>
-    <dgm:cxn modelId="{788DF614-934B-4CDE-8FF1-17B10ABAAFDA}" type="presOf" srcId="{C970C188-F04F-415C-B685-2C4E7AFB148E}" destId="{C592C0A8-EC42-4A45-91EE-9CDFDF8DA551}" srcOrd="1" destOrd="0" presId="urn:microsoft.com/office/officeart/2008/layout/HorizontalMultiLevelHierarchy"/>
-    <dgm:cxn modelId="{1A56D051-FCD1-4ACE-B517-CA53D4CD293A}" type="presOf" srcId="{C6E5B58F-10F1-4A0F-B24B-83ABFC7283E8}" destId="{350094D2-7DCD-4D6D-BF3C-22BADCB8186A}" srcOrd="1" destOrd="0" presId="urn:microsoft.com/office/officeart/2008/layout/HorizontalMultiLevelHierarchy"/>
-    <dgm:cxn modelId="{9A780A0D-89E7-413B-80CA-0ADF2A767F6C}" type="presOf" srcId="{D24B9365-C298-4D09-9B43-19F1F42CB936}" destId="{C1F3184D-BED2-4588-91D0-6026066D0495}" srcOrd="0" destOrd="0" presId="urn:microsoft.com/office/officeart/2008/layout/HorizontalMultiLevelHierarchy"/>
-    <dgm:cxn modelId="{38540718-F67F-4C11-9B24-F182E409F9F7}" srcId="{4A1CE773-3E85-4B37-BA18-CB28DF37705F}" destId="{9B0E06C2-4430-4C22-92AF-6D91175F2E8B}" srcOrd="1" destOrd="0" parTransId="{B3A3E97E-B1F5-4285-B3CC-626A9AFB88AF}" sibTransId="{7EF15AAC-523E-46E8-BCE2-0064739EBD0B}"/>
-    <dgm:cxn modelId="{FBC35013-D260-4A4E-A0AB-B35E1343F84D}" srcId="{7D4A7BEA-0826-4D7F-9B13-830276B86077}" destId="{D24B9365-C298-4D09-9B43-19F1F42CB936}" srcOrd="0" destOrd="0" parTransId="{63FF3E21-F438-42A5-8D7B-E965B1D3812A}" sibTransId="{8DD4E92C-112D-485C-B591-98B1A3C4F30E}"/>
     <dgm:cxn modelId="{D4921EC2-E1FF-4937-9022-063F086BEBF0}" type="presOf" srcId="{305D8F76-DE5C-477C-9DE0-661AB94732FF}" destId="{040CB96B-06C3-4570-9EDB-C32DFC727847}" srcOrd="0" destOrd="0" presId="urn:microsoft.com/office/officeart/2008/layout/HorizontalMultiLevelHierarchy"/>
     <dgm:cxn modelId="{B3194426-8F2C-4599-8334-A77C24E85D70}" type="presOf" srcId="{63FF3E21-F438-42A5-8D7B-E965B1D3812A}" destId="{11F12F7E-0B93-41A3-87BC-24FCC6E0289B}" srcOrd="0" destOrd="0" presId="urn:microsoft.com/office/officeart/2008/layout/HorizontalMultiLevelHierarchy"/>
-    <dgm:cxn modelId="{100C4F7D-2A1A-4546-B2DC-F10C4BB3C755}" srcId="{7DF7B6DD-8D79-468E-B015-C667742FBFEB}" destId="{69705CEA-F570-453E-89C2-BF794F678958}" srcOrd="1" destOrd="0" parTransId="{C00D11A3-9D06-466C-BA99-53F0B6A1B1FC}" sibTransId="{2CA70043-153C-4528-8CBA-351914359EE1}"/>
-    <dgm:cxn modelId="{A9BC8CC8-D9B4-420C-A71C-562C76E994F1}" srcId="{CE13128E-9149-4B70-91DE-630C4ABBFE00}" destId="{0ED25E3A-194B-4DBD-AE05-C5BAB2D4B322}" srcOrd="0" destOrd="0" parTransId="{305D8F76-DE5C-477C-9DE0-661AB94732FF}" sibTransId="{964FDF4F-7DC1-44AC-84EA-F8B8AA5B99EA}"/>
+    <dgm:cxn modelId="{8E4EFBD5-37F1-443C-8D37-89A4DC4A200B}" type="presOf" srcId="{31A7FA4E-1377-4668-AA4A-F847E0BA75F9}" destId="{64DC2729-4AEE-46FC-A4B3-43AAC41F9DD2}" srcOrd="0" destOrd="0" presId="urn:microsoft.com/office/officeart/2008/layout/HorizontalMultiLevelHierarchy"/>
+    <dgm:cxn modelId="{D5162A70-9646-4B9A-9D47-8847B119A36D}" type="presOf" srcId="{DC5DA3D9-0E16-42DE-894D-7A0ACA3BEA89}" destId="{5AE26B0C-D01B-45E0-A33F-6264A326BBFD}" srcOrd="1" destOrd="0" presId="urn:microsoft.com/office/officeart/2008/layout/HorizontalMultiLevelHierarchy"/>
     <dgm:cxn modelId="{C1B85BF8-8C75-4508-BDA6-ED7D32829F8E}" type="presOf" srcId="{9CDE7211-7213-4221-9E18-349FFE24B791}" destId="{9D43B9EB-EF57-4CA9-8875-07E50AC536FE}" srcOrd="0" destOrd="0" presId="urn:microsoft.com/office/officeart/2008/layout/HorizontalMultiLevelHierarchy"/>
+    <dgm:cxn modelId="{38540718-F67F-4C11-9B24-F182E409F9F7}" srcId="{4A1CE773-3E85-4B37-BA18-CB28DF37705F}" destId="{9B0E06C2-4430-4C22-92AF-6D91175F2E8B}" srcOrd="1" destOrd="0" parTransId="{B3A3E97E-B1F5-4285-B3CC-626A9AFB88AF}" sibTransId="{7EF15AAC-523E-46E8-BCE2-0064739EBD0B}"/>
+    <dgm:cxn modelId="{E8E957DC-8B5E-4F8C-B5ED-96F2A805E2A8}" type="presOf" srcId="{4A1CE773-3E85-4B37-BA18-CB28DF37705F}" destId="{08C3CC76-66C0-40DD-B207-18615301AEA6}" srcOrd="0" destOrd="0" presId="urn:microsoft.com/office/officeart/2008/layout/HorizontalMultiLevelHierarchy"/>
+    <dgm:cxn modelId="{91BB3751-AE35-42E3-9C14-D0C99A4298F0}" srcId="{69705CEA-F570-453E-89C2-BF794F678958}" destId="{7D4A7BEA-0826-4D7F-9B13-830276B86077}" srcOrd="0" destOrd="0" parTransId="{80A8E8CD-E500-4265-9EBD-08F5903454F8}" sibTransId="{652FD5D0-86D7-4337-9B75-D2CD6C870809}"/>
+    <dgm:cxn modelId="{18D20495-54B2-41BA-B806-37002FB53632}" type="presOf" srcId="{69705CEA-F570-453E-89C2-BF794F678958}" destId="{BC230F88-AF16-401E-847A-5EB6F35167B5}" srcOrd="0" destOrd="0" presId="urn:microsoft.com/office/officeart/2008/layout/HorizontalMultiLevelHierarchy"/>
+    <dgm:cxn modelId="{1A56D051-FCD1-4ACE-B517-CA53D4CD293A}" type="presOf" srcId="{C6E5B58F-10F1-4A0F-B24B-83ABFC7283E8}" destId="{350094D2-7DCD-4D6D-BF3C-22BADCB8186A}" srcOrd="1" destOrd="0" presId="urn:microsoft.com/office/officeart/2008/layout/HorizontalMultiLevelHierarchy"/>
     <dgm:cxn modelId="{D6CC8C56-3DAD-4CE5-BB65-51B263CD22D9}" type="presOf" srcId="{80A8E8CD-E500-4265-9EBD-08F5903454F8}" destId="{A8088930-A153-477E-9029-C095C3D50AF4}" srcOrd="0" destOrd="0" presId="urn:microsoft.com/office/officeart/2008/layout/HorizontalMultiLevelHierarchy"/>
-    <dgm:cxn modelId="{E7A7BC4A-FA59-4FC2-A70C-7826F6D84463}" type="presOf" srcId="{3D7E4721-08AD-4056-9D97-280A0288FF53}" destId="{48EA20E2-9F73-4378-9103-C6F25598EA7F}" srcOrd="0" destOrd="0" presId="urn:microsoft.com/office/officeart/2008/layout/HorizontalMultiLevelHierarchy"/>
-    <dgm:cxn modelId="{B4FD77FA-C77B-48AF-8FBC-9D705ED00DE4}" type="presOf" srcId="{9B0E06C2-4430-4C22-92AF-6D91175F2E8B}" destId="{99E58E7E-BFE3-414B-AF9D-7BB998895FEF}" srcOrd="0" destOrd="0" presId="urn:microsoft.com/office/officeart/2008/layout/HorizontalMultiLevelHierarchy"/>
-    <dgm:cxn modelId="{E8E957DC-8B5E-4F8C-B5ED-96F2A805E2A8}" type="presOf" srcId="{4A1CE773-3E85-4B37-BA18-CB28DF37705F}" destId="{08C3CC76-66C0-40DD-B207-18615301AEA6}" srcOrd="0" destOrd="0" presId="urn:microsoft.com/office/officeart/2008/layout/HorizontalMultiLevelHierarchy"/>
+    <dgm:cxn modelId="{CC33FE3A-2675-4C05-AC2C-C262B46663BD}" type="presOf" srcId="{08C55BA2-31D6-43CA-BE8B-18095A33123C}" destId="{E44A7F6B-CDD6-46D7-8C6D-31E128DCFA9B}" srcOrd="0" destOrd="0" presId="urn:microsoft.com/office/officeart/2008/layout/HorizontalMultiLevelHierarchy"/>
+    <dgm:cxn modelId="{A67FD952-7E3E-42C2-B9AC-9786F65D1584}" srcId="{08C55BA2-31D6-43CA-BE8B-18095A33123C}" destId="{4A1CE773-3E85-4B37-BA18-CB28DF37705F}" srcOrd="0" destOrd="0" parTransId="{C970C188-F04F-415C-B685-2C4E7AFB148E}" sibTransId="{1EF5A848-6056-46B2-8C3B-F197EDA52614}"/>
+    <dgm:cxn modelId="{CC6C77C6-FE6E-49D4-86B7-B41D722DE6FD}" srcId="{D24B9365-C298-4D09-9B43-19F1F42CB936}" destId="{31A7FA4E-1377-4668-AA4A-F847E0BA75F9}" srcOrd="1" destOrd="0" parTransId="{BCECA982-1209-40D3-90B9-DB39233875A5}" sibTransId="{84D3DBC8-A14D-46AC-9625-01BC5680C226}"/>
+    <dgm:cxn modelId="{1BF0094A-FEFC-422B-B205-AFF45445190D}" type="presOf" srcId="{63FF3E21-F438-42A5-8D7B-E965B1D3812A}" destId="{9539C340-DD91-4CCB-9617-C26D5EA57291}" srcOrd="1" destOrd="0" presId="urn:microsoft.com/office/officeart/2008/layout/HorizontalMultiLevelHierarchy"/>
+    <dgm:cxn modelId="{68BEAA0F-F727-404F-A1C3-B6A93BF7DE79}" type="presOf" srcId="{B3A3E97E-B1F5-4285-B3CC-626A9AFB88AF}" destId="{962A20E9-4E8A-4469-B9A9-712648A37A7E}" srcOrd="1" destOrd="0" presId="urn:microsoft.com/office/officeart/2008/layout/HorizontalMultiLevelHierarchy"/>
+    <dgm:cxn modelId="{0E9DAE43-BD16-4A14-9821-2524BC241F48}" srcId="{CE13128E-9149-4B70-91DE-630C4ABBFE00}" destId="{08C55BA2-31D6-43CA-BE8B-18095A33123C}" srcOrd="1" destOrd="0" parTransId="{6DB745CF-1A78-406B-8408-ECE8759E9FA1}" sibTransId="{E3EE3127-9860-436D-80DB-2AE4EBD12F9F}"/>
+    <dgm:cxn modelId="{B353EAEA-C1EF-497E-AD8A-EEFA8A1765D1}" type="presOf" srcId="{305D8F76-DE5C-477C-9DE0-661AB94732FF}" destId="{2DB62359-910D-4F81-A286-8DE2D01AD00D}" srcOrd="1" destOrd="0" presId="urn:microsoft.com/office/officeart/2008/layout/HorizontalMultiLevelHierarchy"/>
     <dgm:cxn modelId="{E85A5082-869E-40EA-9C36-EDCB529A800C}" type="presParOf" srcId="{48EA20E2-9F73-4378-9103-C6F25598EA7F}" destId="{86C845A6-4E5D-48FE-9B1B-66F63DBF6920}" srcOrd="0" destOrd="0" presId="urn:microsoft.com/office/officeart/2008/layout/HorizontalMultiLevelHierarchy"/>
     <dgm:cxn modelId="{40337B89-9F14-49F4-B9A9-FB9EEE4ADA72}" type="presParOf" srcId="{86C845A6-4E5D-48FE-9B1B-66F63DBF6920}" destId="{85F62DE2-963F-4C4E-96AF-E89F91C81D5C}" srcOrd="0" destOrd="0" presId="urn:microsoft.com/office/officeart/2008/layout/HorizontalMultiLevelHierarchy"/>
     <dgm:cxn modelId="{22D98093-D67B-4619-B710-0A51376D5E73}" type="presParOf" srcId="{86C845A6-4E5D-48FE-9B1B-66F63DBF6920}" destId="{67D192E8-B60F-4363-ADBD-30FA0B008AD7}" srcOrd="1" destOrd="0" presId="urn:microsoft.com/office/officeart/2008/layout/HorizontalMultiLevelHierarchy"/>
@@ -12633,19 +12633,19 @@
     </dgm:pt>
   </dgm:ptLst>
   <dgm:cxnLst>
+    <dgm:cxn modelId="{70816197-3CCD-4374-A787-AD50B6C98107}" srcId="{41EDC0B5-5B2E-40F6-A795-26759C403F93}" destId="{3B8C848E-B7C5-4BFA-9530-8B78A658DBF9}" srcOrd="0" destOrd="0" parTransId="{63492834-D0E4-41B4-B7F7-53FCFD5E2B26}" sibTransId="{A1BBA8FF-D579-4E2A-8000-37E8226C6F13}"/>
+    <dgm:cxn modelId="{75D2E0ED-99D5-44BB-AB4D-0F23545695CF}" type="presOf" srcId="{41EDC0B5-5B2E-40F6-A795-26759C403F93}" destId="{5DC2A2A4-321E-49F3-87D9-1E402D63144A}" srcOrd="0" destOrd="0" presId="urn:microsoft.com/office/officeart/2005/8/layout/target2"/>
+    <dgm:cxn modelId="{C8C2BECC-9D45-4EA0-8AC7-5375EB5F3EB6}" srcId="{00AA778E-02C5-4AB7-94AA-A238D1ABCE99}" destId="{E050978C-0D9B-48B8-B177-C3932AA7913C}" srcOrd="0" destOrd="0" parTransId="{BB79AFD7-3839-453A-8EB2-A52F965A8C76}" sibTransId="{D22D7724-B8DF-454F-9C7C-F4D3FEA5F73C}"/>
+    <dgm:cxn modelId="{3005B341-3B26-4ADD-85E4-C5EDCE0C9E20}" type="presOf" srcId="{3522712F-F43A-4175-BE83-10EA01740169}" destId="{B75B4B1B-09EA-44A0-A091-652EBDE0EA98}" srcOrd="0" destOrd="0" presId="urn:microsoft.com/office/officeart/2005/8/layout/target2"/>
+    <dgm:cxn modelId="{972DCC70-CC7D-4C0D-B235-59E3598EF66A}" srcId="{3B8C848E-B7C5-4BFA-9530-8B78A658DBF9}" destId="{3522712F-F43A-4175-BE83-10EA01740169}" srcOrd="0" destOrd="0" parTransId="{9E1B4B29-EEF3-45C0-9878-1588634F9605}" sibTransId="{EC03DB40-A835-4E7C-BD1B-9A73530AE7D6}"/>
+    <dgm:cxn modelId="{50090F85-38F3-4F38-9C95-0E87B537E31A}" type="presOf" srcId="{27FA57F4-188E-4BD9-8285-85AC9430C1CA}" destId="{A5A6D88A-617E-417D-BD7B-EBF9A20413FC}" srcOrd="0" destOrd="0" presId="urn:microsoft.com/office/officeart/2005/8/layout/target2"/>
+    <dgm:cxn modelId="{FE52B234-DDA2-41A4-A0FB-8C00997A6DC9}" type="presOf" srcId="{A1B118FD-1FEB-4C32-90A6-C74FF73ACC39}" destId="{2C1EC8B9-85E5-46D8-A0E1-9621919A32B4}" srcOrd="0" destOrd="0" presId="urn:microsoft.com/office/officeart/2005/8/layout/target2"/>
+    <dgm:cxn modelId="{48FAC39E-92B9-4C02-B497-F47EA4BC281E}" type="presOf" srcId="{E050978C-0D9B-48B8-B177-C3932AA7913C}" destId="{003ADD9F-4AC4-45B5-8DD6-EC81A27549EB}" srcOrd="0" destOrd="0" presId="urn:microsoft.com/office/officeart/2005/8/layout/target2"/>
+    <dgm:cxn modelId="{83FF0B91-87EB-4F13-84AB-6C3D5FB7D2A5}" srcId="{41EDC0B5-5B2E-40F6-A795-26759C403F93}" destId="{27FA57F4-188E-4BD9-8285-85AC9430C1CA}" srcOrd="2" destOrd="0" parTransId="{EEDFEE3B-048B-4931-9733-606A3F23765B}" sibTransId="{8FFD755D-67E9-46A2-940B-D8AAEE3A428A}"/>
+    <dgm:cxn modelId="{3CCA7E8F-9E1A-48EA-BA14-0A763B20D42D}" srcId="{41EDC0B5-5B2E-40F6-A795-26759C403F93}" destId="{00AA778E-02C5-4AB7-94AA-A238D1ABCE99}" srcOrd="1" destOrd="0" parTransId="{29E54D22-60C7-46BE-9AFD-CA81944A36C4}" sibTransId="{7D102F0B-EB58-4562-BF14-F927D2AC4478}"/>
+    <dgm:cxn modelId="{852D2E0A-BBFF-4CF9-86C8-AA48801398EE}" type="presOf" srcId="{00AA778E-02C5-4AB7-94AA-A238D1ABCE99}" destId="{ADD3C99B-AFC3-47B1-A4DF-7A75CC6ABE97}" srcOrd="0" destOrd="0" presId="urn:microsoft.com/office/officeart/2005/8/layout/target2"/>
     <dgm:cxn modelId="{C54A608E-21D2-43AA-B51B-DEF0F85C137B}" srcId="{27FA57F4-188E-4BD9-8285-85AC9430C1CA}" destId="{A1B118FD-1FEB-4C32-90A6-C74FF73ACC39}" srcOrd="0" destOrd="0" parTransId="{5DB2BB6F-623C-4D2B-9BAF-DCD48CD1A9C5}" sibTransId="{8DA34FC6-56B2-4413-80C1-1BB77F092E34}"/>
-    <dgm:cxn modelId="{3CCA7E8F-9E1A-48EA-BA14-0A763B20D42D}" srcId="{41EDC0B5-5B2E-40F6-A795-26759C403F93}" destId="{00AA778E-02C5-4AB7-94AA-A238D1ABCE99}" srcOrd="1" destOrd="0" parTransId="{29E54D22-60C7-46BE-9AFD-CA81944A36C4}" sibTransId="{7D102F0B-EB58-4562-BF14-F927D2AC4478}"/>
-    <dgm:cxn modelId="{70816197-3CCD-4374-A787-AD50B6C98107}" srcId="{41EDC0B5-5B2E-40F6-A795-26759C403F93}" destId="{3B8C848E-B7C5-4BFA-9530-8B78A658DBF9}" srcOrd="0" destOrd="0" parTransId="{63492834-D0E4-41B4-B7F7-53FCFD5E2B26}" sibTransId="{A1BBA8FF-D579-4E2A-8000-37E8226C6F13}"/>
-    <dgm:cxn modelId="{83FF0B91-87EB-4F13-84AB-6C3D5FB7D2A5}" srcId="{41EDC0B5-5B2E-40F6-A795-26759C403F93}" destId="{27FA57F4-188E-4BD9-8285-85AC9430C1CA}" srcOrd="2" destOrd="0" parTransId="{EEDFEE3B-048B-4931-9733-606A3F23765B}" sibTransId="{8FFD755D-67E9-46A2-940B-D8AAEE3A428A}"/>
-    <dgm:cxn modelId="{972DCC70-CC7D-4C0D-B235-59E3598EF66A}" srcId="{3B8C848E-B7C5-4BFA-9530-8B78A658DBF9}" destId="{3522712F-F43A-4175-BE83-10EA01740169}" srcOrd="0" destOrd="0" parTransId="{9E1B4B29-EEF3-45C0-9878-1588634F9605}" sibTransId="{EC03DB40-A835-4E7C-BD1B-9A73530AE7D6}"/>
-    <dgm:cxn modelId="{FE52B234-DDA2-41A4-A0FB-8C00997A6DC9}" type="presOf" srcId="{A1B118FD-1FEB-4C32-90A6-C74FF73ACC39}" destId="{2C1EC8B9-85E5-46D8-A0E1-9621919A32B4}" srcOrd="0" destOrd="0" presId="urn:microsoft.com/office/officeart/2005/8/layout/target2"/>
-    <dgm:cxn modelId="{50090F85-38F3-4F38-9C95-0E87B537E31A}" type="presOf" srcId="{27FA57F4-188E-4BD9-8285-85AC9430C1CA}" destId="{A5A6D88A-617E-417D-BD7B-EBF9A20413FC}" srcOrd="0" destOrd="0" presId="urn:microsoft.com/office/officeart/2005/8/layout/target2"/>
-    <dgm:cxn modelId="{48FAC39E-92B9-4C02-B497-F47EA4BC281E}" type="presOf" srcId="{E050978C-0D9B-48B8-B177-C3932AA7913C}" destId="{003ADD9F-4AC4-45B5-8DD6-EC81A27549EB}" srcOrd="0" destOrd="0" presId="urn:microsoft.com/office/officeart/2005/8/layout/target2"/>
-    <dgm:cxn modelId="{852D2E0A-BBFF-4CF9-86C8-AA48801398EE}" type="presOf" srcId="{00AA778E-02C5-4AB7-94AA-A238D1ABCE99}" destId="{ADD3C99B-AFC3-47B1-A4DF-7A75CC6ABE97}" srcOrd="0" destOrd="0" presId="urn:microsoft.com/office/officeart/2005/8/layout/target2"/>
     <dgm:cxn modelId="{A64CD332-3C8D-4E29-BBA4-ACA4A5C70894}" type="presOf" srcId="{3B8C848E-B7C5-4BFA-9530-8B78A658DBF9}" destId="{BFCD2251-09FB-4193-82AE-20E41AABECB4}" srcOrd="0" destOrd="0" presId="urn:microsoft.com/office/officeart/2005/8/layout/target2"/>
-    <dgm:cxn modelId="{3005B341-3B26-4ADD-85E4-C5EDCE0C9E20}" type="presOf" srcId="{3522712F-F43A-4175-BE83-10EA01740169}" destId="{B75B4B1B-09EA-44A0-A091-652EBDE0EA98}" srcOrd="0" destOrd="0" presId="urn:microsoft.com/office/officeart/2005/8/layout/target2"/>
-    <dgm:cxn modelId="{C8C2BECC-9D45-4EA0-8AC7-5375EB5F3EB6}" srcId="{00AA778E-02C5-4AB7-94AA-A238D1ABCE99}" destId="{E050978C-0D9B-48B8-B177-C3932AA7913C}" srcOrd="0" destOrd="0" parTransId="{BB79AFD7-3839-453A-8EB2-A52F965A8C76}" sibTransId="{D22D7724-B8DF-454F-9C7C-F4D3FEA5F73C}"/>
-    <dgm:cxn modelId="{75D2E0ED-99D5-44BB-AB4D-0F23545695CF}" type="presOf" srcId="{41EDC0B5-5B2E-40F6-A795-26759C403F93}" destId="{5DC2A2A4-321E-49F3-87D9-1E402D63144A}" srcOrd="0" destOrd="0" presId="urn:microsoft.com/office/officeart/2005/8/layout/target2"/>
     <dgm:cxn modelId="{FBEA4A22-37AA-4D19-92F3-A05F7B4C4F3C}" type="presParOf" srcId="{5DC2A2A4-321E-49F3-87D9-1E402D63144A}" destId="{47ABF3AE-7C0F-4F37-99E7-26C498633561}" srcOrd="0" destOrd="0" presId="urn:microsoft.com/office/officeart/2005/8/layout/target2"/>
     <dgm:cxn modelId="{FBFC4953-E3A1-4666-AE1A-E9EA156A9741}" type="presParOf" srcId="{47ABF3AE-7C0F-4F37-99E7-26C498633561}" destId="{BFCD2251-09FB-4193-82AE-20E41AABECB4}" srcOrd="0" destOrd="0" presId="urn:microsoft.com/office/officeart/2005/8/layout/target2"/>
     <dgm:cxn modelId="{1C0CD012-4D6C-4F64-8494-29ED0B444B63}" type="presParOf" srcId="{47ABF3AE-7C0F-4F37-99E7-26C498633561}" destId="{40DC6C87-52FE-4881-A102-E1D5BF83157F}" srcOrd="1" destOrd="0" presId="urn:microsoft.com/office/officeart/2005/8/layout/target2"/>
@@ -12677,1499 +12677,6 @@
       <dsp:cNvGrpSpPr/>
     </dsp:nvGrpSpPr>
     <dsp:grpSpPr/>
-    <dsp:sp modelId="{A780AA79-43E5-4DF3-AF54-0D5FEB66A11B}">
-      <dsp:nvSpPr>
-        <dsp:cNvPr id="0" name=""/>
-        <dsp:cNvSpPr/>
-      </dsp:nvSpPr>
-      <dsp:spPr>
-        <a:xfrm>
-          <a:off x="6840763" y="0"/>
-          <a:ext cx="1459706" cy="4064000"/>
-        </a:xfrm>
-        <a:prstGeom prst="roundRect">
-          <a:avLst>
-            <a:gd name="adj" fmla="val 10000"/>
-          </a:avLst>
-        </a:prstGeom>
-        <a:solidFill>
-          <a:schemeClr val="accent1">
-            <a:tint val="40000"/>
-            <a:hueOff val="0"/>
-            <a:satOff val="0"/>
-            <a:lumOff val="0"/>
-            <a:alphaOff val="0"/>
-          </a:schemeClr>
-        </a:solidFill>
-        <a:ln>
-          <a:noFill/>
-        </a:ln>
-        <a:effectLst>
-          <a:outerShdw blurRad="40000" dist="23000" dir="5400000" rotWithShape="0">
-            <a:srgbClr val="000000">
-              <a:alpha val="35000"/>
-            </a:srgbClr>
-          </a:outerShdw>
-        </a:effectLst>
-      </dsp:spPr>
-      <dsp:style>
-        <a:lnRef idx="0">
-          <a:scrgbClr r="0" g="0" b="0"/>
-        </a:lnRef>
-        <a:fillRef idx="1">
-          <a:scrgbClr r="0" g="0" b="0"/>
-        </a:fillRef>
-        <a:effectRef idx="2">
-          <a:scrgbClr r="0" g="0" b="0"/>
-        </a:effectRef>
-        <a:fontRef idx="minor"/>
-      </dsp:style>
-      <dsp:txBody>
-        <a:bodyPr spcFirstLastPara="0" vert="horz" wrap="square" lIns="99568" tIns="99568" rIns="99568" bIns="99568" numCol="1" spcCol="1270" anchor="t" anchorCtr="0">
-          <a:noAutofit/>
-        </a:bodyPr>
-        <a:lstStyle/>
-        <a:p>
-          <a:pPr lvl="0" algn="l" defTabSz="622300">
-            <a:lnSpc>
-              <a:spcPct val="90000"/>
-            </a:lnSpc>
-            <a:spcBef>
-              <a:spcPct val="0"/>
-            </a:spcBef>
-            <a:spcAft>
-              <a:spcPct val="35000"/>
-            </a:spcAft>
-          </a:pPr>
-          <a:r>
-            <a:rPr lang="pt-BR" sz="1400" b="1" kern="1200" dirty="0" smtClean="0">
-              <a:latin typeface="+mn-lt"/>
-            </a:rPr>
-            <a:t>Ação</a:t>
-          </a:r>
-          <a:endParaRPr lang="pt-BR" sz="1400" b="1" kern="1200" dirty="0">
-            <a:latin typeface="+mn-lt"/>
-          </a:endParaRPr>
-        </a:p>
-        <a:p>
-          <a:pPr marL="114300" lvl="1" indent="-114300" algn="l" defTabSz="577850">
-            <a:lnSpc>
-              <a:spcPct val="90000"/>
-            </a:lnSpc>
-            <a:spcBef>
-              <a:spcPct val="0"/>
-            </a:spcBef>
-            <a:spcAft>
-              <a:spcPct val="15000"/>
-            </a:spcAft>
-            <a:buChar char="••"/>
-          </a:pPr>
-          <a:r>
-            <a:rPr lang="pt-BR" sz="1300" kern="1200" dirty="0" smtClean="0">
-              <a:latin typeface="+mn-lt"/>
-            </a:rPr>
-            <a:t>Abre as uma janela especifica do sistema de origem para executar a ação </a:t>
-          </a:r>
-          <a:endParaRPr lang="pt-BR" sz="1300" kern="1200" dirty="0">
-            <a:latin typeface="+mn-lt"/>
-          </a:endParaRPr>
-        </a:p>
-      </dsp:txBody>
-      <dsp:txXfrm>
-        <a:off x="6840763" y="0"/>
-        <a:ext cx="1459706" cy="1219200"/>
-      </dsp:txXfrm>
-    </dsp:sp>
-    <dsp:sp modelId="{AB64FC27-8A16-4B5C-A848-B04769ACDF8E}">
-      <dsp:nvSpPr>
-        <dsp:cNvPr id="0" name=""/>
-        <dsp:cNvSpPr/>
-      </dsp:nvSpPr>
-      <dsp:spPr>
-        <a:xfrm>
-          <a:off x="5137261" y="0"/>
-          <a:ext cx="1459706" cy="4064000"/>
-        </a:xfrm>
-        <a:prstGeom prst="roundRect">
-          <a:avLst>
-            <a:gd name="adj" fmla="val 10000"/>
-          </a:avLst>
-        </a:prstGeom>
-        <a:solidFill>
-          <a:schemeClr val="accent1">
-            <a:tint val="40000"/>
-            <a:hueOff val="0"/>
-            <a:satOff val="0"/>
-            <a:lumOff val="0"/>
-            <a:alphaOff val="0"/>
-          </a:schemeClr>
-        </a:solidFill>
-        <a:ln>
-          <a:noFill/>
-        </a:ln>
-        <a:effectLst>
-          <a:outerShdw blurRad="40000" dist="23000" dir="5400000" rotWithShape="0">
-            <a:srgbClr val="000000">
-              <a:alpha val="35000"/>
-            </a:srgbClr>
-          </a:outerShdw>
-        </a:effectLst>
-      </dsp:spPr>
-      <dsp:style>
-        <a:lnRef idx="0">
-          <a:scrgbClr r="0" g="0" b="0"/>
-        </a:lnRef>
-        <a:fillRef idx="1">
-          <a:scrgbClr r="0" g="0" b="0"/>
-        </a:fillRef>
-        <a:effectRef idx="2">
-          <a:scrgbClr r="0" g="0" b="0"/>
-        </a:effectRef>
-        <a:fontRef idx="minor"/>
-      </dsp:style>
-      <dsp:txBody>
-        <a:bodyPr spcFirstLastPara="0" vert="horz" wrap="square" lIns="92456" tIns="92456" rIns="92456" bIns="92456" numCol="1" spcCol="1270" anchor="t" anchorCtr="0">
-          <a:noAutofit/>
-        </a:bodyPr>
-        <a:lstStyle/>
-        <a:p>
-          <a:pPr lvl="0" algn="l" defTabSz="577850">
-            <a:lnSpc>
-              <a:spcPct val="90000"/>
-            </a:lnSpc>
-            <a:spcBef>
-              <a:spcPct val="0"/>
-            </a:spcBef>
-            <a:spcAft>
-              <a:spcPct val="35000"/>
-            </a:spcAft>
-          </a:pPr>
-          <a:r>
-            <a:rPr lang="pt-BR" sz="1300" b="1" kern="1200" smtClean="0">
-              <a:latin typeface="+mn-lt"/>
-            </a:rPr>
-            <a:t>Configuração</a:t>
-          </a:r>
-          <a:endParaRPr lang="pt-BR" sz="1300" kern="1200" dirty="0">
-            <a:latin typeface="+mn-lt"/>
-          </a:endParaRPr>
-        </a:p>
-        <a:p>
-          <a:pPr marL="114300" lvl="1" indent="-114300" algn="l" defTabSz="577850">
-            <a:lnSpc>
-              <a:spcPct val="90000"/>
-            </a:lnSpc>
-            <a:spcBef>
-              <a:spcPct val="0"/>
-            </a:spcBef>
-            <a:spcAft>
-              <a:spcPct val="15000"/>
-            </a:spcAft>
-            <a:buChar char="••"/>
-          </a:pPr>
-          <a:r>
-            <a:rPr lang="pt-BR" sz="1300" kern="1200" dirty="0" smtClean="0">
-              <a:latin typeface="+mn-lt"/>
-            </a:rPr>
-            <a:t>Processa as requisição do serviço de acordo com os parâmetros locais do sistema</a:t>
-          </a:r>
-          <a:endParaRPr lang="pt-BR" sz="1300" kern="1200" dirty="0">
-            <a:latin typeface="+mn-lt"/>
-          </a:endParaRPr>
-        </a:p>
-      </dsp:txBody>
-      <dsp:txXfrm>
-        <a:off x="5137261" y="0"/>
-        <a:ext cx="1459706" cy="1219200"/>
-      </dsp:txXfrm>
-    </dsp:sp>
-    <dsp:sp modelId="{01717AE0-099D-48EB-8522-6C3C0AB19858}">
-      <dsp:nvSpPr>
-        <dsp:cNvPr id="0" name=""/>
-        <dsp:cNvSpPr/>
-      </dsp:nvSpPr>
-      <dsp:spPr>
-        <a:xfrm>
-          <a:off x="3434270" y="0"/>
-          <a:ext cx="1459706" cy="4064000"/>
-        </a:xfrm>
-        <a:prstGeom prst="roundRect">
-          <a:avLst>
-            <a:gd name="adj" fmla="val 10000"/>
-          </a:avLst>
-        </a:prstGeom>
-        <a:solidFill>
-          <a:schemeClr val="accent1">
-            <a:tint val="40000"/>
-            <a:hueOff val="0"/>
-            <a:satOff val="0"/>
-            <a:lumOff val="0"/>
-            <a:alphaOff val="0"/>
-          </a:schemeClr>
-        </a:solidFill>
-        <a:ln>
-          <a:noFill/>
-        </a:ln>
-        <a:effectLst>
-          <a:outerShdw blurRad="40000" dist="23000" dir="5400000" rotWithShape="0">
-            <a:srgbClr val="000000">
-              <a:alpha val="35000"/>
-            </a:srgbClr>
-          </a:outerShdw>
-        </a:effectLst>
-      </dsp:spPr>
-      <dsp:style>
-        <a:lnRef idx="0">
-          <a:scrgbClr r="0" g="0" b="0"/>
-        </a:lnRef>
-        <a:fillRef idx="1">
-          <a:scrgbClr r="0" g="0" b="0"/>
-        </a:fillRef>
-        <a:effectRef idx="2">
-          <a:scrgbClr r="0" g="0" b="0"/>
-        </a:effectRef>
-        <a:fontRef idx="minor"/>
-      </dsp:style>
-      <dsp:txBody>
-        <a:bodyPr spcFirstLastPara="0" vert="horz" wrap="square" lIns="99568" tIns="99568" rIns="99568" bIns="99568" numCol="1" spcCol="1270" anchor="t" anchorCtr="0">
-          <a:noAutofit/>
-        </a:bodyPr>
-        <a:lstStyle/>
-        <a:p>
-          <a:pPr lvl="0" algn="l" defTabSz="622300">
-            <a:lnSpc>
-              <a:spcPct val="90000"/>
-            </a:lnSpc>
-            <a:spcBef>
-              <a:spcPct val="0"/>
-            </a:spcBef>
-            <a:spcAft>
-              <a:spcPct val="35000"/>
-            </a:spcAft>
-          </a:pPr>
-          <a:r>
-            <a:rPr lang="pt-BR" sz="1400" b="1" kern="1200" dirty="0" smtClean="0">
-              <a:latin typeface="+mn-lt"/>
-            </a:rPr>
-            <a:t>Objetivo</a:t>
-          </a:r>
-          <a:endParaRPr lang="pt-BR" sz="1400" b="1" kern="1200" dirty="0">
-            <a:latin typeface="+mn-lt"/>
-          </a:endParaRPr>
-        </a:p>
-        <a:p>
-          <a:pPr marL="114300" lvl="1" indent="-114300" algn="l" defTabSz="577850">
-            <a:lnSpc>
-              <a:spcPct val="90000"/>
-            </a:lnSpc>
-            <a:spcBef>
-              <a:spcPct val="0"/>
-            </a:spcBef>
-            <a:spcAft>
-              <a:spcPct val="15000"/>
-            </a:spcAft>
-            <a:buChar char="••"/>
-          </a:pPr>
-          <a:r>
-            <a:rPr lang="pt-BR" sz="1300" kern="1200" dirty="0" smtClean="0">
-              <a:latin typeface="+mn-lt"/>
-            </a:rPr>
-            <a:t>Qual serviço esta disponível e as e qual ação esta configurada</a:t>
-          </a:r>
-          <a:endParaRPr lang="pt-BR" sz="1300" kern="1200" dirty="0">
-            <a:latin typeface="+mn-lt"/>
-          </a:endParaRPr>
-        </a:p>
-      </dsp:txBody>
-      <dsp:txXfrm>
-        <a:off x="3434270" y="0"/>
-        <a:ext cx="1459706" cy="1219200"/>
-      </dsp:txXfrm>
-    </dsp:sp>
-    <dsp:sp modelId="{8E982D87-B28C-4381-99E2-C803AC2352FC}">
-      <dsp:nvSpPr>
-        <dsp:cNvPr id="0" name=""/>
-        <dsp:cNvSpPr/>
-      </dsp:nvSpPr>
-      <dsp:spPr>
-        <a:xfrm>
-          <a:off x="1771553" y="0"/>
-          <a:ext cx="1459706" cy="4064000"/>
-        </a:xfrm>
-        <a:prstGeom prst="roundRect">
-          <a:avLst>
-            <a:gd name="adj" fmla="val 10000"/>
-          </a:avLst>
-        </a:prstGeom>
-        <a:solidFill>
-          <a:schemeClr val="accent1">
-            <a:tint val="40000"/>
-            <a:hueOff val="0"/>
-            <a:satOff val="0"/>
-            <a:lumOff val="0"/>
-            <a:alphaOff val="0"/>
-          </a:schemeClr>
-        </a:solidFill>
-        <a:ln>
-          <a:noFill/>
-        </a:ln>
-        <a:effectLst>
-          <a:outerShdw blurRad="40000" dist="23000" dir="5400000" rotWithShape="0">
-            <a:srgbClr val="000000">
-              <a:alpha val="35000"/>
-            </a:srgbClr>
-          </a:outerShdw>
-        </a:effectLst>
-      </dsp:spPr>
-      <dsp:style>
-        <a:lnRef idx="0">
-          <a:scrgbClr r="0" g="0" b="0"/>
-        </a:lnRef>
-        <a:fillRef idx="1">
-          <a:scrgbClr r="0" g="0" b="0"/>
-        </a:fillRef>
-        <a:effectRef idx="2">
-          <a:scrgbClr r="0" g="0" b="0"/>
-        </a:effectRef>
-        <a:fontRef idx="minor"/>
-      </dsp:style>
-      <dsp:txBody>
-        <a:bodyPr spcFirstLastPara="0" vert="horz" wrap="square" lIns="99568" tIns="99568" rIns="99568" bIns="99568" numCol="1" spcCol="1270" anchor="t" anchorCtr="0">
-          <a:noAutofit/>
-        </a:bodyPr>
-        <a:lstStyle/>
-        <a:p>
-          <a:pPr lvl="0" algn="l" defTabSz="622300">
-            <a:lnSpc>
-              <a:spcPct val="90000"/>
-            </a:lnSpc>
-            <a:spcBef>
-              <a:spcPct val="0"/>
-            </a:spcBef>
-            <a:spcAft>
-              <a:spcPct val="35000"/>
-            </a:spcAft>
-          </a:pPr>
-          <a:r>
-            <a:rPr lang="pt-BR" sz="1400" b="1" kern="1200" dirty="0" smtClean="0">
-              <a:latin typeface="+mn-lt"/>
-            </a:rPr>
-            <a:t>Decisão</a:t>
-          </a:r>
-          <a:endParaRPr lang="pt-BR" sz="1400" b="1" kern="1200" dirty="0">
-            <a:latin typeface="+mn-lt"/>
-          </a:endParaRPr>
-        </a:p>
-        <a:p>
-          <a:pPr marL="114300" lvl="1" indent="-114300" algn="l" defTabSz="577850">
-            <a:lnSpc>
-              <a:spcPct val="90000"/>
-            </a:lnSpc>
-            <a:spcBef>
-              <a:spcPct val="0"/>
-            </a:spcBef>
-            <a:spcAft>
-              <a:spcPct val="15000"/>
-            </a:spcAft>
-            <a:buChar char="••"/>
-          </a:pPr>
-          <a:r>
-            <a:rPr lang="pt-BR" sz="1300" kern="1200" dirty="0" smtClean="0">
-              <a:latin typeface="+mn-lt"/>
-            </a:rPr>
-            <a:t>Lembrete de uma atividade pendente </a:t>
-          </a:r>
-          <a:endParaRPr lang="pt-BR" sz="1300" kern="1200" dirty="0">
-            <a:latin typeface="+mn-lt"/>
-          </a:endParaRPr>
-        </a:p>
-      </dsp:txBody>
-      <dsp:txXfrm>
-        <a:off x="1771553" y="0"/>
-        <a:ext cx="1459706" cy="1219200"/>
-      </dsp:txXfrm>
-    </dsp:sp>
-    <dsp:sp modelId="{F5B25FB5-DB01-41CC-AE8B-E74BC2E826A3}">
-      <dsp:nvSpPr>
-        <dsp:cNvPr id="0" name=""/>
-        <dsp:cNvSpPr/>
-      </dsp:nvSpPr>
-      <dsp:spPr>
-        <a:xfrm>
-          <a:off x="0" y="0"/>
-          <a:ext cx="1459706" cy="4064000"/>
-        </a:xfrm>
-        <a:prstGeom prst="roundRect">
-          <a:avLst>
-            <a:gd name="adj" fmla="val 10000"/>
-          </a:avLst>
-        </a:prstGeom>
-        <a:solidFill>
-          <a:schemeClr val="accent1">
-            <a:tint val="40000"/>
-            <a:hueOff val="0"/>
-            <a:satOff val="0"/>
-            <a:lumOff val="0"/>
-            <a:alphaOff val="0"/>
-          </a:schemeClr>
-        </a:solidFill>
-        <a:ln>
-          <a:noFill/>
-        </a:ln>
-        <a:effectLst>
-          <a:outerShdw blurRad="40000" dist="23000" dir="5400000" rotWithShape="0">
-            <a:srgbClr val="000000">
-              <a:alpha val="35000"/>
-            </a:srgbClr>
-          </a:outerShdw>
-        </a:effectLst>
-      </dsp:spPr>
-      <dsp:style>
-        <a:lnRef idx="0">
-          <a:scrgbClr r="0" g="0" b="0"/>
-        </a:lnRef>
-        <a:fillRef idx="1">
-          <a:scrgbClr r="0" g="0" b="0"/>
-        </a:fillRef>
-        <a:effectRef idx="2">
-          <a:scrgbClr r="0" g="0" b="0"/>
-        </a:effectRef>
-        <a:fontRef idx="minor"/>
-      </dsp:style>
-      <dsp:txBody>
-        <a:bodyPr spcFirstLastPara="0" vert="horz" wrap="square" lIns="99568" tIns="99568" rIns="99568" bIns="99568" numCol="1" spcCol="1270" anchor="t" anchorCtr="0">
-          <a:noAutofit/>
-        </a:bodyPr>
-        <a:lstStyle/>
-        <a:p>
-          <a:pPr lvl="0" algn="l" defTabSz="622300">
-            <a:lnSpc>
-              <a:spcPct val="90000"/>
-            </a:lnSpc>
-            <a:spcBef>
-              <a:spcPct val="0"/>
-            </a:spcBef>
-            <a:spcAft>
-              <a:spcPct val="35000"/>
-            </a:spcAft>
-          </a:pPr>
-          <a:r>
-            <a:rPr lang="pt-BR" sz="1400" b="1" kern="1200" dirty="0" smtClean="0">
-              <a:latin typeface="+mn-lt"/>
-            </a:rPr>
-            <a:t>Serviço</a:t>
-          </a:r>
-          <a:endParaRPr lang="pt-BR" sz="1400" b="1" kern="1200" dirty="0">
-            <a:latin typeface="+mn-lt"/>
-          </a:endParaRPr>
-        </a:p>
-        <a:p>
-          <a:pPr marL="114300" lvl="1" indent="-114300" algn="l" defTabSz="577850">
-            <a:lnSpc>
-              <a:spcPct val="90000"/>
-            </a:lnSpc>
-            <a:spcBef>
-              <a:spcPct val="0"/>
-            </a:spcBef>
-            <a:spcAft>
-              <a:spcPct val="15000"/>
-            </a:spcAft>
-            <a:buChar char="••"/>
-          </a:pPr>
-          <a:r>
-            <a:rPr lang="pt-BR" sz="1300" kern="1200" dirty="0" smtClean="0">
-              <a:latin typeface="+mn-lt"/>
-            </a:rPr>
-            <a:t>Serviço disponibilizado pela empresa</a:t>
-          </a:r>
-          <a:endParaRPr lang="pt-BR" sz="1300" kern="1200" dirty="0">
-            <a:latin typeface="+mn-lt"/>
-          </a:endParaRPr>
-        </a:p>
-      </dsp:txBody>
-      <dsp:txXfrm>
-        <a:off x="0" y="0"/>
-        <a:ext cx="1459706" cy="1219200"/>
-      </dsp:txXfrm>
-    </dsp:sp>
-    <dsp:sp modelId="{D8913ECE-AC23-42E6-BDDF-E9001F924C16}">
-      <dsp:nvSpPr>
-        <dsp:cNvPr id="0" name=""/>
-        <dsp:cNvSpPr/>
-      </dsp:nvSpPr>
-      <dsp:spPr>
-        <a:xfrm>
-          <a:off x="66181" y="2231350"/>
-          <a:ext cx="1216421" cy="608210"/>
-        </a:xfrm>
-        <a:prstGeom prst="roundRect">
-          <a:avLst>
-            <a:gd name="adj" fmla="val 10000"/>
-          </a:avLst>
-        </a:prstGeom>
-        <a:solidFill>
-          <a:srgbClr val="FFC000"/>
-        </a:solidFill>
-        <a:ln>
-          <a:noFill/>
-        </a:ln>
-        <a:effectLst>
-          <a:outerShdw blurRad="40000" dist="23000" dir="5400000" rotWithShape="0">
-            <a:srgbClr val="000000">
-              <a:alpha val="35000"/>
-            </a:srgbClr>
-          </a:outerShdw>
-        </a:effectLst>
-      </dsp:spPr>
-      <dsp:style>
-        <a:lnRef idx="0">
-          <a:scrgbClr r="0" g="0" b="0"/>
-        </a:lnRef>
-        <a:fillRef idx="3">
-          <a:scrgbClr r="0" g="0" b="0"/>
-        </a:fillRef>
-        <a:effectRef idx="2">
-          <a:scrgbClr r="0" g="0" b="0"/>
-        </a:effectRef>
-        <a:fontRef idx="minor">
-          <a:schemeClr val="lt1"/>
-        </a:fontRef>
-      </dsp:style>
-      <dsp:txBody>
-        <a:bodyPr spcFirstLastPara="0" vert="horz" wrap="square" lIns="10160" tIns="10160" rIns="10160" bIns="10160" numCol="1" spcCol="1270" anchor="ctr" anchorCtr="0">
-          <a:noAutofit/>
-        </a:bodyPr>
-        <a:lstStyle/>
-        <a:p>
-          <a:pPr lvl="0" algn="ctr" defTabSz="711200">
-            <a:lnSpc>
-              <a:spcPct val="90000"/>
-            </a:lnSpc>
-            <a:spcBef>
-              <a:spcPct val="0"/>
-            </a:spcBef>
-            <a:spcAft>
-              <a:spcPct val="35000"/>
-            </a:spcAft>
-          </a:pPr>
-          <a:r>
-            <a:rPr lang="pt-BR" sz="1600" b="0" kern="1200" dirty="0" smtClean="0"/>
-            <a:t>Alerta</a:t>
-          </a:r>
-          <a:endParaRPr lang="pt-BR" sz="1600" b="0" kern="1200" dirty="0"/>
-        </a:p>
-      </dsp:txBody>
-      <dsp:txXfrm>
-        <a:off x="83995" y="2249164"/>
-        <a:ext cx="1180793" cy="572582"/>
-      </dsp:txXfrm>
-    </dsp:sp>
-    <dsp:sp modelId="{37E65D09-977C-4A7B-91F9-ED63B7B81764}">
-      <dsp:nvSpPr>
-        <dsp:cNvPr id="0" name=""/>
-        <dsp:cNvSpPr/>
-      </dsp:nvSpPr>
-      <dsp:spPr>
-        <a:xfrm rot="19719191">
-          <a:off x="1232217" y="2342415"/>
-          <a:ext cx="690370" cy="26938"/>
-        </a:xfrm>
-        <a:custGeom>
-          <a:avLst/>
-          <a:gdLst/>
-          <a:ahLst/>
-          <a:cxnLst/>
-          <a:rect l="0" t="0" r="0" b="0"/>
-          <a:pathLst>
-            <a:path>
-              <a:moveTo>
-                <a:pt x="0" y="13469"/>
-              </a:moveTo>
-              <a:lnTo>
-                <a:pt x="690370" y="13469"/>
-              </a:lnTo>
-            </a:path>
-          </a:pathLst>
-        </a:custGeom>
-        <a:noFill/>
-        <a:ln w="9525" cap="flat" cmpd="sng" algn="ctr">
-          <a:solidFill>
-            <a:schemeClr val="accent1">
-              <a:shade val="60000"/>
-              <a:hueOff val="0"/>
-              <a:satOff val="0"/>
-              <a:lumOff val="0"/>
-              <a:alphaOff val="0"/>
-            </a:schemeClr>
-          </a:solidFill>
-          <a:prstDash val="solid"/>
-        </a:ln>
-        <a:effectLst/>
-      </dsp:spPr>
-      <dsp:style>
-        <a:lnRef idx="1">
-          <a:scrgbClr r="0" g="0" b="0"/>
-        </a:lnRef>
-        <a:fillRef idx="0">
-          <a:scrgbClr r="0" g="0" b="0"/>
-        </a:fillRef>
-        <a:effectRef idx="0">
-          <a:scrgbClr r="0" g="0" b="0"/>
-        </a:effectRef>
-        <a:fontRef idx="minor"/>
-      </dsp:style>
-      <dsp:txBody>
-        <a:bodyPr spcFirstLastPara="0" vert="horz" wrap="square" lIns="12700" tIns="0" rIns="12700" bIns="0" numCol="1" spcCol="1270" anchor="ctr" anchorCtr="0">
-          <a:noAutofit/>
-        </a:bodyPr>
-        <a:lstStyle/>
-        <a:p>
-          <a:pPr lvl="0" algn="ctr" defTabSz="222250">
-            <a:lnSpc>
-              <a:spcPct val="90000"/>
-            </a:lnSpc>
-            <a:spcBef>
-              <a:spcPct val="0"/>
-            </a:spcBef>
-            <a:spcAft>
-              <a:spcPct val="35000"/>
-            </a:spcAft>
-          </a:pPr>
-          <a:endParaRPr lang="pt-BR" sz="500" kern="1200"/>
-        </a:p>
-      </dsp:txBody>
-      <dsp:txXfrm>
-        <a:off x="1560143" y="2338625"/>
-        <a:ext cx="34518" cy="34518"/>
-      </dsp:txXfrm>
-    </dsp:sp>
-    <dsp:sp modelId="{66B83896-4B46-4F2C-88A2-FC160E346B3B}">
-      <dsp:nvSpPr>
-        <dsp:cNvPr id="0" name=""/>
-        <dsp:cNvSpPr/>
-      </dsp:nvSpPr>
-      <dsp:spPr>
-        <a:xfrm>
-          <a:off x="1872202" y="1872208"/>
-          <a:ext cx="1216421" cy="608210"/>
-        </a:xfrm>
-        <a:prstGeom prst="roundRect">
-          <a:avLst>
-            <a:gd name="adj" fmla="val 10000"/>
-          </a:avLst>
-        </a:prstGeom>
-        <a:solidFill>
-          <a:srgbClr val="00B050"/>
-        </a:solidFill>
-        <a:ln>
-          <a:noFill/>
-        </a:ln>
-        <a:effectLst>
-          <a:outerShdw blurRad="40000" dist="23000" dir="5400000" rotWithShape="0">
-            <a:srgbClr val="000000">
-              <a:alpha val="35000"/>
-            </a:srgbClr>
-          </a:outerShdw>
-        </a:effectLst>
-      </dsp:spPr>
-      <dsp:style>
-        <a:lnRef idx="0">
-          <a:scrgbClr r="0" g="0" b="0"/>
-        </a:lnRef>
-        <a:fillRef idx="3">
-          <a:scrgbClr r="0" g="0" b="0"/>
-        </a:fillRef>
-        <a:effectRef idx="2">
-          <a:scrgbClr r="0" g="0" b="0"/>
-        </a:effectRef>
-        <a:fontRef idx="minor">
-          <a:schemeClr val="lt1"/>
-        </a:fontRef>
-      </dsp:style>
-      <dsp:txBody>
-        <a:bodyPr spcFirstLastPara="0" vert="horz" wrap="square" lIns="10160" tIns="10160" rIns="10160" bIns="10160" numCol="1" spcCol="1270" anchor="ctr" anchorCtr="0">
-          <a:noAutofit/>
-        </a:bodyPr>
-        <a:lstStyle/>
-        <a:p>
-          <a:pPr lvl="0" algn="ctr" defTabSz="711200">
-            <a:lnSpc>
-              <a:spcPct val="90000"/>
-            </a:lnSpc>
-            <a:spcBef>
-              <a:spcPct val="0"/>
-            </a:spcBef>
-            <a:spcAft>
-              <a:spcPct val="35000"/>
-            </a:spcAft>
-          </a:pPr>
-          <a:r>
-            <a:rPr lang="pt-BR" sz="1600" b="0" kern="1200" dirty="0" smtClean="0"/>
-            <a:t>Sim</a:t>
-          </a:r>
-          <a:endParaRPr lang="pt-BR" sz="1600" b="0" kern="1200" dirty="0"/>
-        </a:p>
-      </dsp:txBody>
-      <dsp:txXfrm>
-        <a:off x="1890016" y="1890022"/>
-        <a:ext cx="1180793" cy="572582"/>
-      </dsp:txXfrm>
-    </dsp:sp>
-    <dsp:sp modelId="{A2937038-775D-43D6-BAA7-03CF43B59DBE}">
-      <dsp:nvSpPr>
-        <dsp:cNvPr id="0" name=""/>
-        <dsp:cNvSpPr/>
-      </dsp:nvSpPr>
-      <dsp:spPr>
-        <a:xfrm>
-          <a:off x="3088624" y="2162844"/>
-          <a:ext cx="439773" cy="26938"/>
-        </a:xfrm>
-        <a:custGeom>
-          <a:avLst/>
-          <a:gdLst/>
-          <a:ahLst/>
-          <a:cxnLst/>
-          <a:rect l="0" t="0" r="0" b="0"/>
-          <a:pathLst>
-            <a:path>
-              <a:moveTo>
-                <a:pt x="0" y="13469"/>
-              </a:moveTo>
-              <a:lnTo>
-                <a:pt x="439773" y="13469"/>
-              </a:lnTo>
-            </a:path>
-          </a:pathLst>
-        </a:custGeom>
-        <a:noFill/>
-        <a:ln w="9525" cap="flat" cmpd="sng" algn="ctr">
-          <a:solidFill>
-            <a:schemeClr val="accent1">
-              <a:shade val="80000"/>
-              <a:hueOff val="0"/>
-              <a:satOff val="0"/>
-              <a:lumOff val="0"/>
-              <a:alphaOff val="0"/>
-            </a:schemeClr>
-          </a:solidFill>
-          <a:prstDash val="solid"/>
-        </a:ln>
-        <a:effectLst/>
-      </dsp:spPr>
-      <dsp:style>
-        <a:lnRef idx="1">
-          <a:scrgbClr r="0" g="0" b="0"/>
-        </a:lnRef>
-        <a:fillRef idx="0">
-          <a:scrgbClr r="0" g="0" b="0"/>
-        </a:fillRef>
-        <a:effectRef idx="0">
-          <a:scrgbClr r="0" g="0" b="0"/>
-        </a:effectRef>
-        <a:fontRef idx="minor"/>
-      </dsp:style>
-      <dsp:txBody>
-        <a:bodyPr spcFirstLastPara="0" vert="horz" wrap="square" lIns="12700" tIns="0" rIns="12700" bIns="0" numCol="1" spcCol="1270" anchor="ctr" anchorCtr="0">
-          <a:noAutofit/>
-        </a:bodyPr>
-        <a:lstStyle/>
-        <a:p>
-          <a:pPr lvl="0" algn="ctr" defTabSz="222250">
-            <a:lnSpc>
-              <a:spcPct val="90000"/>
-            </a:lnSpc>
-            <a:spcBef>
-              <a:spcPct val="0"/>
-            </a:spcBef>
-            <a:spcAft>
-              <a:spcPct val="35000"/>
-            </a:spcAft>
-          </a:pPr>
-          <a:endParaRPr lang="pt-BR" sz="500" kern="1200"/>
-        </a:p>
-      </dsp:txBody>
-      <dsp:txXfrm>
-        <a:off x="3297516" y="2165319"/>
-        <a:ext cx="21988" cy="21988"/>
-      </dsp:txXfrm>
-    </dsp:sp>
-    <dsp:sp modelId="{11A41601-270E-427A-8937-76736A995528}">
-      <dsp:nvSpPr>
-        <dsp:cNvPr id="0" name=""/>
-        <dsp:cNvSpPr/>
-      </dsp:nvSpPr>
-      <dsp:spPr>
-        <a:xfrm>
-          <a:off x="3528397" y="1872208"/>
-          <a:ext cx="1216421" cy="608210"/>
-        </a:xfrm>
-        <a:prstGeom prst="roundRect">
-          <a:avLst>
-            <a:gd name="adj" fmla="val 10000"/>
-          </a:avLst>
-        </a:prstGeom>
-        <a:solidFill>
-          <a:srgbClr val="FFC000"/>
-        </a:solidFill>
-        <a:ln>
-          <a:noFill/>
-        </a:ln>
-        <a:effectLst>
-          <a:outerShdw blurRad="40000" dist="23000" dir="5400000" rotWithShape="0">
-            <a:srgbClr val="000000">
-              <a:alpha val="35000"/>
-            </a:srgbClr>
-          </a:outerShdw>
-        </a:effectLst>
-      </dsp:spPr>
-      <dsp:style>
-        <a:lnRef idx="0">
-          <a:scrgbClr r="0" g="0" b="0"/>
-        </a:lnRef>
-        <a:fillRef idx="3">
-          <a:scrgbClr r="0" g="0" b="0"/>
-        </a:fillRef>
-        <a:effectRef idx="2">
-          <a:scrgbClr r="0" g="0" b="0"/>
-        </a:effectRef>
-        <a:fontRef idx="minor">
-          <a:schemeClr val="lt1"/>
-        </a:fontRef>
-      </dsp:style>
-      <dsp:txBody>
-        <a:bodyPr spcFirstLastPara="0" vert="horz" wrap="square" lIns="10160" tIns="10160" rIns="10160" bIns="10160" numCol="1" spcCol="1270" anchor="ctr" anchorCtr="0">
-          <a:noAutofit/>
-        </a:bodyPr>
-        <a:lstStyle/>
-        <a:p>
-          <a:pPr lvl="0" algn="ctr" defTabSz="711200">
-            <a:lnSpc>
-              <a:spcPct val="90000"/>
-            </a:lnSpc>
-            <a:spcBef>
-              <a:spcPct val="0"/>
-            </a:spcBef>
-            <a:spcAft>
-              <a:spcPct val="35000"/>
-            </a:spcAft>
-          </a:pPr>
-          <a:r>
-            <a:rPr lang="pt-BR" sz="1600" b="0" kern="1200" dirty="0" smtClean="0"/>
-            <a:t>Lembrar de? </a:t>
-          </a:r>
-          <a:endParaRPr lang="pt-BR" sz="1600" b="0" kern="1200" dirty="0"/>
-        </a:p>
-      </dsp:txBody>
-      <dsp:txXfrm>
-        <a:off x="3546211" y="1890022"/>
-        <a:ext cx="1180793" cy="572582"/>
-      </dsp:txXfrm>
-    </dsp:sp>
-    <dsp:sp modelId="{11948494-08BE-42B9-8D0A-70918DDE3186}">
-      <dsp:nvSpPr>
-        <dsp:cNvPr id="0" name=""/>
-        <dsp:cNvSpPr/>
-      </dsp:nvSpPr>
-      <dsp:spPr>
-        <a:xfrm>
-          <a:off x="4744819" y="2162844"/>
-          <a:ext cx="511760" cy="26938"/>
-        </a:xfrm>
-        <a:custGeom>
-          <a:avLst/>
-          <a:gdLst/>
-          <a:ahLst/>
-          <a:cxnLst/>
-          <a:rect l="0" t="0" r="0" b="0"/>
-          <a:pathLst>
-            <a:path>
-              <a:moveTo>
-                <a:pt x="0" y="13469"/>
-              </a:moveTo>
-              <a:lnTo>
-                <a:pt x="511760" y="13469"/>
-              </a:lnTo>
-            </a:path>
-          </a:pathLst>
-        </a:custGeom>
-        <a:noFill/>
-        <a:ln w="9525" cap="flat" cmpd="sng" algn="ctr">
-          <a:solidFill>
-            <a:schemeClr val="accent1">
-              <a:shade val="80000"/>
-              <a:hueOff val="0"/>
-              <a:satOff val="0"/>
-              <a:lumOff val="0"/>
-              <a:alphaOff val="0"/>
-            </a:schemeClr>
-          </a:solidFill>
-          <a:prstDash val="solid"/>
-        </a:ln>
-        <a:effectLst/>
-      </dsp:spPr>
-      <dsp:style>
-        <a:lnRef idx="1">
-          <a:scrgbClr r="0" g="0" b="0"/>
-        </a:lnRef>
-        <a:fillRef idx="0">
-          <a:scrgbClr r="0" g="0" b="0"/>
-        </a:fillRef>
-        <a:effectRef idx="0">
-          <a:scrgbClr r="0" g="0" b="0"/>
-        </a:effectRef>
-        <a:fontRef idx="minor"/>
-      </dsp:style>
-      <dsp:txBody>
-        <a:bodyPr spcFirstLastPara="0" vert="horz" wrap="square" lIns="12700" tIns="0" rIns="12700" bIns="0" numCol="1" spcCol="1270" anchor="ctr" anchorCtr="0">
-          <a:noAutofit/>
-        </a:bodyPr>
-        <a:lstStyle/>
-        <a:p>
-          <a:pPr lvl="0" algn="ctr" defTabSz="222250">
-            <a:lnSpc>
-              <a:spcPct val="90000"/>
-            </a:lnSpc>
-            <a:spcBef>
-              <a:spcPct val="0"/>
-            </a:spcBef>
-            <a:spcAft>
-              <a:spcPct val="35000"/>
-            </a:spcAft>
-          </a:pPr>
-          <a:endParaRPr lang="pt-BR" sz="500" kern="1200"/>
-        </a:p>
-      </dsp:txBody>
-      <dsp:txXfrm>
-        <a:off x="4987905" y="2163519"/>
-        <a:ext cx="25588" cy="25588"/>
-      </dsp:txXfrm>
-    </dsp:sp>
-    <dsp:sp modelId="{90E84A16-2B68-413C-826E-B70C2E6D7FB1}">
-      <dsp:nvSpPr>
-        <dsp:cNvPr id="0" name=""/>
-        <dsp:cNvSpPr/>
-      </dsp:nvSpPr>
-      <dsp:spPr>
-        <a:xfrm>
-          <a:off x="5256580" y="1872208"/>
-          <a:ext cx="1216421" cy="608210"/>
-        </a:xfrm>
-        <a:prstGeom prst="roundRect">
-          <a:avLst>
-            <a:gd name="adj" fmla="val 10000"/>
-          </a:avLst>
-        </a:prstGeom>
-        <a:solidFill>
-          <a:srgbClr val="FFC000"/>
-        </a:solidFill>
-        <a:ln>
-          <a:noFill/>
-        </a:ln>
-        <a:effectLst>
-          <a:outerShdw blurRad="40000" dist="23000" dir="5400000" rotWithShape="0">
-            <a:srgbClr val="000000">
-              <a:alpha val="35000"/>
-            </a:srgbClr>
-          </a:outerShdw>
-        </a:effectLst>
-      </dsp:spPr>
-      <dsp:style>
-        <a:lnRef idx="0">
-          <a:scrgbClr r="0" g="0" b="0"/>
-        </a:lnRef>
-        <a:fillRef idx="3">
-          <a:scrgbClr r="0" g="0" b="0"/>
-        </a:fillRef>
-        <a:effectRef idx="2">
-          <a:scrgbClr r="0" g="0" b="0"/>
-        </a:effectRef>
-        <a:fontRef idx="minor">
-          <a:schemeClr val="lt1"/>
-        </a:fontRef>
-      </dsp:style>
-      <dsp:txBody>
-        <a:bodyPr spcFirstLastPara="0" vert="horz" wrap="square" lIns="10160" tIns="10160" rIns="10160" bIns="10160" numCol="1" spcCol="1270" anchor="ctr" anchorCtr="0">
-          <a:noAutofit/>
-        </a:bodyPr>
-        <a:lstStyle/>
-        <a:p>
-          <a:pPr lvl="0" algn="ctr" defTabSz="711200">
-            <a:lnSpc>
-              <a:spcPct val="90000"/>
-            </a:lnSpc>
-            <a:spcBef>
-              <a:spcPct val="0"/>
-            </a:spcBef>
-            <a:spcAft>
-              <a:spcPct val="35000"/>
-            </a:spcAft>
-          </a:pPr>
-          <a:r>
-            <a:rPr lang="pt-BR" sz="1600" b="0" kern="1200" dirty="0" smtClean="0"/>
-            <a:t>Executa ambiente</a:t>
-          </a:r>
-          <a:endParaRPr lang="pt-BR" sz="1600" b="0" kern="1200" dirty="0"/>
-        </a:p>
-      </dsp:txBody>
-      <dsp:txXfrm>
-        <a:off x="5274394" y="1890022"/>
-        <a:ext cx="1180793" cy="572582"/>
-      </dsp:txXfrm>
-    </dsp:sp>
-    <dsp:sp modelId="{04C59225-F2E1-441C-BA40-8E73DC4DA836}">
-      <dsp:nvSpPr>
-        <dsp:cNvPr id="0" name=""/>
-        <dsp:cNvSpPr/>
-      </dsp:nvSpPr>
-      <dsp:spPr>
-        <a:xfrm>
-          <a:off x="6473002" y="2162844"/>
-          <a:ext cx="511773" cy="26938"/>
-        </a:xfrm>
-        <a:custGeom>
-          <a:avLst/>
-          <a:gdLst/>
-          <a:ahLst/>
-          <a:cxnLst/>
-          <a:rect l="0" t="0" r="0" b="0"/>
-          <a:pathLst>
-            <a:path>
-              <a:moveTo>
-                <a:pt x="0" y="13469"/>
-              </a:moveTo>
-              <a:lnTo>
-                <a:pt x="511773" y="13469"/>
-              </a:lnTo>
-            </a:path>
-          </a:pathLst>
-        </a:custGeom>
-        <a:noFill/>
-        <a:ln w="9525" cap="flat" cmpd="sng" algn="ctr">
-          <a:solidFill>
-            <a:schemeClr val="accent1">
-              <a:shade val="80000"/>
-              <a:hueOff val="0"/>
-              <a:satOff val="0"/>
-              <a:lumOff val="0"/>
-              <a:alphaOff val="0"/>
-            </a:schemeClr>
-          </a:solidFill>
-          <a:prstDash val="solid"/>
-        </a:ln>
-        <a:effectLst/>
-      </dsp:spPr>
-      <dsp:style>
-        <a:lnRef idx="1">
-          <a:scrgbClr r="0" g="0" b="0"/>
-        </a:lnRef>
-        <a:fillRef idx="0">
-          <a:scrgbClr r="0" g="0" b="0"/>
-        </a:fillRef>
-        <a:effectRef idx="0">
-          <a:scrgbClr r="0" g="0" b="0"/>
-        </a:effectRef>
-        <a:fontRef idx="minor"/>
-      </dsp:style>
-      <dsp:txBody>
-        <a:bodyPr spcFirstLastPara="0" vert="horz" wrap="square" lIns="12700" tIns="0" rIns="12700" bIns="0" numCol="1" spcCol="1270" anchor="ctr" anchorCtr="0">
-          <a:noAutofit/>
-        </a:bodyPr>
-        <a:lstStyle/>
-        <a:p>
-          <a:pPr lvl="0" algn="ctr" defTabSz="222250">
-            <a:lnSpc>
-              <a:spcPct val="90000"/>
-            </a:lnSpc>
-            <a:spcBef>
-              <a:spcPct val="0"/>
-            </a:spcBef>
-            <a:spcAft>
-              <a:spcPct val="35000"/>
-            </a:spcAft>
-          </a:pPr>
-          <a:endParaRPr lang="pt-BR" sz="500" kern="1200"/>
-        </a:p>
-      </dsp:txBody>
-      <dsp:txXfrm>
-        <a:off x="6716094" y="2163519"/>
-        <a:ext cx="25588" cy="25588"/>
-      </dsp:txXfrm>
-    </dsp:sp>
-    <dsp:sp modelId="{F1ABEC24-6CFE-4A8E-864C-5AE81682169B}">
-      <dsp:nvSpPr>
-        <dsp:cNvPr id="0" name=""/>
-        <dsp:cNvSpPr/>
-      </dsp:nvSpPr>
-      <dsp:spPr>
-        <a:xfrm>
-          <a:off x="6984775" y="1872208"/>
-          <a:ext cx="1216421" cy="608210"/>
-        </a:xfrm>
-        <a:prstGeom prst="roundRect">
-          <a:avLst>
-            <a:gd name="adj" fmla="val 10000"/>
-          </a:avLst>
-        </a:prstGeom>
-        <a:solidFill>
-          <a:srgbClr val="00B050"/>
-        </a:solidFill>
-        <a:ln>
-          <a:noFill/>
-        </a:ln>
-        <a:effectLst>
-          <a:outerShdw blurRad="40000" dist="23000" dir="5400000" rotWithShape="0">
-            <a:srgbClr val="000000">
-              <a:alpha val="35000"/>
-            </a:srgbClr>
-          </a:outerShdw>
-        </a:effectLst>
-      </dsp:spPr>
-      <dsp:style>
-        <a:lnRef idx="0">
-          <a:scrgbClr r="0" g="0" b="0"/>
-        </a:lnRef>
-        <a:fillRef idx="3">
-          <a:scrgbClr r="0" g="0" b="0"/>
-        </a:fillRef>
-        <a:effectRef idx="2">
-          <a:scrgbClr r="0" g="0" b="0"/>
-        </a:effectRef>
-        <a:fontRef idx="minor">
-          <a:schemeClr val="lt1"/>
-        </a:fontRef>
-      </dsp:style>
-      <dsp:txBody>
-        <a:bodyPr spcFirstLastPara="0" vert="horz" wrap="square" lIns="10160" tIns="10160" rIns="10160" bIns="10160" numCol="1" spcCol="1270" anchor="ctr" anchorCtr="0">
-          <a:noAutofit/>
-        </a:bodyPr>
-        <a:lstStyle/>
-        <a:p>
-          <a:pPr lvl="0" algn="ctr" defTabSz="711200">
-            <a:lnSpc>
-              <a:spcPct val="90000"/>
-            </a:lnSpc>
-            <a:spcBef>
-              <a:spcPct val="0"/>
-            </a:spcBef>
-            <a:spcAft>
-              <a:spcPct val="35000"/>
-            </a:spcAft>
-          </a:pPr>
-          <a:r>
-            <a:rPr lang="pt-BR" sz="1600" b="0" kern="1200" dirty="0" smtClean="0"/>
-            <a:t>Renova livro</a:t>
-          </a:r>
-          <a:endParaRPr lang="pt-BR" sz="1600" b="0" kern="1200" dirty="0"/>
-        </a:p>
-      </dsp:txBody>
-      <dsp:txXfrm>
-        <a:off x="7002589" y="1890022"/>
-        <a:ext cx="1180793" cy="572582"/>
-      </dsp:txXfrm>
-    </dsp:sp>
-    <dsp:sp modelId="{6F85F201-DFE1-44D4-9B3B-A33546274E69}">
-      <dsp:nvSpPr>
-        <dsp:cNvPr id="0" name=""/>
-        <dsp:cNvSpPr/>
-      </dsp:nvSpPr>
-      <dsp:spPr>
-        <a:xfrm rot="1727010">
-          <a:off x="1236294" y="2702455"/>
-          <a:ext cx="749606" cy="26938"/>
-        </a:xfrm>
-        <a:custGeom>
-          <a:avLst/>
-          <a:gdLst/>
-          <a:ahLst/>
-          <a:cxnLst/>
-          <a:rect l="0" t="0" r="0" b="0"/>
-          <a:pathLst>
-            <a:path>
-              <a:moveTo>
-                <a:pt x="0" y="13469"/>
-              </a:moveTo>
-              <a:lnTo>
-                <a:pt x="749606" y="13469"/>
-              </a:lnTo>
-            </a:path>
-          </a:pathLst>
-        </a:custGeom>
-        <a:noFill/>
-        <a:ln w="9525" cap="flat" cmpd="sng" algn="ctr">
-          <a:solidFill>
-            <a:schemeClr val="accent1">
-              <a:shade val="60000"/>
-              <a:hueOff val="0"/>
-              <a:satOff val="0"/>
-              <a:lumOff val="0"/>
-              <a:alphaOff val="0"/>
-            </a:schemeClr>
-          </a:solidFill>
-          <a:prstDash val="solid"/>
-        </a:ln>
-        <a:effectLst/>
-      </dsp:spPr>
-      <dsp:style>
-        <a:lnRef idx="1">
-          <a:scrgbClr r="0" g="0" b="0"/>
-        </a:lnRef>
-        <a:fillRef idx="0">
-          <a:scrgbClr r="0" g="0" b="0"/>
-        </a:fillRef>
-        <a:effectRef idx="0">
-          <a:scrgbClr r="0" g="0" b="0"/>
-        </a:effectRef>
-        <a:fontRef idx="minor"/>
-      </dsp:style>
-      <dsp:txBody>
-        <a:bodyPr spcFirstLastPara="0" vert="horz" wrap="square" lIns="12700" tIns="0" rIns="12700" bIns="0" numCol="1" spcCol="1270" anchor="ctr" anchorCtr="0">
-          <a:noAutofit/>
-        </a:bodyPr>
-        <a:lstStyle/>
-        <a:p>
-          <a:pPr lvl="0" algn="ctr" defTabSz="222250">
-            <a:lnSpc>
-              <a:spcPct val="90000"/>
-            </a:lnSpc>
-            <a:spcBef>
-              <a:spcPct val="0"/>
-            </a:spcBef>
-            <a:spcAft>
-              <a:spcPct val="35000"/>
-            </a:spcAft>
-          </a:pPr>
-          <a:endParaRPr lang="pt-BR" sz="500" kern="1200"/>
-        </a:p>
-      </dsp:txBody>
-      <dsp:txXfrm>
-        <a:off x="1592357" y="2697184"/>
-        <a:ext cx="37480" cy="37480"/>
-      </dsp:txXfrm>
-    </dsp:sp>
-    <dsp:sp modelId="{881EF76C-7CB3-4496-9009-6C1EFF3A1960}">
-      <dsp:nvSpPr>
-        <dsp:cNvPr id="0" name=""/>
-        <dsp:cNvSpPr/>
-      </dsp:nvSpPr>
-      <dsp:spPr>
-        <a:xfrm>
-          <a:off x="1939592" y="2592287"/>
-          <a:ext cx="1216421" cy="608210"/>
-        </a:xfrm>
-        <a:prstGeom prst="roundRect">
-          <a:avLst>
-            <a:gd name="adj" fmla="val 10000"/>
-          </a:avLst>
-        </a:prstGeom>
-        <a:solidFill>
-          <a:srgbClr val="00B050"/>
-        </a:solidFill>
-        <a:ln>
-          <a:noFill/>
-        </a:ln>
-        <a:effectLst>
-          <a:outerShdw blurRad="40000" dist="23000" dir="5400000" rotWithShape="0">
-            <a:srgbClr val="000000">
-              <a:alpha val="35000"/>
-            </a:srgbClr>
-          </a:outerShdw>
-        </a:effectLst>
-      </dsp:spPr>
-      <dsp:style>
-        <a:lnRef idx="0">
-          <a:scrgbClr r="0" g="0" b="0"/>
-        </a:lnRef>
-        <a:fillRef idx="3">
-          <a:scrgbClr r="0" g="0" b="0"/>
-        </a:fillRef>
-        <a:effectRef idx="2">
-          <a:scrgbClr r="0" g="0" b="0"/>
-        </a:effectRef>
-        <a:fontRef idx="minor">
-          <a:schemeClr val="lt1"/>
-        </a:fontRef>
-      </dsp:style>
-      <dsp:txBody>
-        <a:bodyPr spcFirstLastPara="0" vert="horz" wrap="square" lIns="10160" tIns="10160" rIns="10160" bIns="10160" numCol="1" spcCol="1270" anchor="ctr" anchorCtr="0">
-          <a:noAutofit/>
-        </a:bodyPr>
-        <a:lstStyle/>
-        <a:p>
-          <a:pPr lvl="0" algn="ctr" defTabSz="711200">
-            <a:lnSpc>
-              <a:spcPct val="90000"/>
-            </a:lnSpc>
-            <a:spcBef>
-              <a:spcPct val="0"/>
-            </a:spcBef>
-            <a:spcAft>
-              <a:spcPct val="35000"/>
-            </a:spcAft>
-          </a:pPr>
-          <a:r>
-            <a:rPr lang="pt-BR" sz="1600" b="0" kern="1200" dirty="0" smtClean="0"/>
-            <a:t>Não</a:t>
-          </a:r>
-          <a:endParaRPr lang="pt-BR" sz="1600" b="0" kern="1200" dirty="0"/>
-        </a:p>
-      </dsp:txBody>
-      <dsp:txXfrm>
-        <a:off x="1957406" y="2610101"/>
-        <a:ext cx="1180793" cy="572582"/>
-      </dsp:txXfrm>
-    </dsp:sp>
-    <dsp:sp modelId="{1B3A040A-86DC-4E6E-B8EA-388ABEF101DC}">
-      <dsp:nvSpPr>
-        <dsp:cNvPr id="0" name=""/>
-        <dsp:cNvSpPr/>
-      </dsp:nvSpPr>
-      <dsp:spPr>
-        <a:xfrm>
-          <a:off x="3156014" y="2882923"/>
-          <a:ext cx="372383" cy="26938"/>
-        </a:xfrm>
-        <a:custGeom>
-          <a:avLst/>
-          <a:gdLst/>
-          <a:ahLst/>
-          <a:cxnLst/>
-          <a:rect l="0" t="0" r="0" b="0"/>
-          <a:pathLst>
-            <a:path>
-              <a:moveTo>
-                <a:pt x="0" y="13469"/>
-              </a:moveTo>
-              <a:lnTo>
-                <a:pt x="372383" y="13469"/>
-              </a:lnTo>
-            </a:path>
-          </a:pathLst>
-        </a:custGeom>
-        <a:noFill/>
-        <a:ln w="9525" cap="flat" cmpd="sng" algn="ctr">
-          <a:solidFill>
-            <a:schemeClr val="accent1">
-              <a:shade val="80000"/>
-              <a:hueOff val="0"/>
-              <a:satOff val="0"/>
-              <a:lumOff val="0"/>
-              <a:alphaOff val="0"/>
-            </a:schemeClr>
-          </a:solidFill>
-          <a:prstDash val="solid"/>
-        </a:ln>
-        <a:effectLst/>
-      </dsp:spPr>
-      <dsp:style>
-        <a:lnRef idx="1">
-          <a:scrgbClr r="0" g="0" b="0"/>
-        </a:lnRef>
-        <a:fillRef idx="0">
-          <a:scrgbClr r="0" g="0" b="0"/>
-        </a:fillRef>
-        <a:effectRef idx="0">
-          <a:scrgbClr r="0" g="0" b="0"/>
-        </a:effectRef>
-        <a:fontRef idx="minor"/>
-      </dsp:style>
-      <dsp:txBody>
-        <a:bodyPr spcFirstLastPara="0" vert="horz" wrap="square" lIns="12700" tIns="0" rIns="12700" bIns="0" numCol="1" spcCol="1270" anchor="ctr" anchorCtr="0">
-          <a:noAutofit/>
-        </a:bodyPr>
-        <a:lstStyle/>
-        <a:p>
-          <a:pPr lvl="0" algn="ctr" defTabSz="222250">
-            <a:lnSpc>
-              <a:spcPct val="90000"/>
-            </a:lnSpc>
-            <a:spcBef>
-              <a:spcPct val="0"/>
-            </a:spcBef>
-            <a:spcAft>
-              <a:spcPct val="35000"/>
-            </a:spcAft>
-          </a:pPr>
-          <a:endParaRPr lang="pt-BR" sz="500" kern="1200"/>
-        </a:p>
-      </dsp:txBody>
-      <dsp:txXfrm>
-        <a:off x="3332896" y="2887083"/>
-        <a:ext cx="18619" cy="18619"/>
-      </dsp:txXfrm>
-    </dsp:sp>
-    <dsp:sp modelId="{10D8F8C0-76AF-40CB-A903-178C1FEEBE75}">
-      <dsp:nvSpPr>
-        <dsp:cNvPr id="0" name=""/>
-        <dsp:cNvSpPr/>
-      </dsp:nvSpPr>
-      <dsp:spPr>
-        <a:xfrm>
-          <a:off x="3528397" y="2592287"/>
-          <a:ext cx="1216421" cy="608210"/>
-        </a:xfrm>
-        <a:prstGeom prst="roundRect">
-          <a:avLst>
-            <a:gd name="adj" fmla="val 10000"/>
-          </a:avLst>
-        </a:prstGeom>
-        <a:solidFill>
-          <a:srgbClr val="FFC000"/>
-        </a:solidFill>
-        <a:ln>
-          <a:noFill/>
-        </a:ln>
-        <a:effectLst>
-          <a:outerShdw blurRad="40000" dist="23000" dir="5400000" rotWithShape="0">
-            <a:srgbClr val="000000">
-              <a:alpha val="35000"/>
-            </a:srgbClr>
-          </a:outerShdw>
-        </a:effectLst>
-      </dsp:spPr>
-      <dsp:style>
-        <a:lnRef idx="0">
-          <a:scrgbClr r="0" g="0" b="0"/>
-        </a:lnRef>
-        <a:fillRef idx="3">
-          <a:scrgbClr r="0" g="0" b="0"/>
-        </a:fillRef>
-        <a:effectRef idx="2">
-          <a:scrgbClr r="0" g="0" b="0"/>
-        </a:effectRef>
-        <a:fontRef idx="minor">
-          <a:schemeClr val="lt1"/>
-        </a:fontRef>
-      </dsp:style>
-      <dsp:txBody>
-        <a:bodyPr spcFirstLastPara="0" vert="horz" wrap="square" lIns="10160" tIns="10160" rIns="10160" bIns="10160" numCol="1" spcCol="1270" anchor="ctr" anchorCtr="0">
-          <a:noAutofit/>
-        </a:bodyPr>
-        <a:lstStyle/>
-        <a:p>
-          <a:pPr lvl="0" algn="ctr" defTabSz="711200">
-            <a:lnSpc>
-              <a:spcPct val="90000"/>
-            </a:lnSpc>
-            <a:spcBef>
-              <a:spcPct val="0"/>
-            </a:spcBef>
-            <a:spcAft>
-              <a:spcPct val="35000"/>
-            </a:spcAft>
-          </a:pPr>
-          <a:r>
-            <a:rPr lang="pt-BR" sz="1600" b="0" kern="1200" dirty="0" smtClean="0"/>
-            <a:t>Fim</a:t>
-          </a:r>
-          <a:endParaRPr lang="pt-BR" sz="1600" b="0" kern="1200" dirty="0"/>
-        </a:p>
-      </dsp:txBody>
-      <dsp:txXfrm>
-        <a:off x="3546211" y="2610101"/>
-        <a:ext cx="1180793" cy="572582"/>
-      </dsp:txXfrm>
-    </dsp:sp>
   </dsp:spTree>
 </dsp:drawing>
 </file>
@@ -14182,366 +12689,6 @@
       <dsp:cNvGrpSpPr/>
     </dsp:nvGrpSpPr>
     <dsp:grpSpPr/>
-    <dsp:sp modelId="{B2AE8354-10C9-4A4D-9813-CBC639505B78}">
-      <dsp:nvSpPr>
-        <dsp:cNvPr id="0" name=""/>
-        <dsp:cNvSpPr/>
-      </dsp:nvSpPr>
-      <dsp:spPr>
-        <a:xfrm>
-          <a:off x="2074" y="142692"/>
-          <a:ext cx="1846259" cy="738503"/>
-        </a:xfrm>
-        <a:prstGeom prst="chevron">
-          <a:avLst/>
-        </a:prstGeom>
-        <a:solidFill>
-          <a:srgbClr val="00B050"/>
-        </a:solidFill>
-        <a:ln w="28575" cap="flat" cmpd="sng" algn="ctr">
-          <a:solidFill>
-            <a:schemeClr val="lt1">
-              <a:hueOff val="0"/>
-              <a:satOff val="0"/>
-              <a:lumOff val="0"/>
-              <a:alphaOff val="0"/>
-            </a:schemeClr>
-          </a:solidFill>
-          <a:prstDash val="solid"/>
-        </a:ln>
-        <a:effectLst/>
-      </dsp:spPr>
-      <dsp:style>
-        <a:lnRef idx="2">
-          <a:scrgbClr r="0" g="0" b="0"/>
-        </a:lnRef>
-        <a:fillRef idx="1">
-          <a:scrgbClr r="0" g="0" b="0"/>
-        </a:fillRef>
-        <a:effectRef idx="0">
-          <a:scrgbClr r="0" g="0" b="0"/>
-        </a:effectRef>
-        <a:fontRef idx="minor">
-          <a:schemeClr val="lt1"/>
-        </a:fontRef>
-      </dsp:style>
-      <dsp:txBody>
-        <a:bodyPr spcFirstLastPara="0" vert="horz" wrap="square" lIns="52007" tIns="17336" rIns="17336" bIns="17336" numCol="1" spcCol="1270" anchor="ctr" anchorCtr="0">
-          <a:noAutofit/>
-        </a:bodyPr>
-        <a:lstStyle/>
-        <a:p>
-          <a:pPr lvl="0" algn="ctr" defTabSz="577850">
-            <a:lnSpc>
-              <a:spcPct val="90000"/>
-            </a:lnSpc>
-            <a:spcBef>
-              <a:spcPct val="0"/>
-            </a:spcBef>
-            <a:spcAft>
-              <a:spcPct val="35000"/>
-            </a:spcAft>
-          </a:pPr>
-          <a:r>
-            <a:rPr lang="pt-BR" sz="1300" kern="1200" dirty="0" smtClean="0"/>
-            <a:t>Alerta </a:t>
-          </a:r>
-          <a:endParaRPr lang="pt-BR" sz="1300" kern="1200" dirty="0"/>
-        </a:p>
-      </dsp:txBody>
-      <dsp:txXfrm>
-        <a:off x="371326" y="142692"/>
-        <a:ext cx="1107756" cy="738503"/>
-      </dsp:txXfrm>
-    </dsp:sp>
-    <dsp:sp modelId="{0E54B96F-FCDA-4811-9652-44BD62A0423B}">
-      <dsp:nvSpPr>
-        <dsp:cNvPr id="0" name=""/>
-        <dsp:cNvSpPr/>
-      </dsp:nvSpPr>
-      <dsp:spPr>
-        <a:xfrm>
-          <a:off x="1663708" y="142692"/>
-          <a:ext cx="1846259" cy="738503"/>
-        </a:xfrm>
-        <a:prstGeom prst="chevron">
-          <a:avLst/>
-        </a:prstGeom>
-        <a:solidFill>
-          <a:srgbClr val="00B050"/>
-        </a:solidFill>
-        <a:ln w="28575" cap="flat" cmpd="sng" algn="ctr">
-          <a:solidFill>
-            <a:schemeClr val="lt1">
-              <a:hueOff val="0"/>
-              <a:satOff val="0"/>
-              <a:lumOff val="0"/>
-              <a:alphaOff val="0"/>
-            </a:schemeClr>
-          </a:solidFill>
-          <a:prstDash val="solid"/>
-        </a:ln>
-        <a:effectLst/>
-      </dsp:spPr>
-      <dsp:style>
-        <a:lnRef idx="2">
-          <a:scrgbClr r="0" g="0" b="0"/>
-        </a:lnRef>
-        <a:fillRef idx="1">
-          <a:scrgbClr r="0" g="0" b="0"/>
-        </a:fillRef>
-        <a:effectRef idx="0">
-          <a:scrgbClr r="0" g="0" b="0"/>
-        </a:effectRef>
-        <a:fontRef idx="minor">
-          <a:schemeClr val="lt1"/>
-        </a:fontRef>
-      </dsp:style>
-      <dsp:txBody>
-        <a:bodyPr spcFirstLastPara="0" vert="horz" wrap="square" lIns="52007" tIns="17336" rIns="17336" bIns="17336" numCol="1" spcCol="1270" anchor="ctr" anchorCtr="0">
-          <a:noAutofit/>
-        </a:bodyPr>
-        <a:lstStyle/>
-        <a:p>
-          <a:pPr lvl="0" algn="ctr" defTabSz="577850">
-            <a:lnSpc>
-              <a:spcPct val="90000"/>
-            </a:lnSpc>
-            <a:spcBef>
-              <a:spcPct val="0"/>
-            </a:spcBef>
-            <a:spcAft>
-              <a:spcPct val="35000"/>
-            </a:spcAft>
-          </a:pPr>
-          <a:r>
-            <a:rPr lang="pt-BR" sz="1300" kern="1200" dirty="0" smtClean="0"/>
-            <a:t>Decisão </a:t>
-          </a:r>
-          <a:endParaRPr lang="pt-BR" sz="1300" kern="1200" dirty="0"/>
-        </a:p>
-      </dsp:txBody>
-      <dsp:txXfrm>
-        <a:off x="2032960" y="142692"/>
-        <a:ext cx="1107756" cy="738503"/>
-      </dsp:txXfrm>
-    </dsp:sp>
-    <dsp:sp modelId="{138F2E86-935B-4AAB-80A0-A8E3FB8514BE}">
-      <dsp:nvSpPr>
-        <dsp:cNvPr id="0" name=""/>
-        <dsp:cNvSpPr/>
-      </dsp:nvSpPr>
-      <dsp:spPr>
-        <a:xfrm>
-          <a:off x="3402179" y="144013"/>
-          <a:ext cx="1846259" cy="738503"/>
-        </a:xfrm>
-        <a:prstGeom prst="chevron">
-          <a:avLst/>
-        </a:prstGeom>
-        <a:solidFill>
-          <a:srgbClr val="FFC000"/>
-        </a:solidFill>
-        <a:ln w="28575" cap="flat" cmpd="sng" algn="ctr">
-          <a:solidFill>
-            <a:schemeClr val="lt1">
-              <a:hueOff val="0"/>
-              <a:satOff val="0"/>
-              <a:lumOff val="0"/>
-              <a:alphaOff val="0"/>
-            </a:schemeClr>
-          </a:solidFill>
-          <a:prstDash val="solid"/>
-        </a:ln>
-        <a:effectLst/>
-      </dsp:spPr>
-      <dsp:style>
-        <a:lnRef idx="2">
-          <a:scrgbClr r="0" g="0" b="0"/>
-        </a:lnRef>
-        <a:fillRef idx="1">
-          <a:scrgbClr r="0" g="0" b="0"/>
-        </a:fillRef>
-        <a:effectRef idx="0">
-          <a:scrgbClr r="0" g="0" b="0"/>
-        </a:effectRef>
-        <a:fontRef idx="minor">
-          <a:schemeClr val="lt1"/>
-        </a:fontRef>
-      </dsp:style>
-      <dsp:txBody>
-        <a:bodyPr spcFirstLastPara="0" vert="horz" wrap="square" lIns="52007" tIns="17336" rIns="17336" bIns="17336" numCol="1" spcCol="1270" anchor="ctr" anchorCtr="0">
-          <a:noAutofit/>
-        </a:bodyPr>
-        <a:lstStyle/>
-        <a:p>
-          <a:pPr lvl="0" algn="ctr" defTabSz="577850">
-            <a:lnSpc>
-              <a:spcPct val="90000"/>
-            </a:lnSpc>
-            <a:spcBef>
-              <a:spcPct val="0"/>
-            </a:spcBef>
-            <a:spcAft>
-              <a:spcPct val="35000"/>
-            </a:spcAft>
-          </a:pPr>
-          <a:r>
-            <a:rPr lang="pt-BR" sz="1300" kern="1200" dirty="0" smtClean="0"/>
-            <a:t>Objetivo</a:t>
-          </a:r>
-          <a:endParaRPr lang="pt-BR" sz="1300" kern="1200" dirty="0"/>
-        </a:p>
-      </dsp:txBody>
-      <dsp:txXfrm>
-        <a:off x="3771431" y="144013"/>
-        <a:ext cx="1107756" cy="738503"/>
-      </dsp:txXfrm>
-    </dsp:sp>
-    <dsp:sp modelId="{036DEDB6-3F7D-4265-9536-70444E0F43C5}">
-      <dsp:nvSpPr>
-        <dsp:cNvPr id="0" name=""/>
-        <dsp:cNvSpPr/>
-      </dsp:nvSpPr>
-      <dsp:spPr>
-        <a:xfrm>
-          <a:off x="4986975" y="142692"/>
-          <a:ext cx="1846259" cy="738503"/>
-        </a:xfrm>
-        <a:prstGeom prst="chevron">
-          <a:avLst/>
-        </a:prstGeom>
-        <a:solidFill>
-          <a:srgbClr val="FFC000"/>
-        </a:solidFill>
-        <a:ln w="28575" cap="flat" cmpd="sng" algn="ctr">
-          <a:solidFill>
-            <a:schemeClr val="lt1">
-              <a:hueOff val="0"/>
-              <a:satOff val="0"/>
-              <a:lumOff val="0"/>
-              <a:alphaOff val="0"/>
-            </a:schemeClr>
-          </a:solidFill>
-          <a:prstDash val="solid"/>
-        </a:ln>
-        <a:effectLst/>
-      </dsp:spPr>
-      <dsp:style>
-        <a:lnRef idx="2">
-          <a:scrgbClr r="0" g="0" b="0"/>
-        </a:lnRef>
-        <a:fillRef idx="1">
-          <a:scrgbClr r="0" g="0" b="0"/>
-        </a:fillRef>
-        <a:effectRef idx="0">
-          <a:scrgbClr r="0" g="0" b="0"/>
-        </a:effectRef>
-        <a:fontRef idx="minor">
-          <a:schemeClr val="lt1"/>
-        </a:fontRef>
-      </dsp:style>
-      <dsp:txBody>
-        <a:bodyPr spcFirstLastPara="0" vert="horz" wrap="square" lIns="52007" tIns="17336" rIns="17336" bIns="17336" numCol="1" spcCol="1270" anchor="ctr" anchorCtr="0">
-          <a:noAutofit/>
-        </a:bodyPr>
-        <a:lstStyle/>
-        <a:p>
-          <a:pPr lvl="0" algn="ctr" defTabSz="577850">
-            <a:lnSpc>
-              <a:spcPct val="90000"/>
-            </a:lnSpc>
-            <a:spcBef>
-              <a:spcPct val="0"/>
-            </a:spcBef>
-            <a:spcAft>
-              <a:spcPct val="35000"/>
-            </a:spcAft>
-          </a:pPr>
-          <a:r>
-            <a:rPr lang="pt-BR" sz="1300" kern="1200" dirty="0" smtClean="0"/>
-            <a:t>Configuração </a:t>
-          </a:r>
-          <a:endParaRPr lang="pt-BR" sz="1300" kern="1200" dirty="0"/>
-        </a:p>
-      </dsp:txBody>
-      <dsp:txXfrm>
-        <a:off x="5356227" y="142692"/>
-        <a:ext cx="1107756" cy="738503"/>
-      </dsp:txXfrm>
-    </dsp:sp>
-    <dsp:sp modelId="{884F73D8-A1DD-409F-B35B-3D4A5D42189F}">
-      <dsp:nvSpPr>
-        <dsp:cNvPr id="0" name=""/>
-        <dsp:cNvSpPr/>
-      </dsp:nvSpPr>
-      <dsp:spPr>
-        <a:xfrm>
-          <a:off x="6648609" y="142692"/>
-          <a:ext cx="1846259" cy="738503"/>
-        </a:xfrm>
-        <a:prstGeom prst="chevron">
-          <a:avLst/>
-        </a:prstGeom>
-        <a:solidFill>
-          <a:srgbClr val="00B050"/>
-        </a:solidFill>
-        <a:ln w="28575" cap="flat" cmpd="sng" algn="ctr">
-          <a:solidFill>
-            <a:schemeClr val="lt1">
-              <a:hueOff val="0"/>
-              <a:satOff val="0"/>
-              <a:lumOff val="0"/>
-              <a:alphaOff val="0"/>
-            </a:schemeClr>
-          </a:solidFill>
-          <a:prstDash val="solid"/>
-        </a:ln>
-        <a:effectLst/>
-      </dsp:spPr>
-      <dsp:style>
-        <a:lnRef idx="2">
-          <a:scrgbClr r="0" g="0" b="0"/>
-        </a:lnRef>
-        <a:fillRef idx="1">
-          <a:scrgbClr r="0" g="0" b="0"/>
-        </a:fillRef>
-        <a:effectRef idx="0">
-          <a:scrgbClr r="0" g="0" b="0"/>
-        </a:effectRef>
-        <a:fontRef idx="minor">
-          <a:schemeClr val="lt1"/>
-        </a:fontRef>
-      </dsp:style>
-      <dsp:txBody>
-        <a:bodyPr spcFirstLastPara="0" vert="horz" wrap="square" lIns="52007" tIns="17336" rIns="17336" bIns="17336" numCol="1" spcCol="1270" anchor="ctr" anchorCtr="0">
-          <a:noAutofit/>
-        </a:bodyPr>
-        <a:lstStyle/>
-        <a:p>
-          <a:pPr lvl="0" algn="ctr" defTabSz="577850">
-            <a:lnSpc>
-              <a:spcPct val="90000"/>
-            </a:lnSpc>
-            <a:spcBef>
-              <a:spcPct val="0"/>
-            </a:spcBef>
-            <a:spcAft>
-              <a:spcPct val="35000"/>
-            </a:spcAft>
-          </a:pPr>
-          <a:r>
-            <a:rPr lang="pt-BR" sz="1300" kern="1200" dirty="0" smtClean="0"/>
-            <a:t>Ação</a:t>
-          </a:r>
-          <a:endParaRPr lang="pt-BR" sz="1300" kern="1200" dirty="0"/>
-        </a:p>
-      </dsp:txBody>
-      <dsp:txXfrm>
-        <a:off x="7017861" y="142692"/>
-        <a:ext cx="1107756" cy="738503"/>
-      </dsp:txXfrm>
-    </dsp:sp>
   </dsp:spTree>
 </dsp:drawing>
 </file>
@@ -14554,1467 +12701,6 @@
       <dsp:cNvGrpSpPr/>
     </dsp:nvGrpSpPr>
     <dsp:grpSpPr/>
-    <dsp:sp modelId="{1B027B00-893D-4199-B75D-A9C03757194C}">
-      <dsp:nvSpPr>
-        <dsp:cNvPr id="0" name=""/>
-        <dsp:cNvSpPr/>
-      </dsp:nvSpPr>
-      <dsp:spPr>
-        <a:xfrm>
-          <a:off x="100326" y="1610148"/>
-          <a:ext cx="1385821" cy="456691"/>
-        </a:xfrm>
-        <a:prstGeom prst="rect">
-          <a:avLst/>
-        </a:prstGeom>
-        <a:noFill/>
-        <a:ln>
-          <a:noFill/>
-        </a:ln>
-        <a:effectLst/>
-      </dsp:spPr>
-      <dsp:style>
-        <a:lnRef idx="0">
-          <a:scrgbClr r="0" g="0" b="0"/>
-        </a:lnRef>
-        <a:fillRef idx="0">
-          <a:scrgbClr r="0" g="0" b="0"/>
-        </a:fillRef>
-        <a:effectRef idx="0">
-          <a:scrgbClr r="0" g="0" b="0"/>
-        </a:effectRef>
-        <a:fontRef idx="minor"/>
-      </dsp:style>
-      <dsp:txBody>
-        <a:bodyPr spcFirstLastPara="0" vert="horz" wrap="square" lIns="20320" tIns="20320" rIns="20320" bIns="20320" numCol="1" spcCol="1270" anchor="ctr" anchorCtr="0">
-          <a:noAutofit/>
-        </a:bodyPr>
-        <a:lstStyle/>
-        <a:p>
-          <a:pPr lvl="0" algn="ctr" defTabSz="711200">
-            <a:lnSpc>
-              <a:spcPct val="90000"/>
-            </a:lnSpc>
-            <a:spcBef>
-              <a:spcPct val="0"/>
-            </a:spcBef>
-            <a:spcAft>
-              <a:spcPct val="35000"/>
-            </a:spcAft>
-          </a:pPr>
-          <a:r>
-            <a:rPr lang="pt-BR" sz="1600" b="1" kern="1200" dirty="0" smtClean="0">
-              <a:solidFill>
-                <a:srgbClr val="7030A0"/>
-              </a:solidFill>
-            </a:rPr>
-            <a:t>Vínculo acadêmico</a:t>
-          </a:r>
-          <a:endParaRPr lang="pt-BR" sz="1600" b="1" kern="1200" dirty="0">
-            <a:solidFill>
-              <a:srgbClr val="7030A0"/>
-            </a:solidFill>
-          </a:endParaRPr>
-        </a:p>
-      </dsp:txBody>
-      <dsp:txXfrm>
-        <a:off x="100326" y="1610148"/>
-        <a:ext cx="1385821" cy="456691"/>
-      </dsp:txXfrm>
-    </dsp:sp>
-    <dsp:sp modelId="{00580EB5-6E14-41C9-BAE4-5D9B53114EEE}">
-      <dsp:nvSpPr>
-        <dsp:cNvPr id="0" name=""/>
-        <dsp:cNvSpPr/>
-      </dsp:nvSpPr>
-      <dsp:spPr>
-        <a:xfrm>
-          <a:off x="98751" y="1471251"/>
-          <a:ext cx="110235" cy="110235"/>
-        </a:xfrm>
-        <a:prstGeom prst="ellipse">
-          <a:avLst/>
-        </a:prstGeom>
-        <a:solidFill>
-          <a:schemeClr val="accent3">
-            <a:hueOff val="0"/>
-            <a:satOff val="0"/>
-            <a:lumOff val="0"/>
-            <a:alphaOff val="0"/>
-          </a:schemeClr>
-        </a:solidFill>
-        <a:ln>
-          <a:noFill/>
-        </a:ln>
-        <a:effectLst/>
-        <a:sp3d extrusionH="381000" contourW="38100" prstMaterial="matte">
-          <a:contourClr>
-            <a:schemeClr val="lt1"/>
-          </a:contourClr>
-        </a:sp3d>
-      </dsp:spPr>
-      <dsp:style>
-        <a:lnRef idx="0">
-          <a:scrgbClr r="0" g="0" b="0"/>
-        </a:lnRef>
-        <a:fillRef idx="1">
-          <a:scrgbClr r="0" g="0" b="0"/>
-        </a:fillRef>
-        <a:effectRef idx="0">
-          <a:scrgbClr r="0" g="0" b="0"/>
-        </a:effectRef>
-        <a:fontRef idx="minor">
-          <a:schemeClr val="lt1"/>
-        </a:fontRef>
-      </dsp:style>
-    </dsp:sp>
-    <dsp:sp modelId="{4448610D-4D4D-41F4-890F-69C4D3D935FC}">
-      <dsp:nvSpPr>
-        <dsp:cNvPr id="0" name=""/>
-        <dsp:cNvSpPr/>
-      </dsp:nvSpPr>
-      <dsp:spPr>
-        <a:xfrm>
-          <a:off x="175916" y="1316921"/>
-          <a:ext cx="110235" cy="110235"/>
-        </a:xfrm>
-        <a:prstGeom prst="ellipse">
-          <a:avLst/>
-        </a:prstGeom>
-        <a:solidFill>
-          <a:schemeClr val="accent3">
-            <a:hueOff val="8"/>
-            <a:satOff val="-2792"/>
-            <a:lumOff val="-654"/>
-            <a:alphaOff val="0"/>
-          </a:schemeClr>
-        </a:solidFill>
-        <a:ln>
-          <a:noFill/>
-        </a:ln>
-        <a:effectLst/>
-        <a:sp3d extrusionH="381000" contourW="38100" prstMaterial="matte">
-          <a:contourClr>
-            <a:schemeClr val="lt1"/>
-          </a:contourClr>
-        </a:sp3d>
-      </dsp:spPr>
-      <dsp:style>
-        <a:lnRef idx="0">
-          <a:scrgbClr r="0" g="0" b="0"/>
-        </a:lnRef>
-        <a:fillRef idx="1">
-          <a:scrgbClr r="0" g="0" b="0"/>
-        </a:fillRef>
-        <a:effectRef idx="0">
-          <a:scrgbClr r="0" g="0" b="0"/>
-        </a:effectRef>
-        <a:fontRef idx="minor">
-          <a:schemeClr val="lt1"/>
-        </a:fontRef>
-      </dsp:style>
-    </dsp:sp>
-    <dsp:sp modelId="{E00C693B-520F-47D0-BF8F-47A0DB9CF440}">
-      <dsp:nvSpPr>
-        <dsp:cNvPr id="0" name=""/>
-        <dsp:cNvSpPr/>
-      </dsp:nvSpPr>
-      <dsp:spPr>
-        <a:xfrm>
-          <a:off x="361112" y="1347787"/>
-          <a:ext cx="173227" cy="173227"/>
-        </a:xfrm>
-        <a:prstGeom prst="ellipse">
-          <a:avLst/>
-        </a:prstGeom>
-        <a:solidFill>
-          <a:schemeClr val="accent3">
-            <a:hueOff val="15"/>
-            <a:satOff val="-5585"/>
-            <a:lumOff val="-1307"/>
-            <a:alphaOff val="0"/>
-          </a:schemeClr>
-        </a:solidFill>
-        <a:ln>
-          <a:noFill/>
-        </a:ln>
-        <a:effectLst/>
-        <a:sp3d extrusionH="381000" contourW="38100" prstMaterial="matte">
-          <a:contourClr>
-            <a:schemeClr val="lt1"/>
-          </a:contourClr>
-        </a:sp3d>
-      </dsp:spPr>
-      <dsp:style>
-        <a:lnRef idx="0">
-          <a:scrgbClr r="0" g="0" b="0"/>
-        </a:lnRef>
-        <a:fillRef idx="1">
-          <a:scrgbClr r="0" g="0" b="0"/>
-        </a:fillRef>
-        <a:effectRef idx="0">
-          <a:scrgbClr r="0" g="0" b="0"/>
-        </a:effectRef>
-        <a:fontRef idx="minor">
-          <a:schemeClr val="lt1"/>
-        </a:fontRef>
-      </dsp:style>
-    </dsp:sp>
-    <dsp:sp modelId="{2069A35E-31CE-4145-B4C3-65945DAC45DF}">
-      <dsp:nvSpPr>
-        <dsp:cNvPr id="0" name=""/>
-        <dsp:cNvSpPr/>
-      </dsp:nvSpPr>
-      <dsp:spPr>
-        <a:xfrm>
-          <a:off x="515442" y="1178024"/>
-          <a:ext cx="110235" cy="110235"/>
-        </a:xfrm>
-        <a:prstGeom prst="ellipse">
-          <a:avLst/>
-        </a:prstGeom>
-        <a:solidFill>
-          <a:schemeClr val="accent3">
-            <a:hueOff val="23"/>
-            <a:satOff val="-8377"/>
-            <a:lumOff val="-1961"/>
-            <a:alphaOff val="0"/>
-          </a:schemeClr>
-        </a:solidFill>
-        <a:ln>
-          <a:noFill/>
-        </a:ln>
-        <a:effectLst/>
-        <a:sp3d extrusionH="381000" contourW="38100" prstMaterial="matte">
-          <a:contourClr>
-            <a:schemeClr val="lt1"/>
-          </a:contourClr>
-        </a:sp3d>
-      </dsp:spPr>
-      <dsp:style>
-        <a:lnRef idx="0">
-          <a:scrgbClr r="0" g="0" b="0"/>
-        </a:lnRef>
-        <a:fillRef idx="1">
-          <a:scrgbClr r="0" g="0" b="0"/>
-        </a:fillRef>
-        <a:effectRef idx="0">
-          <a:scrgbClr r="0" g="0" b="0"/>
-        </a:effectRef>
-        <a:fontRef idx="minor">
-          <a:schemeClr val="lt1"/>
-        </a:fontRef>
-      </dsp:style>
-    </dsp:sp>
-    <dsp:sp modelId="{02060C2B-6DFE-469B-955E-1286E3332045}">
-      <dsp:nvSpPr>
-        <dsp:cNvPr id="0" name=""/>
-        <dsp:cNvSpPr/>
-      </dsp:nvSpPr>
-      <dsp:spPr>
-        <a:xfrm>
-          <a:off x="716072" y="1116292"/>
-          <a:ext cx="110235" cy="110235"/>
-        </a:xfrm>
-        <a:prstGeom prst="ellipse">
-          <a:avLst/>
-        </a:prstGeom>
-        <a:solidFill>
-          <a:schemeClr val="accent3">
-            <a:hueOff val="30"/>
-            <a:satOff val="-11169"/>
-            <a:lumOff val="-2615"/>
-            <a:alphaOff val="0"/>
-          </a:schemeClr>
-        </a:solidFill>
-        <a:ln>
-          <a:noFill/>
-        </a:ln>
-        <a:effectLst/>
-        <a:sp3d extrusionH="381000" contourW="38100" prstMaterial="matte">
-          <a:contourClr>
-            <a:schemeClr val="lt1"/>
-          </a:contourClr>
-        </a:sp3d>
-      </dsp:spPr>
-      <dsp:style>
-        <a:lnRef idx="0">
-          <a:scrgbClr r="0" g="0" b="0"/>
-        </a:lnRef>
-        <a:fillRef idx="1">
-          <a:scrgbClr r="0" g="0" b="0"/>
-        </a:fillRef>
-        <a:effectRef idx="0">
-          <a:scrgbClr r="0" g="0" b="0"/>
-        </a:effectRef>
-        <a:fontRef idx="minor">
-          <a:schemeClr val="lt1"/>
-        </a:fontRef>
-      </dsp:style>
-    </dsp:sp>
-    <dsp:sp modelId="{4A3BB8EA-5318-4840-908C-4C12AD3258F5}">
-      <dsp:nvSpPr>
-        <dsp:cNvPr id="0" name=""/>
-        <dsp:cNvSpPr/>
-      </dsp:nvSpPr>
-      <dsp:spPr>
-        <a:xfrm>
-          <a:off x="963000" y="1224323"/>
-          <a:ext cx="110235" cy="110235"/>
-        </a:xfrm>
-        <a:prstGeom prst="ellipse">
-          <a:avLst/>
-        </a:prstGeom>
-        <a:solidFill>
-          <a:schemeClr val="accent3">
-            <a:hueOff val="38"/>
-            <a:satOff val="-13962"/>
-            <a:lumOff val="-3268"/>
-            <a:alphaOff val="0"/>
-          </a:schemeClr>
-        </a:solidFill>
-        <a:ln>
-          <a:noFill/>
-        </a:ln>
-        <a:effectLst/>
-        <a:sp3d extrusionH="381000" contourW="38100" prstMaterial="matte">
-          <a:contourClr>
-            <a:schemeClr val="lt1"/>
-          </a:contourClr>
-        </a:sp3d>
-      </dsp:spPr>
-      <dsp:style>
-        <a:lnRef idx="0">
-          <a:scrgbClr r="0" g="0" b="0"/>
-        </a:lnRef>
-        <a:fillRef idx="1">
-          <a:scrgbClr r="0" g="0" b="0"/>
-        </a:fillRef>
-        <a:effectRef idx="0">
-          <a:scrgbClr r="0" g="0" b="0"/>
-        </a:effectRef>
-        <a:fontRef idx="minor">
-          <a:schemeClr val="lt1"/>
-        </a:fontRef>
-      </dsp:style>
-    </dsp:sp>
-    <dsp:sp modelId="{8CBDDA7E-4803-4C44-99D4-124C240D06E5}">
-      <dsp:nvSpPr>
-        <dsp:cNvPr id="0" name=""/>
-        <dsp:cNvSpPr/>
-      </dsp:nvSpPr>
-      <dsp:spPr>
-        <a:xfrm>
-          <a:off x="1117330" y="1301488"/>
-          <a:ext cx="173227" cy="173227"/>
-        </a:xfrm>
-        <a:prstGeom prst="ellipse">
-          <a:avLst/>
-        </a:prstGeom>
-        <a:solidFill>
-          <a:schemeClr val="accent3">
-            <a:hueOff val="46"/>
-            <a:satOff val="-16754"/>
-            <a:lumOff val="-3922"/>
-            <a:alphaOff val="0"/>
-          </a:schemeClr>
-        </a:solidFill>
-        <a:ln>
-          <a:noFill/>
-        </a:ln>
-        <a:effectLst/>
-        <a:sp3d extrusionH="381000" contourW="38100" prstMaterial="matte">
-          <a:contourClr>
-            <a:schemeClr val="lt1"/>
-          </a:contourClr>
-        </a:sp3d>
-      </dsp:spPr>
-      <dsp:style>
-        <a:lnRef idx="0">
-          <a:scrgbClr r="0" g="0" b="0"/>
-        </a:lnRef>
-        <a:fillRef idx="1">
-          <a:scrgbClr r="0" g="0" b="0"/>
-        </a:fillRef>
-        <a:effectRef idx="0">
-          <a:scrgbClr r="0" g="0" b="0"/>
-        </a:effectRef>
-        <a:fontRef idx="minor">
-          <a:schemeClr val="lt1"/>
-        </a:fontRef>
-      </dsp:style>
-    </dsp:sp>
-    <dsp:sp modelId="{A8EDFAC4-0083-41BA-8FB4-0FBD5B49C7E9}">
-      <dsp:nvSpPr>
-        <dsp:cNvPr id="0" name=""/>
-        <dsp:cNvSpPr/>
-      </dsp:nvSpPr>
-      <dsp:spPr>
-        <a:xfrm>
-          <a:off x="1333392" y="1471251"/>
-          <a:ext cx="110235" cy="110235"/>
-        </a:xfrm>
-        <a:prstGeom prst="ellipse">
-          <a:avLst/>
-        </a:prstGeom>
-        <a:solidFill>
-          <a:schemeClr val="accent3">
-            <a:hueOff val="53"/>
-            <a:satOff val="-19546"/>
-            <a:lumOff val="-4576"/>
-            <a:alphaOff val="0"/>
-          </a:schemeClr>
-        </a:solidFill>
-        <a:ln>
-          <a:noFill/>
-        </a:ln>
-        <a:effectLst/>
-        <a:sp3d extrusionH="381000" contourW="38100" prstMaterial="matte">
-          <a:contourClr>
-            <a:schemeClr val="lt1"/>
-          </a:contourClr>
-        </a:sp3d>
-      </dsp:spPr>
-      <dsp:style>
-        <a:lnRef idx="0">
-          <a:scrgbClr r="0" g="0" b="0"/>
-        </a:lnRef>
-        <a:fillRef idx="1">
-          <a:scrgbClr r="0" g="0" b="0"/>
-        </a:fillRef>
-        <a:effectRef idx="0">
-          <a:scrgbClr r="0" g="0" b="0"/>
-        </a:effectRef>
-        <a:fontRef idx="minor">
-          <a:schemeClr val="lt1"/>
-        </a:fontRef>
-      </dsp:style>
-    </dsp:sp>
-    <dsp:sp modelId="{F0E3306D-5F74-47EC-AD44-C46708318CFD}">
-      <dsp:nvSpPr>
-        <dsp:cNvPr id="0" name=""/>
-        <dsp:cNvSpPr/>
-      </dsp:nvSpPr>
-      <dsp:spPr>
-        <a:xfrm>
-          <a:off x="1425990" y="1641014"/>
-          <a:ext cx="110235" cy="110235"/>
-        </a:xfrm>
-        <a:prstGeom prst="ellipse">
-          <a:avLst/>
-        </a:prstGeom>
-        <a:solidFill>
-          <a:schemeClr val="accent3">
-            <a:hueOff val="61"/>
-            <a:satOff val="-22339"/>
-            <a:lumOff val="-5229"/>
-            <a:alphaOff val="0"/>
-          </a:schemeClr>
-        </a:solidFill>
-        <a:ln>
-          <a:noFill/>
-        </a:ln>
-        <a:effectLst/>
-        <a:sp3d extrusionH="381000" contourW="38100" prstMaterial="matte">
-          <a:contourClr>
-            <a:schemeClr val="lt1"/>
-          </a:contourClr>
-        </a:sp3d>
-      </dsp:spPr>
-      <dsp:style>
-        <a:lnRef idx="0">
-          <a:scrgbClr r="0" g="0" b="0"/>
-        </a:lnRef>
-        <a:fillRef idx="1">
-          <a:scrgbClr r="0" g="0" b="0"/>
-        </a:fillRef>
-        <a:effectRef idx="0">
-          <a:scrgbClr r="0" g="0" b="0"/>
-        </a:effectRef>
-        <a:fontRef idx="minor">
-          <a:schemeClr val="lt1"/>
-        </a:fontRef>
-      </dsp:style>
-    </dsp:sp>
-    <dsp:sp modelId="{46AAA524-6750-4A40-81BB-1CA9ABF48930}">
-      <dsp:nvSpPr>
-        <dsp:cNvPr id="0" name=""/>
-        <dsp:cNvSpPr/>
-      </dsp:nvSpPr>
-      <dsp:spPr>
-        <a:xfrm>
-          <a:off x="623473" y="1316921"/>
-          <a:ext cx="283463" cy="283463"/>
-        </a:xfrm>
-        <a:prstGeom prst="ellipse">
-          <a:avLst/>
-        </a:prstGeom>
-        <a:solidFill>
-          <a:schemeClr val="accent3">
-            <a:hueOff val="68"/>
-            <a:satOff val="-25131"/>
-            <a:lumOff val="-5883"/>
-            <a:alphaOff val="0"/>
-          </a:schemeClr>
-        </a:solidFill>
-        <a:ln>
-          <a:noFill/>
-        </a:ln>
-        <a:effectLst/>
-        <a:sp3d extrusionH="381000" contourW="38100" prstMaterial="matte">
-          <a:contourClr>
-            <a:schemeClr val="lt1"/>
-          </a:contourClr>
-        </a:sp3d>
-      </dsp:spPr>
-      <dsp:style>
-        <a:lnRef idx="0">
-          <a:scrgbClr r="0" g="0" b="0"/>
-        </a:lnRef>
-        <a:fillRef idx="1">
-          <a:scrgbClr r="0" g="0" b="0"/>
-        </a:fillRef>
-        <a:effectRef idx="0">
-          <a:scrgbClr r="0" g="0" b="0"/>
-        </a:effectRef>
-        <a:fontRef idx="minor">
-          <a:schemeClr val="lt1"/>
-        </a:fontRef>
-      </dsp:style>
-    </dsp:sp>
-    <dsp:sp modelId="{4D92DDD5-8D64-4B0E-9FA3-4E4AE1700A15}">
-      <dsp:nvSpPr>
-        <dsp:cNvPr id="0" name=""/>
-        <dsp:cNvSpPr/>
-      </dsp:nvSpPr>
-      <dsp:spPr>
-        <a:xfrm>
-          <a:off x="21586" y="1903375"/>
-          <a:ext cx="110235" cy="110235"/>
-        </a:xfrm>
-        <a:prstGeom prst="ellipse">
-          <a:avLst/>
-        </a:prstGeom>
-        <a:solidFill>
-          <a:schemeClr val="accent3">
-            <a:hueOff val="76"/>
-            <a:satOff val="-27923"/>
-            <a:lumOff val="-6537"/>
-            <a:alphaOff val="0"/>
-          </a:schemeClr>
-        </a:solidFill>
-        <a:ln>
-          <a:noFill/>
-        </a:ln>
-        <a:effectLst/>
-        <a:sp3d extrusionH="381000" contourW="38100" prstMaterial="matte">
-          <a:contourClr>
-            <a:schemeClr val="lt1"/>
-          </a:contourClr>
-        </a:sp3d>
-      </dsp:spPr>
-      <dsp:style>
-        <a:lnRef idx="0">
-          <a:scrgbClr r="0" g="0" b="0"/>
-        </a:lnRef>
-        <a:fillRef idx="1">
-          <a:scrgbClr r="0" g="0" b="0"/>
-        </a:fillRef>
-        <a:effectRef idx="0">
-          <a:scrgbClr r="0" g="0" b="0"/>
-        </a:effectRef>
-        <a:fontRef idx="minor">
-          <a:schemeClr val="lt1"/>
-        </a:fontRef>
-      </dsp:style>
-    </dsp:sp>
-    <dsp:sp modelId="{91772DB1-3A7D-4EA5-81A7-86DAFFF585F2}">
-      <dsp:nvSpPr>
-        <dsp:cNvPr id="0" name=""/>
-        <dsp:cNvSpPr/>
-      </dsp:nvSpPr>
-      <dsp:spPr>
-        <a:xfrm>
-          <a:off x="114184" y="2042272"/>
-          <a:ext cx="173227" cy="173227"/>
-        </a:xfrm>
-        <a:prstGeom prst="ellipse">
-          <a:avLst/>
-        </a:prstGeom>
-        <a:solidFill>
-          <a:schemeClr val="accent3">
-            <a:hueOff val="84"/>
-            <a:satOff val="-30716"/>
-            <a:lumOff val="-7190"/>
-            <a:alphaOff val="0"/>
-          </a:schemeClr>
-        </a:solidFill>
-        <a:ln>
-          <a:noFill/>
-        </a:ln>
-        <a:effectLst/>
-        <a:sp3d extrusionH="381000" contourW="38100" prstMaterial="matte">
-          <a:contourClr>
-            <a:schemeClr val="lt1"/>
-          </a:contourClr>
-        </a:sp3d>
-      </dsp:spPr>
-      <dsp:style>
-        <a:lnRef idx="0">
-          <a:scrgbClr r="0" g="0" b="0"/>
-        </a:lnRef>
-        <a:fillRef idx="1">
-          <a:scrgbClr r="0" g="0" b="0"/>
-        </a:fillRef>
-        <a:effectRef idx="0">
-          <a:scrgbClr r="0" g="0" b="0"/>
-        </a:effectRef>
-        <a:fontRef idx="minor">
-          <a:schemeClr val="lt1"/>
-        </a:fontRef>
-      </dsp:style>
-    </dsp:sp>
-    <dsp:sp modelId="{3E862664-DC2C-4985-B968-AD77D73F8587}">
-      <dsp:nvSpPr>
-        <dsp:cNvPr id="0" name=""/>
-        <dsp:cNvSpPr/>
-      </dsp:nvSpPr>
-      <dsp:spPr>
-        <a:xfrm>
-          <a:off x="345679" y="2165737"/>
-          <a:ext cx="251967" cy="251967"/>
-        </a:xfrm>
-        <a:prstGeom prst="ellipse">
-          <a:avLst/>
-        </a:prstGeom>
-        <a:solidFill>
-          <a:schemeClr val="accent3">
-            <a:hueOff val="91"/>
-            <a:satOff val="-33508"/>
-            <a:lumOff val="-7844"/>
-            <a:alphaOff val="0"/>
-          </a:schemeClr>
-        </a:solidFill>
-        <a:ln>
-          <a:noFill/>
-        </a:ln>
-        <a:effectLst/>
-        <a:sp3d extrusionH="381000" contourW="38100" prstMaterial="matte">
-          <a:contourClr>
-            <a:schemeClr val="lt1"/>
-          </a:contourClr>
-        </a:sp3d>
-      </dsp:spPr>
-      <dsp:style>
-        <a:lnRef idx="0">
-          <a:scrgbClr r="0" g="0" b="0"/>
-        </a:lnRef>
-        <a:fillRef idx="1">
-          <a:scrgbClr r="0" g="0" b="0"/>
-        </a:fillRef>
-        <a:effectRef idx="0">
-          <a:scrgbClr r="0" g="0" b="0"/>
-        </a:effectRef>
-        <a:fontRef idx="minor">
-          <a:schemeClr val="lt1"/>
-        </a:fontRef>
-      </dsp:style>
-    </dsp:sp>
-    <dsp:sp modelId="{5581EE3E-EC0C-436D-8F48-E62FEC748958}">
-      <dsp:nvSpPr>
-        <dsp:cNvPr id="0" name=""/>
-        <dsp:cNvSpPr/>
-      </dsp:nvSpPr>
-      <dsp:spPr>
-        <a:xfrm>
-          <a:off x="669772" y="2366366"/>
-          <a:ext cx="110235" cy="110235"/>
-        </a:xfrm>
-        <a:prstGeom prst="ellipse">
-          <a:avLst/>
-        </a:prstGeom>
-        <a:solidFill>
-          <a:schemeClr val="accent3">
-            <a:hueOff val="99"/>
-            <a:satOff val="-36300"/>
-            <a:lumOff val="-8498"/>
-            <a:alphaOff val="0"/>
-          </a:schemeClr>
-        </a:solidFill>
-        <a:ln>
-          <a:noFill/>
-        </a:ln>
-        <a:effectLst/>
-        <a:sp3d extrusionH="381000" contourW="38100" prstMaterial="matte">
-          <a:contourClr>
-            <a:schemeClr val="lt1"/>
-          </a:contourClr>
-        </a:sp3d>
-      </dsp:spPr>
-      <dsp:style>
-        <a:lnRef idx="0">
-          <a:scrgbClr r="0" g="0" b="0"/>
-        </a:lnRef>
-        <a:fillRef idx="1">
-          <a:scrgbClr r="0" g="0" b="0"/>
-        </a:fillRef>
-        <a:effectRef idx="0">
-          <a:scrgbClr r="0" g="0" b="0"/>
-        </a:effectRef>
-        <a:fontRef idx="minor">
-          <a:schemeClr val="lt1"/>
-        </a:fontRef>
-      </dsp:style>
-    </dsp:sp>
-    <dsp:sp modelId="{AE908452-2532-491A-B351-C4711C5DE25B}">
-      <dsp:nvSpPr>
-        <dsp:cNvPr id="0" name=""/>
-        <dsp:cNvSpPr/>
-      </dsp:nvSpPr>
-      <dsp:spPr>
-        <a:xfrm>
-          <a:off x="731505" y="2165737"/>
-          <a:ext cx="173227" cy="173227"/>
-        </a:xfrm>
-        <a:prstGeom prst="ellipse">
-          <a:avLst/>
-        </a:prstGeom>
-        <a:solidFill>
-          <a:schemeClr val="accent3">
-            <a:hueOff val="107"/>
-            <a:satOff val="-39093"/>
-            <a:lumOff val="-9151"/>
-            <a:alphaOff val="0"/>
-          </a:schemeClr>
-        </a:solidFill>
-        <a:ln>
-          <a:noFill/>
-        </a:ln>
-        <a:effectLst/>
-        <a:sp3d extrusionH="381000" contourW="38100" prstMaterial="matte">
-          <a:contourClr>
-            <a:schemeClr val="lt1"/>
-          </a:contourClr>
-        </a:sp3d>
-      </dsp:spPr>
-      <dsp:style>
-        <a:lnRef idx="0">
-          <a:scrgbClr r="0" g="0" b="0"/>
-        </a:lnRef>
-        <a:fillRef idx="1">
-          <a:scrgbClr r="0" g="0" b="0"/>
-        </a:fillRef>
-        <a:effectRef idx="0">
-          <a:scrgbClr r="0" g="0" b="0"/>
-        </a:effectRef>
-        <a:fontRef idx="minor">
-          <a:schemeClr val="lt1"/>
-        </a:fontRef>
-      </dsp:style>
-    </dsp:sp>
-    <dsp:sp modelId="{41C0A3F5-B9FA-480F-9FE9-F65875326FBC}">
-      <dsp:nvSpPr>
-        <dsp:cNvPr id="0" name=""/>
-        <dsp:cNvSpPr/>
-      </dsp:nvSpPr>
-      <dsp:spPr>
-        <a:xfrm>
-          <a:off x="885835" y="2381799"/>
-          <a:ext cx="110235" cy="110235"/>
-        </a:xfrm>
-        <a:prstGeom prst="ellipse">
-          <a:avLst/>
-        </a:prstGeom>
-        <a:solidFill>
-          <a:schemeClr val="accent3">
-            <a:hueOff val="114"/>
-            <a:satOff val="-41885"/>
-            <a:lumOff val="-9805"/>
-            <a:alphaOff val="0"/>
-          </a:schemeClr>
-        </a:solidFill>
-        <a:ln>
-          <a:noFill/>
-        </a:ln>
-        <a:effectLst/>
-        <a:sp3d extrusionH="381000" contourW="38100" prstMaterial="matte">
-          <a:contourClr>
-            <a:schemeClr val="lt1"/>
-          </a:contourClr>
-        </a:sp3d>
-      </dsp:spPr>
-      <dsp:style>
-        <a:lnRef idx="0">
-          <a:scrgbClr r="0" g="0" b="0"/>
-        </a:lnRef>
-        <a:fillRef idx="1">
-          <a:scrgbClr r="0" g="0" b="0"/>
-        </a:fillRef>
-        <a:effectRef idx="0">
-          <a:scrgbClr r="0" g="0" b="0"/>
-        </a:effectRef>
-        <a:fontRef idx="minor">
-          <a:schemeClr val="lt1"/>
-        </a:fontRef>
-      </dsp:style>
-    </dsp:sp>
-    <dsp:sp modelId="{13E195AE-E1EA-4E19-97C6-55417BA5FEF1}">
-      <dsp:nvSpPr>
-        <dsp:cNvPr id="0" name=""/>
-        <dsp:cNvSpPr/>
-      </dsp:nvSpPr>
-      <dsp:spPr>
-        <a:xfrm>
-          <a:off x="1024732" y="2134871"/>
-          <a:ext cx="251967" cy="251967"/>
-        </a:xfrm>
-        <a:prstGeom prst="ellipse">
-          <a:avLst/>
-        </a:prstGeom>
-        <a:solidFill>
-          <a:schemeClr val="accent3">
-            <a:hueOff val="122"/>
-            <a:satOff val="-44677"/>
-            <a:lumOff val="-10459"/>
-            <a:alphaOff val="0"/>
-          </a:schemeClr>
-        </a:solidFill>
-        <a:ln>
-          <a:noFill/>
-        </a:ln>
-        <a:effectLst/>
-        <a:sp3d extrusionH="381000" contourW="38100" prstMaterial="matte">
-          <a:contourClr>
-            <a:schemeClr val="lt1"/>
-          </a:contourClr>
-        </a:sp3d>
-      </dsp:spPr>
-      <dsp:style>
-        <a:lnRef idx="0">
-          <a:scrgbClr r="0" g="0" b="0"/>
-        </a:lnRef>
-        <a:fillRef idx="1">
-          <a:scrgbClr r="0" g="0" b="0"/>
-        </a:fillRef>
-        <a:effectRef idx="0">
-          <a:scrgbClr r="0" g="0" b="0"/>
-        </a:effectRef>
-        <a:fontRef idx="minor">
-          <a:schemeClr val="lt1"/>
-        </a:fontRef>
-      </dsp:style>
-    </dsp:sp>
-    <dsp:sp modelId="{E33FD6B8-956F-4C60-AB20-1143C5DCC8DD}">
-      <dsp:nvSpPr>
-        <dsp:cNvPr id="0" name=""/>
-        <dsp:cNvSpPr/>
-      </dsp:nvSpPr>
-      <dsp:spPr>
-        <a:xfrm>
-          <a:off x="1364258" y="2073138"/>
-          <a:ext cx="173227" cy="173227"/>
-        </a:xfrm>
-        <a:prstGeom prst="ellipse">
-          <a:avLst/>
-        </a:prstGeom>
-        <a:solidFill>
-          <a:schemeClr val="accent3">
-            <a:hueOff val="129"/>
-            <a:satOff val="-47470"/>
-            <a:lumOff val="-11112"/>
-            <a:alphaOff val="0"/>
-          </a:schemeClr>
-        </a:solidFill>
-        <a:ln>
-          <a:noFill/>
-        </a:ln>
-        <a:effectLst/>
-        <a:sp3d extrusionH="381000" contourW="38100" prstMaterial="matte">
-          <a:contourClr>
-            <a:schemeClr val="lt1"/>
-          </a:contourClr>
-        </a:sp3d>
-      </dsp:spPr>
-      <dsp:style>
-        <a:lnRef idx="0">
-          <a:scrgbClr r="0" g="0" b="0"/>
-        </a:lnRef>
-        <a:fillRef idx="1">
-          <a:scrgbClr r="0" g="0" b="0"/>
-        </a:fillRef>
-        <a:effectRef idx="0">
-          <a:scrgbClr r="0" g="0" b="0"/>
-        </a:effectRef>
-        <a:fontRef idx="minor">
-          <a:schemeClr val="lt1"/>
-        </a:fontRef>
-      </dsp:style>
-    </dsp:sp>
-    <dsp:sp modelId="{4AC40FF3-008F-4006-B5F6-29CDB6E77DEB}">
-      <dsp:nvSpPr>
-        <dsp:cNvPr id="0" name=""/>
-        <dsp:cNvSpPr/>
-      </dsp:nvSpPr>
-      <dsp:spPr>
-        <a:xfrm>
-          <a:off x="1537486" y="1347530"/>
-          <a:ext cx="508745" cy="971249"/>
-        </a:xfrm>
-        <a:prstGeom prst="chevron">
-          <a:avLst>
-            <a:gd name="adj" fmla="val 62310"/>
-          </a:avLst>
-        </a:prstGeom>
-        <a:solidFill>
-          <a:schemeClr val="accent3">
-            <a:hueOff val="0"/>
-            <a:satOff val="0"/>
-            <a:lumOff val="0"/>
-            <a:alphaOff val="0"/>
-          </a:schemeClr>
-        </a:solidFill>
-        <a:ln>
-          <a:noFill/>
-        </a:ln>
-        <a:effectLst/>
-        <a:sp3d z="-52400" extrusionH="181000" contourW="38100" prstMaterial="matte">
-          <a:contourClr>
-            <a:schemeClr val="lt1"/>
-          </a:contourClr>
-        </a:sp3d>
-      </dsp:spPr>
-      <dsp:style>
-        <a:lnRef idx="0">
-          <a:scrgbClr r="0" g="0" b="0"/>
-        </a:lnRef>
-        <a:fillRef idx="1">
-          <a:scrgbClr r="0" g="0" b="0"/>
-        </a:fillRef>
-        <a:effectRef idx="0">
-          <a:scrgbClr r="0" g="0" b="0"/>
-        </a:effectRef>
-        <a:fontRef idx="minor">
-          <a:schemeClr val="lt1"/>
-        </a:fontRef>
-      </dsp:style>
-    </dsp:sp>
-    <dsp:sp modelId="{7E666CA4-5CBD-4C36-BAAC-654BA24805FD}">
-      <dsp:nvSpPr>
-        <dsp:cNvPr id="0" name=""/>
-        <dsp:cNvSpPr/>
-      </dsp:nvSpPr>
-      <dsp:spPr>
-        <a:xfrm>
-          <a:off x="2046231" y="1348002"/>
-          <a:ext cx="1387486" cy="971240"/>
-        </a:xfrm>
-        <a:prstGeom prst="rect">
-          <a:avLst/>
-        </a:prstGeom>
-        <a:noFill/>
-        <a:ln>
-          <a:noFill/>
-        </a:ln>
-        <a:effectLst/>
-      </dsp:spPr>
-      <dsp:style>
-        <a:lnRef idx="0">
-          <a:scrgbClr r="0" g="0" b="0"/>
-        </a:lnRef>
-        <a:fillRef idx="0">
-          <a:scrgbClr r="0" g="0" b="0"/>
-        </a:fillRef>
-        <a:effectRef idx="0">
-          <a:scrgbClr r="0" g="0" b="0"/>
-        </a:effectRef>
-        <a:fontRef idx="minor"/>
-      </dsp:style>
-      <dsp:txBody>
-        <a:bodyPr spcFirstLastPara="0" vert="horz" wrap="square" lIns="20320" tIns="20320" rIns="20320" bIns="20320" numCol="1" spcCol="1270" anchor="ctr" anchorCtr="0">
-          <a:noAutofit/>
-        </a:bodyPr>
-        <a:lstStyle/>
-        <a:p>
-          <a:pPr lvl="0" algn="ctr" defTabSz="711200">
-            <a:lnSpc>
-              <a:spcPct val="90000"/>
-            </a:lnSpc>
-            <a:spcBef>
-              <a:spcPct val="0"/>
-            </a:spcBef>
-            <a:spcAft>
-              <a:spcPct val="35000"/>
-            </a:spcAft>
-          </a:pPr>
-          <a:r>
-            <a:rPr lang="pt-BR" sz="1600" b="1" kern="1200" dirty="0" err="1" smtClean="0">
-              <a:solidFill>
-                <a:srgbClr val="7030A0"/>
-              </a:solidFill>
-            </a:rPr>
-            <a:t>Login</a:t>
-          </a:r>
-          <a:endParaRPr lang="pt-BR" sz="1600" b="1" kern="1200" dirty="0">
-            <a:solidFill>
-              <a:srgbClr val="7030A0"/>
-            </a:solidFill>
-          </a:endParaRPr>
-        </a:p>
-      </dsp:txBody>
-      <dsp:txXfrm>
-        <a:off x="2046231" y="1348002"/>
-        <a:ext cx="1387486" cy="971240"/>
-      </dsp:txXfrm>
-    </dsp:sp>
-    <dsp:sp modelId="{5510BB7F-E98E-4475-A087-C6391C783681}">
-      <dsp:nvSpPr>
-        <dsp:cNvPr id="0" name=""/>
-        <dsp:cNvSpPr/>
-      </dsp:nvSpPr>
-      <dsp:spPr>
-        <a:xfrm>
-          <a:off x="3266686" y="1376706"/>
-          <a:ext cx="508745" cy="971249"/>
-        </a:xfrm>
-        <a:prstGeom prst="chevron">
-          <a:avLst>
-            <a:gd name="adj" fmla="val 62310"/>
-          </a:avLst>
-        </a:prstGeom>
-        <a:solidFill>
-          <a:schemeClr val="accent3">
-            <a:hueOff val="46"/>
-            <a:satOff val="-16754"/>
-            <a:lumOff val="-3922"/>
-            <a:alphaOff val="0"/>
-          </a:schemeClr>
-        </a:solidFill>
-        <a:ln>
-          <a:noFill/>
-        </a:ln>
-        <a:effectLst/>
-        <a:sp3d z="-52400" extrusionH="181000" contourW="38100" prstMaterial="matte">
-          <a:contourClr>
-            <a:schemeClr val="lt1"/>
-          </a:contourClr>
-        </a:sp3d>
-      </dsp:spPr>
-      <dsp:style>
-        <a:lnRef idx="0">
-          <a:scrgbClr r="0" g="0" b="0"/>
-        </a:lnRef>
-        <a:fillRef idx="1">
-          <a:scrgbClr r="0" g="0" b="0"/>
-        </a:fillRef>
-        <a:effectRef idx="0">
-          <a:scrgbClr r="0" g="0" b="0"/>
-        </a:effectRef>
-        <a:fontRef idx="minor">
-          <a:schemeClr val="lt1"/>
-        </a:fontRef>
-      </dsp:style>
-    </dsp:sp>
-    <dsp:sp modelId="{AFD080A8-E866-41A1-B81A-578F566B068A}">
-      <dsp:nvSpPr>
-        <dsp:cNvPr id="0" name=""/>
-        <dsp:cNvSpPr/>
-      </dsp:nvSpPr>
-      <dsp:spPr>
-        <a:xfrm>
-          <a:off x="3942463" y="1348002"/>
-          <a:ext cx="1387486" cy="971240"/>
-        </a:xfrm>
-        <a:prstGeom prst="rect">
-          <a:avLst/>
-        </a:prstGeom>
-        <a:noFill/>
-        <a:ln>
-          <a:noFill/>
-        </a:ln>
-        <a:effectLst/>
-      </dsp:spPr>
-      <dsp:style>
-        <a:lnRef idx="0">
-          <a:scrgbClr r="0" g="0" b="0"/>
-        </a:lnRef>
-        <a:fillRef idx="0">
-          <a:scrgbClr r="0" g="0" b="0"/>
-        </a:fillRef>
-        <a:effectRef idx="0">
-          <a:scrgbClr r="0" g="0" b="0"/>
-        </a:effectRef>
-        <a:fontRef idx="minor"/>
-      </dsp:style>
-      <dsp:txBody>
-        <a:bodyPr spcFirstLastPara="0" vert="horz" wrap="square" lIns="20320" tIns="20320" rIns="20320" bIns="20320" numCol="1" spcCol="1270" anchor="ctr" anchorCtr="0">
-          <a:noAutofit/>
-        </a:bodyPr>
-        <a:lstStyle/>
-        <a:p>
-          <a:pPr lvl="0" algn="ctr" defTabSz="711200">
-            <a:lnSpc>
-              <a:spcPct val="90000"/>
-            </a:lnSpc>
-            <a:spcBef>
-              <a:spcPct val="0"/>
-            </a:spcBef>
-            <a:spcAft>
-              <a:spcPct val="35000"/>
-            </a:spcAft>
-          </a:pPr>
-          <a:r>
-            <a:rPr lang="pt-BR" sz="1600" b="1" kern="1200" dirty="0" smtClean="0">
-              <a:solidFill>
-                <a:srgbClr val="7030A0"/>
-              </a:solidFill>
-            </a:rPr>
-            <a:t>Serviço ativo</a:t>
-          </a:r>
-          <a:endParaRPr lang="pt-BR" sz="1600" b="1" kern="1200" dirty="0">
-            <a:solidFill>
-              <a:srgbClr val="7030A0"/>
-            </a:solidFill>
-          </a:endParaRPr>
-        </a:p>
-      </dsp:txBody>
-      <dsp:txXfrm>
-        <a:off x="3942463" y="1348002"/>
-        <a:ext cx="1387486" cy="971240"/>
-      </dsp:txXfrm>
-    </dsp:sp>
-    <dsp:sp modelId="{C5065143-8AF7-4AE9-A44E-5E4DF178427E}">
-      <dsp:nvSpPr>
-        <dsp:cNvPr id="0" name=""/>
-        <dsp:cNvSpPr/>
-      </dsp:nvSpPr>
-      <dsp:spPr>
-        <a:xfrm>
-          <a:off x="5138895" y="1376706"/>
-          <a:ext cx="508745" cy="971249"/>
-        </a:xfrm>
-        <a:prstGeom prst="chevron">
-          <a:avLst>
-            <a:gd name="adj" fmla="val 62310"/>
-          </a:avLst>
-        </a:prstGeom>
-        <a:solidFill>
-          <a:schemeClr val="accent3">
-            <a:hueOff val="91"/>
-            <a:satOff val="-33508"/>
-            <a:lumOff val="-7844"/>
-            <a:alphaOff val="0"/>
-          </a:schemeClr>
-        </a:solidFill>
-        <a:ln>
-          <a:noFill/>
-        </a:ln>
-        <a:effectLst/>
-        <a:sp3d z="-52400" extrusionH="181000" contourW="38100" prstMaterial="matte">
-          <a:contourClr>
-            <a:schemeClr val="lt1"/>
-          </a:contourClr>
-        </a:sp3d>
-      </dsp:spPr>
-      <dsp:style>
-        <a:lnRef idx="0">
-          <a:scrgbClr r="0" g="0" b="0"/>
-        </a:lnRef>
-        <a:fillRef idx="1">
-          <a:scrgbClr r="0" g="0" b="0"/>
-        </a:fillRef>
-        <a:effectRef idx="0">
-          <a:scrgbClr r="0" g="0" b="0"/>
-        </a:effectRef>
-        <a:fontRef idx="minor">
-          <a:schemeClr val="lt1"/>
-        </a:fontRef>
-      </dsp:style>
-    </dsp:sp>
-    <dsp:sp modelId="{731B2C02-8FA5-4821-B98E-CF94C3140B85}">
-      <dsp:nvSpPr>
-        <dsp:cNvPr id="0" name=""/>
-        <dsp:cNvSpPr/>
-      </dsp:nvSpPr>
-      <dsp:spPr>
-        <a:xfrm>
-          <a:off x="5838695" y="1348002"/>
-          <a:ext cx="1387486" cy="971240"/>
-        </a:xfrm>
-        <a:prstGeom prst="rect">
-          <a:avLst/>
-        </a:prstGeom>
-        <a:noFill/>
-        <a:ln>
-          <a:noFill/>
-        </a:ln>
-        <a:effectLst/>
-      </dsp:spPr>
-      <dsp:style>
-        <a:lnRef idx="0">
-          <a:scrgbClr r="0" g="0" b="0"/>
-        </a:lnRef>
-        <a:fillRef idx="0">
-          <a:scrgbClr r="0" g="0" b="0"/>
-        </a:fillRef>
-        <a:effectRef idx="0">
-          <a:scrgbClr r="0" g="0" b="0"/>
-        </a:effectRef>
-        <a:fontRef idx="minor"/>
-      </dsp:style>
-      <dsp:txBody>
-        <a:bodyPr spcFirstLastPara="0" vert="horz" wrap="square" lIns="20320" tIns="20320" rIns="20320" bIns="20320" numCol="1" spcCol="1270" anchor="ctr" anchorCtr="0">
-          <a:noAutofit/>
-        </a:bodyPr>
-        <a:lstStyle/>
-        <a:p>
-          <a:pPr lvl="0" algn="ctr" defTabSz="711200">
-            <a:lnSpc>
-              <a:spcPct val="90000"/>
-            </a:lnSpc>
-            <a:spcBef>
-              <a:spcPct val="0"/>
-            </a:spcBef>
-            <a:spcAft>
-              <a:spcPct val="35000"/>
-            </a:spcAft>
-          </a:pPr>
-          <a:r>
-            <a:rPr lang="pt-BR" sz="1600" b="1" kern="1200" dirty="0" smtClean="0">
-              <a:solidFill>
-                <a:srgbClr val="7030A0"/>
-              </a:solidFill>
-            </a:rPr>
-            <a:t>Regularidade de atividades acadêmicas</a:t>
-          </a:r>
-          <a:endParaRPr lang="pt-BR" sz="1600" b="1" kern="1200" dirty="0">
-            <a:solidFill>
-              <a:srgbClr val="7030A0"/>
-            </a:solidFill>
-          </a:endParaRPr>
-        </a:p>
-      </dsp:txBody>
-      <dsp:txXfrm>
-        <a:off x="5838695" y="1348002"/>
-        <a:ext cx="1387486" cy="971240"/>
-      </dsp:txXfrm>
-    </dsp:sp>
-    <dsp:sp modelId="{B9E275C6-562A-432D-BC53-BE29329C92C7}">
-      <dsp:nvSpPr>
-        <dsp:cNvPr id="0" name=""/>
-        <dsp:cNvSpPr/>
-      </dsp:nvSpPr>
-      <dsp:spPr>
-        <a:xfrm>
-          <a:off x="7226181" y="1347530"/>
-          <a:ext cx="508745" cy="971249"/>
-        </a:xfrm>
-        <a:prstGeom prst="chevron">
-          <a:avLst>
-            <a:gd name="adj" fmla="val 62310"/>
-          </a:avLst>
-        </a:prstGeom>
-        <a:solidFill>
-          <a:schemeClr val="accent3">
-            <a:hueOff val="137"/>
-            <a:satOff val="-50262"/>
-            <a:lumOff val="-11766"/>
-            <a:alphaOff val="0"/>
-          </a:schemeClr>
-        </a:solidFill>
-        <a:ln>
-          <a:noFill/>
-        </a:ln>
-        <a:effectLst/>
-        <a:sp3d z="-52400" extrusionH="181000" contourW="38100" prstMaterial="matte">
-          <a:contourClr>
-            <a:schemeClr val="lt1"/>
-          </a:contourClr>
-        </a:sp3d>
-      </dsp:spPr>
-      <dsp:style>
-        <a:lnRef idx="0">
-          <a:scrgbClr r="0" g="0" b="0"/>
-        </a:lnRef>
-        <a:fillRef idx="1">
-          <a:scrgbClr r="0" g="0" b="0"/>
-        </a:fillRef>
-        <a:effectRef idx="0">
-          <a:scrgbClr r="0" g="0" b="0"/>
-        </a:effectRef>
-        <a:fontRef idx="minor">
-          <a:schemeClr val="lt1"/>
-        </a:fontRef>
-      </dsp:style>
-    </dsp:sp>
-    <dsp:sp modelId="{BE15EE83-3B00-4A10-B193-E9EE791FF290}">
-      <dsp:nvSpPr>
-        <dsp:cNvPr id="0" name=""/>
-        <dsp:cNvSpPr/>
-      </dsp:nvSpPr>
-      <dsp:spPr>
-        <a:xfrm>
-          <a:off x="7838988" y="1278628"/>
-          <a:ext cx="1179363" cy="1179363"/>
-        </a:xfrm>
-        <a:prstGeom prst="ellipse">
-          <a:avLst/>
-        </a:prstGeom>
-        <a:solidFill>
-          <a:schemeClr val="accent3">
-            <a:hueOff val="137"/>
-            <a:satOff val="-50262"/>
-            <a:lumOff val="-11766"/>
-            <a:alphaOff val="0"/>
-          </a:schemeClr>
-        </a:solidFill>
-        <a:ln>
-          <a:noFill/>
-        </a:ln>
-        <a:effectLst/>
-        <a:sp3d extrusionH="381000" contourW="38100" prstMaterial="matte">
-          <a:contourClr>
-            <a:schemeClr val="lt1"/>
-          </a:contourClr>
-        </a:sp3d>
-      </dsp:spPr>
-      <dsp:style>
-        <a:lnRef idx="0">
-          <a:scrgbClr r="0" g="0" b="0"/>
-        </a:lnRef>
-        <a:fillRef idx="1">
-          <a:scrgbClr r="0" g="0" b="0"/>
-        </a:fillRef>
-        <a:effectRef idx="0">
-          <a:scrgbClr r="0" g="0" b="0"/>
-        </a:effectRef>
-        <a:fontRef idx="minor">
-          <a:schemeClr val="lt1"/>
-        </a:fontRef>
-      </dsp:style>
-      <dsp:txBody>
-        <a:bodyPr spcFirstLastPara="0" vert="horz" wrap="square" lIns="0" tIns="0" rIns="0" bIns="0" numCol="1" spcCol="1270" anchor="ctr" anchorCtr="0">
-          <a:noAutofit/>
-        </a:bodyPr>
-        <a:lstStyle/>
-        <a:p>
-          <a:pPr lvl="0" algn="ctr" defTabSz="711200">
-            <a:lnSpc>
-              <a:spcPct val="90000"/>
-            </a:lnSpc>
-            <a:spcBef>
-              <a:spcPct val="0"/>
-            </a:spcBef>
-            <a:spcAft>
-              <a:spcPct val="35000"/>
-            </a:spcAft>
-          </a:pPr>
-          <a:r>
-            <a:rPr lang="pt-BR" sz="1600" b="1" kern="1200" dirty="0" smtClean="0">
-              <a:ln>
-                <a:solidFill>
-                  <a:schemeClr val="accent6">
-                    <a:lumMod val="20000"/>
-                    <a:lumOff val="80000"/>
-                  </a:schemeClr>
-                </a:solidFill>
-              </a:ln>
-              <a:solidFill>
-                <a:srgbClr val="7030A0"/>
-              </a:solidFill>
-              <a:latin typeface="Calibri Light" pitchFamily="34" charset="0"/>
-              <a:ea typeface="Arial Unicode MS" pitchFamily="34" charset="-128"/>
-              <a:cs typeface="Arial Unicode MS" pitchFamily="34" charset="-128"/>
-            </a:rPr>
-            <a:t>Disparo</a:t>
-          </a:r>
-          <a:endParaRPr lang="pt-BR" sz="1600" b="1" kern="1200" dirty="0">
-            <a:ln>
-              <a:solidFill>
-                <a:schemeClr val="accent6">
-                  <a:lumMod val="20000"/>
-                  <a:lumOff val="80000"/>
-                </a:schemeClr>
-              </a:solidFill>
-            </a:ln>
-            <a:solidFill>
-              <a:srgbClr val="7030A0"/>
-            </a:solidFill>
-            <a:latin typeface="Calibri Light" pitchFamily="34" charset="0"/>
-            <a:ea typeface="Arial Unicode MS" pitchFamily="34" charset="-128"/>
-            <a:cs typeface="Arial Unicode MS" pitchFamily="34" charset="-128"/>
-          </a:endParaRPr>
-        </a:p>
-      </dsp:txBody>
-      <dsp:txXfrm>
-        <a:off x="8011702" y="1451342"/>
-        <a:ext cx="833935" cy="833935"/>
-      </dsp:txXfrm>
-    </dsp:sp>
-    <dsp:sp modelId="{E051B2E9-E0F1-4F67-B203-7076EBD6126A}">
-      <dsp:nvSpPr>
-        <dsp:cNvPr id="0" name=""/>
-        <dsp:cNvSpPr/>
-      </dsp:nvSpPr>
-      <dsp:spPr>
-        <a:xfrm>
-          <a:off x="7734926" y="2537319"/>
-          <a:ext cx="1387486" cy="855616"/>
-        </a:xfrm>
-        <a:prstGeom prst="rect">
-          <a:avLst/>
-        </a:prstGeom>
-        <a:blipFill rotWithShape="0">
-          <a:blip xmlns:r="http://schemas.openxmlformats.org/officeDocument/2006/relationships" r:embed="rId1"/>
-          <a:stretch>
-            <a:fillRect/>
-          </a:stretch>
-        </a:blipFill>
-        <a:ln>
-          <a:noFill/>
-        </a:ln>
-        <a:effectLst/>
-      </dsp:spPr>
-      <dsp:style>
-        <a:lnRef idx="0">
-          <a:scrgbClr r="0" g="0" b="0"/>
-        </a:lnRef>
-        <a:fillRef idx="0">
-          <a:scrgbClr r="0" g="0" b="0"/>
-        </a:fillRef>
-        <a:effectRef idx="0">
-          <a:scrgbClr r="0" g="0" b="0"/>
-        </a:effectRef>
-        <a:fontRef idx="minor"/>
-      </dsp:style>
-      <dsp:txBody>
-        <a:bodyPr spcFirstLastPara="0" vert="horz" wrap="square" lIns="25400" tIns="25400" rIns="25400" bIns="25400" numCol="1" spcCol="1270" anchor="ctr" anchorCtr="0">
-          <a:noAutofit/>
-        </a:bodyPr>
-        <a:lstStyle/>
-        <a:p>
-          <a:pPr lvl="0" algn="ctr" defTabSz="889000">
-            <a:lnSpc>
-              <a:spcPct val="90000"/>
-            </a:lnSpc>
-            <a:spcBef>
-              <a:spcPct val="0"/>
-            </a:spcBef>
-            <a:spcAft>
-              <a:spcPct val="35000"/>
-            </a:spcAft>
-          </a:pPr>
-          <a:r>
-            <a:rPr lang="pt-BR" sz="2000" kern="1200" dirty="0" smtClean="0"/>
-            <a:t>Ação</a:t>
-          </a:r>
-          <a:endParaRPr lang="pt-BR" sz="2000" kern="1200" dirty="0"/>
-        </a:p>
-      </dsp:txBody>
-      <dsp:txXfrm>
-        <a:off x="7734926" y="2537319"/>
-        <a:ext cx="1387486" cy="855616"/>
-      </dsp:txXfrm>
-    </dsp:sp>
   </dsp:spTree>
 </dsp:drawing>
 </file>
@@ -16027,707 +12713,6 @@
       <dsp:cNvGrpSpPr/>
     </dsp:nvGrpSpPr>
     <dsp:grpSpPr/>
-    <dsp:sp modelId="{5AA8F53C-4E57-4D1F-93E5-A1FBFDF5E9BB}">
-      <dsp:nvSpPr>
-        <dsp:cNvPr id="0" name=""/>
-        <dsp:cNvSpPr/>
-      </dsp:nvSpPr>
-      <dsp:spPr>
-        <a:xfrm>
-          <a:off x="3660" y="1841402"/>
-          <a:ext cx="1445047" cy="1573779"/>
-        </a:xfrm>
-        <a:prstGeom prst="roundRect">
-          <a:avLst>
-            <a:gd name="adj" fmla="val 10000"/>
-          </a:avLst>
-        </a:prstGeom>
-        <a:blipFill rotWithShape="0">
-          <a:blip xmlns:r="http://schemas.openxmlformats.org/officeDocument/2006/relationships" r:embed="rId1"/>
-          <a:stretch>
-            <a:fillRect/>
-          </a:stretch>
-        </a:blipFill>
-        <a:ln w="28575" cap="flat" cmpd="sng" algn="ctr">
-          <a:solidFill>
-            <a:schemeClr val="lt1">
-              <a:hueOff val="0"/>
-              <a:satOff val="0"/>
-              <a:lumOff val="0"/>
-              <a:alphaOff val="0"/>
-            </a:schemeClr>
-          </a:solidFill>
-          <a:prstDash val="solid"/>
-        </a:ln>
-        <a:effectLst/>
-      </dsp:spPr>
-      <dsp:style>
-        <a:lnRef idx="2">
-          <a:scrgbClr r="0" g="0" b="0"/>
-        </a:lnRef>
-        <a:fillRef idx="1">
-          <a:scrgbClr r="0" g="0" b="0"/>
-        </a:fillRef>
-        <a:effectRef idx="0">
-          <a:scrgbClr r="0" g="0" b="0"/>
-        </a:effectRef>
-        <a:fontRef idx="minor">
-          <a:schemeClr val="lt1"/>
-        </a:fontRef>
-      </dsp:style>
-      <dsp:txBody>
-        <a:bodyPr spcFirstLastPara="0" vert="horz" wrap="square" lIns="40640" tIns="40640" rIns="40640" bIns="40640" numCol="1" spcCol="1270" anchor="ctr" anchorCtr="0">
-          <a:noAutofit/>
-        </a:bodyPr>
-        <a:lstStyle/>
-        <a:p>
-          <a:pPr lvl="0" algn="ctr" defTabSz="2844800">
-            <a:lnSpc>
-              <a:spcPct val="90000"/>
-            </a:lnSpc>
-            <a:spcBef>
-              <a:spcPct val="0"/>
-            </a:spcBef>
-            <a:spcAft>
-              <a:spcPct val="35000"/>
-            </a:spcAft>
-          </a:pPr>
-          <a:endParaRPr lang="pt-BR" sz="6400" b="1" kern="1200" dirty="0">
-            <a:solidFill>
-              <a:srgbClr val="7030A0"/>
-            </a:solidFill>
-          </a:endParaRPr>
-        </a:p>
-      </dsp:txBody>
-      <dsp:txXfrm>
-        <a:off x="45984" y="1883726"/>
-        <a:ext cx="1360399" cy="1489131"/>
-      </dsp:txXfrm>
-    </dsp:sp>
-    <dsp:sp modelId="{631D30B7-3CE4-4384-B757-AE4E559A4AF4}">
-      <dsp:nvSpPr>
-        <dsp:cNvPr id="0" name=""/>
-        <dsp:cNvSpPr/>
-      </dsp:nvSpPr>
-      <dsp:spPr>
-        <a:xfrm rot="88076">
-          <a:off x="1448611" y="2623392"/>
-          <a:ext cx="583267" cy="24741"/>
-        </a:xfrm>
-        <a:custGeom>
-          <a:avLst/>
-          <a:gdLst/>
-          <a:ahLst/>
-          <a:cxnLst/>
-          <a:rect l="0" t="0" r="0" b="0"/>
-          <a:pathLst>
-            <a:path>
-              <a:moveTo>
-                <a:pt x="0" y="12370"/>
-              </a:moveTo>
-              <a:lnTo>
-                <a:pt x="583267" y="12370"/>
-              </a:lnTo>
-            </a:path>
-          </a:pathLst>
-        </a:custGeom>
-        <a:noFill/>
-        <a:ln w="28575" cap="flat" cmpd="sng" algn="ctr">
-          <a:solidFill>
-            <a:schemeClr val="accent1">
-              <a:shade val="60000"/>
-              <a:hueOff val="0"/>
-              <a:satOff val="0"/>
-              <a:lumOff val="0"/>
-              <a:alphaOff val="0"/>
-            </a:schemeClr>
-          </a:solidFill>
-          <a:prstDash val="solid"/>
-        </a:ln>
-        <a:effectLst/>
-      </dsp:spPr>
-      <dsp:style>
-        <a:lnRef idx="2">
-          <a:scrgbClr r="0" g="0" b="0"/>
-        </a:lnRef>
-        <a:fillRef idx="0">
-          <a:scrgbClr r="0" g="0" b="0"/>
-        </a:fillRef>
-        <a:effectRef idx="0">
-          <a:scrgbClr r="0" g="0" b="0"/>
-        </a:effectRef>
-        <a:fontRef idx="minor"/>
-      </dsp:style>
-      <dsp:txBody>
-        <a:bodyPr spcFirstLastPara="0" vert="horz" wrap="square" lIns="12700" tIns="0" rIns="12700" bIns="0" numCol="1" spcCol="1270" anchor="ctr" anchorCtr="0">
-          <a:noAutofit/>
-        </a:bodyPr>
-        <a:lstStyle/>
-        <a:p>
-          <a:pPr lvl="0" algn="ctr" defTabSz="222250">
-            <a:lnSpc>
-              <a:spcPct val="90000"/>
-            </a:lnSpc>
-            <a:spcBef>
-              <a:spcPct val="0"/>
-            </a:spcBef>
-            <a:spcAft>
-              <a:spcPct val="35000"/>
-            </a:spcAft>
-          </a:pPr>
-          <a:endParaRPr lang="pt-BR" sz="500" kern="1200"/>
-        </a:p>
-      </dsp:txBody>
-      <dsp:txXfrm>
-        <a:off x="1725664" y="2621181"/>
-        <a:ext cx="29163" cy="29163"/>
-      </dsp:txXfrm>
-    </dsp:sp>
-    <dsp:sp modelId="{4C7E21FC-83C3-4941-9AA4-103238D50E14}">
-      <dsp:nvSpPr>
-        <dsp:cNvPr id="0" name=""/>
-        <dsp:cNvSpPr/>
-      </dsp:nvSpPr>
-      <dsp:spPr>
-        <a:xfrm>
-          <a:off x="2031784" y="1728193"/>
-          <a:ext cx="1936088" cy="1830080"/>
-        </a:xfrm>
-        <a:prstGeom prst="roundRect">
-          <a:avLst>
-            <a:gd name="adj" fmla="val 10000"/>
-          </a:avLst>
-        </a:prstGeom>
-        <a:blipFill rotWithShape="0">
-          <a:blip xmlns:r="http://schemas.openxmlformats.org/officeDocument/2006/relationships" r:embed="rId2"/>
-          <a:stretch>
-            <a:fillRect/>
-          </a:stretch>
-        </a:blipFill>
-        <a:ln w="28575" cap="flat" cmpd="sng" algn="ctr">
-          <a:solidFill>
-            <a:schemeClr val="lt1">
-              <a:hueOff val="0"/>
-              <a:satOff val="0"/>
-              <a:lumOff val="0"/>
-              <a:alphaOff val="0"/>
-            </a:schemeClr>
-          </a:solidFill>
-          <a:prstDash val="solid"/>
-        </a:ln>
-        <a:effectLst/>
-      </dsp:spPr>
-      <dsp:style>
-        <a:lnRef idx="2">
-          <a:scrgbClr r="0" g="0" b="0"/>
-        </a:lnRef>
-        <a:fillRef idx="1">
-          <a:scrgbClr r="0" g="0" b="0"/>
-        </a:fillRef>
-        <a:effectRef idx="0">
-          <a:scrgbClr r="0" g="0" b="0"/>
-        </a:effectRef>
-        <a:fontRef idx="minor">
-          <a:schemeClr val="lt1"/>
-        </a:fontRef>
-      </dsp:style>
-      <dsp:txBody>
-        <a:bodyPr spcFirstLastPara="0" vert="horz" wrap="square" lIns="40640" tIns="40640" rIns="40640" bIns="40640" numCol="1" spcCol="1270" anchor="ctr" anchorCtr="0">
-          <a:noAutofit/>
-        </a:bodyPr>
-        <a:lstStyle/>
-        <a:p>
-          <a:pPr lvl="0" algn="ctr" defTabSz="2844800">
-            <a:lnSpc>
-              <a:spcPct val="90000"/>
-            </a:lnSpc>
-            <a:spcBef>
-              <a:spcPct val="0"/>
-            </a:spcBef>
-            <a:spcAft>
-              <a:spcPct val="35000"/>
-            </a:spcAft>
-          </a:pPr>
-          <a:endParaRPr lang="pt-BR" sz="6400" b="1" kern="1200" dirty="0">
-            <a:solidFill>
-              <a:srgbClr val="7030A0"/>
-            </a:solidFill>
-          </a:endParaRPr>
-        </a:p>
-      </dsp:txBody>
-      <dsp:txXfrm>
-        <a:off x="2085385" y="1781794"/>
-        <a:ext cx="1828886" cy="1722878"/>
-      </dsp:txXfrm>
-    </dsp:sp>
-    <dsp:sp modelId="{A20F3C8C-E339-442F-BFB1-AED22D284D12}">
-      <dsp:nvSpPr>
-        <dsp:cNvPr id="0" name=""/>
-        <dsp:cNvSpPr/>
-      </dsp:nvSpPr>
-      <dsp:spPr>
-        <a:xfrm rot="40050">
-          <a:off x="3967853" y="2634266"/>
-          <a:ext cx="584228" cy="24741"/>
-        </a:xfrm>
-        <a:custGeom>
-          <a:avLst/>
-          <a:gdLst/>
-          <a:ahLst/>
-          <a:cxnLst/>
-          <a:rect l="0" t="0" r="0" b="0"/>
-          <a:pathLst>
-            <a:path>
-              <a:moveTo>
-                <a:pt x="0" y="12370"/>
-              </a:moveTo>
-              <a:lnTo>
-                <a:pt x="584228" y="12370"/>
-              </a:lnTo>
-            </a:path>
-          </a:pathLst>
-        </a:custGeom>
-        <a:noFill/>
-        <a:ln w="28575" cap="flat" cmpd="sng" algn="ctr">
-          <a:solidFill>
-            <a:schemeClr val="accent1">
-              <a:shade val="80000"/>
-              <a:hueOff val="0"/>
-              <a:satOff val="0"/>
-              <a:lumOff val="0"/>
-              <a:alphaOff val="0"/>
-            </a:schemeClr>
-          </a:solidFill>
-          <a:prstDash val="solid"/>
-        </a:ln>
-        <a:effectLst/>
-      </dsp:spPr>
-      <dsp:style>
-        <a:lnRef idx="2">
-          <a:scrgbClr r="0" g="0" b="0"/>
-        </a:lnRef>
-        <a:fillRef idx="0">
-          <a:scrgbClr r="0" g="0" b="0"/>
-        </a:fillRef>
-        <a:effectRef idx="0">
-          <a:scrgbClr r="0" g="0" b="0"/>
-        </a:effectRef>
-        <a:fontRef idx="minor"/>
-      </dsp:style>
-      <dsp:txBody>
-        <a:bodyPr spcFirstLastPara="0" vert="horz" wrap="square" lIns="12700" tIns="0" rIns="12700" bIns="0" numCol="1" spcCol="1270" anchor="ctr" anchorCtr="0">
-          <a:noAutofit/>
-        </a:bodyPr>
-        <a:lstStyle/>
-        <a:p>
-          <a:pPr lvl="0" algn="ctr" defTabSz="222250">
-            <a:lnSpc>
-              <a:spcPct val="90000"/>
-            </a:lnSpc>
-            <a:spcBef>
-              <a:spcPct val="0"/>
-            </a:spcBef>
-            <a:spcAft>
-              <a:spcPct val="35000"/>
-            </a:spcAft>
-          </a:pPr>
-          <a:endParaRPr lang="pt-BR" sz="500" kern="1200"/>
-        </a:p>
-      </dsp:txBody>
-      <dsp:txXfrm>
-        <a:off x="4245361" y="2632031"/>
-        <a:ext cx="29211" cy="29211"/>
-      </dsp:txXfrm>
-    </dsp:sp>
-    <dsp:sp modelId="{F6BE6E96-4771-4198-B10E-7C2835266749}">
-      <dsp:nvSpPr>
-        <dsp:cNvPr id="0" name=""/>
-        <dsp:cNvSpPr/>
-      </dsp:nvSpPr>
-      <dsp:spPr>
-        <a:xfrm>
-          <a:off x="4552062" y="1800200"/>
-          <a:ext cx="1789488" cy="1699679"/>
-        </a:xfrm>
-        <a:prstGeom prst="roundRect">
-          <a:avLst>
-            <a:gd name="adj" fmla="val 10000"/>
-          </a:avLst>
-        </a:prstGeom>
-        <a:blipFill rotWithShape="0">
-          <a:blip xmlns:r="http://schemas.openxmlformats.org/officeDocument/2006/relationships" r:embed="rId3"/>
-          <a:stretch>
-            <a:fillRect/>
-          </a:stretch>
-        </a:blipFill>
-        <a:ln w="28575" cap="flat" cmpd="sng" algn="ctr">
-          <a:solidFill>
-            <a:schemeClr val="lt1">
-              <a:hueOff val="0"/>
-              <a:satOff val="0"/>
-              <a:lumOff val="0"/>
-              <a:alphaOff val="0"/>
-            </a:schemeClr>
-          </a:solidFill>
-          <a:prstDash val="solid"/>
-        </a:ln>
-        <a:effectLst/>
-      </dsp:spPr>
-      <dsp:style>
-        <a:lnRef idx="2">
-          <a:scrgbClr r="0" g="0" b="0"/>
-        </a:lnRef>
-        <a:fillRef idx="1">
-          <a:scrgbClr r="0" g="0" b="0"/>
-        </a:fillRef>
-        <a:effectRef idx="0">
-          <a:scrgbClr r="0" g="0" b="0"/>
-        </a:effectRef>
-        <a:fontRef idx="minor">
-          <a:schemeClr val="lt1"/>
-        </a:fontRef>
-      </dsp:style>
-      <dsp:txBody>
-        <a:bodyPr spcFirstLastPara="0" vert="horz" wrap="square" lIns="40640" tIns="40640" rIns="40640" bIns="40640" numCol="1" spcCol="1270" anchor="ctr" anchorCtr="0">
-          <a:noAutofit/>
-        </a:bodyPr>
-        <a:lstStyle/>
-        <a:p>
-          <a:pPr lvl="0" algn="ctr" defTabSz="2844800">
-            <a:lnSpc>
-              <a:spcPct val="90000"/>
-            </a:lnSpc>
-            <a:spcBef>
-              <a:spcPct val="0"/>
-            </a:spcBef>
-            <a:spcAft>
-              <a:spcPct val="35000"/>
-            </a:spcAft>
-          </a:pPr>
-          <a:endParaRPr lang="pt-BR" sz="6400" b="1" kern="1200" dirty="0">
-            <a:solidFill>
-              <a:srgbClr val="7030A0"/>
-            </a:solidFill>
-          </a:endParaRPr>
-        </a:p>
-      </dsp:txBody>
-      <dsp:txXfrm>
-        <a:off x="4601844" y="1849982"/>
-        <a:ext cx="1689924" cy="1600115"/>
-      </dsp:txXfrm>
-    </dsp:sp>
-    <dsp:sp modelId="{E319C12E-2397-406F-B6D4-2E69B6FC580F}">
-      <dsp:nvSpPr>
-        <dsp:cNvPr id="0" name=""/>
-        <dsp:cNvSpPr/>
-      </dsp:nvSpPr>
-      <dsp:spPr>
-        <a:xfrm rot="17731580">
-          <a:off x="5964886" y="2040387"/>
-          <a:ext cx="1323780" cy="24741"/>
-        </a:xfrm>
-        <a:custGeom>
-          <a:avLst/>
-          <a:gdLst/>
-          <a:ahLst/>
-          <a:cxnLst/>
-          <a:rect l="0" t="0" r="0" b="0"/>
-          <a:pathLst>
-            <a:path>
-              <a:moveTo>
-                <a:pt x="0" y="12370"/>
-              </a:moveTo>
-              <a:lnTo>
-                <a:pt x="1323780" y="12370"/>
-              </a:lnTo>
-            </a:path>
-          </a:pathLst>
-        </a:custGeom>
-        <a:noFill/>
-        <a:ln w="28575" cap="flat" cmpd="sng" algn="ctr">
-          <a:solidFill>
-            <a:schemeClr val="accent1">
-              <a:shade val="80000"/>
-              <a:hueOff val="0"/>
-              <a:satOff val="0"/>
-              <a:lumOff val="0"/>
-              <a:alphaOff val="0"/>
-            </a:schemeClr>
-          </a:solidFill>
-          <a:prstDash val="solid"/>
-        </a:ln>
-        <a:effectLst/>
-      </dsp:spPr>
-      <dsp:style>
-        <a:lnRef idx="2">
-          <a:scrgbClr r="0" g="0" b="0"/>
-        </a:lnRef>
-        <a:fillRef idx="0">
-          <a:scrgbClr r="0" g="0" b="0"/>
-        </a:fillRef>
-        <a:effectRef idx="0">
-          <a:scrgbClr r="0" g="0" b="0"/>
-        </a:effectRef>
-        <a:fontRef idx="minor"/>
-      </dsp:style>
-      <dsp:txBody>
-        <a:bodyPr spcFirstLastPara="0" vert="horz" wrap="square" lIns="12700" tIns="0" rIns="12700" bIns="0" numCol="1" spcCol="1270" anchor="ctr" anchorCtr="0">
-          <a:noAutofit/>
-        </a:bodyPr>
-        <a:lstStyle/>
-        <a:p>
-          <a:pPr lvl="0" algn="ctr" defTabSz="222250">
-            <a:lnSpc>
-              <a:spcPct val="90000"/>
-            </a:lnSpc>
-            <a:spcBef>
-              <a:spcPct val="0"/>
-            </a:spcBef>
-            <a:spcAft>
-              <a:spcPct val="35000"/>
-            </a:spcAft>
-          </a:pPr>
-          <a:endParaRPr lang="pt-BR" sz="500" kern="1200"/>
-        </a:p>
-      </dsp:txBody>
-      <dsp:txXfrm>
-        <a:off x="6593681" y="2019664"/>
-        <a:ext cx="66189" cy="66189"/>
-      </dsp:txXfrm>
-    </dsp:sp>
-    <dsp:sp modelId="{55F096FD-EFF2-45B8-9081-EB515D3FD4FA}">
-      <dsp:nvSpPr>
-        <dsp:cNvPr id="0" name=""/>
-        <dsp:cNvSpPr/>
-      </dsp:nvSpPr>
-      <dsp:spPr>
-        <a:xfrm>
-          <a:off x="6912001" y="693792"/>
-          <a:ext cx="1686399" cy="1523368"/>
-        </a:xfrm>
-        <a:prstGeom prst="roundRect">
-          <a:avLst>
-            <a:gd name="adj" fmla="val 10000"/>
-          </a:avLst>
-        </a:prstGeom>
-        <a:blipFill rotWithShape="0">
-          <a:blip xmlns:r="http://schemas.openxmlformats.org/officeDocument/2006/relationships" r:embed="rId4"/>
-          <a:stretch>
-            <a:fillRect/>
-          </a:stretch>
-        </a:blipFill>
-        <a:ln w="28575" cap="flat" cmpd="sng" algn="ctr">
-          <a:solidFill>
-            <a:schemeClr val="lt1">
-              <a:hueOff val="0"/>
-              <a:satOff val="0"/>
-              <a:lumOff val="0"/>
-              <a:alphaOff val="0"/>
-            </a:schemeClr>
-          </a:solidFill>
-          <a:prstDash val="solid"/>
-        </a:ln>
-        <a:effectLst/>
-      </dsp:spPr>
-      <dsp:style>
-        <a:lnRef idx="2">
-          <a:scrgbClr r="0" g="0" b="0"/>
-        </a:lnRef>
-        <a:fillRef idx="1">
-          <a:scrgbClr r="0" g="0" b="0"/>
-        </a:fillRef>
-        <a:effectRef idx="0">
-          <a:scrgbClr r="0" g="0" b="0"/>
-        </a:effectRef>
-        <a:fontRef idx="minor">
-          <a:schemeClr val="lt1"/>
-        </a:fontRef>
-      </dsp:style>
-      <dsp:txBody>
-        <a:bodyPr spcFirstLastPara="0" vert="horz" wrap="square" lIns="40640" tIns="40640" rIns="40640" bIns="40640" numCol="1" spcCol="1270" anchor="ctr" anchorCtr="0">
-          <a:noAutofit/>
-        </a:bodyPr>
-        <a:lstStyle/>
-        <a:p>
-          <a:pPr lvl="0" algn="ctr" defTabSz="2844800">
-            <a:lnSpc>
-              <a:spcPct val="90000"/>
-            </a:lnSpc>
-            <a:spcBef>
-              <a:spcPct val="0"/>
-            </a:spcBef>
-            <a:spcAft>
-              <a:spcPct val="35000"/>
-            </a:spcAft>
-          </a:pPr>
-          <a:endParaRPr lang="pt-BR" sz="6400" b="1" kern="1200" dirty="0">
-            <a:solidFill>
-              <a:srgbClr val="7030A0"/>
-            </a:solidFill>
-          </a:endParaRPr>
-        </a:p>
-      </dsp:txBody>
-      <dsp:txXfrm>
-        <a:off x="6956619" y="738410"/>
-        <a:ext cx="1597163" cy="1434132"/>
-      </dsp:txXfrm>
-    </dsp:sp>
-    <dsp:sp modelId="{83E4D291-21C1-4460-8991-5B7B46FF9CA8}">
-      <dsp:nvSpPr>
-        <dsp:cNvPr id="0" name=""/>
-        <dsp:cNvSpPr/>
-      </dsp:nvSpPr>
-      <dsp:spPr>
-        <a:xfrm rot="3812925">
-          <a:off x="5958184" y="3256593"/>
-          <a:ext cx="1382587" cy="24741"/>
-        </a:xfrm>
-        <a:custGeom>
-          <a:avLst/>
-          <a:gdLst/>
-          <a:ahLst/>
-          <a:cxnLst/>
-          <a:rect l="0" t="0" r="0" b="0"/>
-          <a:pathLst>
-            <a:path>
-              <a:moveTo>
-                <a:pt x="0" y="12370"/>
-              </a:moveTo>
-              <a:lnTo>
-                <a:pt x="1382587" y="12370"/>
-              </a:lnTo>
-            </a:path>
-          </a:pathLst>
-        </a:custGeom>
-        <a:noFill/>
-        <a:ln w="28575" cap="flat" cmpd="sng" algn="ctr">
-          <a:solidFill>
-            <a:schemeClr val="accent1">
-              <a:shade val="80000"/>
-              <a:hueOff val="0"/>
-              <a:satOff val="0"/>
-              <a:lumOff val="0"/>
-              <a:alphaOff val="0"/>
-            </a:schemeClr>
-          </a:solidFill>
-          <a:prstDash val="solid"/>
-        </a:ln>
-        <a:effectLst/>
-      </dsp:spPr>
-      <dsp:style>
-        <a:lnRef idx="2">
-          <a:scrgbClr r="0" g="0" b="0"/>
-        </a:lnRef>
-        <a:fillRef idx="0">
-          <a:scrgbClr r="0" g="0" b="0"/>
-        </a:fillRef>
-        <a:effectRef idx="0">
-          <a:scrgbClr r="0" g="0" b="0"/>
-        </a:effectRef>
-        <a:fontRef idx="minor"/>
-      </dsp:style>
-      <dsp:txBody>
-        <a:bodyPr spcFirstLastPara="0" vert="horz" wrap="square" lIns="12700" tIns="0" rIns="12700" bIns="0" numCol="1" spcCol="1270" anchor="ctr" anchorCtr="0">
-          <a:noAutofit/>
-        </a:bodyPr>
-        <a:lstStyle/>
-        <a:p>
-          <a:pPr lvl="0" algn="ctr" defTabSz="222250">
-            <a:lnSpc>
-              <a:spcPct val="90000"/>
-            </a:lnSpc>
-            <a:spcBef>
-              <a:spcPct val="0"/>
-            </a:spcBef>
-            <a:spcAft>
-              <a:spcPct val="35000"/>
-            </a:spcAft>
-          </a:pPr>
-          <a:endParaRPr lang="pt-BR" sz="500" kern="1200"/>
-        </a:p>
-      </dsp:txBody>
-      <dsp:txXfrm>
-        <a:off x="6614913" y="3234399"/>
-        <a:ext cx="69129" cy="69129"/>
-      </dsp:txXfrm>
-    </dsp:sp>
-    <dsp:sp modelId="{AAEECF93-F96B-4557-8B7E-EB719FA6407A}">
-      <dsp:nvSpPr>
-        <dsp:cNvPr id="0" name=""/>
-        <dsp:cNvSpPr/>
-      </dsp:nvSpPr>
-      <dsp:spPr>
-        <a:xfrm>
-          <a:off x="6957405" y="3085967"/>
-          <a:ext cx="1640995" cy="1603843"/>
-        </a:xfrm>
-        <a:prstGeom prst="roundRect">
-          <a:avLst>
-            <a:gd name="adj" fmla="val 10000"/>
-          </a:avLst>
-        </a:prstGeom>
-        <a:blipFill rotWithShape="0">
-          <a:blip xmlns:r="http://schemas.openxmlformats.org/officeDocument/2006/relationships" r:embed="rId5"/>
-          <a:stretch>
-            <a:fillRect/>
-          </a:stretch>
-        </a:blipFill>
-        <a:ln w="28575" cap="flat" cmpd="sng" algn="ctr">
-          <a:solidFill>
-            <a:schemeClr val="lt1">
-              <a:hueOff val="0"/>
-              <a:satOff val="0"/>
-              <a:lumOff val="0"/>
-              <a:alphaOff val="0"/>
-            </a:schemeClr>
-          </a:solidFill>
-          <a:prstDash val="solid"/>
-        </a:ln>
-        <a:effectLst/>
-      </dsp:spPr>
-      <dsp:style>
-        <a:lnRef idx="2">
-          <a:scrgbClr r="0" g="0" b="0"/>
-        </a:lnRef>
-        <a:fillRef idx="1">
-          <a:scrgbClr r="0" g="0" b="0"/>
-        </a:fillRef>
-        <a:effectRef idx="0">
-          <a:scrgbClr r="0" g="0" b="0"/>
-        </a:effectRef>
-        <a:fontRef idx="minor">
-          <a:schemeClr val="lt1"/>
-        </a:fontRef>
-      </dsp:style>
-      <dsp:txBody>
-        <a:bodyPr spcFirstLastPara="0" vert="horz" wrap="square" lIns="40640" tIns="40640" rIns="40640" bIns="40640" numCol="1" spcCol="1270" anchor="ctr" anchorCtr="0">
-          <a:noAutofit/>
-        </a:bodyPr>
-        <a:lstStyle/>
-        <a:p>
-          <a:pPr lvl="0" algn="ctr" defTabSz="2844800">
-            <a:lnSpc>
-              <a:spcPct val="90000"/>
-            </a:lnSpc>
-            <a:spcBef>
-              <a:spcPct val="0"/>
-            </a:spcBef>
-            <a:spcAft>
-              <a:spcPct val="35000"/>
-            </a:spcAft>
-          </a:pPr>
-          <a:endParaRPr lang="pt-BR" sz="6400" b="1" kern="1200" dirty="0">
-            <a:solidFill>
-              <a:srgbClr val="7030A0"/>
-            </a:solidFill>
-          </a:endParaRPr>
-        </a:p>
-      </dsp:txBody>
-      <dsp:txXfrm>
-        <a:off x="7004380" y="3132942"/>
-        <a:ext cx="1547045" cy="1509893"/>
-      </dsp:txXfrm>
-    </dsp:sp>
   </dsp:spTree>
 </dsp:drawing>
 </file>
@@ -16740,372 +12725,6 @@
       <dsp:cNvGrpSpPr/>
     </dsp:nvGrpSpPr>
     <dsp:grpSpPr/>
-    <dsp:sp modelId="{B2AE8354-10C9-4A4D-9813-CBC639505B78}">
-      <dsp:nvSpPr>
-        <dsp:cNvPr id="0" name=""/>
-        <dsp:cNvSpPr/>
-      </dsp:nvSpPr>
-      <dsp:spPr>
-        <a:xfrm>
-          <a:off x="2021" y="0"/>
-          <a:ext cx="1799056" cy="583568"/>
-        </a:xfrm>
-        <a:prstGeom prst="chevron">
-          <a:avLst/>
-        </a:prstGeom>
-        <a:solidFill>
-          <a:srgbClr val="00B050"/>
-        </a:solidFill>
-        <a:ln w="28575" cap="flat" cmpd="sng" algn="ctr">
-          <a:solidFill>
-            <a:schemeClr val="lt1">
-              <a:hueOff val="0"/>
-              <a:satOff val="0"/>
-              <a:lumOff val="0"/>
-              <a:alphaOff val="0"/>
-            </a:schemeClr>
-          </a:solidFill>
-          <a:prstDash val="solid"/>
-        </a:ln>
-        <a:effectLst/>
-      </dsp:spPr>
-      <dsp:style>
-        <a:lnRef idx="2">
-          <a:scrgbClr r="0" g="0" b="0"/>
-        </a:lnRef>
-        <a:fillRef idx="1">
-          <a:scrgbClr r="0" g="0" b="0"/>
-        </a:fillRef>
-        <a:effectRef idx="0">
-          <a:scrgbClr r="0" g="0" b="0"/>
-        </a:effectRef>
-        <a:fontRef idx="minor">
-          <a:schemeClr val="lt1"/>
-        </a:fontRef>
-      </dsp:style>
-      <dsp:txBody>
-        <a:bodyPr spcFirstLastPara="0" vert="horz" wrap="square" lIns="56007" tIns="18669" rIns="18669" bIns="18669" numCol="1" spcCol="1270" anchor="ctr" anchorCtr="0">
-          <a:noAutofit/>
-        </a:bodyPr>
-        <a:lstStyle/>
-        <a:p>
-          <a:pPr lvl="0" algn="ctr" defTabSz="622300">
-            <a:lnSpc>
-              <a:spcPct val="90000"/>
-            </a:lnSpc>
-            <a:spcBef>
-              <a:spcPct val="0"/>
-            </a:spcBef>
-            <a:spcAft>
-              <a:spcPct val="35000"/>
-            </a:spcAft>
-          </a:pPr>
-          <a:r>
-            <a:rPr lang="pt-BR" sz="1400" kern="1200" dirty="0" smtClean="0"/>
-            <a:t>Alerta </a:t>
-          </a:r>
-          <a:endParaRPr lang="pt-BR" sz="1400" kern="1200" dirty="0"/>
-        </a:p>
-      </dsp:txBody>
-      <dsp:txXfrm>
-        <a:off x="293805" y="0"/>
-        <a:ext cx="1215488" cy="583568"/>
-      </dsp:txXfrm>
-    </dsp:sp>
-    <dsp:sp modelId="{0E54B96F-FCDA-4811-9652-44BD62A0423B}">
-      <dsp:nvSpPr>
-        <dsp:cNvPr id="0" name=""/>
-        <dsp:cNvSpPr/>
-      </dsp:nvSpPr>
-      <dsp:spPr>
-        <a:xfrm>
-          <a:off x="1621172" y="0"/>
-          <a:ext cx="1799056" cy="583568"/>
-        </a:xfrm>
-        <a:prstGeom prst="chevron">
-          <a:avLst/>
-        </a:prstGeom>
-        <a:solidFill>
-          <a:srgbClr val="00B050"/>
-        </a:solidFill>
-        <a:ln w="28575" cap="flat" cmpd="sng" algn="ctr">
-          <a:solidFill>
-            <a:schemeClr val="lt1">
-              <a:hueOff val="0"/>
-              <a:satOff val="0"/>
-              <a:lumOff val="0"/>
-              <a:alphaOff val="0"/>
-            </a:schemeClr>
-          </a:solidFill>
-          <a:prstDash val="solid"/>
-        </a:ln>
-        <a:effectLst/>
-      </dsp:spPr>
-      <dsp:style>
-        <a:lnRef idx="2">
-          <a:scrgbClr r="0" g="0" b="0"/>
-        </a:lnRef>
-        <a:fillRef idx="1">
-          <a:scrgbClr r="0" g="0" b="0"/>
-        </a:fillRef>
-        <a:effectRef idx="0">
-          <a:scrgbClr r="0" g="0" b="0"/>
-        </a:effectRef>
-        <a:fontRef idx="minor">
-          <a:schemeClr val="lt1"/>
-        </a:fontRef>
-      </dsp:style>
-      <dsp:txBody>
-        <a:bodyPr spcFirstLastPara="0" vert="horz" wrap="square" lIns="56007" tIns="18669" rIns="18669" bIns="18669" numCol="1" spcCol="1270" anchor="ctr" anchorCtr="0">
-          <a:noAutofit/>
-        </a:bodyPr>
-        <a:lstStyle/>
-        <a:p>
-          <a:pPr lvl="0" algn="ctr" defTabSz="622300">
-            <a:lnSpc>
-              <a:spcPct val="90000"/>
-            </a:lnSpc>
-            <a:spcBef>
-              <a:spcPct val="0"/>
-            </a:spcBef>
-            <a:spcAft>
-              <a:spcPct val="35000"/>
-            </a:spcAft>
-          </a:pPr>
-          <a:r>
-            <a:rPr lang="pt-BR" sz="1400" kern="1200" dirty="0" smtClean="0"/>
-            <a:t>Decisão </a:t>
-          </a:r>
-          <a:endParaRPr lang="pt-BR" sz="1400" kern="1200" dirty="0"/>
-        </a:p>
-      </dsp:txBody>
-      <dsp:txXfrm>
-        <a:off x="1912956" y="0"/>
-        <a:ext cx="1215488" cy="583568"/>
-      </dsp:txXfrm>
-    </dsp:sp>
-    <dsp:sp modelId="{138F2E86-935B-4AAB-80A0-A8E3FB8514BE}">
-      <dsp:nvSpPr>
-        <dsp:cNvPr id="0" name=""/>
-        <dsp:cNvSpPr/>
-      </dsp:nvSpPr>
-      <dsp:spPr>
-        <a:xfrm>
-          <a:off x="3315196" y="0"/>
-          <a:ext cx="1799056" cy="583568"/>
-        </a:xfrm>
-        <a:prstGeom prst="chevron">
-          <a:avLst/>
-        </a:prstGeom>
-        <a:solidFill>
-          <a:schemeClr val="accent3">
-            <a:lumMod val="60000"/>
-            <a:lumOff val="40000"/>
-          </a:schemeClr>
-        </a:solidFill>
-        <a:ln w="28575" cap="flat" cmpd="sng" algn="ctr">
-          <a:solidFill>
-            <a:schemeClr val="lt1">
-              <a:hueOff val="0"/>
-              <a:satOff val="0"/>
-              <a:lumOff val="0"/>
-              <a:alphaOff val="0"/>
-            </a:schemeClr>
-          </a:solidFill>
-          <a:prstDash val="solid"/>
-        </a:ln>
-        <a:effectLst/>
-      </dsp:spPr>
-      <dsp:style>
-        <a:lnRef idx="2">
-          <a:scrgbClr r="0" g="0" b="0"/>
-        </a:lnRef>
-        <a:fillRef idx="1">
-          <a:scrgbClr r="0" g="0" b="0"/>
-        </a:fillRef>
-        <a:effectRef idx="0">
-          <a:scrgbClr r="0" g="0" b="0"/>
-        </a:effectRef>
-        <a:fontRef idx="minor">
-          <a:schemeClr val="lt1"/>
-        </a:fontRef>
-      </dsp:style>
-      <dsp:txBody>
-        <a:bodyPr spcFirstLastPara="0" vert="horz" wrap="square" lIns="56007" tIns="18669" rIns="18669" bIns="18669" numCol="1" spcCol="1270" anchor="ctr" anchorCtr="0">
-          <a:noAutofit/>
-        </a:bodyPr>
-        <a:lstStyle/>
-        <a:p>
-          <a:pPr lvl="0" algn="ctr" defTabSz="622300">
-            <a:lnSpc>
-              <a:spcPct val="90000"/>
-            </a:lnSpc>
-            <a:spcBef>
-              <a:spcPct val="0"/>
-            </a:spcBef>
-            <a:spcAft>
-              <a:spcPct val="35000"/>
-            </a:spcAft>
-          </a:pPr>
-          <a:r>
-            <a:rPr lang="pt-BR" sz="1400" kern="1200" dirty="0" smtClean="0"/>
-            <a:t>Objetivo</a:t>
-          </a:r>
-          <a:endParaRPr lang="pt-BR" sz="1400" kern="1200" dirty="0"/>
-        </a:p>
-      </dsp:txBody>
-      <dsp:txXfrm>
-        <a:off x="3606980" y="0"/>
-        <a:ext cx="1215488" cy="583568"/>
-      </dsp:txXfrm>
-    </dsp:sp>
-    <dsp:sp modelId="{036DEDB6-3F7D-4265-9536-70444E0F43C5}">
-      <dsp:nvSpPr>
-        <dsp:cNvPr id="0" name=""/>
-        <dsp:cNvSpPr/>
-      </dsp:nvSpPr>
-      <dsp:spPr>
-        <a:xfrm>
-          <a:off x="4859474" y="0"/>
-          <a:ext cx="1799056" cy="583568"/>
-        </a:xfrm>
-        <a:prstGeom prst="chevron">
-          <a:avLst/>
-        </a:prstGeom>
-        <a:solidFill>
-          <a:schemeClr val="accent3">
-            <a:lumMod val="60000"/>
-            <a:lumOff val="40000"/>
-          </a:schemeClr>
-        </a:solidFill>
-        <a:ln w="28575" cap="flat" cmpd="sng" algn="ctr">
-          <a:solidFill>
-            <a:schemeClr val="lt1">
-              <a:hueOff val="0"/>
-              <a:satOff val="0"/>
-              <a:lumOff val="0"/>
-              <a:alphaOff val="0"/>
-            </a:schemeClr>
-          </a:solidFill>
-          <a:prstDash val="solid"/>
-        </a:ln>
-        <a:effectLst/>
-      </dsp:spPr>
-      <dsp:style>
-        <a:lnRef idx="2">
-          <a:scrgbClr r="0" g="0" b="0"/>
-        </a:lnRef>
-        <a:fillRef idx="1">
-          <a:scrgbClr r="0" g="0" b="0"/>
-        </a:fillRef>
-        <a:effectRef idx="0">
-          <a:scrgbClr r="0" g="0" b="0"/>
-        </a:effectRef>
-        <a:fontRef idx="minor">
-          <a:schemeClr val="lt1"/>
-        </a:fontRef>
-      </dsp:style>
-      <dsp:txBody>
-        <a:bodyPr spcFirstLastPara="0" vert="horz" wrap="square" lIns="56007" tIns="18669" rIns="18669" bIns="18669" numCol="1" spcCol="1270" anchor="ctr" anchorCtr="0">
-          <a:noAutofit/>
-        </a:bodyPr>
-        <a:lstStyle/>
-        <a:p>
-          <a:pPr lvl="0" algn="ctr" defTabSz="622300">
-            <a:lnSpc>
-              <a:spcPct val="90000"/>
-            </a:lnSpc>
-            <a:spcBef>
-              <a:spcPct val="0"/>
-            </a:spcBef>
-            <a:spcAft>
-              <a:spcPct val="35000"/>
-            </a:spcAft>
-          </a:pPr>
-          <a:r>
-            <a:rPr lang="pt-BR" sz="1400" kern="1200" dirty="0" smtClean="0"/>
-            <a:t>Configuração </a:t>
-          </a:r>
-          <a:endParaRPr lang="pt-BR" sz="1400" kern="1200" dirty="0"/>
-        </a:p>
-      </dsp:txBody>
-      <dsp:txXfrm>
-        <a:off x="5151258" y="0"/>
-        <a:ext cx="1215488" cy="583568"/>
-      </dsp:txXfrm>
-    </dsp:sp>
-    <dsp:sp modelId="{884F73D8-A1DD-409F-B35B-3D4A5D42189F}">
-      <dsp:nvSpPr>
-        <dsp:cNvPr id="0" name=""/>
-        <dsp:cNvSpPr/>
-      </dsp:nvSpPr>
-      <dsp:spPr>
-        <a:xfrm>
-          <a:off x="6478625" y="0"/>
-          <a:ext cx="1799056" cy="583568"/>
-        </a:xfrm>
-        <a:prstGeom prst="chevron">
-          <a:avLst/>
-        </a:prstGeom>
-        <a:solidFill>
-          <a:srgbClr val="00B050"/>
-        </a:solidFill>
-        <a:ln w="28575" cap="flat" cmpd="sng" algn="ctr">
-          <a:solidFill>
-            <a:schemeClr val="lt1">
-              <a:hueOff val="0"/>
-              <a:satOff val="0"/>
-              <a:lumOff val="0"/>
-              <a:alphaOff val="0"/>
-            </a:schemeClr>
-          </a:solidFill>
-          <a:prstDash val="solid"/>
-        </a:ln>
-        <a:effectLst/>
-      </dsp:spPr>
-      <dsp:style>
-        <a:lnRef idx="2">
-          <a:scrgbClr r="0" g="0" b="0"/>
-        </a:lnRef>
-        <a:fillRef idx="1">
-          <a:scrgbClr r="0" g="0" b="0"/>
-        </a:fillRef>
-        <a:effectRef idx="0">
-          <a:scrgbClr r="0" g="0" b="0"/>
-        </a:effectRef>
-        <a:fontRef idx="minor">
-          <a:schemeClr val="lt1"/>
-        </a:fontRef>
-      </dsp:style>
-      <dsp:txBody>
-        <a:bodyPr spcFirstLastPara="0" vert="horz" wrap="square" lIns="56007" tIns="18669" rIns="18669" bIns="18669" numCol="1" spcCol="1270" anchor="ctr" anchorCtr="0">
-          <a:noAutofit/>
-        </a:bodyPr>
-        <a:lstStyle/>
-        <a:p>
-          <a:pPr lvl="0" algn="ctr" defTabSz="622300">
-            <a:lnSpc>
-              <a:spcPct val="90000"/>
-            </a:lnSpc>
-            <a:spcBef>
-              <a:spcPct val="0"/>
-            </a:spcBef>
-            <a:spcAft>
-              <a:spcPct val="35000"/>
-            </a:spcAft>
-          </a:pPr>
-          <a:r>
-            <a:rPr lang="pt-BR" sz="1400" kern="1200" dirty="0" smtClean="0"/>
-            <a:t>Ação</a:t>
-          </a:r>
-          <a:endParaRPr lang="pt-BR" sz="1400" kern="1200" dirty="0"/>
-        </a:p>
-      </dsp:txBody>
-      <dsp:txXfrm>
-        <a:off x="6770409" y="0"/>
-        <a:ext cx="1215488" cy="583568"/>
-      </dsp:txXfrm>
-    </dsp:sp>
   </dsp:spTree>
 </dsp:drawing>
 </file>
@@ -17118,1187 +12737,6 @@
       <dsp:cNvGrpSpPr/>
     </dsp:nvGrpSpPr>
     <dsp:grpSpPr/>
-    <dsp:sp modelId="{4C3D1E39-5F89-426B-8C24-E8FB283BA725}">
-      <dsp:nvSpPr>
-        <dsp:cNvPr id="0" name=""/>
-        <dsp:cNvSpPr/>
-      </dsp:nvSpPr>
-      <dsp:spPr>
-        <a:xfrm>
-          <a:off x="1942" y="1697"/>
-          <a:ext cx="1105759" cy="888822"/>
-        </a:xfrm>
-        <a:prstGeom prst="roundRect">
-          <a:avLst>
-            <a:gd name="adj" fmla="val 10000"/>
-          </a:avLst>
-        </a:prstGeom>
-        <a:solidFill>
-          <a:schemeClr val="tx2">
-            <a:lumMod val="60000"/>
-            <a:lumOff val="40000"/>
-          </a:schemeClr>
-        </a:solidFill>
-        <a:ln w="28575" cap="flat" cmpd="sng" algn="ctr">
-          <a:solidFill>
-            <a:schemeClr val="lt1">
-              <a:hueOff val="0"/>
-              <a:satOff val="0"/>
-              <a:lumOff val="0"/>
-              <a:alphaOff val="0"/>
-            </a:schemeClr>
-          </a:solidFill>
-          <a:prstDash val="solid"/>
-        </a:ln>
-        <a:effectLst/>
-      </dsp:spPr>
-      <dsp:style>
-        <a:lnRef idx="2">
-          <a:scrgbClr r="0" g="0" b="0"/>
-        </a:lnRef>
-        <a:fillRef idx="1">
-          <a:scrgbClr r="0" g="0" b="0"/>
-        </a:fillRef>
-        <a:effectRef idx="0">
-          <a:scrgbClr r="0" g="0" b="0"/>
-        </a:effectRef>
-        <a:fontRef idx="minor">
-          <a:schemeClr val="lt1"/>
-        </a:fontRef>
-      </dsp:style>
-      <dsp:txBody>
-        <a:bodyPr spcFirstLastPara="0" vert="horz" wrap="square" lIns="45720" tIns="45720" rIns="45720" bIns="45720" numCol="1" spcCol="1270" anchor="ctr" anchorCtr="0">
-          <a:noAutofit/>
-        </a:bodyPr>
-        <a:lstStyle/>
-        <a:p>
-          <a:pPr lvl="0" algn="ctr" defTabSz="533400">
-            <a:lnSpc>
-              <a:spcPct val="90000"/>
-            </a:lnSpc>
-            <a:spcBef>
-              <a:spcPct val="0"/>
-            </a:spcBef>
-            <a:spcAft>
-              <a:spcPct val="35000"/>
-            </a:spcAft>
-          </a:pPr>
-          <a:r>
-            <a:rPr lang="pt-BR" sz="1200" b="1" kern="1200" smtClean="0">
-              <a:ln>
-                <a:noFill/>
-              </a:ln>
-              <a:solidFill>
-                <a:schemeClr val="tx1"/>
-              </a:solidFill>
-            </a:rPr>
-            <a:t>Campus</a:t>
-          </a:r>
-          <a:endParaRPr lang="pt-BR" sz="1200" b="1" kern="1200" dirty="0">
-            <a:ln>
-              <a:noFill/>
-            </a:ln>
-            <a:solidFill>
-              <a:schemeClr val="tx1"/>
-            </a:solidFill>
-          </a:endParaRPr>
-        </a:p>
-      </dsp:txBody>
-      <dsp:txXfrm>
-        <a:off x="27975" y="27730"/>
-        <a:ext cx="1053693" cy="836756"/>
-      </dsp:txXfrm>
-    </dsp:sp>
-    <dsp:sp modelId="{30F2F746-3BA7-4C0B-929D-7D34C5EEA64C}">
-      <dsp:nvSpPr>
-        <dsp:cNvPr id="0" name=""/>
-        <dsp:cNvSpPr/>
-      </dsp:nvSpPr>
-      <dsp:spPr>
-        <a:xfrm>
-          <a:off x="1270453" y="1697"/>
-          <a:ext cx="1137029" cy="888822"/>
-        </a:xfrm>
-        <a:prstGeom prst="roundRect">
-          <a:avLst>
-            <a:gd name="adj" fmla="val 10000"/>
-          </a:avLst>
-        </a:prstGeom>
-        <a:solidFill>
-          <a:schemeClr val="tx2">
-            <a:lumMod val="60000"/>
-            <a:lumOff val="40000"/>
-          </a:schemeClr>
-        </a:solidFill>
-        <a:ln w="28575" cap="flat" cmpd="sng" algn="ctr">
-          <a:solidFill>
-            <a:schemeClr val="lt1">
-              <a:hueOff val="0"/>
-              <a:satOff val="0"/>
-              <a:lumOff val="0"/>
-              <a:alphaOff val="0"/>
-            </a:schemeClr>
-          </a:solidFill>
-          <a:prstDash val="solid"/>
-        </a:ln>
-        <a:effectLst/>
-      </dsp:spPr>
-      <dsp:style>
-        <a:lnRef idx="2">
-          <a:scrgbClr r="0" g="0" b="0"/>
-        </a:lnRef>
-        <a:fillRef idx="1">
-          <a:scrgbClr r="0" g="0" b="0"/>
-        </a:fillRef>
-        <a:effectRef idx="0">
-          <a:scrgbClr r="0" g="0" b="0"/>
-        </a:effectRef>
-        <a:fontRef idx="minor">
-          <a:schemeClr val="lt1"/>
-        </a:fontRef>
-      </dsp:style>
-      <dsp:txBody>
-        <a:bodyPr spcFirstLastPara="0" vert="horz" wrap="square" lIns="45720" tIns="45720" rIns="45720" bIns="45720" numCol="1" spcCol="1270" anchor="ctr" anchorCtr="0">
-          <a:noAutofit/>
-        </a:bodyPr>
-        <a:lstStyle/>
-        <a:p>
-          <a:pPr lvl="0" algn="ctr" defTabSz="533400">
-            <a:lnSpc>
-              <a:spcPct val="90000"/>
-            </a:lnSpc>
-            <a:spcBef>
-              <a:spcPct val="0"/>
-            </a:spcBef>
-            <a:spcAft>
-              <a:spcPct val="35000"/>
-            </a:spcAft>
-          </a:pPr>
-          <a:r>
-            <a:rPr lang="pt-BR" sz="1200" b="1" kern="1200" dirty="0" smtClean="0">
-              <a:solidFill>
-                <a:schemeClr val="tx1"/>
-              </a:solidFill>
-            </a:rPr>
-            <a:t>Serviços disponíveis</a:t>
-          </a:r>
-          <a:endParaRPr lang="pt-BR" sz="1200" b="1" kern="1200" dirty="0">
-            <a:solidFill>
-              <a:schemeClr val="tx1"/>
-            </a:solidFill>
-          </a:endParaRPr>
-        </a:p>
-      </dsp:txBody>
-      <dsp:txXfrm>
-        <a:off x="1296486" y="27730"/>
-        <a:ext cx="1084963" cy="836756"/>
-      </dsp:txXfrm>
-    </dsp:sp>
-    <dsp:sp modelId="{E77A1557-B333-4889-8F64-CEC07BEF4C56}">
-      <dsp:nvSpPr>
-        <dsp:cNvPr id="0" name=""/>
-        <dsp:cNvSpPr/>
-      </dsp:nvSpPr>
-      <dsp:spPr>
-        <a:xfrm>
-          <a:off x="2570233" y="1697"/>
-          <a:ext cx="6571823" cy="888822"/>
-        </a:xfrm>
-        <a:prstGeom prst="roundRect">
-          <a:avLst>
-            <a:gd name="adj" fmla="val 10000"/>
-          </a:avLst>
-        </a:prstGeom>
-        <a:solidFill>
-          <a:schemeClr val="tx2">
-            <a:lumMod val="60000"/>
-            <a:lumOff val="40000"/>
-          </a:schemeClr>
-        </a:solidFill>
-        <a:ln w="28575" cap="flat" cmpd="sng" algn="ctr">
-          <a:solidFill>
-            <a:schemeClr val="lt1">
-              <a:hueOff val="0"/>
-              <a:satOff val="0"/>
-              <a:lumOff val="0"/>
-              <a:alphaOff val="0"/>
-            </a:schemeClr>
-          </a:solidFill>
-          <a:prstDash val="solid"/>
-        </a:ln>
-        <a:effectLst/>
-      </dsp:spPr>
-      <dsp:style>
-        <a:lnRef idx="2">
-          <a:scrgbClr r="0" g="0" b="0"/>
-        </a:lnRef>
-        <a:fillRef idx="1">
-          <a:scrgbClr r="0" g="0" b="0"/>
-        </a:fillRef>
-        <a:effectRef idx="0">
-          <a:scrgbClr r="0" g="0" b="0"/>
-        </a:effectRef>
-        <a:fontRef idx="minor">
-          <a:schemeClr val="lt1"/>
-        </a:fontRef>
-      </dsp:style>
-      <dsp:txBody>
-        <a:bodyPr spcFirstLastPara="0" vert="horz" wrap="square" lIns="45720" tIns="45720" rIns="45720" bIns="45720" numCol="1" spcCol="1270" anchor="ctr" anchorCtr="0">
-          <a:noAutofit/>
-        </a:bodyPr>
-        <a:lstStyle/>
-        <a:p>
-          <a:pPr lvl="0" algn="ctr" defTabSz="533400">
-            <a:lnSpc>
-              <a:spcPct val="90000"/>
-            </a:lnSpc>
-            <a:spcBef>
-              <a:spcPct val="0"/>
-            </a:spcBef>
-            <a:spcAft>
-              <a:spcPct val="35000"/>
-            </a:spcAft>
-          </a:pPr>
-          <a:r>
-            <a:rPr lang="pt-BR" sz="1200" b="1" kern="1200" smtClean="0">
-              <a:solidFill>
-                <a:schemeClr val="tx1"/>
-              </a:solidFill>
-            </a:rPr>
-            <a:t>Seleção do serviço</a:t>
-          </a:r>
-          <a:endParaRPr lang="pt-BR" sz="1200" b="1" kern="1200" dirty="0">
-            <a:solidFill>
-              <a:schemeClr val="tx1"/>
-            </a:solidFill>
-          </a:endParaRPr>
-        </a:p>
-      </dsp:txBody>
-      <dsp:txXfrm>
-        <a:off x="2596266" y="27730"/>
-        <a:ext cx="6519757" cy="836756"/>
-      </dsp:txXfrm>
-    </dsp:sp>
-    <dsp:sp modelId="{62180683-1482-4A33-8FBB-F63DE3CC3CEE}">
-      <dsp:nvSpPr>
-        <dsp:cNvPr id="0" name=""/>
-        <dsp:cNvSpPr/>
-      </dsp:nvSpPr>
-      <dsp:spPr>
-        <a:xfrm>
-          <a:off x="2576648" y="969905"/>
-          <a:ext cx="1320071" cy="888822"/>
-        </a:xfrm>
-        <a:prstGeom prst="roundRect">
-          <a:avLst>
-            <a:gd name="adj" fmla="val 10000"/>
-          </a:avLst>
-        </a:prstGeom>
-        <a:solidFill>
-          <a:schemeClr val="accent5">
-            <a:lumMod val="60000"/>
-            <a:lumOff val="40000"/>
-          </a:schemeClr>
-        </a:solidFill>
-        <a:ln w="28575" cap="flat" cmpd="sng" algn="ctr">
-          <a:solidFill>
-            <a:schemeClr val="lt1">
-              <a:hueOff val="0"/>
-              <a:satOff val="0"/>
-              <a:lumOff val="0"/>
-              <a:alphaOff val="0"/>
-            </a:schemeClr>
-          </a:solidFill>
-          <a:prstDash val="solid"/>
-        </a:ln>
-        <a:effectLst/>
-      </dsp:spPr>
-      <dsp:style>
-        <a:lnRef idx="2">
-          <a:scrgbClr r="0" g="0" b="0"/>
-        </a:lnRef>
-        <a:fillRef idx="1">
-          <a:scrgbClr r="0" g="0" b="0"/>
-        </a:fillRef>
-        <a:effectRef idx="0">
-          <a:scrgbClr r="0" g="0" b="0"/>
-        </a:effectRef>
-        <a:fontRef idx="minor">
-          <a:schemeClr val="lt1"/>
-        </a:fontRef>
-      </dsp:style>
-      <dsp:txBody>
-        <a:bodyPr spcFirstLastPara="0" vert="horz" wrap="square" lIns="45720" tIns="45720" rIns="45720" bIns="45720" numCol="1" spcCol="1270" anchor="ctr" anchorCtr="0">
-          <a:noAutofit/>
-        </a:bodyPr>
-        <a:lstStyle/>
-        <a:p>
-          <a:pPr lvl="0" algn="ctr" defTabSz="533400">
-            <a:lnSpc>
-              <a:spcPct val="90000"/>
-            </a:lnSpc>
-            <a:spcBef>
-              <a:spcPct val="0"/>
-            </a:spcBef>
-            <a:spcAft>
-              <a:spcPct val="35000"/>
-            </a:spcAft>
-          </a:pPr>
-          <a:r>
-            <a:rPr lang="pt-BR" sz="1200" b="1" kern="1200" smtClean="0">
-              <a:solidFill>
-                <a:schemeClr val="tx1"/>
-              </a:solidFill>
-            </a:rPr>
-            <a:t>Ativação</a:t>
-          </a:r>
-          <a:endParaRPr lang="pt-BR" sz="1200" b="1" kern="1200" dirty="0">
-            <a:solidFill>
-              <a:schemeClr val="tx1"/>
-            </a:solidFill>
-          </a:endParaRPr>
-        </a:p>
-      </dsp:txBody>
-      <dsp:txXfrm>
-        <a:off x="2602681" y="995938"/>
-        <a:ext cx="1268005" cy="836756"/>
-      </dsp:txXfrm>
-    </dsp:sp>
-    <dsp:sp modelId="{E5D4FDCF-9450-4734-9035-0CB6AC1F4DDC}">
-      <dsp:nvSpPr>
-        <dsp:cNvPr id="0" name=""/>
-        <dsp:cNvSpPr/>
-      </dsp:nvSpPr>
-      <dsp:spPr>
-        <a:xfrm>
-          <a:off x="3977857" y="969905"/>
-          <a:ext cx="1172262" cy="888822"/>
-        </a:xfrm>
-        <a:prstGeom prst="roundRect">
-          <a:avLst>
-            <a:gd name="adj" fmla="val 10000"/>
-          </a:avLst>
-        </a:prstGeom>
-        <a:solidFill>
-          <a:schemeClr val="accent5">
-            <a:lumMod val="60000"/>
-            <a:lumOff val="40000"/>
-          </a:schemeClr>
-        </a:solidFill>
-        <a:ln w="28575" cap="flat" cmpd="sng" algn="ctr">
-          <a:solidFill>
-            <a:schemeClr val="lt1">
-              <a:hueOff val="0"/>
-              <a:satOff val="0"/>
-              <a:lumOff val="0"/>
-              <a:alphaOff val="0"/>
-            </a:schemeClr>
-          </a:solidFill>
-          <a:prstDash val="solid"/>
-        </a:ln>
-        <a:effectLst/>
-      </dsp:spPr>
-      <dsp:style>
-        <a:lnRef idx="2">
-          <a:scrgbClr r="0" g="0" b="0"/>
-        </a:lnRef>
-        <a:fillRef idx="1">
-          <a:scrgbClr r="0" g="0" b="0"/>
-        </a:fillRef>
-        <a:effectRef idx="0">
-          <a:scrgbClr r="0" g="0" b="0"/>
-        </a:effectRef>
-        <a:fontRef idx="minor">
-          <a:schemeClr val="lt1"/>
-        </a:fontRef>
-      </dsp:style>
-      <dsp:txBody>
-        <a:bodyPr spcFirstLastPara="0" vert="horz" wrap="square" lIns="45720" tIns="45720" rIns="45720" bIns="45720" numCol="1" spcCol="1270" anchor="ctr" anchorCtr="0">
-          <a:noAutofit/>
-        </a:bodyPr>
-        <a:lstStyle/>
-        <a:p>
-          <a:pPr lvl="0" algn="ctr" defTabSz="533400">
-            <a:lnSpc>
-              <a:spcPct val="90000"/>
-            </a:lnSpc>
-            <a:spcBef>
-              <a:spcPct val="0"/>
-            </a:spcBef>
-            <a:spcAft>
-              <a:spcPct val="35000"/>
-            </a:spcAft>
-          </a:pPr>
-          <a:r>
-            <a:rPr lang="pt-BR" sz="1200" b="1" kern="1200" smtClean="0">
-              <a:solidFill>
-                <a:schemeClr val="tx1"/>
-              </a:solidFill>
-            </a:rPr>
-            <a:t>Configuração</a:t>
-          </a:r>
-          <a:endParaRPr lang="pt-BR" sz="1200" b="1" kern="1200" dirty="0">
-            <a:solidFill>
-              <a:schemeClr val="tx1"/>
-            </a:solidFill>
-          </a:endParaRPr>
-        </a:p>
-      </dsp:txBody>
-      <dsp:txXfrm>
-        <a:off x="4003890" y="995938"/>
-        <a:ext cx="1120196" cy="836756"/>
-      </dsp:txXfrm>
-    </dsp:sp>
-    <dsp:sp modelId="{1BC63A0A-19A2-4753-A204-FDFD6D6C0A66}">
-      <dsp:nvSpPr>
-        <dsp:cNvPr id="0" name=""/>
-        <dsp:cNvSpPr/>
-      </dsp:nvSpPr>
-      <dsp:spPr>
-        <a:xfrm>
-          <a:off x="5231257" y="969905"/>
-          <a:ext cx="3904385" cy="888822"/>
-        </a:xfrm>
-        <a:prstGeom prst="roundRect">
-          <a:avLst>
-            <a:gd name="adj" fmla="val 10000"/>
-          </a:avLst>
-        </a:prstGeom>
-        <a:solidFill>
-          <a:srgbClr val="FFC000"/>
-        </a:solidFill>
-        <a:ln w="28575" cap="flat" cmpd="sng" algn="ctr">
-          <a:solidFill>
-            <a:schemeClr val="lt1">
-              <a:hueOff val="0"/>
-              <a:satOff val="0"/>
-              <a:lumOff val="0"/>
-              <a:alphaOff val="0"/>
-            </a:schemeClr>
-          </a:solidFill>
-          <a:prstDash val="solid"/>
-        </a:ln>
-        <a:effectLst/>
-      </dsp:spPr>
-      <dsp:style>
-        <a:lnRef idx="2">
-          <a:scrgbClr r="0" g="0" b="0"/>
-        </a:lnRef>
-        <a:fillRef idx="1">
-          <a:scrgbClr r="0" g="0" b="0"/>
-        </a:fillRef>
-        <a:effectRef idx="0">
-          <a:scrgbClr r="0" g="0" b="0"/>
-        </a:effectRef>
-        <a:fontRef idx="minor">
-          <a:schemeClr val="lt1"/>
-        </a:fontRef>
-      </dsp:style>
-      <dsp:txBody>
-        <a:bodyPr spcFirstLastPara="0" vert="horz" wrap="square" lIns="45720" tIns="45720" rIns="45720" bIns="45720" numCol="1" spcCol="1270" anchor="ctr" anchorCtr="0">
-          <a:noAutofit/>
-        </a:bodyPr>
-        <a:lstStyle/>
-        <a:p>
-          <a:pPr lvl="0" algn="ctr" defTabSz="533400">
-            <a:lnSpc>
-              <a:spcPct val="90000"/>
-            </a:lnSpc>
-            <a:spcBef>
-              <a:spcPct val="0"/>
-            </a:spcBef>
-            <a:spcAft>
-              <a:spcPct val="35000"/>
-            </a:spcAft>
-          </a:pPr>
-          <a:r>
-            <a:rPr lang="pt-BR" sz="1200" b="1" kern="1200" smtClean="0">
-              <a:solidFill>
-                <a:schemeClr val="tx1"/>
-              </a:solidFill>
-            </a:rPr>
-            <a:t>Execução</a:t>
-          </a:r>
-          <a:endParaRPr lang="pt-BR" sz="1200" b="1" kern="1200" dirty="0">
-            <a:solidFill>
-              <a:schemeClr val="tx1"/>
-            </a:solidFill>
-          </a:endParaRPr>
-        </a:p>
-      </dsp:txBody>
-      <dsp:txXfrm>
-        <a:off x="5257290" y="995938"/>
-        <a:ext cx="3852319" cy="836756"/>
-      </dsp:txXfrm>
-    </dsp:sp>
-    <dsp:sp modelId="{F288AAAD-2078-4D8A-9D78-2B930A2D6506}">
-      <dsp:nvSpPr>
-        <dsp:cNvPr id="0" name=""/>
-        <dsp:cNvSpPr/>
-      </dsp:nvSpPr>
-      <dsp:spPr>
-        <a:xfrm>
-          <a:off x="5238871" y="1938112"/>
-          <a:ext cx="968756" cy="888822"/>
-        </a:xfrm>
-        <a:prstGeom prst="roundRect">
-          <a:avLst>
-            <a:gd name="adj" fmla="val 10000"/>
-          </a:avLst>
-        </a:prstGeom>
-        <a:solidFill>
-          <a:schemeClr val="accent5">
-            <a:lumMod val="60000"/>
-            <a:lumOff val="40000"/>
-          </a:schemeClr>
-        </a:solidFill>
-        <a:ln w="28575" cap="flat" cmpd="sng" algn="ctr">
-          <a:solidFill>
-            <a:schemeClr val="lt1">
-              <a:hueOff val="0"/>
-              <a:satOff val="0"/>
-              <a:lumOff val="0"/>
-              <a:alphaOff val="0"/>
-            </a:schemeClr>
-          </a:solidFill>
-          <a:prstDash val="solid"/>
-        </a:ln>
-        <a:effectLst/>
-      </dsp:spPr>
-      <dsp:style>
-        <a:lnRef idx="2">
-          <a:scrgbClr r="0" g="0" b="0"/>
-        </a:lnRef>
-        <a:fillRef idx="1">
-          <a:scrgbClr r="0" g="0" b="0"/>
-        </a:fillRef>
-        <a:effectRef idx="0">
-          <a:scrgbClr r="0" g="0" b="0"/>
-        </a:effectRef>
-        <a:fontRef idx="minor">
-          <a:schemeClr val="lt1"/>
-        </a:fontRef>
-      </dsp:style>
-      <dsp:txBody>
-        <a:bodyPr spcFirstLastPara="0" vert="horz" wrap="square" lIns="45720" tIns="45720" rIns="45720" bIns="45720" numCol="1" spcCol="1270" anchor="ctr" anchorCtr="0">
-          <a:noAutofit/>
-        </a:bodyPr>
-        <a:lstStyle/>
-        <a:p>
-          <a:pPr lvl="0" algn="ctr" defTabSz="533400">
-            <a:lnSpc>
-              <a:spcPct val="90000"/>
-            </a:lnSpc>
-            <a:spcBef>
-              <a:spcPct val="0"/>
-            </a:spcBef>
-            <a:spcAft>
-              <a:spcPct val="35000"/>
-            </a:spcAft>
-          </a:pPr>
-          <a:r>
-            <a:rPr lang="pt-BR" sz="1200" b="1" kern="1200" smtClean="0">
-              <a:solidFill>
-                <a:schemeClr val="tx1"/>
-              </a:solidFill>
-            </a:rPr>
-            <a:t>Notificação (Mobile)</a:t>
-          </a:r>
-          <a:endParaRPr lang="pt-BR" sz="1200" b="1" kern="1200" dirty="0">
-            <a:solidFill>
-              <a:schemeClr val="tx1"/>
-            </a:solidFill>
-          </a:endParaRPr>
-        </a:p>
-      </dsp:txBody>
-      <dsp:txXfrm>
-        <a:off x="5264904" y="1964145"/>
-        <a:ext cx="916690" cy="836756"/>
-      </dsp:txXfrm>
-    </dsp:sp>
-    <dsp:sp modelId="{B13B8C43-BA0C-45DB-94C0-10DBA8A47E39}">
-      <dsp:nvSpPr>
-        <dsp:cNvPr id="0" name=""/>
-        <dsp:cNvSpPr/>
-      </dsp:nvSpPr>
-      <dsp:spPr>
-        <a:xfrm>
-          <a:off x="6248197" y="1938112"/>
-          <a:ext cx="2879831" cy="888822"/>
-        </a:xfrm>
-        <a:prstGeom prst="roundRect">
-          <a:avLst>
-            <a:gd name="adj" fmla="val 10000"/>
-          </a:avLst>
-        </a:prstGeom>
-        <a:solidFill>
-          <a:srgbClr val="FFC000"/>
-        </a:solidFill>
-        <a:ln w="28575" cap="flat" cmpd="sng" algn="ctr">
-          <a:solidFill>
-            <a:schemeClr val="lt1">
-              <a:hueOff val="0"/>
-              <a:satOff val="0"/>
-              <a:lumOff val="0"/>
-              <a:alphaOff val="0"/>
-            </a:schemeClr>
-          </a:solidFill>
-          <a:prstDash val="solid"/>
-        </a:ln>
-        <a:effectLst/>
-      </dsp:spPr>
-      <dsp:style>
-        <a:lnRef idx="2">
-          <a:scrgbClr r="0" g="0" b="0"/>
-        </a:lnRef>
-        <a:fillRef idx="1">
-          <a:scrgbClr r="0" g="0" b="0"/>
-        </a:fillRef>
-        <a:effectRef idx="0">
-          <a:scrgbClr r="0" g="0" b="0"/>
-        </a:effectRef>
-        <a:fontRef idx="minor">
-          <a:schemeClr val="lt1"/>
-        </a:fontRef>
-      </dsp:style>
-      <dsp:txBody>
-        <a:bodyPr spcFirstLastPara="0" vert="horz" wrap="square" lIns="45720" tIns="45720" rIns="45720" bIns="45720" numCol="1" spcCol="1270" anchor="ctr" anchorCtr="0">
-          <a:noAutofit/>
-        </a:bodyPr>
-        <a:lstStyle/>
-        <a:p>
-          <a:pPr lvl="0" algn="ctr" defTabSz="533400">
-            <a:lnSpc>
-              <a:spcPct val="90000"/>
-            </a:lnSpc>
-            <a:spcBef>
-              <a:spcPct val="0"/>
-            </a:spcBef>
-            <a:spcAft>
-              <a:spcPct val="35000"/>
-            </a:spcAft>
-          </a:pPr>
-          <a:r>
-            <a:rPr lang="pt-BR" sz="1200" b="1" kern="1200" smtClean="0">
-              <a:solidFill>
-                <a:schemeClr val="tx1"/>
-              </a:solidFill>
-            </a:rPr>
-            <a:t>Decisão</a:t>
-          </a:r>
-          <a:endParaRPr lang="pt-BR" sz="1200" b="1" kern="1200" dirty="0">
-            <a:solidFill>
-              <a:schemeClr val="tx1"/>
-            </a:solidFill>
-          </a:endParaRPr>
-        </a:p>
-      </dsp:txBody>
-      <dsp:txXfrm>
-        <a:off x="6274230" y="1964145"/>
-        <a:ext cx="2827765" cy="836756"/>
-      </dsp:txXfrm>
-    </dsp:sp>
-    <dsp:sp modelId="{79E71528-B7F2-4520-8005-9C5C9305C44E}">
-      <dsp:nvSpPr>
-        <dsp:cNvPr id="0" name=""/>
-        <dsp:cNvSpPr/>
-      </dsp:nvSpPr>
-      <dsp:spPr>
-        <a:xfrm>
-          <a:off x="6259554" y="2906320"/>
-          <a:ext cx="1876029" cy="888822"/>
-        </a:xfrm>
-        <a:prstGeom prst="roundRect">
-          <a:avLst>
-            <a:gd name="adj" fmla="val 10000"/>
-          </a:avLst>
-        </a:prstGeom>
-        <a:solidFill>
-          <a:schemeClr val="accent5">
-            <a:lumMod val="60000"/>
-            <a:lumOff val="40000"/>
-          </a:schemeClr>
-        </a:solidFill>
-        <a:ln w="28575" cap="flat" cmpd="sng" algn="ctr">
-          <a:solidFill>
-            <a:schemeClr val="lt1">
-              <a:hueOff val="0"/>
-              <a:satOff val="0"/>
-              <a:lumOff val="0"/>
-              <a:alphaOff val="0"/>
-            </a:schemeClr>
-          </a:solidFill>
-          <a:prstDash val="solid"/>
-        </a:ln>
-        <a:effectLst/>
-      </dsp:spPr>
-      <dsp:style>
-        <a:lnRef idx="2">
-          <a:scrgbClr r="0" g="0" b="0"/>
-        </a:lnRef>
-        <a:fillRef idx="1">
-          <a:scrgbClr r="0" g="0" b="0"/>
-        </a:fillRef>
-        <a:effectRef idx="0">
-          <a:scrgbClr r="0" g="0" b="0"/>
-        </a:effectRef>
-        <a:fontRef idx="minor">
-          <a:schemeClr val="lt1"/>
-        </a:fontRef>
-      </dsp:style>
-      <dsp:txBody>
-        <a:bodyPr spcFirstLastPara="0" vert="horz" wrap="square" lIns="45720" tIns="45720" rIns="45720" bIns="45720" numCol="1" spcCol="1270" anchor="ctr" anchorCtr="0">
-          <a:noAutofit/>
-        </a:bodyPr>
-        <a:lstStyle/>
-        <a:p>
-          <a:pPr lvl="0" algn="ctr" defTabSz="533400">
-            <a:lnSpc>
-              <a:spcPct val="90000"/>
-            </a:lnSpc>
-            <a:spcBef>
-              <a:spcPct val="0"/>
-            </a:spcBef>
-            <a:spcAft>
-              <a:spcPct val="35000"/>
-            </a:spcAft>
-          </a:pPr>
-          <a:r>
-            <a:rPr lang="pt-BR" sz="1200" b="1" kern="1200" smtClean="0">
-              <a:solidFill>
-                <a:schemeClr val="tx1"/>
-              </a:solidFill>
-            </a:rPr>
-            <a:t>Sim</a:t>
-          </a:r>
-          <a:endParaRPr lang="pt-BR" sz="1200" b="1" kern="1200" dirty="0">
-            <a:solidFill>
-              <a:schemeClr val="tx1"/>
-            </a:solidFill>
-          </a:endParaRPr>
-        </a:p>
-      </dsp:txBody>
-      <dsp:txXfrm>
-        <a:off x="6285587" y="2932353"/>
-        <a:ext cx="1823963" cy="836756"/>
-      </dsp:txXfrm>
-    </dsp:sp>
-    <dsp:sp modelId="{78FFFDD3-9B0A-4238-AC6F-F0CE54BB63B3}">
-      <dsp:nvSpPr>
-        <dsp:cNvPr id="0" name=""/>
-        <dsp:cNvSpPr/>
-      </dsp:nvSpPr>
-      <dsp:spPr>
-        <a:xfrm>
-          <a:off x="6274104" y="3874528"/>
-          <a:ext cx="1846930" cy="888822"/>
-        </a:xfrm>
-        <a:prstGeom prst="roundRect">
-          <a:avLst>
-            <a:gd name="adj" fmla="val 10000"/>
-          </a:avLst>
-        </a:prstGeom>
-        <a:solidFill>
-          <a:srgbClr val="FFC000"/>
-        </a:solidFill>
-        <a:ln w="28575" cap="flat" cmpd="sng" algn="ctr">
-          <a:solidFill>
-            <a:schemeClr val="lt1">
-              <a:hueOff val="0"/>
-              <a:satOff val="0"/>
-              <a:lumOff val="0"/>
-              <a:alphaOff val="0"/>
-            </a:schemeClr>
-          </a:solidFill>
-          <a:prstDash val="solid"/>
-        </a:ln>
-        <a:effectLst/>
-      </dsp:spPr>
-      <dsp:style>
-        <a:lnRef idx="2">
-          <a:scrgbClr r="0" g="0" b="0"/>
-        </a:lnRef>
-        <a:fillRef idx="1">
-          <a:scrgbClr r="0" g="0" b="0"/>
-        </a:fillRef>
-        <a:effectRef idx="0">
-          <a:scrgbClr r="0" g="0" b="0"/>
-        </a:effectRef>
-        <a:fontRef idx="minor">
-          <a:schemeClr val="lt1"/>
-        </a:fontRef>
-      </dsp:style>
-      <dsp:txBody>
-        <a:bodyPr spcFirstLastPara="0" vert="horz" wrap="square" lIns="45720" tIns="45720" rIns="45720" bIns="45720" numCol="1" spcCol="1270" anchor="ctr" anchorCtr="0">
-          <a:noAutofit/>
-        </a:bodyPr>
-        <a:lstStyle/>
-        <a:p>
-          <a:pPr lvl="0" algn="ctr" defTabSz="533400">
-            <a:lnSpc>
-              <a:spcPct val="90000"/>
-            </a:lnSpc>
-            <a:spcBef>
-              <a:spcPct val="0"/>
-            </a:spcBef>
-            <a:spcAft>
-              <a:spcPct val="35000"/>
-            </a:spcAft>
-          </a:pPr>
-          <a:r>
-            <a:rPr lang="pt-BR" sz="1200" b="1" kern="1200" smtClean="0">
-              <a:solidFill>
-                <a:schemeClr val="tx1"/>
-              </a:solidFill>
-            </a:rPr>
-            <a:t>Abre serviço</a:t>
-          </a:r>
-          <a:endParaRPr lang="pt-BR" sz="1200" b="1" kern="1200" dirty="0">
-            <a:solidFill>
-              <a:schemeClr val="tx1"/>
-            </a:solidFill>
-          </a:endParaRPr>
-        </a:p>
-      </dsp:txBody>
-      <dsp:txXfrm>
-        <a:off x="6300137" y="3900561"/>
-        <a:ext cx="1794864" cy="836756"/>
-      </dsp:txXfrm>
-    </dsp:sp>
-    <dsp:sp modelId="{E233217A-B381-47F0-90C9-81565BCE5BF6}">
-      <dsp:nvSpPr>
-        <dsp:cNvPr id="0" name=""/>
-        <dsp:cNvSpPr/>
-      </dsp:nvSpPr>
-      <dsp:spPr>
-        <a:xfrm>
-          <a:off x="6274104" y="4842735"/>
-          <a:ext cx="880753" cy="888822"/>
-        </a:xfrm>
-        <a:prstGeom prst="roundRect">
-          <a:avLst>
-            <a:gd name="adj" fmla="val 10000"/>
-          </a:avLst>
-        </a:prstGeom>
-        <a:solidFill>
-          <a:schemeClr val="accent5">
-            <a:lumMod val="60000"/>
-            <a:lumOff val="40000"/>
-          </a:schemeClr>
-        </a:solidFill>
-        <a:ln w="28575" cap="flat" cmpd="sng" algn="ctr">
-          <a:solidFill>
-            <a:schemeClr val="lt1">
-              <a:hueOff val="0"/>
-              <a:satOff val="0"/>
-              <a:lumOff val="0"/>
-              <a:alphaOff val="0"/>
-            </a:schemeClr>
-          </a:solidFill>
-          <a:prstDash val="solid"/>
-        </a:ln>
-        <a:effectLst/>
-      </dsp:spPr>
-      <dsp:style>
-        <a:lnRef idx="2">
-          <a:scrgbClr r="0" g="0" b="0"/>
-        </a:lnRef>
-        <a:fillRef idx="1">
-          <a:scrgbClr r="0" g="0" b="0"/>
-        </a:fillRef>
-        <a:effectRef idx="0">
-          <a:scrgbClr r="0" g="0" b="0"/>
-        </a:effectRef>
-        <a:fontRef idx="minor">
-          <a:schemeClr val="lt1"/>
-        </a:fontRef>
-      </dsp:style>
-      <dsp:txBody>
-        <a:bodyPr spcFirstLastPara="0" vert="horz" wrap="square" lIns="45720" tIns="45720" rIns="45720" bIns="45720" numCol="1" spcCol="1270" anchor="ctr" anchorCtr="0">
-          <a:noAutofit/>
-        </a:bodyPr>
-        <a:lstStyle/>
-        <a:p>
-          <a:pPr lvl="0" algn="ctr" defTabSz="533400">
-            <a:lnSpc>
-              <a:spcPct val="90000"/>
-            </a:lnSpc>
-            <a:spcBef>
-              <a:spcPct val="0"/>
-            </a:spcBef>
-            <a:spcAft>
-              <a:spcPct val="35000"/>
-            </a:spcAft>
-          </a:pPr>
-          <a:r>
-            <a:rPr lang="pt-BR" sz="1200" b="1" kern="1200" smtClean="0">
-              <a:solidFill>
-                <a:schemeClr val="tx1"/>
-              </a:solidFill>
-            </a:rPr>
-            <a:t>Confirma ação</a:t>
-          </a:r>
-          <a:endParaRPr lang="pt-BR" sz="1200" b="1" kern="1200" dirty="0">
-            <a:solidFill>
-              <a:schemeClr val="tx1"/>
-            </a:solidFill>
-          </a:endParaRPr>
-        </a:p>
-      </dsp:txBody>
-      <dsp:txXfrm>
-        <a:off x="6299900" y="4868531"/>
-        <a:ext cx="829161" cy="837230"/>
-      </dsp:txXfrm>
-    </dsp:sp>
-    <dsp:sp modelId="{DD7228AB-2824-4438-B7FE-898E8CEC7E36}">
-      <dsp:nvSpPr>
-        <dsp:cNvPr id="0" name=""/>
-        <dsp:cNvSpPr/>
-      </dsp:nvSpPr>
-      <dsp:spPr>
-        <a:xfrm>
-          <a:off x="7174730" y="4842735"/>
-          <a:ext cx="946304" cy="888822"/>
-        </a:xfrm>
-        <a:prstGeom prst="roundRect">
-          <a:avLst>
-            <a:gd name="adj" fmla="val 10000"/>
-          </a:avLst>
-        </a:prstGeom>
-        <a:solidFill>
-          <a:srgbClr val="FFC000"/>
-        </a:solidFill>
-        <a:ln w="28575" cap="flat" cmpd="sng" algn="ctr">
-          <a:solidFill>
-            <a:schemeClr val="lt1">
-              <a:hueOff val="0"/>
-              <a:satOff val="0"/>
-              <a:lumOff val="0"/>
-              <a:alphaOff val="0"/>
-            </a:schemeClr>
-          </a:solidFill>
-          <a:prstDash val="solid"/>
-        </a:ln>
-        <a:effectLst/>
-      </dsp:spPr>
-      <dsp:style>
-        <a:lnRef idx="2">
-          <a:scrgbClr r="0" g="0" b="0"/>
-        </a:lnRef>
-        <a:fillRef idx="1">
-          <a:scrgbClr r="0" g="0" b="0"/>
-        </a:fillRef>
-        <a:effectRef idx="0">
-          <a:scrgbClr r="0" g="0" b="0"/>
-        </a:effectRef>
-        <a:fontRef idx="minor">
-          <a:schemeClr val="lt1"/>
-        </a:fontRef>
-      </dsp:style>
-      <dsp:txBody>
-        <a:bodyPr spcFirstLastPara="0" vert="horz" wrap="square" lIns="45720" tIns="45720" rIns="45720" bIns="45720" numCol="1" spcCol="1270" anchor="ctr" anchorCtr="0">
-          <a:noAutofit/>
-        </a:bodyPr>
-        <a:lstStyle/>
-        <a:p>
-          <a:pPr lvl="0" algn="ctr" defTabSz="533400">
-            <a:lnSpc>
-              <a:spcPct val="90000"/>
-            </a:lnSpc>
-            <a:spcBef>
-              <a:spcPct val="0"/>
-            </a:spcBef>
-            <a:spcAft>
-              <a:spcPct val="35000"/>
-            </a:spcAft>
-          </a:pPr>
-          <a:r>
-            <a:rPr lang="pt-BR" sz="1200" b="1" kern="1200" smtClean="0">
-              <a:solidFill>
-                <a:schemeClr val="tx1"/>
-              </a:solidFill>
-            </a:rPr>
-            <a:t>Finaliza atividades</a:t>
-          </a:r>
-          <a:endParaRPr lang="pt-BR" sz="1200" b="1" kern="1200" dirty="0">
-            <a:solidFill>
-              <a:schemeClr val="tx1"/>
-            </a:solidFill>
-          </a:endParaRPr>
-        </a:p>
-      </dsp:txBody>
-      <dsp:txXfrm>
-        <a:off x="7200763" y="4868768"/>
-        <a:ext cx="894238" cy="836756"/>
-      </dsp:txXfrm>
-    </dsp:sp>
-    <dsp:sp modelId="{D1A280C6-BDF1-4E6F-BDED-EADC41AF2061}">
-      <dsp:nvSpPr>
-        <dsp:cNvPr id="0" name=""/>
-        <dsp:cNvSpPr/>
-      </dsp:nvSpPr>
-      <dsp:spPr>
-        <a:xfrm>
-          <a:off x="8155456" y="2906320"/>
-          <a:ext cx="961213" cy="888822"/>
-        </a:xfrm>
-        <a:prstGeom prst="roundRect">
-          <a:avLst>
-            <a:gd name="adj" fmla="val 10000"/>
-          </a:avLst>
-        </a:prstGeom>
-        <a:solidFill>
-          <a:schemeClr val="accent5">
-            <a:lumMod val="60000"/>
-            <a:lumOff val="40000"/>
-          </a:schemeClr>
-        </a:solidFill>
-        <a:ln w="28575" cap="flat" cmpd="sng" algn="ctr">
-          <a:solidFill>
-            <a:schemeClr val="lt1">
-              <a:hueOff val="0"/>
-              <a:satOff val="0"/>
-              <a:lumOff val="0"/>
-              <a:alphaOff val="0"/>
-            </a:schemeClr>
-          </a:solidFill>
-          <a:prstDash val="solid"/>
-        </a:ln>
-        <a:effectLst/>
-      </dsp:spPr>
-      <dsp:style>
-        <a:lnRef idx="2">
-          <a:scrgbClr r="0" g="0" b="0"/>
-        </a:lnRef>
-        <a:fillRef idx="1">
-          <a:scrgbClr r="0" g="0" b="0"/>
-        </a:fillRef>
-        <a:effectRef idx="0">
-          <a:scrgbClr r="0" g="0" b="0"/>
-        </a:effectRef>
-        <a:fontRef idx="minor">
-          <a:schemeClr val="lt1"/>
-        </a:fontRef>
-      </dsp:style>
-      <dsp:txBody>
-        <a:bodyPr spcFirstLastPara="0" vert="horz" wrap="square" lIns="45720" tIns="45720" rIns="45720" bIns="45720" numCol="1" spcCol="1270" anchor="ctr" anchorCtr="0">
-          <a:noAutofit/>
-        </a:bodyPr>
-        <a:lstStyle/>
-        <a:p>
-          <a:pPr lvl="0" algn="ctr" defTabSz="533400">
-            <a:lnSpc>
-              <a:spcPct val="90000"/>
-            </a:lnSpc>
-            <a:spcBef>
-              <a:spcPct val="0"/>
-            </a:spcBef>
-            <a:spcAft>
-              <a:spcPct val="35000"/>
-            </a:spcAft>
-          </a:pPr>
-          <a:r>
-            <a:rPr lang="pt-BR" sz="1200" b="1" kern="1200" smtClean="0">
-              <a:solidFill>
-                <a:schemeClr val="tx1"/>
-              </a:solidFill>
-            </a:rPr>
-            <a:t>Não</a:t>
-          </a:r>
-          <a:endParaRPr lang="pt-BR" sz="1200" b="1" kern="1200" dirty="0">
-            <a:solidFill>
-              <a:schemeClr val="tx1"/>
-            </a:solidFill>
-          </a:endParaRPr>
-        </a:p>
-      </dsp:txBody>
-      <dsp:txXfrm>
-        <a:off x="8181489" y="2932353"/>
-        <a:ext cx="909147" cy="836756"/>
-      </dsp:txXfrm>
-    </dsp:sp>
-    <dsp:sp modelId="{0F1C65DC-32E0-401F-AD72-CEAB5FCDD885}">
-      <dsp:nvSpPr>
-        <dsp:cNvPr id="0" name=""/>
-        <dsp:cNvSpPr/>
-      </dsp:nvSpPr>
-      <dsp:spPr>
-        <a:xfrm>
-          <a:off x="8155456" y="3874528"/>
-          <a:ext cx="961213" cy="888822"/>
-        </a:xfrm>
-        <a:prstGeom prst="roundRect">
-          <a:avLst>
-            <a:gd name="adj" fmla="val 10000"/>
-          </a:avLst>
-        </a:prstGeom>
-        <a:solidFill>
-          <a:srgbClr val="FFC000"/>
-        </a:solidFill>
-        <a:ln w="28575" cap="flat" cmpd="sng" algn="ctr">
-          <a:solidFill>
-            <a:schemeClr val="lt1">
-              <a:hueOff val="0"/>
-              <a:satOff val="0"/>
-              <a:lumOff val="0"/>
-              <a:alphaOff val="0"/>
-            </a:schemeClr>
-          </a:solidFill>
-          <a:prstDash val="solid"/>
-        </a:ln>
-        <a:effectLst/>
-      </dsp:spPr>
-      <dsp:style>
-        <a:lnRef idx="2">
-          <a:scrgbClr r="0" g="0" b="0"/>
-        </a:lnRef>
-        <a:fillRef idx="1">
-          <a:scrgbClr r="0" g="0" b="0"/>
-        </a:fillRef>
-        <a:effectRef idx="0">
-          <a:scrgbClr r="0" g="0" b="0"/>
-        </a:effectRef>
-        <a:fontRef idx="minor">
-          <a:schemeClr val="lt1"/>
-        </a:fontRef>
-      </dsp:style>
-      <dsp:txBody>
-        <a:bodyPr spcFirstLastPara="0" vert="horz" wrap="square" lIns="45720" tIns="45720" rIns="45720" bIns="45720" numCol="1" spcCol="1270" anchor="ctr" anchorCtr="0">
-          <a:noAutofit/>
-        </a:bodyPr>
-        <a:lstStyle/>
-        <a:p>
-          <a:pPr lvl="0" algn="ctr" defTabSz="533400">
-            <a:lnSpc>
-              <a:spcPct val="90000"/>
-            </a:lnSpc>
-            <a:spcBef>
-              <a:spcPct val="0"/>
-            </a:spcBef>
-            <a:spcAft>
-              <a:spcPct val="35000"/>
-            </a:spcAft>
-          </a:pPr>
-          <a:r>
-            <a:rPr lang="pt-BR" sz="1200" b="1" kern="1200" smtClean="0">
-              <a:solidFill>
-                <a:schemeClr val="tx1"/>
-              </a:solidFill>
-            </a:rPr>
-            <a:t>Finaliza notificação</a:t>
-          </a:r>
-          <a:endParaRPr lang="pt-BR" sz="1200" b="1" kern="1200" dirty="0">
-            <a:solidFill>
-              <a:schemeClr val="tx1"/>
-            </a:solidFill>
-          </a:endParaRPr>
-        </a:p>
-      </dsp:txBody>
-      <dsp:txXfrm>
-        <a:off x="8181489" y="3900561"/>
-        <a:ext cx="909147" cy="836756"/>
-      </dsp:txXfrm>
-    </dsp:sp>
   </dsp:spTree>
 </dsp:drawing>
 </file>
@@ -18311,1891 +12749,6 @@
       <dsp:cNvGrpSpPr/>
     </dsp:nvGrpSpPr>
     <dsp:grpSpPr/>
-    <dsp:sp modelId="{85116997-987D-40A8-AFCA-C5A54CBB823D}">
-      <dsp:nvSpPr>
-        <dsp:cNvPr id="0" name=""/>
-        <dsp:cNvSpPr/>
-      </dsp:nvSpPr>
-      <dsp:spPr>
-        <a:xfrm>
-          <a:off x="6881581" y="4012468"/>
-          <a:ext cx="330728" cy="510465"/>
-        </a:xfrm>
-        <a:custGeom>
-          <a:avLst/>
-          <a:gdLst/>
-          <a:ahLst/>
-          <a:cxnLst/>
-          <a:rect l="0" t="0" r="0" b="0"/>
-          <a:pathLst>
-            <a:path>
-              <a:moveTo>
-                <a:pt x="0" y="0"/>
-              </a:moveTo>
-              <a:lnTo>
-                <a:pt x="165364" y="0"/>
-              </a:lnTo>
-              <a:lnTo>
-                <a:pt x="165364" y="510465"/>
-              </a:lnTo>
-              <a:lnTo>
-                <a:pt x="330728" y="510465"/>
-              </a:lnTo>
-            </a:path>
-          </a:pathLst>
-        </a:custGeom>
-        <a:noFill/>
-        <a:ln w="28575" cap="flat" cmpd="sng" algn="ctr">
-          <a:solidFill>
-            <a:schemeClr val="accent1">
-              <a:hueOff val="0"/>
-              <a:satOff val="0"/>
-              <a:lumOff val="0"/>
-              <a:alphaOff val="0"/>
-            </a:schemeClr>
-          </a:solidFill>
-          <a:prstDash val="solid"/>
-        </a:ln>
-        <a:effectLst/>
-      </dsp:spPr>
-      <dsp:style>
-        <a:lnRef idx="2">
-          <a:scrgbClr r="0" g="0" b="0"/>
-        </a:lnRef>
-        <a:fillRef idx="0">
-          <a:scrgbClr r="0" g="0" b="0"/>
-        </a:fillRef>
-        <a:effectRef idx="0">
-          <a:scrgbClr r="0" g="0" b="0"/>
-        </a:effectRef>
-        <a:fontRef idx="minor"/>
-      </dsp:style>
-      <dsp:txBody>
-        <a:bodyPr spcFirstLastPara="0" vert="horz" wrap="square" lIns="12700" tIns="0" rIns="12700" bIns="0" numCol="1" spcCol="1270" anchor="ctr" anchorCtr="0">
-          <a:noAutofit/>
-        </a:bodyPr>
-        <a:lstStyle/>
-        <a:p>
-          <a:pPr lvl="0" algn="ctr" defTabSz="222250">
-            <a:lnSpc>
-              <a:spcPct val="90000"/>
-            </a:lnSpc>
-            <a:spcBef>
-              <a:spcPct val="0"/>
-            </a:spcBef>
-            <a:spcAft>
-              <a:spcPct val="35000"/>
-            </a:spcAft>
-          </a:pPr>
-          <a:endParaRPr lang="pt-BR" sz="500" kern="1200">
-            <a:ln>
-              <a:noFill/>
-            </a:ln>
-          </a:endParaRPr>
-        </a:p>
-      </dsp:txBody>
-      <dsp:txXfrm>
-        <a:off x="7031739" y="4252495"/>
-        <a:ext cx="30412" cy="30412"/>
-      </dsp:txXfrm>
-    </dsp:sp>
-    <dsp:sp modelId="{76804D07-263C-4BFE-886B-E38C63B4A639}">
-      <dsp:nvSpPr>
-        <dsp:cNvPr id="0" name=""/>
-        <dsp:cNvSpPr/>
-      </dsp:nvSpPr>
-      <dsp:spPr>
-        <a:xfrm>
-          <a:off x="6881581" y="3502002"/>
-          <a:ext cx="330728" cy="510465"/>
-        </a:xfrm>
-        <a:custGeom>
-          <a:avLst/>
-          <a:gdLst/>
-          <a:ahLst/>
-          <a:cxnLst/>
-          <a:rect l="0" t="0" r="0" b="0"/>
-          <a:pathLst>
-            <a:path>
-              <a:moveTo>
-                <a:pt x="0" y="510465"/>
-              </a:moveTo>
-              <a:lnTo>
-                <a:pt x="165364" y="510465"/>
-              </a:lnTo>
-              <a:lnTo>
-                <a:pt x="165364" y="0"/>
-              </a:lnTo>
-              <a:lnTo>
-                <a:pt x="330728" y="0"/>
-              </a:lnTo>
-            </a:path>
-          </a:pathLst>
-        </a:custGeom>
-        <a:noFill/>
-        <a:ln w="28575" cap="flat" cmpd="sng" algn="ctr">
-          <a:solidFill>
-            <a:schemeClr val="accent1">
-              <a:hueOff val="0"/>
-              <a:satOff val="0"/>
-              <a:lumOff val="0"/>
-              <a:alphaOff val="0"/>
-            </a:schemeClr>
-          </a:solidFill>
-          <a:prstDash val="solid"/>
-        </a:ln>
-        <a:effectLst/>
-      </dsp:spPr>
-      <dsp:style>
-        <a:lnRef idx="2">
-          <a:scrgbClr r="0" g="0" b="0"/>
-        </a:lnRef>
-        <a:fillRef idx="0">
-          <a:scrgbClr r="0" g="0" b="0"/>
-        </a:fillRef>
-        <a:effectRef idx="0">
-          <a:scrgbClr r="0" g="0" b="0"/>
-        </a:effectRef>
-        <a:fontRef idx="minor"/>
-      </dsp:style>
-      <dsp:txBody>
-        <a:bodyPr spcFirstLastPara="0" vert="horz" wrap="square" lIns="12700" tIns="0" rIns="12700" bIns="0" numCol="1" spcCol="1270" anchor="ctr" anchorCtr="0">
-          <a:noAutofit/>
-        </a:bodyPr>
-        <a:lstStyle/>
-        <a:p>
-          <a:pPr lvl="0" algn="ctr" defTabSz="222250">
-            <a:lnSpc>
-              <a:spcPct val="90000"/>
-            </a:lnSpc>
-            <a:spcBef>
-              <a:spcPct val="0"/>
-            </a:spcBef>
-            <a:spcAft>
-              <a:spcPct val="35000"/>
-            </a:spcAft>
-          </a:pPr>
-          <a:endParaRPr lang="pt-BR" sz="500" kern="1200">
-            <a:ln>
-              <a:noFill/>
-            </a:ln>
-          </a:endParaRPr>
-        </a:p>
-      </dsp:txBody>
-      <dsp:txXfrm>
-        <a:off x="7031739" y="3742029"/>
-        <a:ext cx="30412" cy="30412"/>
-      </dsp:txXfrm>
-    </dsp:sp>
-    <dsp:sp modelId="{11F12F7E-0B93-41A3-87BC-24FCC6E0289B}">
-      <dsp:nvSpPr>
-        <dsp:cNvPr id="0" name=""/>
-        <dsp:cNvSpPr/>
-      </dsp:nvSpPr>
-      <dsp:spPr>
-        <a:xfrm>
-          <a:off x="4897213" y="3966748"/>
-          <a:ext cx="330728" cy="91440"/>
-        </a:xfrm>
-        <a:custGeom>
-          <a:avLst/>
-          <a:gdLst/>
-          <a:ahLst/>
-          <a:cxnLst/>
-          <a:rect l="0" t="0" r="0" b="0"/>
-          <a:pathLst>
-            <a:path>
-              <a:moveTo>
-                <a:pt x="0" y="45720"/>
-              </a:moveTo>
-              <a:lnTo>
-                <a:pt x="330728" y="45720"/>
-              </a:lnTo>
-            </a:path>
-          </a:pathLst>
-        </a:custGeom>
-        <a:noFill/>
-        <a:ln w="28575" cap="flat" cmpd="sng" algn="ctr">
-          <a:solidFill>
-            <a:schemeClr val="accent1">
-              <a:hueOff val="0"/>
-              <a:satOff val="0"/>
-              <a:lumOff val="0"/>
-              <a:alphaOff val="0"/>
-            </a:schemeClr>
-          </a:solidFill>
-          <a:prstDash val="solid"/>
-        </a:ln>
-        <a:effectLst/>
-      </dsp:spPr>
-      <dsp:style>
-        <a:lnRef idx="2">
-          <a:scrgbClr r="0" g="0" b="0"/>
-        </a:lnRef>
-        <a:fillRef idx="0">
-          <a:scrgbClr r="0" g="0" b="0"/>
-        </a:fillRef>
-        <a:effectRef idx="0">
-          <a:scrgbClr r="0" g="0" b="0"/>
-        </a:effectRef>
-        <a:fontRef idx="minor"/>
-      </dsp:style>
-      <dsp:txBody>
-        <a:bodyPr spcFirstLastPara="0" vert="horz" wrap="square" lIns="12700" tIns="0" rIns="12700" bIns="0" numCol="1" spcCol="1270" anchor="ctr" anchorCtr="0">
-          <a:noAutofit/>
-        </a:bodyPr>
-        <a:lstStyle/>
-        <a:p>
-          <a:pPr lvl="0" algn="ctr" defTabSz="222250">
-            <a:lnSpc>
-              <a:spcPct val="90000"/>
-            </a:lnSpc>
-            <a:spcBef>
-              <a:spcPct val="0"/>
-            </a:spcBef>
-            <a:spcAft>
-              <a:spcPct val="35000"/>
-            </a:spcAft>
-          </a:pPr>
-          <a:endParaRPr lang="pt-BR" sz="500" kern="1200">
-            <a:ln>
-              <a:noFill/>
-            </a:ln>
-          </a:endParaRPr>
-        </a:p>
-      </dsp:txBody>
-      <dsp:txXfrm>
-        <a:off x="5054309" y="4004200"/>
-        <a:ext cx="16536" cy="16536"/>
-      </dsp:txXfrm>
-    </dsp:sp>
-    <dsp:sp modelId="{A8088930-A153-477E-9029-C095C3D50AF4}">
-      <dsp:nvSpPr>
-        <dsp:cNvPr id="0" name=""/>
-        <dsp:cNvSpPr/>
-      </dsp:nvSpPr>
-      <dsp:spPr>
-        <a:xfrm>
-          <a:off x="2912844" y="3966748"/>
-          <a:ext cx="330728" cy="91440"/>
-        </a:xfrm>
-        <a:custGeom>
-          <a:avLst/>
-          <a:gdLst/>
-          <a:ahLst/>
-          <a:cxnLst/>
-          <a:rect l="0" t="0" r="0" b="0"/>
-          <a:pathLst>
-            <a:path>
-              <a:moveTo>
-                <a:pt x="0" y="45720"/>
-              </a:moveTo>
-              <a:lnTo>
-                <a:pt x="330728" y="45720"/>
-              </a:lnTo>
-            </a:path>
-          </a:pathLst>
-        </a:custGeom>
-        <a:noFill/>
-        <a:ln w="28575" cap="flat" cmpd="sng" algn="ctr">
-          <a:solidFill>
-            <a:schemeClr val="accent6">
-              <a:hueOff val="0"/>
-              <a:satOff val="0"/>
-              <a:lumOff val="0"/>
-              <a:alphaOff val="0"/>
-            </a:schemeClr>
-          </a:solidFill>
-          <a:prstDash val="solid"/>
-        </a:ln>
-        <a:effectLst/>
-      </dsp:spPr>
-      <dsp:style>
-        <a:lnRef idx="2">
-          <a:scrgbClr r="0" g="0" b="0"/>
-        </a:lnRef>
-        <a:fillRef idx="0">
-          <a:scrgbClr r="0" g="0" b="0"/>
-        </a:fillRef>
-        <a:effectRef idx="0">
-          <a:scrgbClr r="0" g="0" b="0"/>
-        </a:effectRef>
-        <a:fontRef idx="minor"/>
-      </dsp:style>
-      <dsp:txBody>
-        <a:bodyPr spcFirstLastPara="0" vert="horz" wrap="square" lIns="12700" tIns="0" rIns="12700" bIns="0" numCol="1" spcCol="1270" anchor="ctr" anchorCtr="0">
-          <a:noAutofit/>
-        </a:bodyPr>
-        <a:lstStyle/>
-        <a:p>
-          <a:pPr lvl="0" algn="ctr" defTabSz="222250">
-            <a:lnSpc>
-              <a:spcPct val="90000"/>
-            </a:lnSpc>
-            <a:spcBef>
-              <a:spcPct val="0"/>
-            </a:spcBef>
-            <a:spcAft>
-              <a:spcPct val="35000"/>
-            </a:spcAft>
-          </a:pPr>
-          <a:endParaRPr lang="pt-BR" sz="500" kern="1200">
-            <a:ln>
-              <a:noFill/>
-            </a:ln>
-          </a:endParaRPr>
-        </a:p>
-      </dsp:txBody>
-      <dsp:txXfrm>
-        <a:off x="3069940" y="4004200"/>
-        <a:ext cx="16536" cy="16536"/>
-      </dsp:txXfrm>
-    </dsp:sp>
-    <dsp:sp modelId="{2FAEB9D7-2202-48D6-BEFE-7691405C0023}">
-      <dsp:nvSpPr>
-        <dsp:cNvPr id="0" name=""/>
-        <dsp:cNvSpPr/>
-      </dsp:nvSpPr>
-      <dsp:spPr>
-        <a:xfrm>
-          <a:off x="928476" y="2736304"/>
-          <a:ext cx="330728" cy="1276164"/>
-        </a:xfrm>
-        <a:custGeom>
-          <a:avLst/>
-          <a:gdLst/>
-          <a:ahLst/>
-          <a:cxnLst/>
-          <a:rect l="0" t="0" r="0" b="0"/>
-          <a:pathLst>
-            <a:path>
-              <a:moveTo>
-                <a:pt x="0" y="0"/>
-              </a:moveTo>
-              <a:lnTo>
-                <a:pt x="165364" y="0"/>
-              </a:lnTo>
-              <a:lnTo>
-                <a:pt x="165364" y="1276164"/>
-              </a:lnTo>
-              <a:lnTo>
-                <a:pt x="330728" y="1276164"/>
-              </a:lnTo>
-            </a:path>
-          </a:pathLst>
-        </a:custGeom>
-        <a:noFill/>
-        <a:ln w="28575" cap="flat" cmpd="sng" algn="ctr">
-          <a:solidFill>
-            <a:schemeClr val="accent5">
-              <a:hueOff val="0"/>
-              <a:satOff val="0"/>
-              <a:lumOff val="0"/>
-              <a:alphaOff val="0"/>
-            </a:schemeClr>
-          </a:solidFill>
-          <a:prstDash val="solid"/>
-        </a:ln>
-        <a:effectLst/>
-      </dsp:spPr>
-      <dsp:style>
-        <a:lnRef idx="2">
-          <a:scrgbClr r="0" g="0" b="0"/>
-        </a:lnRef>
-        <a:fillRef idx="0">
-          <a:scrgbClr r="0" g="0" b="0"/>
-        </a:fillRef>
-        <a:effectRef idx="0">
-          <a:scrgbClr r="0" g="0" b="0"/>
-        </a:effectRef>
-        <a:fontRef idx="minor"/>
-      </dsp:style>
-      <dsp:txBody>
-        <a:bodyPr spcFirstLastPara="0" vert="horz" wrap="square" lIns="12700" tIns="0" rIns="12700" bIns="0" numCol="1" spcCol="1270" anchor="ctr" anchorCtr="0">
-          <a:noAutofit/>
-        </a:bodyPr>
-        <a:lstStyle/>
-        <a:p>
-          <a:pPr lvl="0" algn="ctr" defTabSz="222250">
-            <a:lnSpc>
-              <a:spcPct val="90000"/>
-            </a:lnSpc>
-            <a:spcBef>
-              <a:spcPct val="0"/>
-            </a:spcBef>
-            <a:spcAft>
-              <a:spcPct val="35000"/>
-            </a:spcAft>
-          </a:pPr>
-          <a:endParaRPr lang="pt-BR" sz="500" kern="1200">
-            <a:ln>
-              <a:noFill/>
-            </a:ln>
-          </a:endParaRPr>
-        </a:p>
-      </dsp:txBody>
-      <dsp:txXfrm>
-        <a:off x="1060882" y="3341428"/>
-        <a:ext cx="65916" cy="65916"/>
-      </dsp:txXfrm>
-    </dsp:sp>
-    <dsp:sp modelId="{7F8C45BB-9C92-4B8F-B244-3A92D6C34FF5}">
-      <dsp:nvSpPr>
-        <dsp:cNvPr id="0" name=""/>
-        <dsp:cNvSpPr/>
-      </dsp:nvSpPr>
-      <dsp:spPr>
-        <a:xfrm>
-          <a:off x="6881581" y="1970605"/>
-          <a:ext cx="330728" cy="510465"/>
-        </a:xfrm>
-        <a:custGeom>
-          <a:avLst/>
-          <a:gdLst/>
-          <a:ahLst/>
-          <a:cxnLst/>
-          <a:rect l="0" t="0" r="0" b="0"/>
-          <a:pathLst>
-            <a:path>
-              <a:moveTo>
-                <a:pt x="0" y="0"/>
-              </a:moveTo>
-              <a:lnTo>
-                <a:pt x="165364" y="0"/>
-              </a:lnTo>
-              <a:lnTo>
-                <a:pt x="165364" y="510465"/>
-              </a:lnTo>
-              <a:lnTo>
-                <a:pt x="330728" y="510465"/>
-              </a:lnTo>
-            </a:path>
-          </a:pathLst>
-        </a:custGeom>
-        <a:noFill/>
-        <a:ln w="28575" cap="flat" cmpd="sng" algn="ctr">
-          <a:solidFill>
-            <a:schemeClr val="accent1">
-              <a:hueOff val="0"/>
-              <a:satOff val="0"/>
-              <a:lumOff val="0"/>
-              <a:alphaOff val="0"/>
-            </a:schemeClr>
-          </a:solidFill>
-          <a:prstDash val="solid"/>
-        </a:ln>
-        <a:effectLst/>
-      </dsp:spPr>
-      <dsp:style>
-        <a:lnRef idx="2">
-          <a:scrgbClr r="0" g="0" b="0"/>
-        </a:lnRef>
-        <a:fillRef idx="0">
-          <a:scrgbClr r="0" g="0" b="0"/>
-        </a:fillRef>
-        <a:effectRef idx="0">
-          <a:scrgbClr r="0" g="0" b="0"/>
-        </a:effectRef>
-        <a:fontRef idx="minor"/>
-      </dsp:style>
-      <dsp:txBody>
-        <a:bodyPr spcFirstLastPara="0" vert="horz" wrap="square" lIns="12700" tIns="0" rIns="12700" bIns="0" numCol="1" spcCol="1270" anchor="ctr" anchorCtr="0">
-          <a:noAutofit/>
-        </a:bodyPr>
-        <a:lstStyle/>
-        <a:p>
-          <a:pPr lvl="0" algn="ctr" defTabSz="222250">
-            <a:lnSpc>
-              <a:spcPct val="90000"/>
-            </a:lnSpc>
-            <a:spcBef>
-              <a:spcPct val="0"/>
-            </a:spcBef>
-            <a:spcAft>
-              <a:spcPct val="35000"/>
-            </a:spcAft>
-          </a:pPr>
-          <a:endParaRPr lang="pt-BR" sz="500" kern="1200">
-            <a:ln>
-              <a:noFill/>
-            </a:ln>
-          </a:endParaRPr>
-        </a:p>
-      </dsp:txBody>
-      <dsp:txXfrm>
-        <a:off x="7031739" y="2210632"/>
-        <a:ext cx="30412" cy="30412"/>
-      </dsp:txXfrm>
-    </dsp:sp>
-    <dsp:sp modelId="{C0070F97-A64B-4B18-A039-4EA6BBCC45E3}">
-      <dsp:nvSpPr>
-        <dsp:cNvPr id="0" name=""/>
-        <dsp:cNvSpPr/>
-      </dsp:nvSpPr>
-      <dsp:spPr>
-        <a:xfrm>
-          <a:off x="6881581" y="1460139"/>
-          <a:ext cx="330728" cy="510465"/>
-        </a:xfrm>
-        <a:custGeom>
-          <a:avLst/>
-          <a:gdLst/>
-          <a:ahLst/>
-          <a:cxnLst/>
-          <a:rect l="0" t="0" r="0" b="0"/>
-          <a:pathLst>
-            <a:path>
-              <a:moveTo>
-                <a:pt x="0" y="510465"/>
-              </a:moveTo>
-              <a:lnTo>
-                <a:pt x="165364" y="510465"/>
-              </a:lnTo>
-              <a:lnTo>
-                <a:pt x="165364" y="0"/>
-              </a:lnTo>
-              <a:lnTo>
-                <a:pt x="330728" y="0"/>
-              </a:lnTo>
-            </a:path>
-          </a:pathLst>
-        </a:custGeom>
-        <a:noFill/>
-        <a:ln w="28575" cap="flat" cmpd="sng" algn="ctr">
-          <a:solidFill>
-            <a:schemeClr val="accent1">
-              <a:hueOff val="0"/>
-              <a:satOff val="0"/>
-              <a:lumOff val="0"/>
-              <a:alphaOff val="0"/>
-            </a:schemeClr>
-          </a:solidFill>
-          <a:prstDash val="solid"/>
-        </a:ln>
-        <a:effectLst/>
-      </dsp:spPr>
-      <dsp:style>
-        <a:lnRef idx="2">
-          <a:scrgbClr r="0" g="0" b="0"/>
-        </a:lnRef>
-        <a:fillRef idx="0">
-          <a:scrgbClr r="0" g="0" b="0"/>
-        </a:fillRef>
-        <a:effectRef idx="0">
-          <a:scrgbClr r="0" g="0" b="0"/>
-        </a:effectRef>
-        <a:fontRef idx="minor"/>
-      </dsp:style>
-      <dsp:txBody>
-        <a:bodyPr spcFirstLastPara="0" vert="horz" wrap="square" lIns="12700" tIns="0" rIns="12700" bIns="0" numCol="1" spcCol="1270" anchor="ctr" anchorCtr="0">
-          <a:noAutofit/>
-        </a:bodyPr>
-        <a:lstStyle/>
-        <a:p>
-          <a:pPr lvl="0" algn="ctr" defTabSz="222250">
-            <a:lnSpc>
-              <a:spcPct val="90000"/>
-            </a:lnSpc>
-            <a:spcBef>
-              <a:spcPct val="0"/>
-            </a:spcBef>
-            <a:spcAft>
-              <a:spcPct val="35000"/>
-            </a:spcAft>
-          </a:pPr>
-          <a:endParaRPr lang="pt-BR" sz="500" kern="1200">
-            <a:ln>
-              <a:noFill/>
-            </a:ln>
-          </a:endParaRPr>
-        </a:p>
-      </dsp:txBody>
-      <dsp:txXfrm>
-        <a:off x="7031739" y="1700166"/>
-        <a:ext cx="30412" cy="30412"/>
-      </dsp:txXfrm>
-    </dsp:sp>
-    <dsp:sp modelId="{D9A7ED5D-FF3B-42E9-A95A-82691CE48DCF}">
-      <dsp:nvSpPr>
-        <dsp:cNvPr id="0" name=""/>
-        <dsp:cNvSpPr/>
-      </dsp:nvSpPr>
-      <dsp:spPr>
-        <a:xfrm>
-          <a:off x="4897213" y="1924885"/>
-          <a:ext cx="330728" cy="91440"/>
-        </a:xfrm>
-        <a:custGeom>
-          <a:avLst/>
-          <a:gdLst/>
-          <a:ahLst/>
-          <a:cxnLst/>
-          <a:rect l="0" t="0" r="0" b="0"/>
-          <a:pathLst>
-            <a:path>
-              <a:moveTo>
-                <a:pt x="0" y="45720"/>
-              </a:moveTo>
-              <a:lnTo>
-                <a:pt x="330728" y="45720"/>
-              </a:lnTo>
-            </a:path>
-          </a:pathLst>
-        </a:custGeom>
-        <a:noFill/>
-        <a:ln w="28575" cap="flat" cmpd="sng" algn="ctr">
-          <a:solidFill>
-            <a:schemeClr val="accent1">
-              <a:hueOff val="0"/>
-              <a:satOff val="0"/>
-              <a:lumOff val="0"/>
-              <a:alphaOff val="0"/>
-            </a:schemeClr>
-          </a:solidFill>
-          <a:prstDash val="solid"/>
-        </a:ln>
-        <a:effectLst/>
-      </dsp:spPr>
-      <dsp:style>
-        <a:lnRef idx="2">
-          <a:scrgbClr r="0" g="0" b="0"/>
-        </a:lnRef>
-        <a:fillRef idx="0">
-          <a:scrgbClr r="0" g="0" b="0"/>
-        </a:fillRef>
-        <a:effectRef idx="0">
-          <a:scrgbClr r="0" g="0" b="0"/>
-        </a:effectRef>
-        <a:fontRef idx="minor"/>
-      </dsp:style>
-      <dsp:txBody>
-        <a:bodyPr spcFirstLastPara="0" vert="horz" wrap="square" lIns="12700" tIns="0" rIns="12700" bIns="0" numCol="1" spcCol="1270" anchor="ctr" anchorCtr="0">
-          <a:noAutofit/>
-        </a:bodyPr>
-        <a:lstStyle/>
-        <a:p>
-          <a:pPr lvl="0" algn="ctr" defTabSz="222250">
-            <a:lnSpc>
-              <a:spcPct val="90000"/>
-            </a:lnSpc>
-            <a:spcBef>
-              <a:spcPct val="0"/>
-            </a:spcBef>
-            <a:spcAft>
-              <a:spcPct val="35000"/>
-            </a:spcAft>
-          </a:pPr>
-          <a:endParaRPr lang="pt-BR" sz="500" kern="1200">
-            <a:ln>
-              <a:noFill/>
-            </a:ln>
-          </a:endParaRPr>
-        </a:p>
-      </dsp:txBody>
-      <dsp:txXfrm>
-        <a:off x="5054309" y="1962337"/>
-        <a:ext cx="16536" cy="16536"/>
-      </dsp:txXfrm>
-    </dsp:sp>
-    <dsp:sp modelId="{7FF2BF7D-A4BE-4AF2-9EFD-0878EA33F434}">
-      <dsp:nvSpPr>
-        <dsp:cNvPr id="0" name=""/>
-        <dsp:cNvSpPr/>
-      </dsp:nvSpPr>
-      <dsp:spPr>
-        <a:xfrm>
-          <a:off x="2912844" y="1460139"/>
-          <a:ext cx="330728" cy="510465"/>
-        </a:xfrm>
-        <a:custGeom>
-          <a:avLst/>
-          <a:gdLst/>
-          <a:ahLst/>
-          <a:cxnLst/>
-          <a:rect l="0" t="0" r="0" b="0"/>
-          <a:pathLst>
-            <a:path>
-              <a:moveTo>
-                <a:pt x="0" y="0"/>
-              </a:moveTo>
-              <a:lnTo>
-                <a:pt x="165364" y="0"/>
-              </a:lnTo>
-              <a:lnTo>
-                <a:pt x="165364" y="510465"/>
-              </a:lnTo>
-              <a:lnTo>
-                <a:pt x="330728" y="510465"/>
-              </a:lnTo>
-            </a:path>
-          </a:pathLst>
-        </a:custGeom>
-        <a:noFill/>
-        <a:ln w="28575" cap="flat" cmpd="sng" algn="ctr">
-          <a:solidFill>
-            <a:schemeClr val="accent6">
-              <a:hueOff val="0"/>
-              <a:satOff val="0"/>
-              <a:lumOff val="0"/>
-              <a:alphaOff val="0"/>
-            </a:schemeClr>
-          </a:solidFill>
-          <a:prstDash val="solid"/>
-        </a:ln>
-        <a:effectLst/>
-      </dsp:spPr>
-      <dsp:style>
-        <a:lnRef idx="2">
-          <a:scrgbClr r="0" g="0" b="0"/>
-        </a:lnRef>
-        <a:fillRef idx="0">
-          <a:scrgbClr r="0" g="0" b="0"/>
-        </a:fillRef>
-        <a:effectRef idx="0">
-          <a:scrgbClr r="0" g="0" b="0"/>
-        </a:effectRef>
-        <a:fontRef idx="minor"/>
-      </dsp:style>
-      <dsp:txBody>
-        <a:bodyPr spcFirstLastPara="0" vert="horz" wrap="square" lIns="12700" tIns="0" rIns="12700" bIns="0" numCol="1" spcCol="1270" anchor="ctr" anchorCtr="0">
-          <a:noAutofit/>
-        </a:bodyPr>
-        <a:lstStyle/>
-        <a:p>
-          <a:pPr lvl="0" algn="ctr" defTabSz="222250">
-            <a:lnSpc>
-              <a:spcPct val="90000"/>
-            </a:lnSpc>
-            <a:spcBef>
-              <a:spcPct val="0"/>
-            </a:spcBef>
-            <a:spcAft>
-              <a:spcPct val="35000"/>
-            </a:spcAft>
-          </a:pPr>
-          <a:endParaRPr lang="pt-BR" sz="500" kern="1200">
-            <a:ln>
-              <a:noFill/>
-            </a:ln>
-          </a:endParaRPr>
-        </a:p>
-      </dsp:txBody>
-      <dsp:txXfrm>
-        <a:off x="3063002" y="1700166"/>
-        <a:ext cx="30412" cy="30412"/>
-      </dsp:txXfrm>
-    </dsp:sp>
-    <dsp:sp modelId="{040CB96B-06C3-4570-9EDB-C32DFC727847}">
-      <dsp:nvSpPr>
-        <dsp:cNvPr id="0" name=""/>
-        <dsp:cNvSpPr/>
-      </dsp:nvSpPr>
-      <dsp:spPr>
-        <a:xfrm>
-          <a:off x="2912844" y="949674"/>
-          <a:ext cx="330728" cy="510465"/>
-        </a:xfrm>
-        <a:custGeom>
-          <a:avLst/>
-          <a:gdLst/>
-          <a:ahLst/>
-          <a:cxnLst/>
-          <a:rect l="0" t="0" r="0" b="0"/>
-          <a:pathLst>
-            <a:path>
-              <a:moveTo>
-                <a:pt x="0" y="510465"/>
-              </a:moveTo>
-              <a:lnTo>
-                <a:pt x="165364" y="510465"/>
-              </a:lnTo>
-              <a:lnTo>
-                <a:pt x="165364" y="0"/>
-              </a:lnTo>
-              <a:lnTo>
-                <a:pt x="330728" y="0"/>
-              </a:lnTo>
-            </a:path>
-          </a:pathLst>
-        </a:custGeom>
-        <a:noFill/>
-        <a:ln w="28575" cap="flat" cmpd="sng" algn="ctr">
-          <a:solidFill>
-            <a:schemeClr val="accent6">
-              <a:hueOff val="0"/>
-              <a:satOff val="0"/>
-              <a:lumOff val="0"/>
-              <a:alphaOff val="0"/>
-            </a:schemeClr>
-          </a:solidFill>
-          <a:prstDash val="solid"/>
-        </a:ln>
-        <a:effectLst/>
-      </dsp:spPr>
-      <dsp:style>
-        <a:lnRef idx="2">
-          <a:scrgbClr r="0" g="0" b="0"/>
-        </a:lnRef>
-        <a:fillRef idx="0">
-          <a:scrgbClr r="0" g="0" b="0"/>
-        </a:fillRef>
-        <a:effectRef idx="0">
-          <a:scrgbClr r="0" g="0" b="0"/>
-        </a:effectRef>
-        <a:fontRef idx="minor"/>
-      </dsp:style>
-      <dsp:txBody>
-        <a:bodyPr spcFirstLastPara="0" vert="horz" wrap="square" lIns="12700" tIns="0" rIns="12700" bIns="0" numCol="1" spcCol="1270" anchor="ctr" anchorCtr="0">
-          <a:noAutofit/>
-        </a:bodyPr>
-        <a:lstStyle/>
-        <a:p>
-          <a:pPr lvl="0" algn="ctr" defTabSz="222250">
-            <a:lnSpc>
-              <a:spcPct val="90000"/>
-            </a:lnSpc>
-            <a:spcBef>
-              <a:spcPct val="0"/>
-            </a:spcBef>
-            <a:spcAft>
-              <a:spcPct val="35000"/>
-            </a:spcAft>
-          </a:pPr>
-          <a:endParaRPr lang="pt-BR" sz="500" kern="1200">
-            <a:ln>
-              <a:noFill/>
-            </a:ln>
-          </a:endParaRPr>
-        </a:p>
-      </dsp:txBody>
-      <dsp:txXfrm>
-        <a:off x="3063002" y="1189700"/>
-        <a:ext cx="30412" cy="30412"/>
-      </dsp:txXfrm>
-    </dsp:sp>
-    <dsp:sp modelId="{E04E75EF-3FF5-4F99-9454-4458B90560B9}">
-      <dsp:nvSpPr>
-        <dsp:cNvPr id="0" name=""/>
-        <dsp:cNvSpPr/>
-      </dsp:nvSpPr>
-      <dsp:spPr>
-        <a:xfrm>
-          <a:off x="928476" y="1460139"/>
-          <a:ext cx="330728" cy="1276164"/>
-        </a:xfrm>
-        <a:custGeom>
-          <a:avLst/>
-          <a:gdLst/>
-          <a:ahLst/>
-          <a:cxnLst/>
-          <a:rect l="0" t="0" r="0" b="0"/>
-          <a:pathLst>
-            <a:path>
-              <a:moveTo>
-                <a:pt x="0" y="1276164"/>
-              </a:moveTo>
-              <a:lnTo>
-                <a:pt x="165364" y="1276164"/>
-              </a:lnTo>
-              <a:lnTo>
-                <a:pt x="165364" y="0"/>
-              </a:lnTo>
-              <a:lnTo>
-                <a:pt x="330728" y="0"/>
-              </a:lnTo>
-            </a:path>
-          </a:pathLst>
-        </a:custGeom>
-        <a:noFill/>
-        <a:ln w="28575" cap="flat" cmpd="sng" algn="ctr">
-          <a:solidFill>
-            <a:schemeClr val="accent5">
-              <a:hueOff val="0"/>
-              <a:satOff val="0"/>
-              <a:lumOff val="0"/>
-              <a:alphaOff val="0"/>
-            </a:schemeClr>
-          </a:solidFill>
-          <a:prstDash val="solid"/>
-        </a:ln>
-        <a:effectLst/>
-      </dsp:spPr>
-      <dsp:style>
-        <a:lnRef idx="2">
-          <a:scrgbClr r="0" g="0" b="0"/>
-        </a:lnRef>
-        <a:fillRef idx="0">
-          <a:scrgbClr r="0" g="0" b="0"/>
-        </a:fillRef>
-        <a:effectRef idx="0">
-          <a:scrgbClr r="0" g="0" b="0"/>
-        </a:effectRef>
-        <a:fontRef idx="minor"/>
-      </dsp:style>
-      <dsp:txBody>
-        <a:bodyPr spcFirstLastPara="0" vert="horz" wrap="square" lIns="12700" tIns="0" rIns="12700" bIns="0" numCol="1" spcCol="1270" anchor="ctr" anchorCtr="0">
-          <a:noAutofit/>
-        </a:bodyPr>
-        <a:lstStyle/>
-        <a:p>
-          <a:pPr lvl="0" algn="ctr" defTabSz="222250">
-            <a:lnSpc>
-              <a:spcPct val="90000"/>
-            </a:lnSpc>
-            <a:spcBef>
-              <a:spcPct val="0"/>
-            </a:spcBef>
-            <a:spcAft>
-              <a:spcPct val="35000"/>
-            </a:spcAft>
-          </a:pPr>
-          <a:endParaRPr lang="pt-BR" sz="500" kern="1200">
-            <a:ln>
-              <a:noFill/>
-            </a:ln>
-          </a:endParaRPr>
-        </a:p>
-      </dsp:txBody>
-      <dsp:txXfrm>
-        <a:off x="1060882" y="2065263"/>
-        <a:ext cx="65916" cy="65916"/>
-      </dsp:txXfrm>
-    </dsp:sp>
-    <dsp:sp modelId="{85F62DE2-963F-4C4E-96AF-E89F91C81D5C}">
-      <dsp:nvSpPr>
-        <dsp:cNvPr id="0" name=""/>
-        <dsp:cNvSpPr/>
-      </dsp:nvSpPr>
-      <dsp:spPr>
-        <a:xfrm rot="16200000">
-          <a:off x="-860734" y="2273826"/>
-          <a:ext cx="2653466" cy="924954"/>
-        </a:xfrm>
-        <a:prstGeom prst="rect">
-          <a:avLst/>
-        </a:prstGeom>
-        <a:solidFill>
-          <a:schemeClr val="accent3">
-            <a:hueOff val="0"/>
-            <a:satOff val="0"/>
-            <a:lumOff val="0"/>
-            <a:alphaOff val="0"/>
-          </a:schemeClr>
-        </a:solidFill>
-        <a:ln w="28575" cap="flat" cmpd="sng" algn="ctr">
-          <a:solidFill>
-            <a:schemeClr val="lt1">
-              <a:hueOff val="0"/>
-              <a:satOff val="0"/>
-              <a:lumOff val="0"/>
-              <a:alphaOff val="0"/>
-            </a:schemeClr>
-          </a:solidFill>
-          <a:prstDash val="solid"/>
-        </a:ln>
-        <a:effectLst/>
-      </dsp:spPr>
-      <dsp:style>
-        <a:lnRef idx="2">
-          <a:scrgbClr r="0" g="0" b="0"/>
-        </a:lnRef>
-        <a:fillRef idx="1">
-          <a:scrgbClr r="0" g="0" b="0"/>
-        </a:fillRef>
-        <a:effectRef idx="0">
-          <a:scrgbClr r="0" g="0" b="0"/>
-        </a:effectRef>
-        <a:fontRef idx="minor">
-          <a:schemeClr val="lt1"/>
-        </a:fontRef>
-      </dsp:style>
-      <dsp:txBody>
-        <a:bodyPr spcFirstLastPara="0" vert="horz" wrap="square" lIns="34290" tIns="34290" rIns="34290" bIns="34290" numCol="1" spcCol="1270" anchor="ctr" anchorCtr="0">
-          <a:noAutofit/>
-        </a:bodyPr>
-        <a:lstStyle/>
-        <a:p>
-          <a:pPr lvl="0" algn="ctr" defTabSz="2400300">
-            <a:lnSpc>
-              <a:spcPct val="90000"/>
-            </a:lnSpc>
-            <a:spcBef>
-              <a:spcPct val="0"/>
-            </a:spcBef>
-            <a:spcAft>
-              <a:spcPct val="35000"/>
-            </a:spcAft>
-          </a:pPr>
-          <a:r>
-            <a:rPr lang="pt-BR" sz="5400" kern="1200" smtClean="0">
-              <a:ln/>
-            </a:rPr>
-            <a:t>Site</a:t>
-          </a:r>
-          <a:endParaRPr lang="pt-BR" sz="5400" kern="1200" dirty="0">
-            <a:ln/>
-          </a:endParaRPr>
-        </a:p>
-      </dsp:txBody>
-      <dsp:txXfrm>
-        <a:off x="-860734" y="2273826"/>
-        <a:ext cx="2653466" cy="924954"/>
-      </dsp:txXfrm>
-    </dsp:sp>
-    <dsp:sp modelId="{CCC824B9-6D4D-4981-9C76-2E02AF6A080B}">
-      <dsp:nvSpPr>
-        <dsp:cNvPr id="0" name=""/>
-        <dsp:cNvSpPr/>
-      </dsp:nvSpPr>
-      <dsp:spPr>
-        <a:xfrm>
-          <a:off x="1259204" y="1012693"/>
-          <a:ext cx="1653640" cy="894891"/>
-        </a:xfrm>
-        <a:prstGeom prst="rect">
-          <a:avLst/>
-        </a:prstGeom>
-        <a:solidFill>
-          <a:schemeClr val="tx2">
-            <a:lumMod val="40000"/>
-            <a:lumOff val="60000"/>
-          </a:schemeClr>
-        </a:solidFill>
-        <a:ln w="28575" cap="flat" cmpd="sng" algn="ctr">
-          <a:solidFill>
-            <a:schemeClr val="lt1">
-              <a:hueOff val="0"/>
-              <a:satOff val="0"/>
-              <a:lumOff val="0"/>
-              <a:alphaOff val="0"/>
-            </a:schemeClr>
-          </a:solidFill>
-          <a:prstDash val="solid"/>
-        </a:ln>
-        <a:effectLst/>
-      </dsp:spPr>
-      <dsp:style>
-        <a:lnRef idx="2">
-          <a:scrgbClr r="0" g="0" b="0"/>
-        </a:lnRef>
-        <a:fillRef idx="1">
-          <a:scrgbClr r="0" g="0" b="0"/>
-        </a:fillRef>
-        <a:effectRef idx="0">
-          <a:scrgbClr r="0" g="0" b="0"/>
-        </a:effectRef>
-        <a:fontRef idx="minor">
-          <a:schemeClr val="lt1"/>
-        </a:fontRef>
-      </dsp:style>
-      <dsp:txBody>
-        <a:bodyPr spcFirstLastPara="0" vert="horz" wrap="square" lIns="10160" tIns="10160" rIns="10160" bIns="10160" numCol="1" spcCol="1270" anchor="ctr" anchorCtr="0">
-          <a:noAutofit/>
-        </a:bodyPr>
-        <a:lstStyle/>
-        <a:p>
-          <a:pPr lvl="0" algn="ctr" defTabSz="711200">
-            <a:lnSpc>
-              <a:spcPct val="90000"/>
-            </a:lnSpc>
-            <a:spcBef>
-              <a:spcPct val="0"/>
-            </a:spcBef>
-            <a:spcAft>
-              <a:spcPct val="35000"/>
-            </a:spcAft>
-          </a:pPr>
-          <a:r>
-            <a:rPr lang="pt-BR" sz="1600" kern="1200" smtClean="0">
-              <a:ln/>
-            </a:rPr>
-            <a:t>Configuração</a:t>
-          </a:r>
-          <a:endParaRPr lang="pt-BR" sz="1600" kern="1200" dirty="0">
-            <a:ln/>
-          </a:endParaRPr>
-        </a:p>
-      </dsp:txBody>
-      <dsp:txXfrm>
-        <a:off x="1259204" y="1012693"/>
-        <a:ext cx="1653640" cy="894891"/>
-      </dsp:txXfrm>
-    </dsp:sp>
-    <dsp:sp modelId="{FBCAE61C-F8F7-4954-B5B0-98F173752588}">
-      <dsp:nvSpPr>
-        <dsp:cNvPr id="0" name=""/>
-        <dsp:cNvSpPr/>
-      </dsp:nvSpPr>
-      <dsp:spPr>
-        <a:xfrm>
-          <a:off x="3243572" y="502228"/>
-          <a:ext cx="1653640" cy="894891"/>
-        </a:xfrm>
-        <a:prstGeom prst="rect">
-          <a:avLst/>
-        </a:prstGeom>
-        <a:solidFill>
-          <a:schemeClr val="tx2">
-            <a:lumMod val="40000"/>
-            <a:lumOff val="60000"/>
-          </a:schemeClr>
-        </a:solidFill>
-        <a:ln w="28575" cap="flat" cmpd="sng" algn="ctr">
-          <a:solidFill>
-            <a:schemeClr val="lt1">
-              <a:hueOff val="0"/>
-              <a:satOff val="0"/>
-              <a:lumOff val="0"/>
-              <a:alphaOff val="0"/>
-            </a:schemeClr>
-          </a:solidFill>
-          <a:prstDash val="solid"/>
-        </a:ln>
-        <a:effectLst/>
-      </dsp:spPr>
-      <dsp:style>
-        <a:lnRef idx="2">
-          <a:scrgbClr r="0" g="0" b="0"/>
-        </a:lnRef>
-        <a:fillRef idx="1">
-          <a:scrgbClr r="0" g="0" b="0"/>
-        </a:fillRef>
-        <a:effectRef idx="0">
-          <a:scrgbClr r="0" g="0" b="0"/>
-        </a:effectRef>
-        <a:fontRef idx="minor">
-          <a:schemeClr val="lt1"/>
-        </a:fontRef>
-      </dsp:style>
-      <dsp:txBody>
-        <a:bodyPr spcFirstLastPara="0" vert="horz" wrap="square" lIns="10160" tIns="10160" rIns="10160" bIns="10160" numCol="1" spcCol="1270" anchor="ctr" anchorCtr="0">
-          <a:noAutofit/>
-        </a:bodyPr>
-        <a:lstStyle/>
-        <a:p>
-          <a:pPr lvl="0" algn="ctr" defTabSz="711200">
-            <a:lnSpc>
-              <a:spcPct val="90000"/>
-            </a:lnSpc>
-            <a:spcBef>
-              <a:spcPct val="0"/>
-            </a:spcBef>
-            <a:spcAft>
-              <a:spcPct val="35000"/>
-            </a:spcAft>
-          </a:pPr>
-          <a:r>
-            <a:rPr lang="pt-BR" sz="1600" kern="1200" smtClean="0">
-              <a:ln/>
-            </a:rPr>
-            <a:t>Login</a:t>
-          </a:r>
-          <a:endParaRPr lang="pt-BR" sz="1600" kern="1200" dirty="0">
-            <a:ln/>
-          </a:endParaRPr>
-        </a:p>
-      </dsp:txBody>
-      <dsp:txXfrm>
-        <a:off x="3243572" y="502228"/>
-        <a:ext cx="1653640" cy="894891"/>
-      </dsp:txXfrm>
-    </dsp:sp>
-    <dsp:sp modelId="{E44A7F6B-CDD6-46D7-8C6D-31E128DCFA9B}">
-      <dsp:nvSpPr>
-        <dsp:cNvPr id="0" name=""/>
-        <dsp:cNvSpPr/>
-      </dsp:nvSpPr>
-      <dsp:spPr>
-        <a:xfrm>
-          <a:off x="3243572" y="1523159"/>
-          <a:ext cx="1653640" cy="894891"/>
-        </a:xfrm>
-        <a:prstGeom prst="rect">
-          <a:avLst/>
-        </a:prstGeom>
-        <a:solidFill>
-          <a:schemeClr val="tx2">
-            <a:lumMod val="40000"/>
-            <a:lumOff val="60000"/>
-          </a:schemeClr>
-        </a:solidFill>
-        <a:ln w="28575" cap="flat" cmpd="sng" algn="ctr">
-          <a:solidFill>
-            <a:schemeClr val="lt1">
-              <a:hueOff val="0"/>
-              <a:satOff val="0"/>
-              <a:lumOff val="0"/>
-              <a:alphaOff val="0"/>
-            </a:schemeClr>
-          </a:solidFill>
-          <a:prstDash val="solid"/>
-        </a:ln>
-        <a:effectLst/>
-      </dsp:spPr>
-      <dsp:style>
-        <a:lnRef idx="2">
-          <a:scrgbClr r="0" g="0" b="0"/>
-        </a:lnRef>
-        <a:fillRef idx="1">
-          <a:scrgbClr r="0" g="0" b="0"/>
-        </a:fillRef>
-        <a:effectRef idx="0">
-          <a:scrgbClr r="0" g="0" b="0"/>
-        </a:effectRef>
-        <a:fontRef idx="minor">
-          <a:schemeClr val="lt1"/>
-        </a:fontRef>
-      </dsp:style>
-      <dsp:txBody>
-        <a:bodyPr spcFirstLastPara="0" vert="horz" wrap="square" lIns="10160" tIns="10160" rIns="10160" bIns="10160" numCol="1" spcCol="1270" anchor="ctr" anchorCtr="0">
-          <a:noAutofit/>
-        </a:bodyPr>
-        <a:lstStyle/>
-        <a:p>
-          <a:pPr lvl="0" algn="ctr" defTabSz="711200">
-            <a:lnSpc>
-              <a:spcPct val="90000"/>
-            </a:lnSpc>
-            <a:spcBef>
-              <a:spcPct val="0"/>
-            </a:spcBef>
-            <a:spcAft>
-              <a:spcPct val="35000"/>
-            </a:spcAft>
-          </a:pPr>
-          <a:r>
-            <a:rPr lang="pt-BR" sz="1600" kern="1200" smtClean="0">
-              <a:ln/>
-            </a:rPr>
-            <a:t>Home</a:t>
-          </a:r>
-          <a:endParaRPr lang="pt-BR" sz="1600" kern="1200" dirty="0">
-            <a:ln/>
-          </a:endParaRPr>
-        </a:p>
-      </dsp:txBody>
-      <dsp:txXfrm>
-        <a:off x="3243572" y="1523159"/>
-        <a:ext cx="1653640" cy="894891"/>
-      </dsp:txXfrm>
-    </dsp:sp>
-    <dsp:sp modelId="{08C3CC76-66C0-40DD-B207-18615301AEA6}">
-      <dsp:nvSpPr>
-        <dsp:cNvPr id="0" name=""/>
-        <dsp:cNvSpPr/>
-      </dsp:nvSpPr>
-      <dsp:spPr>
-        <a:xfrm>
-          <a:off x="5227941" y="1523159"/>
-          <a:ext cx="1653640" cy="894891"/>
-        </a:xfrm>
-        <a:prstGeom prst="rect">
-          <a:avLst/>
-        </a:prstGeom>
-        <a:solidFill>
-          <a:schemeClr val="tx2">
-            <a:lumMod val="40000"/>
-            <a:lumOff val="60000"/>
-          </a:schemeClr>
-        </a:solidFill>
-        <a:ln w="28575" cap="flat" cmpd="sng" algn="ctr">
-          <a:solidFill>
-            <a:schemeClr val="lt1">
-              <a:hueOff val="0"/>
-              <a:satOff val="0"/>
-              <a:lumOff val="0"/>
-              <a:alphaOff val="0"/>
-            </a:schemeClr>
-          </a:solidFill>
-          <a:prstDash val="solid"/>
-        </a:ln>
-        <a:effectLst/>
-      </dsp:spPr>
-      <dsp:style>
-        <a:lnRef idx="2">
-          <a:scrgbClr r="0" g="0" b="0"/>
-        </a:lnRef>
-        <a:fillRef idx="1">
-          <a:scrgbClr r="0" g="0" b="0"/>
-        </a:fillRef>
-        <a:effectRef idx="0">
-          <a:scrgbClr r="0" g="0" b="0"/>
-        </a:effectRef>
-        <a:fontRef idx="minor">
-          <a:schemeClr val="lt1"/>
-        </a:fontRef>
-      </dsp:style>
-      <dsp:txBody>
-        <a:bodyPr spcFirstLastPara="0" vert="horz" wrap="square" lIns="10160" tIns="10160" rIns="10160" bIns="10160" numCol="1" spcCol="1270" anchor="ctr" anchorCtr="0">
-          <a:noAutofit/>
-        </a:bodyPr>
-        <a:lstStyle/>
-        <a:p>
-          <a:pPr lvl="0" algn="ctr" defTabSz="711200">
-            <a:lnSpc>
-              <a:spcPct val="90000"/>
-            </a:lnSpc>
-            <a:spcBef>
-              <a:spcPct val="0"/>
-            </a:spcBef>
-            <a:spcAft>
-              <a:spcPct val="35000"/>
-            </a:spcAft>
-          </a:pPr>
-          <a:r>
-            <a:rPr lang="pt-BR" sz="1600" kern="1200" smtClean="0">
-              <a:ln/>
-            </a:rPr>
-            <a:t>Cadastros</a:t>
-          </a:r>
-          <a:endParaRPr lang="pt-BR" sz="1600" kern="1200" dirty="0">
-            <a:ln/>
-          </a:endParaRPr>
-        </a:p>
-      </dsp:txBody>
-      <dsp:txXfrm>
-        <a:off x="5227941" y="1523159"/>
-        <a:ext cx="1653640" cy="894891"/>
-      </dsp:txXfrm>
-    </dsp:sp>
-    <dsp:sp modelId="{C3B714E9-8D56-4F47-AE83-1B4A1B36E261}">
-      <dsp:nvSpPr>
-        <dsp:cNvPr id="0" name=""/>
-        <dsp:cNvSpPr/>
-      </dsp:nvSpPr>
-      <dsp:spPr>
-        <a:xfrm>
-          <a:off x="7212309" y="1012693"/>
-          <a:ext cx="1653640" cy="894891"/>
-        </a:xfrm>
-        <a:prstGeom prst="rect">
-          <a:avLst/>
-        </a:prstGeom>
-        <a:solidFill>
-          <a:schemeClr val="tx2">
-            <a:lumMod val="40000"/>
-            <a:lumOff val="60000"/>
-          </a:schemeClr>
-        </a:solidFill>
-        <a:ln w="28575" cap="flat" cmpd="sng" algn="ctr">
-          <a:solidFill>
-            <a:schemeClr val="lt1">
-              <a:hueOff val="0"/>
-              <a:satOff val="0"/>
-              <a:lumOff val="0"/>
-              <a:alphaOff val="0"/>
-            </a:schemeClr>
-          </a:solidFill>
-          <a:prstDash val="solid"/>
-        </a:ln>
-        <a:effectLst/>
-      </dsp:spPr>
-      <dsp:style>
-        <a:lnRef idx="2">
-          <a:scrgbClr r="0" g="0" b="0"/>
-        </a:lnRef>
-        <a:fillRef idx="1">
-          <a:scrgbClr r="0" g="0" b="0"/>
-        </a:fillRef>
-        <a:effectRef idx="0">
-          <a:scrgbClr r="0" g="0" b="0"/>
-        </a:effectRef>
-        <a:fontRef idx="minor">
-          <a:schemeClr val="lt1"/>
-        </a:fontRef>
-      </dsp:style>
-      <dsp:txBody>
-        <a:bodyPr spcFirstLastPara="0" vert="horz" wrap="square" lIns="10160" tIns="10160" rIns="10160" bIns="10160" numCol="1" spcCol="1270" anchor="ctr" anchorCtr="0">
-          <a:noAutofit/>
-        </a:bodyPr>
-        <a:lstStyle/>
-        <a:p>
-          <a:pPr lvl="0" algn="ctr" defTabSz="711200">
-            <a:lnSpc>
-              <a:spcPct val="90000"/>
-            </a:lnSpc>
-            <a:spcBef>
-              <a:spcPct val="0"/>
-            </a:spcBef>
-            <a:spcAft>
-              <a:spcPct val="35000"/>
-            </a:spcAft>
-          </a:pPr>
-          <a:r>
-            <a:rPr lang="pt-BR" sz="1600" kern="1200" smtClean="0">
-              <a:ln/>
-            </a:rPr>
-            <a:t>Serviços</a:t>
-          </a:r>
-          <a:endParaRPr lang="pt-BR" sz="1600" kern="1200" dirty="0">
-            <a:ln/>
-          </a:endParaRPr>
-        </a:p>
-      </dsp:txBody>
-      <dsp:txXfrm>
-        <a:off x="7212309" y="1012693"/>
-        <a:ext cx="1653640" cy="894891"/>
-      </dsp:txXfrm>
-    </dsp:sp>
-    <dsp:sp modelId="{99E58E7E-BFE3-414B-AF9D-7BB998895FEF}">
-      <dsp:nvSpPr>
-        <dsp:cNvPr id="0" name=""/>
-        <dsp:cNvSpPr/>
-      </dsp:nvSpPr>
-      <dsp:spPr>
-        <a:xfrm>
-          <a:off x="7212309" y="2033625"/>
-          <a:ext cx="1653640" cy="894891"/>
-        </a:xfrm>
-        <a:prstGeom prst="rect">
-          <a:avLst/>
-        </a:prstGeom>
-        <a:solidFill>
-          <a:schemeClr val="tx2">
-            <a:lumMod val="40000"/>
-            <a:lumOff val="60000"/>
-          </a:schemeClr>
-        </a:solidFill>
-        <a:ln w="28575" cap="flat" cmpd="sng" algn="ctr">
-          <a:solidFill>
-            <a:schemeClr val="lt1">
-              <a:hueOff val="0"/>
-              <a:satOff val="0"/>
-              <a:lumOff val="0"/>
-              <a:alphaOff val="0"/>
-            </a:schemeClr>
-          </a:solidFill>
-          <a:prstDash val="solid"/>
-        </a:ln>
-        <a:effectLst/>
-      </dsp:spPr>
-      <dsp:style>
-        <a:lnRef idx="2">
-          <a:scrgbClr r="0" g="0" b="0"/>
-        </a:lnRef>
-        <a:fillRef idx="1">
-          <a:scrgbClr r="0" g="0" b="0"/>
-        </a:fillRef>
-        <a:effectRef idx="0">
-          <a:scrgbClr r="0" g="0" b="0"/>
-        </a:effectRef>
-        <a:fontRef idx="minor">
-          <a:schemeClr val="lt1"/>
-        </a:fontRef>
-      </dsp:style>
-      <dsp:txBody>
-        <a:bodyPr spcFirstLastPara="0" vert="horz" wrap="square" lIns="10160" tIns="10160" rIns="10160" bIns="10160" numCol="1" spcCol="1270" anchor="ctr" anchorCtr="0">
-          <a:noAutofit/>
-        </a:bodyPr>
-        <a:lstStyle/>
-        <a:p>
-          <a:pPr lvl="0" algn="ctr" defTabSz="711200">
-            <a:lnSpc>
-              <a:spcPct val="90000"/>
-            </a:lnSpc>
-            <a:spcBef>
-              <a:spcPct val="0"/>
-            </a:spcBef>
-            <a:spcAft>
-              <a:spcPct val="35000"/>
-            </a:spcAft>
-          </a:pPr>
-          <a:r>
-            <a:rPr lang="pt-BR" sz="1600" kern="1200" smtClean="0">
-              <a:ln/>
-            </a:rPr>
-            <a:t>Lembretes</a:t>
-          </a:r>
-          <a:endParaRPr lang="pt-BR" sz="1600" kern="1200" dirty="0">
-            <a:ln/>
-          </a:endParaRPr>
-        </a:p>
-      </dsp:txBody>
-      <dsp:txXfrm>
-        <a:off x="7212309" y="2033625"/>
-        <a:ext cx="1653640" cy="894891"/>
-      </dsp:txXfrm>
-    </dsp:sp>
-    <dsp:sp modelId="{BC230F88-AF16-401E-847A-5EB6F35167B5}">
-      <dsp:nvSpPr>
-        <dsp:cNvPr id="0" name=""/>
-        <dsp:cNvSpPr/>
-      </dsp:nvSpPr>
-      <dsp:spPr>
-        <a:xfrm>
-          <a:off x="1259204" y="3565022"/>
-          <a:ext cx="1653640" cy="894891"/>
-        </a:xfrm>
-        <a:prstGeom prst="rect">
-          <a:avLst/>
-        </a:prstGeom>
-        <a:solidFill>
-          <a:srgbClr val="FFC000"/>
-        </a:solidFill>
-        <a:ln w="28575" cap="flat" cmpd="sng" algn="ctr">
-          <a:solidFill>
-            <a:schemeClr val="lt1">
-              <a:hueOff val="0"/>
-              <a:satOff val="0"/>
-              <a:lumOff val="0"/>
-              <a:alphaOff val="0"/>
-            </a:schemeClr>
-          </a:solidFill>
-          <a:prstDash val="solid"/>
-        </a:ln>
-        <a:effectLst/>
-      </dsp:spPr>
-      <dsp:style>
-        <a:lnRef idx="2">
-          <a:scrgbClr r="0" g="0" b="0"/>
-        </a:lnRef>
-        <a:fillRef idx="1">
-          <a:scrgbClr r="0" g="0" b="0"/>
-        </a:fillRef>
-        <a:effectRef idx="0">
-          <a:scrgbClr r="0" g="0" b="0"/>
-        </a:effectRef>
-        <a:fontRef idx="minor">
-          <a:schemeClr val="lt1"/>
-        </a:fontRef>
-      </dsp:style>
-      <dsp:txBody>
-        <a:bodyPr spcFirstLastPara="0" vert="horz" wrap="square" lIns="10160" tIns="10160" rIns="10160" bIns="10160" numCol="1" spcCol="1270" anchor="ctr" anchorCtr="0">
-          <a:noAutofit/>
-        </a:bodyPr>
-        <a:lstStyle/>
-        <a:p>
-          <a:pPr lvl="0" algn="ctr" defTabSz="711200">
-            <a:lnSpc>
-              <a:spcPct val="90000"/>
-            </a:lnSpc>
-            <a:spcBef>
-              <a:spcPct val="0"/>
-            </a:spcBef>
-            <a:spcAft>
-              <a:spcPct val="35000"/>
-            </a:spcAft>
-          </a:pPr>
-          <a:r>
-            <a:rPr lang="pt-BR" sz="1600" kern="1200" smtClean="0">
-              <a:ln/>
-            </a:rPr>
-            <a:t>Execução</a:t>
-          </a:r>
-          <a:endParaRPr lang="pt-BR" sz="1600" kern="1200" dirty="0">
-            <a:ln/>
-          </a:endParaRPr>
-        </a:p>
-      </dsp:txBody>
-      <dsp:txXfrm>
-        <a:off x="1259204" y="3565022"/>
-        <a:ext cx="1653640" cy="894891"/>
-      </dsp:txXfrm>
-    </dsp:sp>
-    <dsp:sp modelId="{175FB72B-84C8-486C-9686-3AA16043A190}">
-      <dsp:nvSpPr>
-        <dsp:cNvPr id="0" name=""/>
-        <dsp:cNvSpPr/>
-      </dsp:nvSpPr>
-      <dsp:spPr>
-        <a:xfrm>
-          <a:off x="3243572" y="3565022"/>
-          <a:ext cx="1653640" cy="894891"/>
-        </a:xfrm>
-        <a:prstGeom prst="rect">
-          <a:avLst/>
-        </a:prstGeom>
-        <a:solidFill>
-          <a:srgbClr val="FFC000"/>
-        </a:solidFill>
-        <a:ln w="28575" cap="flat" cmpd="sng" algn="ctr">
-          <a:solidFill>
-            <a:schemeClr val="lt1">
-              <a:hueOff val="0"/>
-              <a:satOff val="0"/>
-              <a:lumOff val="0"/>
-              <a:alphaOff val="0"/>
-            </a:schemeClr>
-          </a:solidFill>
-          <a:prstDash val="solid"/>
-        </a:ln>
-        <a:effectLst/>
-      </dsp:spPr>
-      <dsp:style>
-        <a:lnRef idx="2">
-          <a:scrgbClr r="0" g="0" b="0"/>
-        </a:lnRef>
-        <a:fillRef idx="1">
-          <a:scrgbClr r="0" g="0" b="0"/>
-        </a:fillRef>
-        <a:effectRef idx="0">
-          <a:scrgbClr r="0" g="0" b="0"/>
-        </a:effectRef>
-        <a:fontRef idx="minor">
-          <a:schemeClr val="lt1"/>
-        </a:fontRef>
-      </dsp:style>
-      <dsp:txBody>
-        <a:bodyPr spcFirstLastPara="0" vert="horz" wrap="square" lIns="11430" tIns="11430" rIns="11430" bIns="11430" numCol="1" spcCol="1270" anchor="ctr" anchorCtr="0">
-          <a:noAutofit/>
-        </a:bodyPr>
-        <a:lstStyle/>
-        <a:p>
-          <a:pPr lvl="0" algn="ctr" defTabSz="800100">
-            <a:lnSpc>
-              <a:spcPct val="90000"/>
-            </a:lnSpc>
-            <a:spcBef>
-              <a:spcPct val="0"/>
-            </a:spcBef>
-            <a:spcAft>
-              <a:spcPct val="35000"/>
-            </a:spcAft>
-          </a:pPr>
-          <a:r>
-            <a:rPr lang="pt-BR" sz="1800" kern="1200" smtClean="0">
-              <a:ln/>
-            </a:rPr>
-            <a:t>Lista notificações</a:t>
-          </a:r>
-          <a:endParaRPr lang="pt-BR" sz="1800" kern="1200" dirty="0">
-            <a:ln/>
-          </a:endParaRPr>
-        </a:p>
-      </dsp:txBody>
-      <dsp:txXfrm>
-        <a:off x="3243572" y="3565022"/>
-        <a:ext cx="1653640" cy="894891"/>
-      </dsp:txXfrm>
-    </dsp:sp>
-    <dsp:sp modelId="{C1F3184D-BED2-4588-91D0-6026066D0495}">
-      <dsp:nvSpPr>
-        <dsp:cNvPr id="0" name=""/>
-        <dsp:cNvSpPr/>
-      </dsp:nvSpPr>
-      <dsp:spPr>
-        <a:xfrm>
-          <a:off x="5227941" y="3565022"/>
-          <a:ext cx="1653640" cy="894891"/>
-        </a:xfrm>
-        <a:prstGeom prst="rect">
-          <a:avLst/>
-        </a:prstGeom>
-        <a:solidFill>
-          <a:srgbClr val="FFC000"/>
-        </a:solidFill>
-        <a:ln w="28575" cap="flat" cmpd="sng" algn="ctr">
-          <a:solidFill>
-            <a:schemeClr val="lt1">
-              <a:hueOff val="0"/>
-              <a:satOff val="0"/>
-              <a:lumOff val="0"/>
-              <a:alphaOff val="0"/>
-            </a:schemeClr>
-          </a:solidFill>
-          <a:prstDash val="solid"/>
-        </a:ln>
-        <a:effectLst/>
-      </dsp:spPr>
-      <dsp:style>
-        <a:lnRef idx="2">
-          <a:scrgbClr r="0" g="0" b="0"/>
-        </a:lnRef>
-        <a:fillRef idx="1">
-          <a:scrgbClr r="0" g="0" b="0"/>
-        </a:fillRef>
-        <a:effectRef idx="0">
-          <a:scrgbClr r="0" g="0" b="0"/>
-        </a:effectRef>
-        <a:fontRef idx="minor">
-          <a:schemeClr val="lt1"/>
-        </a:fontRef>
-      </dsp:style>
-      <dsp:txBody>
-        <a:bodyPr spcFirstLastPara="0" vert="horz" wrap="square" lIns="10160" tIns="10160" rIns="10160" bIns="10160" numCol="1" spcCol="1270" anchor="ctr" anchorCtr="0">
-          <a:noAutofit/>
-        </a:bodyPr>
-        <a:lstStyle/>
-        <a:p>
-          <a:pPr lvl="0" algn="ctr" defTabSz="711200">
-            <a:lnSpc>
-              <a:spcPct val="90000"/>
-            </a:lnSpc>
-            <a:spcBef>
-              <a:spcPct val="0"/>
-            </a:spcBef>
-            <a:spcAft>
-              <a:spcPct val="35000"/>
-            </a:spcAft>
-          </a:pPr>
-          <a:r>
-            <a:rPr lang="pt-BR" sz="1600" kern="1200" smtClean="0">
-              <a:ln/>
-            </a:rPr>
-            <a:t>Tela decisão</a:t>
-          </a:r>
-          <a:endParaRPr lang="pt-BR" sz="1600" kern="1200" dirty="0">
-            <a:ln/>
-          </a:endParaRPr>
-        </a:p>
-      </dsp:txBody>
-      <dsp:txXfrm>
-        <a:off x="5227941" y="3565022"/>
-        <a:ext cx="1653640" cy="894891"/>
-      </dsp:txXfrm>
-    </dsp:sp>
-    <dsp:sp modelId="{9D43B9EB-EF57-4CA9-8875-07E50AC536FE}">
-      <dsp:nvSpPr>
-        <dsp:cNvPr id="0" name=""/>
-        <dsp:cNvSpPr/>
-      </dsp:nvSpPr>
-      <dsp:spPr>
-        <a:xfrm>
-          <a:off x="7212309" y="3054556"/>
-          <a:ext cx="1653640" cy="894891"/>
-        </a:xfrm>
-        <a:prstGeom prst="rect">
-          <a:avLst/>
-        </a:prstGeom>
-        <a:solidFill>
-          <a:srgbClr val="FFC000"/>
-        </a:solidFill>
-        <a:ln w="28575" cap="flat" cmpd="sng" algn="ctr">
-          <a:solidFill>
-            <a:schemeClr val="lt1">
-              <a:hueOff val="0"/>
-              <a:satOff val="0"/>
-              <a:lumOff val="0"/>
-              <a:alphaOff val="0"/>
-            </a:schemeClr>
-          </a:solidFill>
-          <a:prstDash val="solid"/>
-        </a:ln>
-        <a:effectLst/>
-      </dsp:spPr>
-      <dsp:style>
-        <a:lnRef idx="2">
-          <a:scrgbClr r="0" g="0" b="0"/>
-        </a:lnRef>
-        <a:fillRef idx="1">
-          <a:scrgbClr r="0" g="0" b="0"/>
-        </a:fillRef>
-        <a:effectRef idx="0">
-          <a:scrgbClr r="0" g="0" b="0"/>
-        </a:effectRef>
-        <a:fontRef idx="minor">
-          <a:schemeClr val="lt1"/>
-        </a:fontRef>
-      </dsp:style>
-      <dsp:txBody>
-        <a:bodyPr spcFirstLastPara="0" vert="horz" wrap="square" lIns="10160" tIns="10160" rIns="10160" bIns="10160" numCol="1" spcCol="1270" anchor="ctr" anchorCtr="0">
-          <a:noAutofit/>
-        </a:bodyPr>
-        <a:lstStyle/>
-        <a:p>
-          <a:pPr lvl="0" algn="ctr" defTabSz="711200">
-            <a:lnSpc>
-              <a:spcPct val="90000"/>
-            </a:lnSpc>
-            <a:spcBef>
-              <a:spcPct val="0"/>
-            </a:spcBef>
-            <a:spcAft>
-              <a:spcPct val="35000"/>
-            </a:spcAft>
-          </a:pPr>
-          <a:r>
-            <a:rPr lang="pt-BR" sz="1600" kern="1200" smtClean="0">
-              <a:ln/>
-            </a:rPr>
-            <a:t>Tela Ação serviço</a:t>
-          </a:r>
-          <a:endParaRPr lang="pt-BR" sz="1600" kern="1200" dirty="0">
-            <a:ln/>
-          </a:endParaRPr>
-        </a:p>
-      </dsp:txBody>
-      <dsp:txXfrm>
-        <a:off x="7212309" y="3054556"/>
-        <a:ext cx="1653640" cy="894891"/>
-      </dsp:txXfrm>
-    </dsp:sp>
-    <dsp:sp modelId="{64DC2729-4AEE-46FC-A4B3-43AAC41F9DD2}">
-      <dsp:nvSpPr>
-        <dsp:cNvPr id="0" name=""/>
-        <dsp:cNvSpPr/>
-      </dsp:nvSpPr>
-      <dsp:spPr>
-        <a:xfrm>
-          <a:off x="7212309" y="4075488"/>
-          <a:ext cx="1653640" cy="894891"/>
-        </a:xfrm>
-        <a:prstGeom prst="rect">
-          <a:avLst/>
-        </a:prstGeom>
-        <a:solidFill>
-          <a:srgbClr val="FFC000"/>
-        </a:solidFill>
-        <a:ln w="28575" cap="flat" cmpd="sng" algn="ctr">
-          <a:solidFill>
-            <a:schemeClr val="lt1">
-              <a:hueOff val="0"/>
-              <a:satOff val="0"/>
-              <a:lumOff val="0"/>
-              <a:alphaOff val="0"/>
-            </a:schemeClr>
-          </a:solidFill>
-          <a:prstDash val="solid"/>
-        </a:ln>
-        <a:effectLst/>
-      </dsp:spPr>
-      <dsp:style>
-        <a:lnRef idx="2">
-          <a:scrgbClr r="0" g="0" b="0"/>
-        </a:lnRef>
-        <a:fillRef idx="1">
-          <a:scrgbClr r="0" g="0" b="0"/>
-        </a:fillRef>
-        <a:effectRef idx="0">
-          <a:scrgbClr r="0" g="0" b="0"/>
-        </a:effectRef>
-        <a:fontRef idx="minor">
-          <a:schemeClr val="lt1"/>
-        </a:fontRef>
-      </dsp:style>
-      <dsp:txBody>
-        <a:bodyPr spcFirstLastPara="0" vert="horz" wrap="square" lIns="10160" tIns="10160" rIns="10160" bIns="10160" numCol="1" spcCol="1270" anchor="ctr" anchorCtr="0">
-          <a:noAutofit/>
-        </a:bodyPr>
-        <a:lstStyle/>
-        <a:p>
-          <a:pPr lvl="0" algn="ctr" defTabSz="711200">
-            <a:lnSpc>
-              <a:spcPct val="90000"/>
-            </a:lnSpc>
-            <a:spcBef>
-              <a:spcPct val="0"/>
-            </a:spcBef>
-            <a:spcAft>
-              <a:spcPct val="35000"/>
-            </a:spcAft>
-          </a:pPr>
-          <a:r>
-            <a:rPr lang="pt-BR" sz="1600" kern="1200" smtClean="0">
-              <a:ln/>
-            </a:rPr>
-            <a:t>Tela execução ação</a:t>
-          </a:r>
-          <a:endParaRPr lang="pt-BR" sz="1600" kern="1200" dirty="0">
-            <a:ln/>
-          </a:endParaRPr>
-        </a:p>
-      </dsp:txBody>
-      <dsp:txXfrm>
-        <a:off x="7212309" y="4075488"/>
-        <a:ext cx="1653640" cy="894891"/>
-      </dsp:txXfrm>
-    </dsp:sp>
   </dsp:spTree>
 </dsp:drawing>
 </file>
@@ -20208,633 +12761,6 @@
       <dsp:cNvGrpSpPr/>
     </dsp:nvGrpSpPr>
     <dsp:grpSpPr/>
-    <dsp:sp modelId="{BFCD2251-09FB-4193-82AE-20E41AABECB4}">
-      <dsp:nvSpPr>
-        <dsp:cNvPr id="0" name=""/>
-        <dsp:cNvSpPr/>
-      </dsp:nvSpPr>
-      <dsp:spPr>
-        <a:xfrm>
-          <a:off x="0" y="0"/>
-          <a:ext cx="8928992" cy="5256583"/>
-        </a:xfrm>
-        <a:prstGeom prst="roundRect">
-          <a:avLst>
-            <a:gd name="adj" fmla="val 8500"/>
-          </a:avLst>
-        </a:prstGeom>
-        <a:gradFill rotWithShape="0">
-          <a:gsLst>
-            <a:gs pos="0">
-              <a:schemeClr val="accent1">
-                <a:hueOff val="0"/>
-                <a:satOff val="0"/>
-                <a:lumOff val="0"/>
-                <a:alphaOff val="0"/>
-                <a:shade val="51000"/>
-                <a:satMod val="130000"/>
-              </a:schemeClr>
-            </a:gs>
-            <a:gs pos="80000">
-              <a:schemeClr val="accent1">
-                <a:hueOff val="0"/>
-                <a:satOff val="0"/>
-                <a:lumOff val="0"/>
-                <a:alphaOff val="0"/>
-                <a:shade val="93000"/>
-                <a:satMod val="130000"/>
-              </a:schemeClr>
-            </a:gs>
-            <a:gs pos="100000">
-              <a:schemeClr val="accent1">
-                <a:hueOff val="0"/>
-                <a:satOff val="0"/>
-                <a:lumOff val="0"/>
-                <a:alphaOff val="0"/>
-                <a:shade val="94000"/>
-                <a:satMod val="135000"/>
-              </a:schemeClr>
-            </a:gs>
-          </a:gsLst>
-          <a:lin ang="16200000" scaled="0"/>
-        </a:gradFill>
-        <a:ln>
-          <a:noFill/>
-        </a:ln>
-        <a:effectLst>
-          <a:outerShdw blurRad="40000" dist="23000" dir="5400000" rotWithShape="0">
-            <a:srgbClr val="000000">
-              <a:alpha val="35000"/>
-            </a:srgbClr>
-          </a:outerShdw>
-        </a:effectLst>
-        <a:scene3d>
-          <a:camera prst="orthographicFront"/>
-          <a:lightRig rig="threePt" dir="t">
-            <a:rot lat="0" lon="0" rev="7500000"/>
-          </a:lightRig>
-        </a:scene3d>
-        <a:sp3d prstMaterial="plastic">
-          <a:bevelT w="127000" h="25400" prst="relaxedInset"/>
-        </a:sp3d>
-      </dsp:spPr>
-      <dsp:style>
-        <a:lnRef idx="0">
-          <a:scrgbClr r="0" g="0" b="0"/>
-        </a:lnRef>
-        <a:fillRef idx="3">
-          <a:scrgbClr r="0" g="0" b="0"/>
-        </a:fillRef>
-        <a:effectRef idx="2">
-          <a:scrgbClr r="0" g="0" b="0"/>
-        </a:effectRef>
-        <a:fontRef idx="minor">
-          <a:schemeClr val="lt1"/>
-        </a:fontRef>
-      </dsp:style>
-      <dsp:txBody>
-        <a:bodyPr spcFirstLastPara="0" vert="horz" wrap="square" lIns="152400" tIns="152400" rIns="152400" bIns="4079693" numCol="1" spcCol="1270" anchor="t" anchorCtr="0">
-          <a:noAutofit/>
-        </a:bodyPr>
-        <a:lstStyle/>
-        <a:p>
-          <a:pPr lvl="0" algn="l" defTabSz="1778000">
-            <a:lnSpc>
-              <a:spcPct val="90000"/>
-            </a:lnSpc>
-            <a:spcBef>
-              <a:spcPct val="0"/>
-            </a:spcBef>
-            <a:spcAft>
-              <a:spcPct val="35000"/>
-            </a:spcAft>
-          </a:pPr>
-          <a:r>
-            <a:rPr lang="pt-BR" sz="4000" kern="1200" dirty="0" smtClean="0"/>
-            <a:t>Web site</a:t>
-          </a:r>
-          <a:endParaRPr lang="pt-BR" sz="4000" kern="1200" dirty="0"/>
-        </a:p>
-      </dsp:txBody>
-      <dsp:txXfrm>
-        <a:off x="130866" y="130866"/>
-        <a:ext cx="8667260" cy="4994851"/>
-      </dsp:txXfrm>
-    </dsp:sp>
-    <dsp:sp modelId="{B75B4B1B-09EA-44A0-A091-652EBDE0EA98}">
-      <dsp:nvSpPr>
-        <dsp:cNvPr id="0" name=""/>
-        <dsp:cNvSpPr/>
-      </dsp:nvSpPr>
-      <dsp:spPr>
-        <a:xfrm>
-          <a:off x="223224" y="1314145"/>
-          <a:ext cx="1339348" cy="3679608"/>
-        </a:xfrm>
-        <a:prstGeom prst="roundRect">
-          <a:avLst>
-            <a:gd name="adj" fmla="val 10500"/>
-          </a:avLst>
-        </a:prstGeom>
-        <a:solidFill>
-          <a:schemeClr val="lt1">
-            <a:alpha val="90000"/>
-            <a:hueOff val="0"/>
-            <a:satOff val="0"/>
-            <a:lumOff val="0"/>
-            <a:alphaOff val="0"/>
-          </a:schemeClr>
-        </a:solidFill>
-        <a:ln w="9525" cap="flat" cmpd="sng" algn="ctr">
-          <a:solidFill>
-            <a:schemeClr val="accent1">
-              <a:hueOff val="0"/>
-              <a:satOff val="0"/>
-              <a:lumOff val="0"/>
-              <a:alphaOff val="0"/>
-            </a:schemeClr>
-          </a:solidFill>
-          <a:prstDash val="solid"/>
-        </a:ln>
-        <a:effectLst>
-          <a:outerShdw blurRad="40000" dist="23000" dir="5400000" rotWithShape="0">
-            <a:srgbClr val="000000">
-              <a:alpha val="35000"/>
-            </a:srgbClr>
-          </a:outerShdw>
-        </a:effectLst>
-        <a:scene3d>
-          <a:camera prst="orthographicFront"/>
-          <a:lightRig rig="threePt" dir="t">
-            <a:rot lat="0" lon="0" rev="7500000"/>
-          </a:lightRig>
-        </a:scene3d>
-        <a:sp3d z="152400" extrusionH="63500" prstMaterial="dkEdge">
-          <a:bevelT w="135400" h="16350" prst="relaxedInset"/>
-          <a:contourClr>
-            <a:schemeClr val="bg1"/>
-          </a:contourClr>
-        </a:sp3d>
-      </dsp:spPr>
-      <dsp:style>
-        <a:lnRef idx="1">
-          <a:scrgbClr r="0" g="0" b="0"/>
-        </a:lnRef>
-        <a:fillRef idx="1">
-          <a:scrgbClr r="0" g="0" b="0"/>
-        </a:fillRef>
-        <a:effectRef idx="2">
-          <a:scrgbClr r="0" g="0" b="0"/>
-        </a:effectRef>
-        <a:fontRef idx="minor"/>
-      </dsp:style>
-      <dsp:txBody>
-        <a:bodyPr spcFirstLastPara="0" vert="horz" wrap="square" lIns="76200" tIns="76200" rIns="76200" bIns="76200" numCol="1" spcCol="1270" anchor="ctr" anchorCtr="0">
-          <a:noAutofit/>
-        </a:bodyPr>
-        <a:lstStyle/>
-        <a:p>
-          <a:pPr lvl="0" algn="ctr" defTabSz="889000">
-            <a:lnSpc>
-              <a:spcPct val="90000"/>
-            </a:lnSpc>
-            <a:spcBef>
-              <a:spcPct val="0"/>
-            </a:spcBef>
-            <a:spcAft>
-              <a:spcPct val="35000"/>
-            </a:spcAft>
-          </a:pPr>
-          <a:r>
-            <a:rPr lang="pt-BR" sz="2000" kern="1200" dirty="0" smtClean="0"/>
-            <a:t>Serviço PWA</a:t>
-          </a:r>
-          <a:endParaRPr lang="pt-BR" sz="2000" kern="1200" dirty="0"/>
-        </a:p>
-      </dsp:txBody>
-      <dsp:txXfrm>
-        <a:off x="264414" y="1355335"/>
-        <a:ext cx="1256968" cy="3597228"/>
-      </dsp:txXfrm>
-    </dsp:sp>
-    <dsp:sp modelId="{ADD3C99B-AFC3-47B1-A4DF-7A75CC6ABE97}">
-      <dsp:nvSpPr>
-        <dsp:cNvPr id="0" name=""/>
-        <dsp:cNvSpPr/>
-      </dsp:nvSpPr>
-      <dsp:spPr>
-        <a:xfrm>
-          <a:off x="1785798" y="1314145"/>
-          <a:ext cx="6919968" cy="3679608"/>
-        </a:xfrm>
-        <a:prstGeom prst="roundRect">
-          <a:avLst>
-            <a:gd name="adj" fmla="val 10500"/>
-          </a:avLst>
-        </a:prstGeom>
-        <a:gradFill rotWithShape="0">
-          <a:gsLst>
-            <a:gs pos="0">
-              <a:schemeClr val="accent1">
-                <a:hueOff val="0"/>
-                <a:satOff val="0"/>
-                <a:lumOff val="0"/>
-                <a:alphaOff val="0"/>
-                <a:shade val="51000"/>
-                <a:satMod val="130000"/>
-              </a:schemeClr>
-            </a:gs>
-            <a:gs pos="80000">
-              <a:schemeClr val="accent1">
-                <a:hueOff val="0"/>
-                <a:satOff val="0"/>
-                <a:lumOff val="0"/>
-                <a:alphaOff val="0"/>
-                <a:shade val="93000"/>
-                <a:satMod val="130000"/>
-              </a:schemeClr>
-            </a:gs>
-            <a:gs pos="100000">
-              <a:schemeClr val="accent1">
-                <a:hueOff val="0"/>
-                <a:satOff val="0"/>
-                <a:lumOff val="0"/>
-                <a:alphaOff val="0"/>
-                <a:shade val="94000"/>
-                <a:satMod val="135000"/>
-              </a:schemeClr>
-            </a:gs>
-          </a:gsLst>
-          <a:lin ang="16200000" scaled="0"/>
-        </a:gradFill>
-        <a:ln>
-          <a:noFill/>
-        </a:ln>
-        <a:effectLst>
-          <a:outerShdw blurRad="40000" dist="23000" dir="5400000" rotWithShape="0">
-            <a:srgbClr val="000000">
-              <a:alpha val="35000"/>
-            </a:srgbClr>
-          </a:outerShdw>
-        </a:effectLst>
-        <a:scene3d>
-          <a:camera prst="orthographicFront"/>
-          <a:lightRig rig="threePt" dir="t">
-            <a:rot lat="0" lon="0" rev="7500000"/>
-          </a:lightRig>
-        </a:scene3d>
-        <a:sp3d prstMaterial="plastic">
-          <a:bevelT w="127000" h="25400" prst="relaxedInset"/>
-        </a:sp3d>
-      </dsp:spPr>
-      <dsp:style>
-        <a:lnRef idx="0">
-          <a:scrgbClr r="0" g="0" b="0"/>
-        </a:lnRef>
-        <a:fillRef idx="3">
-          <a:scrgbClr r="0" g="0" b="0"/>
-        </a:fillRef>
-        <a:effectRef idx="2">
-          <a:scrgbClr r="0" g="0" b="0"/>
-        </a:effectRef>
-        <a:fontRef idx="minor">
-          <a:schemeClr val="lt1"/>
-        </a:fontRef>
-      </dsp:style>
-      <dsp:txBody>
-        <a:bodyPr spcFirstLastPara="0" vert="horz" wrap="square" lIns="152400" tIns="152400" rIns="152400" bIns="2336552" numCol="1" spcCol="1270" anchor="t" anchorCtr="0">
-          <a:noAutofit/>
-        </a:bodyPr>
-        <a:lstStyle/>
-        <a:p>
-          <a:pPr lvl="0" algn="l" defTabSz="1778000">
-            <a:lnSpc>
-              <a:spcPct val="90000"/>
-            </a:lnSpc>
-            <a:spcBef>
-              <a:spcPct val="0"/>
-            </a:spcBef>
-            <a:spcAft>
-              <a:spcPct val="35000"/>
-            </a:spcAft>
-          </a:pPr>
-          <a:r>
-            <a:rPr lang="pt-BR" sz="4000" kern="1200" dirty="0" smtClean="0"/>
-            <a:t>Configuração</a:t>
-          </a:r>
-          <a:endParaRPr lang="pt-BR" sz="4000" kern="1200" dirty="0"/>
-        </a:p>
-      </dsp:txBody>
-      <dsp:txXfrm>
-        <a:off x="1898959" y="1427306"/>
-        <a:ext cx="6693646" cy="3453286"/>
-      </dsp:txXfrm>
-    </dsp:sp>
-    <dsp:sp modelId="{003ADD9F-4AC4-45B5-8DD6-EC81A27549EB}">
-      <dsp:nvSpPr>
-        <dsp:cNvPr id="0" name=""/>
-        <dsp:cNvSpPr/>
-      </dsp:nvSpPr>
-      <dsp:spPr>
-        <a:xfrm>
-          <a:off x="1958797" y="2602009"/>
-          <a:ext cx="1383993" cy="2115775"/>
-        </a:xfrm>
-        <a:prstGeom prst="roundRect">
-          <a:avLst>
-            <a:gd name="adj" fmla="val 10500"/>
-          </a:avLst>
-        </a:prstGeom>
-        <a:solidFill>
-          <a:schemeClr val="lt1">
-            <a:alpha val="90000"/>
-            <a:hueOff val="0"/>
-            <a:satOff val="0"/>
-            <a:lumOff val="0"/>
-            <a:alphaOff val="0"/>
-          </a:schemeClr>
-        </a:solidFill>
-        <a:ln w="9525" cap="flat" cmpd="sng" algn="ctr">
-          <a:solidFill>
-            <a:schemeClr val="accent1">
-              <a:hueOff val="0"/>
-              <a:satOff val="0"/>
-              <a:lumOff val="0"/>
-              <a:alphaOff val="0"/>
-            </a:schemeClr>
-          </a:solidFill>
-          <a:prstDash val="solid"/>
-        </a:ln>
-        <a:effectLst>
-          <a:outerShdw blurRad="40000" dist="23000" dir="5400000" rotWithShape="0">
-            <a:srgbClr val="000000">
-              <a:alpha val="35000"/>
-            </a:srgbClr>
-          </a:outerShdw>
-        </a:effectLst>
-        <a:scene3d>
-          <a:camera prst="orthographicFront"/>
-          <a:lightRig rig="threePt" dir="t">
-            <a:rot lat="0" lon="0" rev="7500000"/>
-          </a:lightRig>
-        </a:scene3d>
-        <a:sp3d z="152400" extrusionH="63500" prstMaterial="dkEdge">
-          <a:bevelT w="135400" h="16350" prst="relaxedInset"/>
-          <a:contourClr>
-            <a:schemeClr val="bg1"/>
-          </a:contourClr>
-        </a:sp3d>
-      </dsp:spPr>
-      <dsp:style>
-        <a:lnRef idx="1">
-          <a:scrgbClr r="0" g="0" b="0"/>
-        </a:lnRef>
-        <a:fillRef idx="1">
-          <a:scrgbClr r="0" g="0" b="0"/>
-        </a:fillRef>
-        <a:effectRef idx="2">
-          <a:scrgbClr r="0" g="0" b="0"/>
-        </a:effectRef>
-        <a:fontRef idx="minor"/>
-      </dsp:style>
-      <dsp:txBody>
-        <a:bodyPr spcFirstLastPara="0" vert="horz" wrap="square" lIns="76200" tIns="76200" rIns="76200" bIns="76200" numCol="1" spcCol="1270" anchor="ctr" anchorCtr="0">
-          <a:noAutofit/>
-        </a:bodyPr>
-        <a:lstStyle/>
-        <a:p>
-          <a:pPr lvl="0" algn="ctr" defTabSz="889000">
-            <a:lnSpc>
-              <a:spcPct val="90000"/>
-            </a:lnSpc>
-            <a:spcBef>
-              <a:spcPct val="0"/>
-            </a:spcBef>
-            <a:spcAft>
-              <a:spcPct val="35000"/>
-            </a:spcAft>
-          </a:pPr>
-          <a:r>
-            <a:rPr lang="pt-BR" sz="2000" kern="1200" dirty="0" smtClean="0"/>
-            <a:t>Base dados Aplicação</a:t>
-          </a:r>
-          <a:endParaRPr lang="pt-BR" sz="2000" kern="1200" dirty="0"/>
-        </a:p>
-      </dsp:txBody>
-      <dsp:txXfrm>
-        <a:off x="2001360" y="2644572"/>
-        <a:ext cx="1298867" cy="2030649"/>
-      </dsp:txXfrm>
-    </dsp:sp>
-    <dsp:sp modelId="{A5A6D88A-617E-417D-BD7B-EBF9A20413FC}">
-      <dsp:nvSpPr>
-        <dsp:cNvPr id="0" name=""/>
-        <dsp:cNvSpPr/>
-      </dsp:nvSpPr>
-      <dsp:spPr>
-        <a:xfrm>
-          <a:off x="3526951" y="2628291"/>
-          <a:ext cx="4955590" cy="2102633"/>
-        </a:xfrm>
-        <a:prstGeom prst="roundRect">
-          <a:avLst>
-            <a:gd name="adj" fmla="val 10500"/>
-          </a:avLst>
-        </a:prstGeom>
-        <a:gradFill rotWithShape="0">
-          <a:gsLst>
-            <a:gs pos="0">
-              <a:schemeClr val="accent1">
-                <a:hueOff val="0"/>
-                <a:satOff val="0"/>
-                <a:lumOff val="0"/>
-                <a:alphaOff val="0"/>
-                <a:shade val="51000"/>
-                <a:satMod val="130000"/>
-              </a:schemeClr>
-            </a:gs>
-            <a:gs pos="80000">
-              <a:schemeClr val="accent1">
-                <a:hueOff val="0"/>
-                <a:satOff val="0"/>
-                <a:lumOff val="0"/>
-                <a:alphaOff val="0"/>
-                <a:shade val="93000"/>
-                <a:satMod val="130000"/>
-              </a:schemeClr>
-            </a:gs>
-            <a:gs pos="100000">
-              <a:schemeClr val="accent1">
-                <a:hueOff val="0"/>
-                <a:satOff val="0"/>
-                <a:lumOff val="0"/>
-                <a:alphaOff val="0"/>
-                <a:shade val="94000"/>
-                <a:satMod val="135000"/>
-              </a:schemeClr>
-            </a:gs>
-          </a:gsLst>
-          <a:lin ang="16200000" scaled="0"/>
-        </a:gradFill>
-        <a:ln>
-          <a:noFill/>
-        </a:ln>
-        <a:effectLst>
-          <a:outerShdw blurRad="40000" dist="23000" dir="5400000" rotWithShape="0">
-            <a:srgbClr val="000000">
-              <a:alpha val="35000"/>
-            </a:srgbClr>
-          </a:outerShdw>
-        </a:effectLst>
-        <a:scene3d>
-          <a:camera prst="orthographicFront"/>
-          <a:lightRig rig="threePt" dir="t">
-            <a:rot lat="0" lon="0" rev="7500000"/>
-          </a:lightRig>
-        </a:scene3d>
-        <a:sp3d prstMaterial="plastic">
-          <a:bevelT w="127000" h="25400" prst="relaxedInset"/>
-        </a:sp3d>
-      </dsp:spPr>
-      <dsp:style>
-        <a:lnRef idx="0">
-          <a:scrgbClr r="0" g="0" b="0"/>
-        </a:lnRef>
-        <a:fillRef idx="3">
-          <a:scrgbClr r="0" g="0" b="0"/>
-        </a:fillRef>
-        <a:effectRef idx="2">
-          <a:scrgbClr r="0" g="0" b="0"/>
-        </a:effectRef>
-        <a:fontRef idx="minor">
-          <a:schemeClr val="lt1"/>
-        </a:fontRef>
-      </dsp:style>
-      <dsp:txBody>
-        <a:bodyPr spcFirstLastPara="0" vert="horz" wrap="square" lIns="152400" tIns="152400" rIns="152400" bIns="1186820" numCol="1" spcCol="1270" anchor="t" anchorCtr="0">
-          <a:noAutofit/>
-        </a:bodyPr>
-        <a:lstStyle/>
-        <a:p>
-          <a:pPr lvl="0" algn="l" defTabSz="1778000">
-            <a:lnSpc>
-              <a:spcPct val="90000"/>
-            </a:lnSpc>
-            <a:spcBef>
-              <a:spcPct val="0"/>
-            </a:spcBef>
-            <a:spcAft>
-              <a:spcPct val="35000"/>
-            </a:spcAft>
-          </a:pPr>
-          <a:r>
-            <a:rPr lang="pt-BR" sz="4000" kern="1200" dirty="0" err="1" smtClean="0"/>
-            <a:t>APIs</a:t>
-          </a:r>
-          <a:endParaRPr lang="pt-BR" sz="4000" kern="1200" dirty="0"/>
-        </a:p>
-      </dsp:txBody>
-      <dsp:txXfrm>
-        <a:off x="3591614" y="2692954"/>
-        <a:ext cx="4826264" cy="1973307"/>
-      </dsp:txXfrm>
-    </dsp:sp>
-    <dsp:sp modelId="{2C1EC8B9-85E5-46D8-A0E1-9621919A32B4}">
-      <dsp:nvSpPr>
-        <dsp:cNvPr id="0" name=""/>
-        <dsp:cNvSpPr/>
-      </dsp:nvSpPr>
-      <dsp:spPr>
-        <a:xfrm>
-          <a:off x="3650841" y="3574477"/>
-          <a:ext cx="4707811" cy="946185"/>
-        </a:xfrm>
-        <a:prstGeom prst="roundRect">
-          <a:avLst>
-            <a:gd name="adj" fmla="val 10500"/>
-          </a:avLst>
-        </a:prstGeom>
-        <a:solidFill>
-          <a:schemeClr val="lt1">
-            <a:alpha val="90000"/>
-            <a:hueOff val="0"/>
-            <a:satOff val="0"/>
-            <a:lumOff val="0"/>
-            <a:alphaOff val="0"/>
-          </a:schemeClr>
-        </a:solidFill>
-        <a:ln w="9525" cap="flat" cmpd="sng" algn="ctr">
-          <a:solidFill>
-            <a:schemeClr val="accent1">
-              <a:hueOff val="0"/>
-              <a:satOff val="0"/>
-              <a:lumOff val="0"/>
-              <a:alphaOff val="0"/>
-            </a:schemeClr>
-          </a:solidFill>
-          <a:prstDash val="solid"/>
-        </a:ln>
-        <a:effectLst>
-          <a:outerShdw blurRad="40000" dist="23000" dir="5400000" rotWithShape="0">
-            <a:srgbClr val="000000">
-              <a:alpha val="35000"/>
-            </a:srgbClr>
-          </a:outerShdw>
-        </a:effectLst>
-        <a:scene3d>
-          <a:camera prst="orthographicFront"/>
-          <a:lightRig rig="threePt" dir="t">
-            <a:rot lat="0" lon="0" rev="7500000"/>
-          </a:lightRig>
-        </a:scene3d>
-        <a:sp3d z="152400" extrusionH="63500" prstMaterial="dkEdge">
-          <a:bevelT w="135400" h="16350" prst="relaxedInset"/>
-          <a:contourClr>
-            <a:schemeClr val="bg1"/>
-          </a:contourClr>
-        </a:sp3d>
-      </dsp:spPr>
-      <dsp:style>
-        <a:lnRef idx="1">
-          <a:scrgbClr r="0" g="0" b="0"/>
-        </a:lnRef>
-        <a:fillRef idx="1">
-          <a:scrgbClr r="0" g="0" b="0"/>
-        </a:fillRef>
-        <a:effectRef idx="2">
-          <a:scrgbClr r="0" g="0" b="0"/>
-        </a:effectRef>
-        <a:fontRef idx="minor"/>
-      </dsp:style>
-      <dsp:txBody>
-        <a:bodyPr spcFirstLastPara="0" vert="horz" wrap="square" lIns="76200" tIns="76200" rIns="76200" bIns="76200" numCol="1" spcCol="1270" anchor="ctr" anchorCtr="0">
-          <a:noAutofit/>
-        </a:bodyPr>
-        <a:lstStyle/>
-        <a:p>
-          <a:pPr lvl="0" algn="ctr" defTabSz="889000">
-            <a:lnSpc>
-              <a:spcPct val="90000"/>
-            </a:lnSpc>
-            <a:spcBef>
-              <a:spcPct val="0"/>
-            </a:spcBef>
-            <a:spcAft>
-              <a:spcPct val="35000"/>
-            </a:spcAft>
-          </a:pPr>
-          <a:r>
-            <a:rPr lang="pt-BR" sz="2000" kern="1200" dirty="0" smtClean="0"/>
-            <a:t>Bases terceiras</a:t>
-          </a:r>
-          <a:endParaRPr lang="pt-BR" sz="2000" kern="1200" dirty="0"/>
-        </a:p>
-      </dsp:txBody>
-      <dsp:txXfrm>
-        <a:off x="3679939" y="3603575"/>
-        <a:ext cx="4649615" cy="887989"/>
-      </dsp:txXfrm>
-    </dsp:sp>
   </dsp:spTree>
 </dsp:drawing>
 </file>
@@ -33272,7 +25198,7 @@
           <a:p>
             <a:fld id="{3F5D9F91-5035-469D-968F-FE3C304D0282}" type="datetimeFigureOut">
               <a:rPr lang="pt-BR" smtClean="0"/>
-              <a:t>23/10/2018</a:t>
+              <a:t>13/11/2018</a:t>
             </a:fld>
             <a:endParaRPr lang="pt-BR"/>
           </a:p>
@@ -34024,7 +25950,7 @@
           <a:p>
             <a:fld id="{6170734A-4B5A-4F3B-B573-1E93A2DEC51B}" type="datetimeFigureOut">
               <a:rPr lang="pt-BR" smtClean="0"/>
-              <a:t>23/10/2018</a:t>
+              <a:t>13/11/2018</a:t>
             </a:fld>
             <a:endParaRPr lang="pt-BR"/>
           </a:p>
@@ -34189,7 +26115,7 @@
           <a:p>
             <a:fld id="{6170734A-4B5A-4F3B-B573-1E93A2DEC51B}" type="datetimeFigureOut">
               <a:rPr lang="pt-BR" smtClean="0"/>
-              <a:t>23/10/2018</a:t>
+              <a:t>13/11/2018</a:t>
             </a:fld>
             <a:endParaRPr lang="pt-BR"/>
           </a:p>
@@ -34364,7 +26290,7 @@
           <a:p>
             <a:fld id="{6170734A-4B5A-4F3B-B573-1E93A2DEC51B}" type="datetimeFigureOut">
               <a:rPr lang="pt-BR" smtClean="0"/>
-              <a:t>23/10/2018</a:t>
+              <a:t>13/11/2018</a:t>
             </a:fld>
             <a:endParaRPr lang="pt-BR"/>
           </a:p>
@@ -34547,7 +26473,7 @@
           <a:p>
             <a:fld id="{6170734A-4B5A-4F3B-B573-1E93A2DEC51B}" type="datetimeFigureOut">
               <a:rPr lang="pt-BR" smtClean="0"/>
-              <a:t>23/10/2018</a:t>
+              <a:t>13/11/2018</a:t>
             </a:fld>
             <a:endParaRPr lang="pt-BR"/>
           </a:p>
@@ -34809,7 +26735,7 @@
           <a:p>
             <a:fld id="{6170734A-4B5A-4F3B-B573-1E93A2DEC51B}" type="datetimeFigureOut">
               <a:rPr lang="pt-BR" smtClean="0"/>
-              <a:t>23/10/2018</a:t>
+              <a:t>13/11/2018</a:t>
             </a:fld>
             <a:endParaRPr lang="pt-BR"/>
           </a:p>
@@ -35157,7 +27083,7 @@
           <a:p>
             <a:fld id="{6170734A-4B5A-4F3B-B573-1E93A2DEC51B}" type="datetimeFigureOut">
               <a:rPr lang="pt-BR" smtClean="0"/>
-              <a:t>23/10/2018</a:t>
+              <a:t>13/11/2018</a:t>
             </a:fld>
             <a:endParaRPr lang="pt-BR"/>
           </a:p>
@@ -35465,7 +27391,7 @@
           <a:p>
             <a:fld id="{6170734A-4B5A-4F3B-B573-1E93A2DEC51B}" type="datetimeFigureOut">
               <a:rPr lang="pt-BR" smtClean="0"/>
-              <a:t>23/10/2018</a:t>
+              <a:t>13/11/2018</a:t>
             </a:fld>
             <a:endParaRPr lang="pt-BR"/>
           </a:p>
@@ -35692,7 +27618,7 @@
           <a:p>
             <a:fld id="{6170734A-4B5A-4F3B-B573-1E93A2DEC51B}" type="datetimeFigureOut">
               <a:rPr lang="pt-BR" smtClean="0"/>
-              <a:t>23/10/2018</a:t>
+              <a:t>13/11/2018</a:t>
             </a:fld>
             <a:endParaRPr lang="pt-BR"/>
           </a:p>
@@ -35782,7 +27708,7 @@
           <a:p>
             <a:fld id="{6170734A-4B5A-4F3B-B573-1E93A2DEC51B}" type="datetimeFigureOut">
               <a:rPr lang="pt-BR" smtClean="0"/>
-              <a:t>23/10/2018</a:t>
+              <a:t>13/11/2018</a:t>
             </a:fld>
             <a:endParaRPr lang="pt-BR"/>
           </a:p>
@@ -36070,7 +27996,7 @@
           <a:p>
             <a:fld id="{6170734A-4B5A-4F3B-B573-1E93A2DEC51B}" type="datetimeFigureOut">
               <a:rPr lang="pt-BR" smtClean="0"/>
-              <a:t>23/10/2018</a:t>
+              <a:t>13/11/2018</a:t>
             </a:fld>
             <a:endParaRPr lang="pt-BR"/>
           </a:p>
@@ -36339,7 +28265,7 @@
           <a:p>
             <a:fld id="{6170734A-4B5A-4F3B-B573-1E93A2DEC51B}" type="datetimeFigureOut">
               <a:rPr lang="pt-BR" smtClean="0"/>
-              <a:t>23/10/2018</a:t>
+              <a:t>13/11/2018</a:t>
             </a:fld>
             <a:endParaRPr lang="pt-BR"/>
           </a:p>
@@ -36549,7 +28475,7 @@
           <a:p>
             <a:fld id="{6170734A-4B5A-4F3B-B573-1E93A2DEC51B}" type="datetimeFigureOut">
               <a:rPr lang="pt-BR" smtClean="0"/>
-              <a:t>23/10/2018</a:t>
+              <a:t>13/11/2018</a:t>
             </a:fld>
             <a:endParaRPr lang="pt-BR"/>
           </a:p>
